--- a/EC)Basic 4주차.pptx
+++ b/EC)Basic 4주차.pptx
@@ -8,10 +8,16 @@
     <p:sldId id="256" r:id="rId2"/>
     <p:sldId id="257" r:id="rId3"/>
     <p:sldId id="267" r:id="rId4"/>
-    <p:sldId id="268" r:id="rId5"/>
-    <p:sldId id="269" r:id="rId6"/>
-    <p:sldId id="270" r:id="rId7"/>
-    <p:sldId id="271" r:id="rId8"/>
+    <p:sldId id="274" r:id="rId5"/>
+    <p:sldId id="276" r:id="rId6"/>
+    <p:sldId id="275" r:id="rId7"/>
+    <p:sldId id="277" r:id="rId8"/>
+    <p:sldId id="272" r:id="rId9"/>
+    <p:sldId id="273" r:id="rId10"/>
+    <p:sldId id="278" r:id="rId11"/>
+    <p:sldId id="270" r:id="rId12"/>
+    <p:sldId id="279" r:id="rId13"/>
+    <p:sldId id="271" r:id="rId14"/>
   </p:sldIdLst>
   <p:sldSz cx="12192000" cy="6858000"/>
   <p:notesSz cx="6858000" cy="9144000"/>
@@ -265,7 +271,7 @@
           <a:p>
             <a:fld id="{99D9758D-D09E-4F4D-9D6D-5374D685559F}" type="datetimeFigureOut">
               <a:rPr lang="ko-KR" altLang="en-US" smtClean="0"/>
-              <a:t>2021-03-05</a:t>
+              <a:t>2021-03-24</a:t>
             </a:fld>
             <a:endParaRPr lang="ko-KR" altLang="en-US"/>
           </a:p>
@@ -463,7 +469,7 @@
           <a:p>
             <a:fld id="{99D9758D-D09E-4F4D-9D6D-5374D685559F}" type="datetimeFigureOut">
               <a:rPr lang="ko-KR" altLang="en-US" smtClean="0"/>
-              <a:t>2021-03-05</a:t>
+              <a:t>2021-03-24</a:t>
             </a:fld>
             <a:endParaRPr lang="ko-KR" altLang="en-US"/>
           </a:p>
@@ -671,7 +677,7 @@
           <a:p>
             <a:fld id="{99D9758D-D09E-4F4D-9D6D-5374D685559F}" type="datetimeFigureOut">
               <a:rPr lang="ko-KR" altLang="en-US" smtClean="0"/>
-              <a:t>2021-03-05</a:t>
+              <a:t>2021-03-24</a:t>
             </a:fld>
             <a:endParaRPr lang="ko-KR" altLang="en-US"/>
           </a:p>
@@ -869,7 +875,7 @@
           <a:p>
             <a:fld id="{99D9758D-D09E-4F4D-9D6D-5374D685559F}" type="datetimeFigureOut">
               <a:rPr lang="ko-KR" altLang="en-US" smtClean="0"/>
-              <a:t>2021-03-05</a:t>
+              <a:t>2021-03-24</a:t>
             </a:fld>
             <a:endParaRPr lang="ko-KR" altLang="en-US"/>
           </a:p>
@@ -1144,7 +1150,7 @@
           <a:p>
             <a:fld id="{99D9758D-D09E-4F4D-9D6D-5374D685559F}" type="datetimeFigureOut">
               <a:rPr lang="ko-KR" altLang="en-US" smtClean="0"/>
-              <a:t>2021-03-05</a:t>
+              <a:t>2021-03-24</a:t>
             </a:fld>
             <a:endParaRPr lang="ko-KR" altLang="en-US"/>
           </a:p>
@@ -1409,7 +1415,7 @@
           <a:p>
             <a:fld id="{99D9758D-D09E-4F4D-9D6D-5374D685559F}" type="datetimeFigureOut">
               <a:rPr lang="ko-KR" altLang="en-US" smtClean="0"/>
-              <a:t>2021-03-05</a:t>
+              <a:t>2021-03-24</a:t>
             </a:fld>
             <a:endParaRPr lang="ko-KR" altLang="en-US"/>
           </a:p>
@@ -1821,7 +1827,7 @@
           <a:p>
             <a:fld id="{99D9758D-D09E-4F4D-9D6D-5374D685559F}" type="datetimeFigureOut">
               <a:rPr lang="ko-KR" altLang="en-US" smtClean="0"/>
-              <a:t>2021-03-05</a:t>
+              <a:t>2021-03-24</a:t>
             </a:fld>
             <a:endParaRPr lang="ko-KR" altLang="en-US"/>
           </a:p>
@@ -1962,7 +1968,7 @@
           <a:p>
             <a:fld id="{99D9758D-D09E-4F4D-9D6D-5374D685559F}" type="datetimeFigureOut">
               <a:rPr lang="ko-KR" altLang="en-US" smtClean="0"/>
-              <a:t>2021-03-05</a:t>
+              <a:t>2021-03-24</a:t>
             </a:fld>
             <a:endParaRPr lang="ko-KR" altLang="en-US"/>
           </a:p>
@@ -2075,7 +2081,7 @@
           <a:p>
             <a:fld id="{99D9758D-D09E-4F4D-9D6D-5374D685559F}" type="datetimeFigureOut">
               <a:rPr lang="ko-KR" altLang="en-US" smtClean="0"/>
-              <a:t>2021-03-05</a:t>
+              <a:t>2021-03-24</a:t>
             </a:fld>
             <a:endParaRPr lang="ko-KR" altLang="en-US"/>
           </a:p>
@@ -2386,7 +2392,7 @@
           <a:p>
             <a:fld id="{99D9758D-D09E-4F4D-9D6D-5374D685559F}" type="datetimeFigureOut">
               <a:rPr lang="ko-KR" altLang="en-US" smtClean="0"/>
-              <a:t>2021-03-05</a:t>
+              <a:t>2021-03-24</a:t>
             </a:fld>
             <a:endParaRPr lang="ko-KR" altLang="en-US"/>
           </a:p>
@@ -2674,7 +2680,7 @@
           <a:p>
             <a:fld id="{99D9758D-D09E-4F4D-9D6D-5374D685559F}" type="datetimeFigureOut">
               <a:rPr lang="ko-KR" altLang="en-US" smtClean="0"/>
-              <a:t>2021-03-05</a:t>
+              <a:t>2021-03-24</a:t>
             </a:fld>
             <a:endParaRPr lang="ko-KR" altLang="en-US"/>
           </a:p>
@@ -2918,7 +2924,7 @@
           <a:p>
             <a:fld id="{99D9758D-D09E-4F4D-9D6D-5374D685559F}" type="datetimeFigureOut">
               <a:rPr lang="ko-KR" altLang="en-US" smtClean="0"/>
-              <a:t>2021-03-05</a:t>
+              <a:t>2021-03-24</a:t>
             </a:fld>
             <a:endParaRPr lang="ko-KR" altLang="en-US"/>
           </a:p>
@@ -3573,6 +3579,1474 @@
 </p:sld>
 </file>
 
+<file path=ppt/slides/slide10.xml><?xml version="1.0" encoding="utf-8"?>
+<p:sld xmlns:a="http://schemas.openxmlformats.org/drawingml/2006/main" xmlns:r="http://schemas.openxmlformats.org/officeDocument/2006/relationships" xmlns:p="http://schemas.openxmlformats.org/presentationml/2006/main">
+  <p:cSld>
+    <p:spTree>
+      <p:nvGrpSpPr>
+        <p:cNvPr id="1" name=""/>
+        <p:cNvGrpSpPr/>
+        <p:nvPr/>
+      </p:nvGrpSpPr>
+      <p:grpSpPr>
+        <a:xfrm>
+          <a:off x="0" y="0"/>
+          <a:ext cx="0" cy="0"/>
+          <a:chOff x="0" y="0"/>
+          <a:chExt cx="0" cy="0"/>
+        </a:xfrm>
+      </p:grpSpPr>
+      <p:pic>
+        <p:nvPicPr>
+          <p:cNvPr id="6" name="그림 5" descr="화살이(가) 표시된 사진&#10;&#10;자동 생성된 설명">
+            <a:extLst>
+              <a:ext uri="{FF2B5EF4-FFF2-40B4-BE49-F238E27FC236}">
+                <a16:creationId xmlns:a16="http://schemas.microsoft.com/office/drawing/2014/main" id="{A56C6D43-05A3-4988-A7D7-3D59E2F65C17}"/>
+              </a:ext>
+            </a:extLst>
+          </p:cNvPr>
+          <p:cNvPicPr>
+            <a:picLocks noChangeAspect="1"/>
+          </p:cNvPicPr>
+          <p:nvPr/>
+        </p:nvPicPr>
+        <p:blipFill>
+          <a:blip r:embed="rId2">
+            <a:alphaModFix amt="5000"/>
+            <a:extLst>
+              <a:ext uri="{28A0092B-C50C-407E-A947-70E740481C1C}">
+                <a14:useLocalDpi xmlns:a14="http://schemas.microsoft.com/office/drawing/2010/main" val="0"/>
+              </a:ext>
+            </a:extLst>
+          </a:blip>
+          <a:stretch>
+            <a:fillRect/>
+          </a:stretch>
+        </p:blipFill>
+        <p:spPr>
+          <a:xfrm>
+            <a:off x="1209040" y="-1"/>
+            <a:ext cx="9875520" cy="6857429"/>
+          </a:xfrm>
+          <a:prstGeom prst="rect">
+            <a:avLst/>
+          </a:prstGeom>
+        </p:spPr>
+      </p:pic>
+      <p:sp>
+        <p:nvSpPr>
+          <p:cNvPr id="2" name="제목 1">
+            <a:extLst>
+              <a:ext uri="{FF2B5EF4-FFF2-40B4-BE49-F238E27FC236}">
+                <a16:creationId xmlns:a16="http://schemas.microsoft.com/office/drawing/2014/main" id="{B5F771FA-F15B-46C3-BA0D-4B28CB171312}"/>
+              </a:ext>
+            </a:extLst>
+          </p:cNvPr>
+          <p:cNvSpPr>
+            <a:spLocks noGrp="1"/>
+          </p:cNvSpPr>
+          <p:nvPr>
+            <p:ph type="ctrTitle"/>
+          </p:nvPr>
+        </p:nvSpPr>
+        <p:spPr>
+          <a:xfrm>
+            <a:off x="301812" y="210670"/>
+            <a:ext cx="11689976" cy="851648"/>
+          </a:xfrm>
+        </p:spPr>
+        <p:txBody>
+          <a:bodyPr>
+            <a:normAutofit fontScale="90000"/>
+          </a:bodyPr>
+          <a:lstStyle/>
+          <a:p>
+            <a:pPr algn="l"/>
+            <a:r>
+              <a:rPr lang="ko-KR" altLang="en-US" b="1">
+                <a:effectLst>
+                  <a:outerShdw blurRad="38100" dist="38100" dir="2700000" algn="tl">
+                    <a:srgbClr val="000000">
+                      <a:alpha val="43137"/>
+                    </a:srgbClr>
+                  </a:outerShdw>
+                </a:effectLst>
+              </a:rPr>
+              <a:t>구조체</a:t>
+            </a:r>
+          </a:p>
+        </p:txBody>
+      </p:sp>
+      <p:sp>
+        <p:nvSpPr>
+          <p:cNvPr id="4" name="이등변 삼각형 3">
+            <a:extLst>
+              <a:ext uri="{FF2B5EF4-FFF2-40B4-BE49-F238E27FC236}">
+                <a16:creationId xmlns:a16="http://schemas.microsoft.com/office/drawing/2014/main" id="{D82EB4D7-301B-4780-87C6-7D1E66BD5181}"/>
+              </a:ext>
+            </a:extLst>
+          </p:cNvPr>
+          <p:cNvSpPr/>
+          <p:nvPr/>
+        </p:nvSpPr>
+        <p:spPr>
+          <a:xfrm rot="10800000">
+            <a:off x="11204089" y="-1"/>
+            <a:ext cx="987911" cy="851647"/>
+          </a:xfrm>
+          <a:prstGeom prst="triangle">
+            <a:avLst>
+              <a:gd name="adj" fmla="val 0"/>
+            </a:avLst>
+          </a:prstGeom>
+          <a:solidFill>
+            <a:schemeClr val="tx1"/>
+          </a:solidFill>
+          <a:ln>
+            <a:solidFill>
+              <a:schemeClr val="tx1"/>
+            </a:solidFill>
+          </a:ln>
+        </p:spPr>
+        <p:style>
+          <a:lnRef idx="2">
+            <a:schemeClr val="accent1">
+              <a:shade val="50000"/>
+            </a:schemeClr>
+          </a:lnRef>
+          <a:fillRef idx="1">
+            <a:schemeClr val="accent1"/>
+          </a:fillRef>
+          <a:effectRef idx="0">
+            <a:schemeClr val="accent1"/>
+          </a:effectRef>
+          <a:fontRef idx="minor">
+            <a:schemeClr val="lt1"/>
+          </a:fontRef>
+        </p:style>
+        <p:txBody>
+          <a:bodyPr rtlCol="0" anchor="ctr"/>
+          <a:lstStyle/>
+          <a:p>
+            <a:pPr algn="ctr"/>
+            <a:endParaRPr lang="ko-KR" altLang="en-US"/>
+          </a:p>
+        </p:txBody>
+      </p:sp>
+      <p:cxnSp>
+        <p:nvCxnSpPr>
+          <p:cNvPr id="7" name="직선 연결선 6">
+            <a:extLst>
+              <a:ext uri="{FF2B5EF4-FFF2-40B4-BE49-F238E27FC236}">
+                <a16:creationId xmlns:a16="http://schemas.microsoft.com/office/drawing/2014/main" id="{2585E046-0EB0-4A38-9487-0FDCAD563659}"/>
+              </a:ext>
+            </a:extLst>
+          </p:cNvPr>
+          <p:cNvCxnSpPr/>
+          <p:nvPr/>
+        </p:nvCxnSpPr>
+        <p:spPr>
+          <a:xfrm>
+            <a:off x="30480" y="1143598"/>
+            <a:ext cx="2357120" cy="0"/>
+          </a:xfrm>
+          <a:prstGeom prst="line">
+            <a:avLst/>
+          </a:prstGeom>
+          <a:ln w="63500">
+            <a:solidFill>
+              <a:schemeClr val="tx1"/>
+            </a:solidFill>
+          </a:ln>
+        </p:spPr>
+        <p:style>
+          <a:lnRef idx="1">
+            <a:schemeClr val="accent1"/>
+          </a:lnRef>
+          <a:fillRef idx="0">
+            <a:schemeClr val="accent1"/>
+          </a:fillRef>
+          <a:effectRef idx="0">
+            <a:schemeClr val="accent1"/>
+          </a:effectRef>
+          <a:fontRef idx="minor">
+            <a:schemeClr val="tx1"/>
+          </a:fontRef>
+        </p:style>
+      </p:cxnSp>
+      <p:sp>
+        <p:nvSpPr>
+          <p:cNvPr id="9" name="TextBox 8">
+            <a:extLst>
+              <a:ext uri="{FF2B5EF4-FFF2-40B4-BE49-F238E27FC236}">
+                <a16:creationId xmlns:a16="http://schemas.microsoft.com/office/drawing/2014/main" id="{0D9F02F6-35F7-46F5-8FFE-FBAD20732CDC}"/>
+              </a:ext>
+            </a:extLst>
+          </p:cNvPr>
+          <p:cNvSpPr txBox="1"/>
+          <p:nvPr/>
+        </p:nvSpPr>
+        <p:spPr>
+          <a:xfrm>
+            <a:off x="301812" y="1347761"/>
+            <a:ext cx="7700955" cy="461665"/>
+          </a:xfrm>
+          <a:prstGeom prst="rect">
+            <a:avLst/>
+          </a:prstGeom>
+          <a:noFill/>
+        </p:spPr>
+        <p:txBody>
+          <a:bodyPr wrap="square" rtlCol="0">
+            <a:spAutoFit/>
+          </a:bodyPr>
+          <a:lstStyle/>
+          <a:p>
+            <a:pPr marL="457200" indent="-457200">
+              <a:buFont typeface="Arial" panose="020B0604020202020204" pitchFamily="34" charset="0"/>
+              <a:buChar char="•"/>
+            </a:pPr>
+            <a:r>
+              <a:rPr lang="ko-KR" altLang="en-US" sz="2400" b="1">
+                <a:effectLst>
+                  <a:outerShdw blurRad="38100" dist="38100" dir="2700000" algn="tl">
+                    <a:srgbClr val="000000">
+                      <a:alpha val="43137"/>
+                    </a:srgbClr>
+                  </a:outerShdw>
+                </a:effectLst>
+              </a:rPr>
+              <a:t>구조체의 사용 예시</a:t>
+            </a:r>
+            <a:endParaRPr lang="en-US" altLang="ko-KR" sz="2400" b="1">
+              <a:effectLst>
+                <a:outerShdw blurRad="38100" dist="38100" dir="2700000" algn="tl">
+                  <a:srgbClr val="000000">
+                    <a:alpha val="43137"/>
+                  </a:srgbClr>
+                </a:outerShdw>
+              </a:effectLst>
+            </a:endParaRPr>
+          </a:p>
+        </p:txBody>
+      </p:sp>
+      <p:sp>
+        <p:nvSpPr>
+          <p:cNvPr id="10" name="TextBox 9">
+            <a:extLst>
+              <a:ext uri="{FF2B5EF4-FFF2-40B4-BE49-F238E27FC236}">
+                <a16:creationId xmlns:a16="http://schemas.microsoft.com/office/drawing/2014/main" id="{A29EA04F-7B1B-49BC-ACB8-3B4FF42C8C33}"/>
+              </a:ext>
+            </a:extLst>
+          </p:cNvPr>
+          <p:cNvSpPr txBox="1"/>
+          <p:nvPr/>
+        </p:nvSpPr>
+        <p:spPr>
+          <a:xfrm>
+            <a:off x="730922" y="1941546"/>
+            <a:ext cx="9300584" cy="461665"/>
+          </a:xfrm>
+          <a:prstGeom prst="rect">
+            <a:avLst/>
+          </a:prstGeom>
+          <a:noFill/>
+        </p:spPr>
+        <p:txBody>
+          <a:bodyPr wrap="square" rtlCol="0">
+            <a:spAutoFit/>
+          </a:bodyPr>
+          <a:lstStyle/>
+          <a:p>
+            <a:r>
+              <a:rPr lang="ko-KR" altLang="en-US" sz="2400">
+                <a:effectLst>
+                  <a:outerShdw blurRad="38100" dist="38100" dir="2700000" algn="tl">
+                    <a:srgbClr val="000000">
+                      <a:alpha val="43137"/>
+                    </a:srgbClr>
+                  </a:outerShdw>
+                </a:effectLst>
+              </a:rPr>
+              <a:t>신입생 </a:t>
+            </a:r>
+            <a:r>
+              <a:rPr lang="en-US" altLang="ko-KR" sz="2400">
+                <a:effectLst>
+                  <a:outerShdw blurRad="38100" dist="38100" dir="2700000" algn="tl">
+                    <a:srgbClr val="000000">
+                      <a:alpha val="43137"/>
+                    </a:srgbClr>
+                  </a:outerShdw>
+                </a:effectLst>
+              </a:rPr>
+              <a:t>C</a:t>
+            </a:r>
+            <a:r>
+              <a:rPr lang="ko-KR" altLang="en-US" sz="2400">
+                <a:effectLst>
+                  <a:outerShdw blurRad="38100" dist="38100" dir="2700000" algn="tl">
+                    <a:srgbClr val="000000">
+                      <a:alpha val="43137"/>
+                    </a:srgbClr>
+                  </a:outerShdw>
+                </a:effectLst>
+              </a:rPr>
+              <a:t>언어 테스터 </a:t>
+            </a:r>
+            <a:r>
+              <a:rPr lang="en-US" altLang="ko-KR" sz="2400">
+                <a:effectLst>
+                  <a:outerShdw blurRad="38100" dist="38100" dir="2700000" algn="tl">
+                    <a:srgbClr val="000000">
+                      <a:alpha val="43137"/>
+                    </a:srgbClr>
+                  </a:outerShdw>
+                </a:effectLst>
+              </a:rPr>
+              <a:t>8</a:t>
+            </a:r>
+            <a:r>
+              <a:rPr lang="ko-KR" altLang="en-US" sz="2400">
+                <a:effectLst>
+                  <a:outerShdw blurRad="38100" dist="38100" dir="2700000" algn="tl">
+                    <a:srgbClr val="000000">
+                      <a:alpha val="43137"/>
+                    </a:srgbClr>
+                  </a:outerShdw>
+                </a:effectLst>
+              </a:rPr>
+              <a:t>번 문제 풀이</a:t>
+            </a:r>
+            <a:endParaRPr lang="en-US" altLang="ko-KR" sz="2400">
+              <a:effectLst>
+                <a:outerShdw blurRad="38100" dist="38100" dir="2700000" algn="tl">
+                  <a:srgbClr val="000000">
+                    <a:alpha val="43137"/>
+                  </a:srgbClr>
+                </a:outerShdw>
+              </a:effectLst>
+            </a:endParaRPr>
+          </a:p>
+        </p:txBody>
+      </p:sp>
+    </p:spTree>
+    <p:extLst>
+      <p:ext uri="{BB962C8B-B14F-4D97-AF65-F5344CB8AC3E}">
+        <p14:creationId xmlns:p14="http://schemas.microsoft.com/office/powerpoint/2010/main" val="1515440641"/>
+      </p:ext>
+    </p:extLst>
+  </p:cSld>
+  <p:clrMapOvr>
+    <a:masterClrMapping/>
+  </p:clrMapOvr>
+</p:sld>
+</file>
+
+<file path=ppt/slides/slide11.xml><?xml version="1.0" encoding="utf-8"?>
+<p:sld xmlns:a="http://schemas.openxmlformats.org/drawingml/2006/main" xmlns:r="http://schemas.openxmlformats.org/officeDocument/2006/relationships" xmlns:p="http://schemas.openxmlformats.org/presentationml/2006/main">
+  <p:cSld>
+    <p:spTree>
+      <p:nvGrpSpPr>
+        <p:cNvPr id="1" name=""/>
+        <p:cNvGrpSpPr/>
+        <p:nvPr/>
+      </p:nvGrpSpPr>
+      <p:grpSpPr>
+        <a:xfrm>
+          <a:off x="0" y="0"/>
+          <a:ext cx="0" cy="0"/>
+          <a:chOff x="0" y="0"/>
+          <a:chExt cx="0" cy="0"/>
+        </a:xfrm>
+      </p:grpSpPr>
+      <p:pic>
+        <p:nvPicPr>
+          <p:cNvPr id="10" name="그림 9" descr="화살이(가) 표시된 사진&#10;&#10;자동 생성된 설명">
+            <a:extLst>
+              <a:ext uri="{FF2B5EF4-FFF2-40B4-BE49-F238E27FC236}">
+                <a16:creationId xmlns:a16="http://schemas.microsoft.com/office/drawing/2014/main" id="{44CFF3E1-8AF5-49B1-BCC4-92C7C5FC2EAB}"/>
+              </a:ext>
+            </a:extLst>
+          </p:cNvPr>
+          <p:cNvPicPr>
+            <a:picLocks noChangeAspect="1"/>
+          </p:cNvPicPr>
+          <p:nvPr/>
+        </p:nvPicPr>
+        <p:blipFill>
+          <a:blip r:embed="rId2">
+            <a:alphaModFix amt="5000"/>
+            <a:extLst>
+              <a:ext uri="{28A0092B-C50C-407E-A947-70E740481C1C}">
+                <a14:useLocalDpi xmlns:a14="http://schemas.microsoft.com/office/drawing/2010/main" val="0"/>
+              </a:ext>
+            </a:extLst>
+          </a:blip>
+          <a:stretch>
+            <a:fillRect/>
+          </a:stretch>
+        </p:blipFill>
+        <p:spPr>
+          <a:xfrm>
+            <a:off x="1209040" y="-1"/>
+            <a:ext cx="9875520" cy="6857429"/>
+          </a:xfrm>
+          <a:prstGeom prst="rect">
+            <a:avLst/>
+          </a:prstGeom>
+        </p:spPr>
+      </p:pic>
+      <p:sp>
+        <p:nvSpPr>
+          <p:cNvPr id="2" name="제목 1">
+            <a:extLst>
+              <a:ext uri="{FF2B5EF4-FFF2-40B4-BE49-F238E27FC236}">
+                <a16:creationId xmlns:a16="http://schemas.microsoft.com/office/drawing/2014/main" id="{B5F771FA-F15B-46C3-BA0D-4B28CB171312}"/>
+              </a:ext>
+            </a:extLst>
+          </p:cNvPr>
+          <p:cNvSpPr>
+            <a:spLocks noGrp="1"/>
+          </p:cNvSpPr>
+          <p:nvPr>
+            <p:ph type="ctrTitle"/>
+          </p:nvPr>
+        </p:nvSpPr>
+        <p:spPr>
+          <a:xfrm>
+            <a:off x="301812" y="210670"/>
+            <a:ext cx="11689976" cy="851648"/>
+          </a:xfrm>
+        </p:spPr>
+        <p:txBody>
+          <a:bodyPr>
+            <a:normAutofit fontScale="90000"/>
+          </a:bodyPr>
+          <a:lstStyle/>
+          <a:p>
+            <a:pPr algn="l"/>
+            <a:r>
+              <a:rPr lang="ko-KR" altLang="en-US" b="1">
+                <a:effectLst>
+                  <a:outerShdw blurRad="38100" dist="38100" dir="2700000" algn="tl">
+                    <a:srgbClr val="000000">
+                      <a:alpha val="43137"/>
+                    </a:srgbClr>
+                  </a:outerShdw>
+                </a:effectLst>
+              </a:rPr>
+              <a:t>파일입출력</a:t>
+            </a:r>
+          </a:p>
+        </p:txBody>
+      </p:sp>
+      <p:sp>
+        <p:nvSpPr>
+          <p:cNvPr id="4" name="이등변 삼각형 3">
+            <a:extLst>
+              <a:ext uri="{FF2B5EF4-FFF2-40B4-BE49-F238E27FC236}">
+                <a16:creationId xmlns:a16="http://schemas.microsoft.com/office/drawing/2014/main" id="{D82EB4D7-301B-4780-87C6-7D1E66BD5181}"/>
+              </a:ext>
+            </a:extLst>
+          </p:cNvPr>
+          <p:cNvSpPr/>
+          <p:nvPr/>
+        </p:nvSpPr>
+        <p:spPr>
+          <a:xfrm rot="10800000">
+            <a:off x="11204089" y="-1"/>
+            <a:ext cx="987911" cy="851647"/>
+          </a:xfrm>
+          <a:prstGeom prst="triangle">
+            <a:avLst>
+              <a:gd name="adj" fmla="val 0"/>
+            </a:avLst>
+          </a:prstGeom>
+          <a:solidFill>
+            <a:schemeClr val="tx1"/>
+          </a:solidFill>
+          <a:ln>
+            <a:solidFill>
+              <a:schemeClr val="tx1"/>
+            </a:solidFill>
+          </a:ln>
+        </p:spPr>
+        <p:style>
+          <a:lnRef idx="2">
+            <a:schemeClr val="accent1">
+              <a:shade val="50000"/>
+            </a:schemeClr>
+          </a:lnRef>
+          <a:fillRef idx="1">
+            <a:schemeClr val="accent1"/>
+          </a:fillRef>
+          <a:effectRef idx="0">
+            <a:schemeClr val="accent1"/>
+          </a:effectRef>
+          <a:fontRef idx="minor">
+            <a:schemeClr val="lt1"/>
+          </a:fontRef>
+        </p:style>
+        <p:txBody>
+          <a:bodyPr rtlCol="0" anchor="ctr"/>
+          <a:lstStyle/>
+          <a:p>
+            <a:pPr algn="ctr"/>
+            <a:endParaRPr lang="ko-KR" altLang="en-US"/>
+          </a:p>
+        </p:txBody>
+      </p:sp>
+      <p:cxnSp>
+        <p:nvCxnSpPr>
+          <p:cNvPr id="7" name="직선 연결선 6">
+            <a:extLst>
+              <a:ext uri="{FF2B5EF4-FFF2-40B4-BE49-F238E27FC236}">
+                <a16:creationId xmlns:a16="http://schemas.microsoft.com/office/drawing/2014/main" id="{2585E046-0EB0-4A38-9487-0FDCAD563659}"/>
+              </a:ext>
+            </a:extLst>
+          </p:cNvPr>
+          <p:cNvCxnSpPr/>
+          <p:nvPr/>
+        </p:nvCxnSpPr>
+        <p:spPr>
+          <a:xfrm>
+            <a:off x="30480" y="1143598"/>
+            <a:ext cx="2357120" cy="0"/>
+          </a:xfrm>
+          <a:prstGeom prst="line">
+            <a:avLst/>
+          </a:prstGeom>
+          <a:ln w="63500">
+            <a:solidFill>
+              <a:schemeClr val="tx1"/>
+            </a:solidFill>
+          </a:ln>
+        </p:spPr>
+        <p:style>
+          <a:lnRef idx="1">
+            <a:schemeClr val="accent1"/>
+          </a:lnRef>
+          <a:fillRef idx="0">
+            <a:schemeClr val="accent1"/>
+          </a:fillRef>
+          <a:effectRef idx="0">
+            <a:schemeClr val="accent1"/>
+          </a:effectRef>
+          <a:fontRef idx="minor">
+            <a:schemeClr val="tx1"/>
+          </a:fontRef>
+        </p:style>
+      </p:cxnSp>
+      <p:sp>
+        <p:nvSpPr>
+          <p:cNvPr id="8" name="TextBox 7">
+            <a:extLst>
+              <a:ext uri="{FF2B5EF4-FFF2-40B4-BE49-F238E27FC236}">
+                <a16:creationId xmlns:a16="http://schemas.microsoft.com/office/drawing/2014/main" id="{E559F940-BBB4-49CB-AF02-E6210FA77220}"/>
+              </a:ext>
+            </a:extLst>
+          </p:cNvPr>
+          <p:cNvSpPr txBox="1"/>
+          <p:nvPr/>
+        </p:nvSpPr>
+        <p:spPr>
+          <a:xfrm>
+            <a:off x="1158240" y="1720553"/>
+            <a:ext cx="8554720" cy="461665"/>
+          </a:xfrm>
+          <a:prstGeom prst="rect">
+            <a:avLst/>
+          </a:prstGeom>
+          <a:noFill/>
+        </p:spPr>
+        <p:txBody>
+          <a:bodyPr wrap="square" rtlCol="0">
+            <a:spAutoFit/>
+          </a:bodyPr>
+          <a:lstStyle/>
+          <a:p>
+            <a:r>
+              <a:rPr lang="ko-KR" altLang="en-US" sz="2400">
+                <a:effectLst>
+                  <a:outerShdw blurRad="38100" dist="38100" dir="2700000" algn="tl">
+                    <a:srgbClr val="000000">
+                      <a:alpha val="43137"/>
+                    </a:srgbClr>
+                  </a:outerShdw>
+                </a:effectLst>
+              </a:rPr>
+              <a:t>ㅇㅇ</a:t>
+            </a:r>
+            <a:endParaRPr lang="en-US" altLang="ko-KR" sz="2400">
+              <a:effectLst>
+                <a:outerShdw blurRad="38100" dist="38100" dir="2700000" algn="tl">
+                  <a:srgbClr val="000000">
+                    <a:alpha val="43137"/>
+                  </a:srgbClr>
+                </a:outerShdw>
+              </a:effectLst>
+            </a:endParaRPr>
+          </a:p>
+        </p:txBody>
+      </p:sp>
+    </p:spTree>
+    <p:extLst>
+      <p:ext uri="{BB962C8B-B14F-4D97-AF65-F5344CB8AC3E}">
+        <p14:creationId xmlns:p14="http://schemas.microsoft.com/office/powerpoint/2010/main" val="647075201"/>
+      </p:ext>
+    </p:extLst>
+  </p:cSld>
+  <p:clrMapOvr>
+    <a:masterClrMapping/>
+  </p:clrMapOvr>
+</p:sld>
+</file>
+
+<file path=ppt/slides/slide12.xml><?xml version="1.0" encoding="utf-8"?>
+<p:sld xmlns:a="http://schemas.openxmlformats.org/drawingml/2006/main" xmlns:r="http://schemas.openxmlformats.org/officeDocument/2006/relationships" xmlns:p="http://schemas.openxmlformats.org/presentationml/2006/main">
+  <p:cSld>
+    <p:spTree>
+      <p:nvGrpSpPr>
+        <p:cNvPr id="1" name=""/>
+        <p:cNvGrpSpPr/>
+        <p:nvPr/>
+      </p:nvGrpSpPr>
+      <p:grpSpPr>
+        <a:xfrm>
+          <a:off x="0" y="0"/>
+          <a:ext cx="0" cy="0"/>
+          <a:chOff x="0" y="0"/>
+          <a:chExt cx="0" cy="0"/>
+        </a:xfrm>
+      </p:grpSpPr>
+      <p:pic>
+        <p:nvPicPr>
+          <p:cNvPr id="6" name="그림 5" descr="화살이(가) 표시된 사진&#10;&#10;자동 생성된 설명">
+            <a:extLst>
+              <a:ext uri="{FF2B5EF4-FFF2-40B4-BE49-F238E27FC236}">
+                <a16:creationId xmlns:a16="http://schemas.microsoft.com/office/drawing/2014/main" id="{A56C6D43-05A3-4988-A7D7-3D59E2F65C17}"/>
+              </a:ext>
+            </a:extLst>
+          </p:cNvPr>
+          <p:cNvPicPr>
+            <a:picLocks noChangeAspect="1"/>
+          </p:cNvPicPr>
+          <p:nvPr/>
+        </p:nvPicPr>
+        <p:blipFill>
+          <a:blip r:embed="rId2">
+            <a:alphaModFix amt="5000"/>
+            <a:extLst>
+              <a:ext uri="{28A0092B-C50C-407E-A947-70E740481C1C}">
+                <a14:useLocalDpi xmlns:a14="http://schemas.microsoft.com/office/drawing/2010/main" val="0"/>
+              </a:ext>
+            </a:extLst>
+          </a:blip>
+          <a:stretch>
+            <a:fillRect/>
+          </a:stretch>
+        </p:blipFill>
+        <p:spPr>
+          <a:xfrm>
+            <a:off x="1209040" y="-1"/>
+            <a:ext cx="9875520" cy="6857429"/>
+          </a:xfrm>
+          <a:prstGeom prst="rect">
+            <a:avLst/>
+          </a:prstGeom>
+        </p:spPr>
+      </p:pic>
+      <p:sp>
+        <p:nvSpPr>
+          <p:cNvPr id="2" name="제목 1">
+            <a:extLst>
+              <a:ext uri="{FF2B5EF4-FFF2-40B4-BE49-F238E27FC236}">
+                <a16:creationId xmlns:a16="http://schemas.microsoft.com/office/drawing/2014/main" id="{B5F771FA-F15B-46C3-BA0D-4B28CB171312}"/>
+              </a:ext>
+            </a:extLst>
+          </p:cNvPr>
+          <p:cNvSpPr>
+            <a:spLocks noGrp="1"/>
+          </p:cNvSpPr>
+          <p:nvPr>
+            <p:ph type="ctrTitle"/>
+          </p:nvPr>
+        </p:nvSpPr>
+        <p:spPr>
+          <a:xfrm>
+            <a:off x="301812" y="210670"/>
+            <a:ext cx="11689976" cy="851648"/>
+          </a:xfrm>
+        </p:spPr>
+        <p:txBody>
+          <a:bodyPr>
+            <a:normAutofit fontScale="90000"/>
+          </a:bodyPr>
+          <a:lstStyle/>
+          <a:p>
+            <a:pPr algn="l"/>
+            <a:r>
+              <a:rPr lang="ko-KR" altLang="en-US" b="1">
+                <a:effectLst>
+                  <a:outerShdw blurRad="38100" dist="38100" dir="2700000" algn="tl">
+                    <a:srgbClr val="000000">
+                      <a:alpha val="43137"/>
+                    </a:srgbClr>
+                  </a:outerShdw>
+                </a:effectLst>
+              </a:rPr>
+              <a:t>파일입출력</a:t>
+            </a:r>
+          </a:p>
+        </p:txBody>
+      </p:sp>
+      <p:sp>
+        <p:nvSpPr>
+          <p:cNvPr id="4" name="이등변 삼각형 3">
+            <a:extLst>
+              <a:ext uri="{FF2B5EF4-FFF2-40B4-BE49-F238E27FC236}">
+                <a16:creationId xmlns:a16="http://schemas.microsoft.com/office/drawing/2014/main" id="{D82EB4D7-301B-4780-87C6-7D1E66BD5181}"/>
+              </a:ext>
+            </a:extLst>
+          </p:cNvPr>
+          <p:cNvSpPr/>
+          <p:nvPr/>
+        </p:nvSpPr>
+        <p:spPr>
+          <a:xfrm rot="10800000">
+            <a:off x="11204089" y="-1"/>
+            <a:ext cx="987911" cy="851647"/>
+          </a:xfrm>
+          <a:prstGeom prst="triangle">
+            <a:avLst>
+              <a:gd name="adj" fmla="val 0"/>
+            </a:avLst>
+          </a:prstGeom>
+          <a:solidFill>
+            <a:schemeClr val="tx1"/>
+          </a:solidFill>
+          <a:ln>
+            <a:solidFill>
+              <a:schemeClr val="tx1"/>
+            </a:solidFill>
+          </a:ln>
+        </p:spPr>
+        <p:style>
+          <a:lnRef idx="2">
+            <a:schemeClr val="accent1">
+              <a:shade val="50000"/>
+            </a:schemeClr>
+          </a:lnRef>
+          <a:fillRef idx="1">
+            <a:schemeClr val="accent1"/>
+          </a:fillRef>
+          <a:effectRef idx="0">
+            <a:schemeClr val="accent1"/>
+          </a:effectRef>
+          <a:fontRef idx="minor">
+            <a:schemeClr val="lt1"/>
+          </a:fontRef>
+        </p:style>
+        <p:txBody>
+          <a:bodyPr rtlCol="0" anchor="ctr"/>
+          <a:lstStyle/>
+          <a:p>
+            <a:pPr algn="ctr"/>
+            <a:endParaRPr lang="ko-KR" altLang="en-US"/>
+          </a:p>
+        </p:txBody>
+      </p:sp>
+      <p:cxnSp>
+        <p:nvCxnSpPr>
+          <p:cNvPr id="7" name="직선 연결선 6">
+            <a:extLst>
+              <a:ext uri="{FF2B5EF4-FFF2-40B4-BE49-F238E27FC236}">
+                <a16:creationId xmlns:a16="http://schemas.microsoft.com/office/drawing/2014/main" id="{2585E046-0EB0-4A38-9487-0FDCAD563659}"/>
+              </a:ext>
+            </a:extLst>
+          </p:cNvPr>
+          <p:cNvCxnSpPr/>
+          <p:nvPr/>
+        </p:nvCxnSpPr>
+        <p:spPr>
+          <a:xfrm>
+            <a:off x="30480" y="1143598"/>
+            <a:ext cx="2357120" cy="0"/>
+          </a:xfrm>
+          <a:prstGeom prst="line">
+            <a:avLst/>
+          </a:prstGeom>
+          <a:ln w="63500">
+            <a:solidFill>
+              <a:schemeClr val="tx1"/>
+            </a:solidFill>
+          </a:ln>
+        </p:spPr>
+        <p:style>
+          <a:lnRef idx="1">
+            <a:schemeClr val="accent1"/>
+          </a:lnRef>
+          <a:fillRef idx="0">
+            <a:schemeClr val="accent1"/>
+          </a:fillRef>
+          <a:effectRef idx="0">
+            <a:schemeClr val="accent1"/>
+          </a:effectRef>
+          <a:fontRef idx="minor">
+            <a:schemeClr val="tx1"/>
+          </a:fontRef>
+        </p:style>
+      </p:cxnSp>
+      <p:sp>
+        <p:nvSpPr>
+          <p:cNvPr id="8" name="TextBox 7">
+            <a:extLst>
+              <a:ext uri="{FF2B5EF4-FFF2-40B4-BE49-F238E27FC236}">
+                <a16:creationId xmlns:a16="http://schemas.microsoft.com/office/drawing/2014/main" id="{401ED521-CFE1-44B7-9BB3-E355239399D3}"/>
+              </a:ext>
+            </a:extLst>
+          </p:cNvPr>
+          <p:cNvSpPr txBox="1"/>
+          <p:nvPr/>
+        </p:nvSpPr>
+        <p:spPr>
+          <a:xfrm>
+            <a:off x="730922" y="2402136"/>
+            <a:ext cx="8554720" cy="461665"/>
+          </a:xfrm>
+          <a:prstGeom prst="rect">
+            <a:avLst/>
+          </a:prstGeom>
+          <a:noFill/>
+        </p:spPr>
+        <p:txBody>
+          <a:bodyPr wrap="square" rtlCol="0">
+            <a:spAutoFit/>
+          </a:bodyPr>
+          <a:lstStyle/>
+          <a:p>
+            <a:r>
+              <a:rPr lang="ko-KR" altLang="en-US" sz="2400">
+                <a:effectLst>
+                  <a:outerShdw blurRad="38100" dist="38100" dir="2700000" algn="tl">
+                    <a:srgbClr val="000000">
+                      <a:alpha val="43137"/>
+                    </a:srgbClr>
+                  </a:outerShdw>
+                </a:effectLst>
+              </a:rPr>
+              <a:t>파일입출력은 파일을 통한 입력</a:t>
+            </a:r>
+            <a:r>
+              <a:rPr lang="en-US" altLang="ko-KR" sz="2400">
+                <a:effectLst>
+                  <a:outerShdw blurRad="38100" dist="38100" dir="2700000" algn="tl">
+                    <a:srgbClr val="000000">
+                      <a:alpha val="43137"/>
+                    </a:srgbClr>
+                  </a:outerShdw>
+                </a:effectLst>
+              </a:rPr>
+              <a:t>, </a:t>
+            </a:r>
+            <a:r>
+              <a:rPr lang="ko-KR" altLang="en-US" sz="2400">
+                <a:effectLst>
+                  <a:outerShdw blurRad="38100" dist="38100" dir="2700000" algn="tl">
+                    <a:srgbClr val="000000">
+                      <a:alpha val="43137"/>
+                    </a:srgbClr>
+                  </a:outerShdw>
+                </a:effectLst>
+              </a:rPr>
+              <a:t>출력</a:t>
+            </a:r>
+            <a:endParaRPr lang="en-US" altLang="ko-KR" sz="2400">
+              <a:effectLst>
+                <a:outerShdw blurRad="38100" dist="38100" dir="2700000" algn="tl">
+                  <a:srgbClr val="000000">
+                    <a:alpha val="43137"/>
+                  </a:srgbClr>
+                </a:outerShdw>
+              </a:effectLst>
+            </a:endParaRPr>
+          </a:p>
+        </p:txBody>
+      </p:sp>
+      <p:sp>
+        <p:nvSpPr>
+          <p:cNvPr id="9" name="TextBox 8">
+            <a:extLst>
+              <a:ext uri="{FF2B5EF4-FFF2-40B4-BE49-F238E27FC236}">
+                <a16:creationId xmlns:a16="http://schemas.microsoft.com/office/drawing/2014/main" id="{0D9F02F6-35F7-46F5-8FFE-FBAD20732CDC}"/>
+              </a:ext>
+            </a:extLst>
+          </p:cNvPr>
+          <p:cNvSpPr txBox="1"/>
+          <p:nvPr/>
+        </p:nvSpPr>
+        <p:spPr>
+          <a:xfrm>
+            <a:off x="301812" y="1347761"/>
+            <a:ext cx="7700955" cy="461665"/>
+          </a:xfrm>
+          <a:prstGeom prst="rect">
+            <a:avLst/>
+          </a:prstGeom>
+          <a:noFill/>
+        </p:spPr>
+        <p:txBody>
+          <a:bodyPr wrap="square" rtlCol="0">
+            <a:spAutoFit/>
+          </a:bodyPr>
+          <a:lstStyle/>
+          <a:p>
+            <a:pPr marL="457200" indent="-457200">
+              <a:buFont typeface="Arial" panose="020B0604020202020204" pitchFamily="34" charset="0"/>
+              <a:buChar char="•"/>
+            </a:pPr>
+            <a:r>
+              <a:rPr lang="ko-KR" altLang="en-US" sz="2400" b="1">
+                <a:effectLst>
+                  <a:outerShdw blurRad="38100" dist="38100" dir="2700000" algn="tl">
+                    <a:srgbClr val="000000">
+                      <a:alpha val="43137"/>
+                    </a:srgbClr>
+                  </a:outerShdw>
+                </a:effectLst>
+              </a:rPr>
+              <a:t>파일입출력의 정의</a:t>
+            </a:r>
+            <a:endParaRPr lang="en-US" altLang="ko-KR" sz="2400" b="1">
+              <a:effectLst>
+                <a:outerShdw blurRad="38100" dist="38100" dir="2700000" algn="tl">
+                  <a:srgbClr val="000000">
+                    <a:alpha val="43137"/>
+                  </a:srgbClr>
+                </a:outerShdw>
+              </a:effectLst>
+            </a:endParaRPr>
+          </a:p>
+        </p:txBody>
+      </p:sp>
+      <p:sp>
+        <p:nvSpPr>
+          <p:cNvPr id="10" name="TextBox 9">
+            <a:extLst>
+              <a:ext uri="{FF2B5EF4-FFF2-40B4-BE49-F238E27FC236}">
+                <a16:creationId xmlns:a16="http://schemas.microsoft.com/office/drawing/2014/main" id="{A29EA04F-7B1B-49BC-ACB8-3B4FF42C8C33}"/>
+              </a:ext>
+            </a:extLst>
+          </p:cNvPr>
+          <p:cNvSpPr txBox="1"/>
+          <p:nvPr/>
+        </p:nvSpPr>
+        <p:spPr>
+          <a:xfrm>
+            <a:off x="730922" y="1940471"/>
+            <a:ext cx="9300584" cy="461665"/>
+          </a:xfrm>
+          <a:prstGeom prst="rect">
+            <a:avLst/>
+          </a:prstGeom>
+          <a:noFill/>
+        </p:spPr>
+        <p:txBody>
+          <a:bodyPr wrap="square" rtlCol="0">
+            <a:spAutoFit/>
+          </a:bodyPr>
+          <a:lstStyle/>
+          <a:p>
+            <a:r>
+              <a:rPr lang="ko-KR" altLang="en-US" sz="2400">
+                <a:effectLst>
+                  <a:outerShdw blurRad="38100" dist="38100" dir="2700000" algn="tl">
+                    <a:srgbClr val="000000">
+                      <a:alpha val="43137"/>
+                    </a:srgbClr>
+                  </a:outerShdw>
+                </a:effectLst>
+              </a:rPr>
+              <a:t>표준입출력은 콘솔을 통한 입력</a:t>
+            </a:r>
+            <a:r>
+              <a:rPr lang="en-US" altLang="ko-KR" sz="2400">
+                <a:effectLst>
+                  <a:outerShdw blurRad="38100" dist="38100" dir="2700000" algn="tl">
+                    <a:srgbClr val="000000">
+                      <a:alpha val="43137"/>
+                    </a:srgbClr>
+                  </a:outerShdw>
+                </a:effectLst>
+              </a:rPr>
+              <a:t>, </a:t>
+            </a:r>
+            <a:r>
+              <a:rPr lang="ko-KR" altLang="en-US" sz="2400">
+                <a:effectLst>
+                  <a:outerShdw blurRad="38100" dist="38100" dir="2700000" algn="tl">
+                    <a:srgbClr val="000000">
+                      <a:alpha val="43137"/>
+                    </a:srgbClr>
+                  </a:outerShdw>
+                </a:effectLst>
+              </a:rPr>
+              <a:t>출력</a:t>
+            </a:r>
+            <a:endParaRPr lang="en-US" altLang="ko-KR" sz="2400">
+              <a:effectLst>
+                <a:outerShdw blurRad="38100" dist="38100" dir="2700000" algn="tl">
+                  <a:srgbClr val="000000">
+                    <a:alpha val="43137"/>
+                  </a:srgbClr>
+                </a:outerShdw>
+              </a:effectLst>
+            </a:endParaRPr>
+          </a:p>
+        </p:txBody>
+      </p:sp>
+      <p:sp>
+        <p:nvSpPr>
+          <p:cNvPr id="13" name="TextBox 12">
+            <a:extLst>
+              <a:ext uri="{FF2B5EF4-FFF2-40B4-BE49-F238E27FC236}">
+                <a16:creationId xmlns:a16="http://schemas.microsoft.com/office/drawing/2014/main" id="{04402C15-8A07-45E0-B642-1258FC8D6C13}"/>
+              </a:ext>
+            </a:extLst>
+          </p:cNvPr>
+          <p:cNvSpPr txBox="1"/>
+          <p:nvPr/>
+        </p:nvSpPr>
+        <p:spPr>
+          <a:xfrm>
+            <a:off x="730922" y="3130913"/>
+            <a:ext cx="8554720" cy="461665"/>
+          </a:xfrm>
+          <a:prstGeom prst="rect">
+            <a:avLst/>
+          </a:prstGeom>
+          <a:noFill/>
+        </p:spPr>
+        <p:txBody>
+          <a:bodyPr wrap="square" rtlCol="0">
+            <a:spAutoFit/>
+          </a:bodyPr>
+          <a:lstStyle/>
+          <a:p>
+            <a:r>
+              <a:rPr lang="en-US" altLang="ko-KR" sz="2400">
+                <a:effectLst>
+                  <a:outerShdw blurRad="38100" dist="38100" dir="2700000" algn="tl">
+                    <a:srgbClr val="000000">
+                      <a:alpha val="43137"/>
+                    </a:srgbClr>
+                  </a:outerShdw>
+                </a:effectLst>
+              </a:rPr>
+              <a:t>txt </a:t>
+            </a:r>
+            <a:r>
+              <a:rPr lang="ko-KR" altLang="en-US" sz="2400">
+                <a:effectLst>
+                  <a:outerShdw blurRad="38100" dist="38100" dir="2700000" algn="tl">
+                    <a:srgbClr val="000000">
+                      <a:alpha val="43137"/>
+                    </a:srgbClr>
+                  </a:outerShdw>
+                </a:effectLst>
+              </a:rPr>
+              <a:t>파일을 통해 공부</a:t>
+            </a:r>
+            <a:endParaRPr lang="en-US" altLang="ko-KR" sz="2400">
+              <a:effectLst>
+                <a:outerShdw blurRad="38100" dist="38100" dir="2700000" algn="tl">
+                  <a:srgbClr val="000000">
+                    <a:alpha val="43137"/>
+                  </a:srgbClr>
+                </a:outerShdw>
+              </a:effectLst>
+            </a:endParaRPr>
+          </a:p>
+        </p:txBody>
+      </p:sp>
+      <p:sp>
+        <p:nvSpPr>
+          <p:cNvPr id="18" name="TextBox 17">
+            <a:extLst>
+              <a:ext uri="{FF2B5EF4-FFF2-40B4-BE49-F238E27FC236}">
+                <a16:creationId xmlns:a16="http://schemas.microsoft.com/office/drawing/2014/main" id="{727189BF-5439-4245-88FE-AB193C84419D}"/>
+              </a:ext>
+            </a:extLst>
+          </p:cNvPr>
+          <p:cNvSpPr txBox="1"/>
+          <p:nvPr/>
+        </p:nvSpPr>
+        <p:spPr>
+          <a:xfrm>
+            <a:off x="730922" y="4144813"/>
+            <a:ext cx="8554720" cy="1569660"/>
+          </a:xfrm>
+          <a:prstGeom prst="rect">
+            <a:avLst/>
+          </a:prstGeom>
+          <a:noFill/>
+        </p:spPr>
+        <p:txBody>
+          <a:bodyPr wrap="square" rtlCol="0">
+            <a:spAutoFit/>
+          </a:bodyPr>
+          <a:lstStyle/>
+          <a:p>
+            <a:r>
+              <a:rPr lang="en-US" altLang="ko-KR" sz="2400">
+                <a:effectLst>
+                  <a:outerShdw blurRad="38100" dist="38100" dir="2700000" algn="tl">
+                    <a:srgbClr val="000000">
+                      <a:alpha val="43137"/>
+                    </a:srgbClr>
+                  </a:outerShdw>
+                </a:effectLst>
+              </a:rPr>
+              <a:t>FILE</a:t>
+            </a:r>
+            <a:r>
+              <a:rPr lang="ko-KR" altLang="en-US" sz="2400">
+                <a:effectLst>
+                  <a:outerShdw blurRad="38100" dist="38100" dir="2700000" algn="tl">
+                    <a:srgbClr val="000000">
+                      <a:alpha val="43137"/>
+                    </a:srgbClr>
+                  </a:outerShdw>
+                </a:effectLst>
+              </a:rPr>
+              <a:t>이라는 구조체의 포인터를 이용</a:t>
+            </a:r>
+            <a:endParaRPr lang="en-US" altLang="ko-KR" sz="2400">
+              <a:effectLst>
+                <a:outerShdw blurRad="38100" dist="38100" dir="2700000" algn="tl">
+                  <a:srgbClr val="000000">
+                    <a:alpha val="43137"/>
+                  </a:srgbClr>
+                </a:outerShdw>
+              </a:effectLst>
+            </a:endParaRPr>
+          </a:p>
+          <a:p>
+            <a:r>
+              <a:rPr lang="en-US" altLang="ko-KR" sz="2400">
+                <a:effectLst>
+                  <a:outerShdw blurRad="38100" dist="38100" dir="2700000" algn="tl">
+                    <a:srgbClr val="000000">
+                      <a:alpha val="43137"/>
+                    </a:srgbClr>
+                  </a:outerShdw>
+                </a:effectLst>
+              </a:rPr>
+              <a:t>FILE *fp;</a:t>
+            </a:r>
+          </a:p>
+          <a:p>
+            <a:endParaRPr lang="en-US" altLang="ko-KR" sz="2400">
+              <a:effectLst>
+                <a:outerShdw blurRad="38100" dist="38100" dir="2700000" algn="tl">
+                  <a:srgbClr val="000000">
+                    <a:alpha val="43137"/>
+                  </a:srgbClr>
+                </a:outerShdw>
+              </a:effectLst>
+            </a:endParaRPr>
+          </a:p>
+          <a:p>
+            <a:r>
+              <a:rPr lang="en-US" altLang="ko-KR" sz="2400">
+                <a:effectLst>
+                  <a:outerShdw blurRad="38100" dist="38100" dir="2700000" algn="tl">
+                    <a:srgbClr val="000000">
+                      <a:alpha val="43137"/>
+                    </a:srgbClr>
+                  </a:outerShdw>
+                </a:effectLst>
+              </a:rPr>
+              <a:t>fopen, fclose, fprintf, fscanf </a:t>
+            </a:r>
+            <a:r>
+              <a:rPr lang="ko-KR" altLang="en-US" sz="2400">
+                <a:effectLst>
+                  <a:outerShdw blurRad="38100" dist="38100" dir="2700000" algn="tl">
+                    <a:srgbClr val="000000">
+                      <a:alpha val="43137"/>
+                    </a:srgbClr>
+                  </a:outerShdw>
+                </a:effectLst>
+              </a:rPr>
+              <a:t>등의 함수를 이용</a:t>
+            </a:r>
+            <a:endParaRPr lang="en-US" altLang="ko-KR" sz="2400">
+              <a:effectLst>
+                <a:outerShdw blurRad="38100" dist="38100" dir="2700000" algn="tl">
+                  <a:srgbClr val="000000">
+                    <a:alpha val="43137"/>
+                  </a:srgbClr>
+                </a:outerShdw>
+              </a:effectLst>
+            </a:endParaRPr>
+          </a:p>
+        </p:txBody>
+      </p:sp>
+    </p:spTree>
+    <p:extLst>
+      <p:ext uri="{BB962C8B-B14F-4D97-AF65-F5344CB8AC3E}">
+        <p14:creationId xmlns:p14="http://schemas.microsoft.com/office/powerpoint/2010/main" val="3919843306"/>
+      </p:ext>
+    </p:extLst>
+  </p:cSld>
+  <p:clrMapOvr>
+    <a:masterClrMapping/>
+  </p:clrMapOvr>
+</p:sld>
+</file>
+
+<file path=ppt/slides/slide13.xml><?xml version="1.0" encoding="utf-8"?>
+<p:sld xmlns:a="http://schemas.openxmlformats.org/drawingml/2006/main" xmlns:r="http://schemas.openxmlformats.org/officeDocument/2006/relationships" xmlns:p="http://schemas.openxmlformats.org/presentationml/2006/main">
+  <p:cSld>
+    <p:spTree>
+      <p:nvGrpSpPr>
+        <p:cNvPr id="1" name=""/>
+        <p:cNvGrpSpPr/>
+        <p:nvPr/>
+      </p:nvGrpSpPr>
+      <p:grpSpPr>
+        <a:xfrm>
+          <a:off x="0" y="0"/>
+          <a:ext cx="0" cy="0"/>
+          <a:chOff x="0" y="0"/>
+          <a:chExt cx="0" cy="0"/>
+        </a:xfrm>
+      </p:grpSpPr>
+      <p:pic>
+        <p:nvPicPr>
+          <p:cNvPr id="6" name="그림 5" descr="화살이(가) 표시된 사진&#10;&#10;자동 생성된 설명">
+            <a:extLst>
+              <a:ext uri="{FF2B5EF4-FFF2-40B4-BE49-F238E27FC236}">
+                <a16:creationId xmlns:a16="http://schemas.microsoft.com/office/drawing/2014/main" id="{E9BC1B0A-33C6-4B7F-B5CD-576333AF00BE}"/>
+              </a:ext>
+            </a:extLst>
+          </p:cNvPr>
+          <p:cNvPicPr>
+            <a:picLocks noChangeAspect="1"/>
+          </p:cNvPicPr>
+          <p:nvPr/>
+        </p:nvPicPr>
+        <p:blipFill>
+          <a:blip r:embed="rId2">
+            <a:alphaModFix amt="5000"/>
+            <a:extLst>
+              <a:ext uri="{28A0092B-C50C-407E-A947-70E740481C1C}">
+                <a14:useLocalDpi xmlns:a14="http://schemas.microsoft.com/office/drawing/2010/main" val="0"/>
+              </a:ext>
+            </a:extLst>
+          </a:blip>
+          <a:stretch>
+            <a:fillRect/>
+          </a:stretch>
+        </p:blipFill>
+        <p:spPr>
+          <a:xfrm>
+            <a:off x="1209040" y="-1"/>
+            <a:ext cx="9875520" cy="6857429"/>
+          </a:xfrm>
+          <a:prstGeom prst="rect">
+            <a:avLst/>
+          </a:prstGeom>
+        </p:spPr>
+      </p:pic>
+      <p:sp>
+        <p:nvSpPr>
+          <p:cNvPr id="2" name="제목 1">
+            <a:extLst>
+              <a:ext uri="{FF2B5EF4-FFF2-40B4-BE49-F238E27FC236}">
+                <a16:creationId xmlns:a16="http://schemas.microsoft.com/office/drawing/2014/main" id="{B5F771FA-F15B-46C3-BA0D-4B28CB171312}"/>
+              </a:ext>
+            </a:extLst>
+          </p:cNvPr>
+          <p:cNvSpPr>
+            <a:spLocks noGrp="1"/>
+          </p:cNvSpPr>
+          <p:nvPr>
+            <p:ph type="ctrTitle"/>
+          </p:nvPr>
+        </p:nvSpPr>
+        <p:spPr>
+          <a:xfrm>
+            <a:off x="251012" y="2927524"/>
+            <a:ext cx="11689976" cy="1002951"/>
+          </a:xfrm>
+        </p:spPr>
+        <p:txBody>
+          <a:bodyPr>
+            <a:normAutofit/>
+          </a:bodyPr>
+          <a:lstStyle/>
+          <a:p>
+            <a:r>
+              <a:rPr lang="en-US" altLang="ko-KR" b="1">
+                <a:effectLst>
+                  <a:outerShdw blurRad="38100" dist="38100" dir="2700000" algn="tl">
+                    <a:srgbClr val="000000">
+                      <a:alpha val="43137"/>
+                    </a:srgbClr>
+                  </a:outerShdw>
+                </a:effectLst>
+              </a:rPr>
+              <a:t>- EC)Basic End -</a:t>
+            </a:r>
+            <a:endParaRPr lang="ko-KR" altLang="en-US" b="1">
+              <a:effectLst>
+                <a:outerShdw blurRad="38100" dist="38100" dir="2700000" algn="tl">
+                  <a:srgbClr val="000000">
+                    <a:alpha val="43137"/>
+                  </a:srgbClr>
+                </a:outerShdw>
+              </a:effectLst>
+            </a:endParaRPr>
+          </a:p>
+        </p:txBody>
+      </p:sp>
+      <p:sp>
+        <p:nvSpPr>
+          <p:cNvPr id="3" name="부제목 2">
+            <a:extLst>
+              <a:ext uri="{FF2B5EF4-FFF2-40B4-BE49-F238E27FC236}">
+                <a16:creationId xmlns:a16="http://schemas.microsoft.com/office/drawing/2014/main" id="{7D38A29F-4DAA-495A-9E08-8105E1716EA9}"/>
+              </a:ext>
+            </a:extLst>
+          </p:cNvPr>
+          <p:cNvSpPr>
+            <a:spLocks noGrp="1"/>
+          </p:cNvSpPr>
+          <p:nvPr>
+            <p:ph type="subTitle" idx="1"/>
+          </p:nvPr>
+        </p:nvSpPr>
+        <p:spPr>
+          <a:xfrm>
+            <a:off x="3644153" y="5463987"/>
+            <a:ext cx="4903694" cy="542365"/>
+          </a:xfrm>
+        </p:spPr>
+        <p:txBody>
+          <a:bodyPr/>
+          <a:lstStyle/>
+          <a:p>
+            <a:r>
+              <a:rPr lang="ko-KR" altLang="en-US">
+                <a:effectLst>
+                  <a:outerShdw blurRad="38100" dist="38100" dir="2700000" algn="tl">
+                    <a:srgbClr val="000000">
+                      <a:alpha val="43137"/>
+                    </a:srgbClr>
+                  </a:outerShdw>
+                </a:effectLst>
+              </a:rPr>
+              <a:t>수고했어요</a:t>
+            </a:r>
+            <a:r>
+              <a:rPr lang="en-US" altLang="ko-KR">
+                <a:effectLst>
+                  <a:outerShdw blurRad="38100" dist="38100" dir="2700000" algn="tl">
+                    <a:srgbClr val="000000">
+                      <a:alpha val="43137"/>
+                    </a:srgbClr>
+                  </a:outerShdw>
+                </a:effectLst>
+              </a:rPr>
+              <a:t>~ </a:t>
+            </a:r>
+            <a:r>
+              <a:rPr lang="ko-KR" altLang="en-US">
+                <a:effectLst>
+                  <a:outerShdw blurRad="38100" dist="38100" dir="2700000" algn="tl">
+                    <a:srgbClr val="000000">
+                      <a:alpha val="43137"/>
+                    </a:srgbClr>
+                  </a:outerShdw>
+                </a:effectLst>
+              </a:rPr>
+              <a:t>짝짝쓰</a:t>
+            </a:r>
+          </a:p>
+        </p:txBody>
+      </p:sp>
+      <p:sp>
+        <p:nvSpPr>
+          <p:cNvPr id="4" name="이등변 삼각형 3">
+            <a:extLst>
+              <a:ext uri="{FF2B5EF4-FFF2-40B4-BE49-F238E27FC236}">
+                <a16:creationId xmlns:a16="http://schemas.microsoft.com/office/drawing/2014/main" id="{D82EB4D7-301B-4780-87C6-7D1E66BD5181}"/>
+              </a:ext>
+            </a:extLst>
+          </p:cNvPr>
+          <p:cNvSpPr/>
+          <p:nvPr/>
+        </p:nvSpPr>
+        <p:spPr>
+          <a:xfrm rot="10800000">
+            <a:off x="11204089" y="-1"/>
+            <a:ext cx="987911" cy="851647"/>
+          </a:xfrm>
+          <a:prstGeom prst="triangle">
+            <a:avLst>
+              <a:gd name="adj" fmla="val 0"/>
+            </a:avLst>
+          </a:prstGeom>
+          <a:solidFill>
+            <a:schemeClr val="tx1"/>
+          </a:solidFill>
+          <a:ln>
+            <a:solidFill>
+              <a:schemeClr val="tx1"/>
+            </a:solidFill>
+          </a:ln>
+        </p:spPr>
+        <p:style>
+          <a:lnRef idx="2">
+            <a:schemeClr val="accent1">
+              <a:shade val="50000"/>
+            </a:schemeClr>
+          </a:lnRef>
+          <a:fillRef idx="1">
+            <a:schemeClr val="accent1"/>
+          </a:fillRef>
+          <a:effectRef idx="0">
+            <a:schemeClr val="accent1"/>
+          </a:effectRef>
+          <a:fontRef idx="minor">
+            <a:schemeClr val="lt1"/>
+          </a:fontRef>
+        </p:style>
+        <p:txBody>
+          <a:bodyPr rtlCol="0" anchor="ctr"/>
+          <a:lstStyle/>
+          <a:p>
+            <a:pPr algn="ctr"/>
+            <a:endParaRPr lang="ko-KR" altLang="en-US"/>
+          </a:p>
+        </p:txBody>
+      </p:sp>
+    </p:spTree>
+    <p:extLst>
+      <p:ext uri="{BB962C8B-B14F-4D97-AF65-F5344CB8AC3E}">
+        <p14:creationId xmlns:p14="http://schemas.microsoft.com/office/powerpoint/2010/main" val="2353439779"/>
+      </p:ext>
+    </p:extLst>
+  </p:cSld>
+  <p:clrMapOvr>
+    <a:masterClrMapping/>
+  </p:clrMapOvr>
+</p:sld>
+</file>
+
 <file path=ppt/slides/slide2.xml><?xml version="1.0" encoding="utf-8"?>
 <p:sld xmlns:a="http://schemas.openxmlformats.org/drawingml/2006/main" xmlns:r="http://schemas.openxmlformats.org/officeDocument/2006/relationships" xmlns:p="http://schemas.openxmlformats.org/presentationml/2006/main">
   <p:cSld>
@@ -3837,7 +5311,7 @@
                   </a:outerShdw>
                 </a:effectLst>
               </a:rPr>
-              <a:t>구조체</a:t>
+              <a:t>포인터</a:t>
             </a:r>
             <a:endParaRPr lang="en-US" altLang="ko-KR" sz="3200">
               <a:effectLst>
@@ -3864,7 +5338,7 @@
                   </a:outerShdw>
                 </a:effectLst>
               </a:rPr>
-              <a:t>포인터</a:t>
+              <a:t>구조체</a:t>
             </a:r>
             <a:endParaRPr lang="en-US" altLang="ko-KR" sz="3200">
               <a:effectLst>
@@ -4216,10 +5690,10 @@
       </p:grpSpPr>
       <p:pic>
         <p:nvPicPr>
-          <p:cNvPr id="10" name="그림 9" descr="화살이(가) 표시된 사진&#10;&#10;자동 생성된 설명">
-            <a:extLst>
-              <a:ext uri="{FF2B5EF4-FFF2-40B4-BE49-F238E27FC236}">
-                <a16:creationId xmlns:a16="http://schemas.microsoft.com/office/drawing/2014/main" id="{44CFF3E1-8AF5-49B1-BCC4-92C7C5FC2EAB}"/>
+          <p:cNvPr id="6" name="그림 5" descr="화살이(가) 표시된 사진&#10;&#10;자동 생성된 설명">
+            <a:extLst>
+              <a:ext uri="{FF2B5EF4-FFF2-40B4-BE49-F238E27FC236}">
+                <a16:creationId xmlns:a16="http://schemas.microsoft.com/office/drawing/2014/main" id="{A56C6D43-05A3-4988-A7D7-3D59E2F65C17}"/>
               </a:ext>
             </a:extLst>
           </p:cNvPr>
@@ -4290,7 +5764,7 @@
                   </a:outerShdw>
                 </a:effectLst>
               </a:rPr>
-              <a:t>구조체</a:t>
+              <a:t>포인터</a:t>
             </a:r>
           </a:p>
         </p:txBody>
@@ -4394,10 +5868,10 @@
       </p:cxnSp>
       <p:sp>
         <p:nvSpPr>
-          <p:cNvPr id="9" name="TextBox 8">
-            <a:extLst>
-              <a:ext uri="{FF2B5EF4-FFF2-40B4-BE49-F238E27FC236}">
-                <a16:creationId xmlns:a16="http://schemas.microsoft.com/office/drawing/2014/main" id="{C8DFC9CB-D40A-4540-9DE9-227C5DA2E8C7}"/>
+          <p:cNvPr id="8" name="TextBox 7">
+            <a:extLst>
+              <a:ext uri="{FF2B5EF4-FFF2-40B4-BE49-F238E27FC236}">
+                <a16:creationId xmlns:a16="http://schemas.microsoft.com/office/drawing/2014/main" id="{401ED521-CFE1-44B7-9BB3-E355239399D3}"/>
               </a:ext>
             </a:extLst>
           </p:cNvPr>
@@ -4406,7 +5880,7 @@
         </p:nvSpPr>
         <p:spPr>
           <a:xfrm>
-            <a:off x="1158240" y="1720553"/>
+            <a:off x="730922" y="2661425"/>
             <a:ext cx="8554720" cy="461665"/>
           </a:xfrm>
           <a:prstGeom prst="rect">
@@ -4430,7 +5904,142 @@
                   </a:outerShdw>
                 </a:effectLst>
               </a:rPr>
-              <a:t>ㅇㅇ</a:t>
+              <a:t>자료형</a:t>
+            </a:r>
+            <a:r>
+              <a:rPr lang="en-US" altLang="ko-KR" sz="2400">
+                <a:effectLst>
+                  <a:outerShdw blurRad="38100" dist="38100" dir="2700000" algn="tl">
+                    <a:srgbClr val="000000">
+                      <a:alpha val="43137"/>
+                    </a:srgbClr>
+                  </a:outerShdw>
+                </a:effectLst>
+              </a:rPr>
+              <a:t>* </a:t>
+            </a:r>
+            <a:r>
+              <a:rPr lang="ko-KR" altLang="en-US" sz="2400">
+                <a:effectLst>
+                  <a:outerShdw blurRad="38100" dist="38100" dir="2700000" algn="tl">
+                    <a:srgbClr val="000000">
+                      <a:alpha val="43137"/>
+                    </a:srgbClr>
+                  </a:outerShdw>
+                </a:effectLst>
+              </a:rPr>
+              <a:t>포인터이름</a:t>
+            </a:r>
+            <a:r>
+              <a:rPr lang="en-US" altLang="ko-KR" sz="2400">
+                <a:effectLst>
+                  <a:outerShdw blurRad="38100" dist="38100" dir="2700000" algn="tl">
+                    <a:srgbClr val="000000">
+                      <a:alpha val="43137"/>
+                    </a:srgbClr>
+                  </a:outerShdw>
+                </a:effectLst>
+              </a:rPr>
+              <a:t>;</a:t>
+            </a:r>
+          </a:p>
+        </p:txBody>
+      </p:sp>
+      <p:sp>
+        <p:nvSpPr>
+          <p:cNvPr id="9" name="TextBox 8">
+            <a:extLst>
+              <a:ext uri="{FF2B5EF4-FFF2-40B4-BE49-F238E27FC236}">
+                <a16:creationId xmlns:a16="http://schemas.microsoft.com/office/drawing/2014/main" id="{0D9F02F6-35F7-46F5-8FFE-FBAD20732CDC}"/>
+              </a:ext>
+            </a:extLst>
+          </p:cNvPr>
+          <p:cNvSpPr txBox="1"/>
+          <p:nvPr/>
+        </p:nvSpPr>
+        <p:spPr>
+          <a:xfrm>
+            <a:off x="301812" y="1347761"/>
+            <a:ext cx="7700955" cy="461665"/>
+          </a:xfrm>
+          <a:prstGeom prst="rect">
+            <a:avLst/>
+          </a:prstGeom>
+          <a:noFill/>
+        </p:spPr>
+        <p:txBody>
+          <a:bodyPr wrap="square" rtlCol="0">
+            <a:spAutoFit/>
+          </a:bodyPr>
+          <a:lstStyle/>
+          <a:p>
+            <a:pPr marL="457200" indent="-457200">
+              <a:buFont typeface="Arial" panose="020B0604020202020204" pitchFamily="34" charset="0"/>
+              <a:buChar char="•"/>
+            </a:pPr>
+            <a:r>
+              <a:rPr lang="ko-KR" altLang="en-US" sz="2400" b="1">
+                <a:effectLst>
+                  <a:outerShdw blurRad="38100" dist="38100" dir="2700000" algn="tl">
+                    <a:srgbClr val="000000">
+                      <a:alpha val="43137"/>
+                    </a:srgbClr>
+                  </a:outerShdw>
+                </a:effectLst>
+              </a:rPr>
+              <a:t>포인터의 정의</a:t>
+            </a:r>
+            <a:endParaRPr lang="en-US" altLang="ko-KR" sz="2400" b="1">
+              <a:effectLst>
+                <a:outerShdw blurRad="38100" dist="38100" dir="2700000" algn="tl">
+                  <a:srgbClr val="000000">
+                    <a:alpha val="43137"/>
+                  </a:srgbClr>
+                </a:outerShdw>
+              </a:effectLst>
+            </a:endParaRPr>
+          </a:p>
+        </p:txBody>
+      </p:sp>
+      <p:sp>
+        <p:nvSpPr>
+          <p:cNvPr id="10" name="TextBox 9">
+            <a:extLst>
+              <a:ext uri="{FF2B5EF4-FFF2-40B4-BE49-F238E27FC236}">
+                <a16:creationId xmlns:a16="http://schemas.microsoft.com/office/drawing/2014/main" id="{A29EA04F-7B1B-49BC-ACB8-3B4FF42C8C33}"/>
+              </a:ext>
+            </a:extLst>
+          </p:cNvPr>
+          <p:cNvSpPr txBox="1"/>
+          <p:nvPr/>
+        </p:nvSpPr>
+        <p:spPr>
+          <a:xfrm>
+            <a:off x="730922" y="1941546"/>
+            <a:ext cx="9300584" cy="461665"/>
+          </a:xfrm>
+          <a:prstGeom prst="rect">
+            <a:avLst/>
+          </a:prstGeom>
+          <a:noFill/>
+        </p:spPr>
+        <p:txBody>
+          <a:bodyPr wrap="square" rtlCol="0">
+            <a:spAutoFit/>
+          </a:bodyPr>
+          <a:lstStyle/>
+          <a:p>
+            <a:r>
+              <a:rPr lang="ko-KR" altLang="en-US" sz="2400">
+                <a:effectLst>
+                  <a:outerShdw blurRad="38100" dist="38100" dir="2700000" algn="tl">
+                    <a:srgbClr val="000000">
+                      <a:alpha val="43137"/>
+                    </a:srgbClr>
+                  </a:outerShdw>
+                </a:effectLst>
+              </a:rPr>
+              <a:t>다른 변수의 메모리 주소를 가리키는 변수</a:t>
             </a:r>
             <a:endParaRPr lang="en-US" altLang="ko-KR" sz="2400">
               <a:effectLst>
@@ -4444,10 +6053,284 @@
           </a:p>
         </p:txBody>
       </p:sp>
+      <p:sp>
+        <p:nvSpPr>
+          <p:cNvPr id="13" name="TextBox 12">
+            <a:extLst>
+              <a:ext uri="{FF2B5EF4-FFF2-40B4-BE49-F238E27FC236}">
+                <a16:creationId xmlns:a16="http://schemas.microsoft.com/office/drawing/2014/main" id="{04402C15-8A07-45E0-B642-1258FC8D6C13}"/>
+              </a:ext>
+            </a:extLst>
+          </p:cNvPr>
+          <p:cNvSpPr txBox="1"/>
+          <p:nvPr/>
+        </p:nvSpPr>
+        <p:spPr>
+          <a:xfrm>
+            <a:off x="730922" y="3111319"/>
+            <a:ext cx="8554720" cy="461665"/>
+          </a:xfrm>
+          <a:prstGeom prst="rect">
+            <a:avLst/>
+          </a:prstGeom>
+          <a:noFill/>
+        </p:spPr>
+        <p:txBody>
+          <a:bodyPr wrap="square" rtlCol="0">
+            <a:spAutoFit/>
+          </a:bodyPr>
+          <a:lstStyle/>
+          <a:p>
+            <a:r>
+              <a:rPr lang="ko-KR" altLang="en-US" sz="2400">
+                <a:effectLst>
+                  <a:outerShdw blurRad="38100" dist="38100" dir="2700000" algn="tl">
+                    <a:srgbClr val="000000">
+                      <a:alpha val="43137"/>
+                    </a:srgbClr>
+                  </a:outerShdw>
+                </a:effectLst>
+              </a:rPr>
+              <a:t>포인터 변수에는 다른 변수의 주소값이 들어감</a:t>
+            </a:r>
+            <a:endParaRPr lang="en-US" altLang="ko-KR" sz="2400">
+              <a:effectLst>
+                <a:outerShdw blurRad="38100" dist="38100" dir="2700000" algn="tl">
+                  <a:srgbClr val="000000">
+                    <a:alpha val="43137"/>
+                  </a:srgbClr>
+                </a:outerShdw>
+              </a:effectLst>
+            </a:endParaRPr>
+          </a:p>
+        </p:txBody>
+      </p:sp>
+      <p:sp>
+        <p:nvSpPr>
+          <p:cNvPr id="15" name="TextBox 14">
+            <a:extLst>
+              <a:ext uri="{FF2B5EF4-FFF2-40B4-BE49-F238E27FC236}">
+                <a16:creationId xmlns:a16="http://schemas.microsoft.com/office/drawing/2014/main" id="{666CE1CE-C19F-49AE-8FF9-30F5EC22D9A8}"/>
+              </a:ext>
+            </a:extLst>
+          </p:cNvPr>
+          <p:cNvSpPr txBox="1"/>
+          <p:nvPr/>
+        </p:nvSpPr>
+        <p:spPr>
+          <a:xfrm>
+            <a:off x="730922" y="3834556"/>
+            <a:ext cx="8554720" cy="1938992"/>
+          </a:xfrm>
+          <a:prstGeom prst="rect">
+            <a:avLst/>
+          </a:prstGeom>
+          <a:noFill/>
+        </p:spPr>
+        <p:txBody>
+          <a:bodyPr wrap="square" rtlCol="0">
+            <a:spAutoFit/>
+          </a:bodyPr>
+          <a:lstStyle/>
+          <a:p>
+            <a:r>
+              <a:rPr lang="ko-KR" altLang="en-US" sz="2000">
+                <a:effectLst>
+                  <a:outerShdw blurRad="38100" dist="38100" dir="2700000" algn="tl">
+                    <a:srgbClr val="000000">
+                      <a:alpha val="43137"/>
+                    </a:srgbClr>
+                  </a:outerShdw>
+                </a:effectLst>
+              </a:rPr>
+              <a:t>포인터 변수의 선언</a:t>
+            </a:r>
+            <a:r>
+              <a:rPr lang="en-US" altLang="ko-KR" sz="2000">
+                <a:effectLst>
+                  <a:outerShdw blurRad="38100" dist="38100" dir="2700000" algn="tl">
+                    <a:srgbClr val="000000">
+                      <a:alpha val="43137"/>
+                    </a:srgbClr>
+                  </a:outerShdw>
+                </a:effectLst>
+              </a:rPr>
+              <a:t>)</a:t>
+            </a:r>
+          </a:p>
+          <a:p>
+            <a:r>
+              <a:rPr lang="en-US" altLang="ko-KR" sz="2000">
+                <a:effectLst>
+                  <a:outerShdw blurRad="38100" dist="38100" dir="2700000" algn="tl">
+                    <a:srgbClr val="000000">
+                      <a:alpha val="43137"/>
+                    </a:srgbClr>
+                  </a:outerShdw>
+                </a:effectLst>
+              </a:rPr>
+              <a:t>int *p;</a:t>
+            </a:r>
+          </a:p>
+          <a:p>
+            <a:r>
+              <a:rPr lang="ko-KR" altLang="en-US" sz="2000">
+                <a:effectLst>
+                  <a:outerShdw blurRad="38100" dist="38100" dir="2700000" algn="tl">
+                    <a:srgbClr val="000000">
+                      <a:alpha val="43137"/>
+                    </a:srgbClr>
+                  </a:outerShdw>
+                </a:effectLst>
+              </a:rPr>
+              <a:t>포인터 변수에 주소값 넣어주기</a:t>
+            </a:r>
+            <a:r>
+              <a:rPr lang="en-US" altLang="ko-KR" sz="2000">
+                <a:effectLst>
+                  <a:outerShdw blurRad="38100" dist="38100" dir="2700000" algn="tl">
+                    <a:srgbClr val="000000">
+                      <a:alpha val="43137"/>
+                    </a:srgbClr>
+                  </a:outerShdw>
+                </a:effectLst>
+              </a:rPr>
+              <a:t>)</a:t>
+            </a:r>
+          </a:p>
+          <a:p>
+            <a:r>
+              <a:rPr lang="en-US" altLang="ko-KR" sz="2000">
+                <a:effectLst>
+                  <a:outerShdw blurRad="38100" dist="38100" dir="2700000" algn="tl">
+                    <a:srgbClr val="000000">
+                      <a:alpha val="43137"/>
+                    </a:srgbClr>
+                  </a:outerShdw>
+                </a:effectLst>
+              </a:rPr>
+              <a:t>p = &amp;a;</a:t>
+            </a:r>
+          </a:p>
+          <a:p>
+            <a:r>
+              <a:rPr lang="ko-KR" altLang="en-US" sz="2000">
+                <a:effectLst>
+                  <a:outerShdw blurRad="38100" dist="38100" dir="2700000" algn="tl">
+                    <a:srgbClr val="000000">
+                      <a:alpha val="43137"/>
+                    </a:srgbClr>
+                  </a:outerShdw>
+                </a:effectLst>
+              </a:rPr>
+              <a:t>포인터 변수가 가리키는 주소의 변수값 보여주기</a:t>
+            </a:r>
+            <a:r>
+              <a:rPr lang="en-US" altLang="ko-KR" sz="2000">
+                <a:effectLst>
+                  <a:outerShdw blurRad="38100" dist="38100" dir="2700000" algn="tl">
+                    <a:srgbClr val="000000">
+                      <a:alpha val="43137"/>
+                    </a:srgbClr>
+                  </a:outerShdw>
+                </a:effectLst>
+              </a:rPr>
+              <a:t>)</a:t>
+            </a:r>
+          </a:p>
+          <a:p>
+            <a:r>
+              <a:rPr lang="en-US" altLang="ko-KR" sz="2000">
+                <a:effectLst>
+                  <a:outerShdw blurRad="38100" dist="38100" dir="2700000" algn="tl">
+                    <a:srgbClr val="000000">
+                      <a:alpha val="43137"/>
+                    </a:srgbClr>
+                  </a:outerShdw>
+                </a:effectLst>
+              </a:rPr>
+              <a:t>printf(“%d”, *p);</a:t>
+            </a:r>
+          </a:p>
+        </p:txBody>
+      </p:sp>
+      <p:sp>
+        <p:nvSpPr>
+          <p:cNvPr id="16" name="TextBox 15">
+            <a:extLst>
+              <a:ext uri="{FF2B5EF4-FFF2-40B4-BE49-F238E27FC236}">
+                <a16:creationId xmlns:a16="http://schemas.microsoft.com/office/drawing/2014/main" id="{9C44D1BE-0E84-4995-9769-503D046B84C0}"/>
+              </a:ext>
+            </a:extLst>
+          </p:cNvPr>
+          <p:cNvSpPr txBox="1"/>
+          <p:nvPr/>
+        </p:nvSpPr>
+        <p:spPr>
+          <a:xfrm>
+            <a:off x="1719430" y="4804052"/>
+            <a:ext cx="7497483" cy="307777"/>
+          </a:xfrm>
+          <a:prstGeom prst="rect">
+            <a:avLst/>
+          </a:prstGeom>
+          <a:noFill/>
+        </p:spPr>
+        <p:txBody>
+          <a:bodyPr wrap="square" rtlCol="0">
+            <a:spAutoFit/>
+          </a:bodyPr>
+          <a:lstStyle/>
+          <a:p>
+            <a:r>
+              <a:rPr lang="en-US" altLang="ko-KR" sz="1400">
+                <a:solidFill>
+                  <a:srgbClr val="0000FF"/>
+                </a:solidFill>
+                <a:effectLst>
+                  <a:outerShdw blurRad="38100" dist="38100" dir="2700000" algn="tl">
+                    <a:srgbClr val="000000">
+                      <a:alpha val="43137"/>
+                    </a:srgbClr>
+                  </a:outerShdw>
+                </a:effectLst>
+              </a:rPr>
+              <a:t>&amp;</a:t>
+            </a:r>
+            <a:r>
+              <a:rPr lang="ko-KR" altLang="en-US" sz="1400">
+                <a:solidFill>
+                  <a:srgbClr val="0000FF"/>
+                </a:solidFill>
+                <a:effectLst>
+                  <a:outerShdw blurRad="38100" dist="38100" dir="2700000" algn="tl">
+                    <a:srgbClr val="000000">
+                      <a:alpha val="43137"/>
+                    </a:srgbClr>
+                  </a:outerShdw>
+                </a:effectLst>
+              </a:rPr>
+              <a:t>를 변수 앞에 붙이면 해당 변수의 주소값을 나타냄</a:t>
+            </a:r>
+            <a:endParaRPr lang="en-US" altLang="ko-KR" sz="1400">
+              <a:solidFill>
+                <a:srgbClr val="0000FF"/>
+              </a:solidFill>
+              <a:effectLst>
+                <a:outerShdw blurRad="38100" dist="38100" dir="2700000" algn="tl">
+                  <a:srgbClr val="000000">
+                    <a:alpha val="43137"/>
+                  </a:srgbClr>
+                </a:outerShdw>
+              </a:effectLst>
+            </a:endParaRPr>
+          </a:p>
+        </p:txBody>
+      </p:sp>
     </p:spTree>
     <p:extLst>
       <p:ext uri="{BB962C8B-B14F-4D97-AF65-F5344CB8AC3E}">
-        <p14:creationId xmlns:p14="http://schemas.microsoft.com/office/powerpoint/2010/main" val="4098278937"/>
+        <p14:creationId xmlns:p14="http://schemas.microsoft.com/office/powerpoint/2010/main" val="3478070496"/>
       </p:ext>
     </p:extLst>
   </p:cSld>
@@ -4476,10 +6359,10 @@
       </p:grpSpPr>
       <p:pic>
         <p:nvPicPr>
-          <p:cNvPr id="10" name="그림 9" descr="화살이(가) 표시된 사진&#10;&#10;자동 생성된 설명">
-            <a:extLst>
-              <a:ext uri="{FF2B5EF4-FFF2-40B4-BE49-F238E27FC236}">
-                <a16:creationId xmlns:a16="http://schemas.microsoft.com/office/drawing/2014/main" id="{44CFF3E1-8AF5-49B1-BCC4-92C7C5FC2EAB}"/>
+          <p:cNvPr id="6" name="그림 5" descr="화살이(가) 표시된 사진&#10;&#10;자동 생성된 설명">
+            <a:extLst>
+              <a:ext uri="{FF2B5EF4-FFF2-40B4-BE49-F238E27FC236}">
+                <a16:creationId xmlns:a16="http://schemas.microsoft.com/office/drawing/2014/main" id="{A56C6D43-05A3-4988-A7D7-3D59E2F65C17}"/>
               </a:ext>
             </a:extLst>
           </p:cNvPr>
@@ -4657,7 +6540,7 @@
           <p:cNvPr id="8" name="TextBox 7">
             <a:extLst>
               <a:ext uri="{FF2B5EF4-FFF2-40B4-BE49-F238E27FC236}">
-                <a16:creationId xmlns:a16="http://schemas.microsoft.com/office/drawing/2014/main" id="{224F4EC7-63C1-4A4D-8C01-3C82039AEB0F}"/>
+                <a16:creationId xmlns:a16="http://schemas.microsoft.com/office/drawing/2014/main" id="{401ED521-CFE1-44B7-9BB3-E355239399D3}"/>
               </a:ext>
             </a:extLst>
           </p:cNvPr>
@@ -4666,8 +6549,8 @@
         </p:nvSpPr>
         <p:spPr>
           <a:xfrm>
-            <a:off x="1158240" y="1720553"/>
-            <a:ext cx="8554720" cy="461665"/>
+            <a:off x="730922" y="2661425"/>
+            <a:ext cx="8554720" cy="3416320"/>
           </a:xfrm>
           <a:prstGeom prst="rect">
             <a:avLst/>
@@ -4681,18 +6564,20 @@
           <a:lstStyle/>
           <a:p>
             <a:r>
-              <a:rPr lang="ko-KR" altLang="en-US" sz="2400">
-                <a:effectLst>
-                  <a:outerShdw blurRad="38100" dist="38100" dir="2700000" algn="tl">
-                    <a:srgbClr val="000000">
-                      <a:alpha val="43137"/>
-                    </a:srgbClr>
-                  </a:outerShdw>
-                </a:effectLst>
-              </a:rPr>
-              <a:t>ㅇㅇ</a:t>
-            </a:r>
-            <a:endParaRPr lang="en-US" altLang="ko-KR" sz="2400">
+              <a:rPr lang="en-US" altLang="ko-KR">
+                <a:effectLst>
+                  <a:outerShdw blurRad="38100" dist="38100" dir="2700000" algn="tl">
+                    <a:srgbClr val="000000">
+                      <a:alpha val="43137"/>
+                    </a:srgbClr>
+                  </a:outerShdw>
+                </a:effectLst>
+              </a:rPr>
+              <a:t>#include &lt;stdio.h&gt;</a:t>
+            </a:r>
+          </a:p>
+          <a:p>
+            <a:endParaRPr lang="en-US" altLang="ko-KR">
               <a:effectLst>
                 <a:outerShdw blurRad="38100" dist="38100" dir="2700000" algn="tl">
                   <a:srgbClr val="000000">
@@ -4702,12 +6587,569 @@
               </a:effectLst>
             </a:endParaRPr>
           </a:p>
+          <a:p>
+            <a:r>
+              <a:rPr lang="en-US" altLang="ko-KR">
+                <a:effectLst>
+                  <a:outerShdw blurRad="38100" dist="38100" dir="2700000" algn="tl">
+                    <a:srgbClr val="000000">
+                      <a:alpha val="43137"/>
+                    </a:srgbClr>
+                  </a:outerShdw>
+                </a:effectLst>
+              </a:rPr>
+              <a:t>int main() {</a:t>
+            </a:r>
+          </a:p>
+          <a:p>
+            <a:r>
+              <a:rPr lang="en-US" altLang="ko-KR">
+                <a:effectLst>
+                  <a:outerShdw blurRad="38100" dist="38100" dir="2700000" algn="tl">
+                    <a:srgbClr val="000000">
+                      <a:alpha val="43137"/>
+                    </a:srgbClr>
+                  </a:outerShdw>
+                </a:effectLst>
+              </a:rPr>
+              <a:t>	int a = 10;</a:t>
+            </a:r>
+          </a:p>
+          <a:p>
+            <a:r>
+              <a:rPr lang="en-US" altLang="ko-KR">
+                <a:effectLst>
+                  <a:outerShdw blurRad="38100" dist="38100" dir="2700000" algn="tl">
+                    <a:srgbClr val="000000">
+                      <a:alpha val="43137"/>
+                    </a:srgbClr>
+                  </a:outerShdw>
+                </a:effectLst>
+              </a:rPr>
+              <a:t>	int* p;</a:t>
+            </a:r>
+          </a:p>
+          <a:p>
+            <a:r>
+              <a:rPr lang="en-US" altLang="ko-KR">
+                <a:effectLst>
+                  <a:outerShdw blurRad="38100" dist="38100" dir="2700000" algn="tl">
+                    <a:srgbClr val="000000">
+                      <a:alpha val="43137"/>
+                    </a:srgbClr>
+                  </a:outerShdw>
+                </a:effectLst>
+              </a:rPr>
+              <a:t>	</a:t>
+            </a:r>
+            <a:r>
+              <a:rPr lang="en-US" altLang="ko-KR">
+                <a:solidFill>
+                  <a:schemeClr val="accent6">
+                    <a:lumMod val="75000"/>
+                  </a:schemeClr>
+                </a:solidFill>
+                <a:effectLst>
+                  <a:outerShdw blurRad="38100" dist="38100" dir="2700000" algn="tl">
+                    <a:srgbClr val="000000">
+                      <a:alpha val="43137"/>
+                    </a:srgbClr>
+                  </a:outerShdw>
+                </a:effectLst>
+              </a:rPr>
+              <a:t>// p</a:t>
+            </a:r>
+            <a:r>
+              <a:rPr lang="ko-KR" altLang="en-US">
+                <a:solidFill>
+                  <a:schemeClr val="accent6">
+                    <a:lumMod val="75000"/>
+                  </a:schemeClr>
+                </a:solidFill>
+                <a:effectLst>
+                  <a:outerShdw blurRad="38100" dist="38100" dir="2700000" algn="tl">
+                    <a:srgbClr val="000000">
+                      <a:alpha val="43137"/>
+                    </a:srgbClr>
+                  </a:outerShdw>
+                </a:effectLst>
+              </a:rPr>
+              <a:t> </a:t>
+            </a:r>
+            <a:r>
+              <a:rPr lang="en-US" altLang="ko-KR">
+                <a:solidFill>
+                  <a:schemeClr val="accent6">
+                    <a:lumMod val="75000"/>
+                  </a:schemeClr>
+                </a:solidFill>
+                <a:effectLst>
+                  <a:outerShdw blurRad="38100" dist="38100" dir="2700000" algn="tl">
+                    <a:srgbClr val="000000">
+                      <a:alpha val="43137"/>
+                    </a:srgbClr>
+                  </a:outerShdw>
+                </a:effectLst>
+              </a:rPr>
+              <a:t>=</a:t>
+            </a:r>
+            <a:r>
+              <a:rPr lang="ko-KR" altLang="en-US">
+                <a:solidFill>
+                  <a:schemeClr val="accent6">
+                    <a:lumMod val="75000"/>
+                  </a:schemeClr>
+                </a:solidFill>
+                <a:effectLst>
+                  <a:outerShdw blurRad="38100" dist="38100" dir="2700000" algn="tl">
+                    <a:srgbClr val="000000">
+                      <a:alpha val="43137"/>
+                    </a:srgbClr>
+                  </a:outerShdw>
+                </a:effectLst>
+              </a:rPr>
+              <a:t> </a:t>
+            </a:r>
+            <a:r>
+              <a:rPr lang="en-US" altLang="ko-KR">
+                <a:solidFill>
+                  <a:schemeClr val="accent6">
+                    <a:lumMod val="75000"/>
+                  </a:schemeClr>
+                </a:solidFill>
+                <a:effectLst>
+                  <a:outerShdw blurRad="38100" dist="38100" dir="2700000" algn="tl">
+                    <a:srgbClr val="000000">
+                      <a:alpha val="43137"/>
+                    </a:srgbClr>
+                  </a:outerShdw>
+                </a:effectLst>
+              </a:rPr>
+              <a:t>a; </a:t>
+            </a:r>
+            <a:r>
+              <a:rPr lang="en-US" altLang="ko-KR">
+                <a:solidFill>
+                  <a:srgbClr val="FF0000"/>
+                </a:solidFill>
+                <a:effectLst>
+                  <a:outerShdw blurRad="38100" dist="38100" dir="2700000" algn="tl">
+                    <a:srgbClr val="000000">
+                      <a:alpha val="43137"/>
+                    </a:srgbClr>
+                  </a:outerShdw>
+                </a:effectLst>
+              </a:rPr>
+              <a:t>(</a:t>
+            </a:r>
+            <a:r>
+              <a:rPr lang="ko-KR" altLang="en-US">
+                <a:solidFill>
+                  <a:srgbClr val="FF0000"/>
+                </a:solidFill>
+                <a:effectLst>
+                  <a:outerShdw blurRad="38100" dist="38100" dir="2700000" algn="tl">
+                    <a:srgbClr val="000000">
+                      <a:alpha val="43137"/>
+                    </a:srgbClr>
+                  </a:outerShdw>
+                </a:effectLst>
+              </a:rPr>
+              <a:t>오류발생</a:t>
+            </a:r>
+            <a:r>
+              <a:rPr lang="en-US" altLang="ko-KR">
+                <a:solidFill>
+                  <a:srgbClr val="FF0000"/>
+                </a:solidFill>
+                <a:effectLst>
+                  <a:outerShdw blurRad="38100" dist="38100" dir="2700000" algn="tl">
+                    <a:srgbClr val="000000">
+                      <a:alpha val="43137"/>
+                    </a:srgbClr>
+                  </a:outerShdw>
+                </a:effectLst>
+              </a:rPr>
+              <a:t>!)</a:t>
+            </a:r>
+          </a:p>
+          <a:p>
+            <a:r>
+              <a:rPr lang="en-US" altLang="ko-KR">
+                <a:effectLst>
+                  <a:outerShdw blurRad="38100" dist="38100" dir="2700000" algn="tl">
+                    <a:srgbClr val="000000">
+                      <a:alpha val="43137"/>
+                    </a:srgbClr>
+                  </a:outerShdw>
+                </a:effectLst>
+              </a:rPr>
+              <a:t>	p = &amp;a;</a:t>
+            </a:r>
+          </a:p>
+          <a:p>
+            <a:r>
+              <a:rPr lang="en-US" altLang="ko-KR">
+                <a:effectLst>
+                  <a:outerShdw blurRad="38100" dist="38100" dir="2700000" algn="tl">
+                    <a:srgbClr val="000000">
+                      <a:alpha val="43137"/>
+                    </a:srgbClr>
+                  </a:outerShdw>
+                </a:effectLst>
+              </a:rPr>
+              <a:t>	printf(“%d %d\n”, p, *p); </a:t>
+            </a:r>
+            <a:r>
+              <a:rPr lang="en-US" altLang="ko-KR">
+                <a:solidFill>
+                  <a:schemeClr val="accent6">
+                    <a:lumMod val="75000"/>
+                  </a:schemeClr>
+                </a:solidFill>
+                <a:effectLst>
+                  <a:outerShdw blurRad="38100" dist="38100" dir="2700000" algn="tl">
+                    <a:srgbClr val="000000">
+                      <a:alpha val="43137"/>
+                    </a:srgbClr>
+                  </a:outerShdw>
+                </a:effectLst>
+              </a:rPr>
+              <a:t>// </a:t>
+            </a:r>
+            <a:r>
+              <a:rPr lang="ko-KR" altLang="en-US">
+                <a:solidFill>
+                  <a:schemeClr val="accent6">
+                    <a:lumMod val="75000"/>
+                  </a:schemeClr>
+                </a:solidFill>
+                <a:effectLst>
+                  <a:outerShdw blurRad="38100" dist="38100" dir="2700000" algn="tl">
+                    <a:srgbClr val="000000">
+                      <a:alpha val="43137"/>
+                    </a:srgbClr>
+                  </a:outerShdw>
+                </a:effectLst>
+              </a:rPr>
+              <a:t>첫번째 </a:t>
+            </a:r>
+            <a:r>
+              <a:rPr lang="en-US" altLang="ko-KR">
+                <a:solidFill>
+                  <a:schemeClr val="accent6">
+                    <a:lumMod val="75000"/>
+                  </a:schemeClr>
+                </a:solidFill>
+                <a:effectLst>
+                  <a:outerShdw blurRad="38100" dist="38100" dir="2700000" algn="tl">
+                    <a:srgbClr val="000000">
+                      <a:alpha val="43137"/>
+                    </a:srgbClr>
+                  </a:outerShdw>
+                </a:effectLst>
+              </a:rPr>
+              <a:t>d</a:t>
+            </a:r>
+            <a:r>
+              <a:rPr lang="ko-KR" altLang="en-US">
+                <a:solidFill>
+                  <a:schemeClr val="accent6">
+                    <a:lumMod val="75000"/>
+                  </a:schemeClr>
+                </a:solidFill>
+                <a:effectLst>
+                  <a:outerShdw blurRad="38100" dist="38100" dir="2700000" algn="tl">
+                    <a:srgbClr val="000000">
+                      <a:alpha val="43137"/>
+                    </a:srgbClr>
+                  </a:outerShdw>
+                </a:effectLst>
+              </a:rPr>
+              <a:t>와 두번째 </a:t>
+            </a:r>
+            <a:r>
+              <a:rPr lang="en-US" altLang="ko-KR">
+                <a:solidFill>
+                  <a:schemeClr val="accent6">
+                    <a:lumMod val="75000"/>
+                  </a:schemeClr>
+                </a:solidFill>
+                <a:effectLst>
+                  <a:outerShdw blurRad="38100" dist="38100" dir="2700000" algn="tl">
+                    <a:srgbClr val="000000">
+                      <a:alpha val="43137"/>
+                    </a:srgbClr>
+                  </a:outerShdw>
+                </a:effectLst>
+              </a:rPr>
+              <a:t>d</a:t>
+            </a:r>
+            <a:r>
+              <a:rPr lang="ko-KR" altLang="en-US">
+                <a:solidFill>
+                  <a:schemeClr val="accent6">
+                    <a:lumMod val="75000"/>
+                  </a:schemeClr>
+                </a:solidFill>
+                <a:effectLst>
+                  <a:outerShdw blurRad="38100" dist="38100" dir="2700000" algn="tl">
+                    <a:srgbClr val="000000">
+                      <a:alpha val="43137"/>
+                    </a:srgbClr>
+                  </a:outerShdw>
+                </a:effectLst>
+              </a:rPr>
+              <a:t>의 차이 보기</a:t>
+            </a:r>
+            <a:endParaRPr lang="en-US" altLang="ko-KR">
+              <a:solidFill>
+                <a:schemeClr val="accent6">
+                  <a:lumMod val="75000"/>
+                </a:schemeClr>
+              </a:solidFill>
+              <a:effectLst>
+                <a:outerShdw blurRad="38100" dist="38100" dir="2700000" algn="tl">
+                  <a:srgbClr val="000000">
+                    <a:alpha val="43137"/>
+                  </a:srgbClr>
+                </a:outerShdw>
+              </a:effectLst>
+            </a:endParaRPr>
+          </a:p>
+          <a:p>
+            <a:r>
+              <a:rPr lang="en-US" altLang="ko-KR">
+                <a:effectLst>
+                  <a:outerShdw blurRad="38100" dist="38100" dir="2700000" algn="tl">
+                    <a:srgbClr val="000000">
+                      <a:alpha val="43137"/>
+                    </a:srgbClr>
+                  </a:outerShdw>
+                </a:effectLst>
+              </a:rPr>
+              <a:t>	printf(“%d %d\n”, a, *p); </a:t>
+            </a:r>
+            <a:r>
+              <a:rPr lang="en-US" altLang="ko-KR">
+                <a:solidFill>
+                  <a:schemeClr val="accent6">
+                    <a:lumMod val="75000"/>
+                  </a:schemeClr>
+                </a:solidFill>
+                <a:effectLst>
+                  <a:outerShdw blurRad="38100" dist="38100" dir="2700000" algn="tl">
+                    <a:srgbClr val="000000">
+                      <a:alpha val="43137"/>
+                    </a:srgbClr>
+                  </a:outerShdw>
+                </a:effectLst>
+              </a:rPr>
+              <a:t>// </a:t>
+            </a:r>
+            <a:r>
+              <a:rPr lang="ko-KR" altLang="en-US">
+                <a:solidFill>
+                  <a:schemeClr val="accent6">
+                    <a:lumMod val="75000"/>
+                  </a:schemeClr>
+                </a:solidFill>
+                <a:effectLst>
+                  <a:outerShdw blurRad="38100" dist="38100" dir="2700000" algn="tl">
+                    <a:srgbClr val="000000">
+                      <a:alpha val="43137"/>
+                    </a:srgbClr>
+                  </a:outerShdw>
+                </a:effectLst>
+              </a:rPr>
+              <a:t>출력되는 값이 똑같은지 보기</a:t>
+            </a:r>
+            <a:endParaRPr lang="en-US" altLang="ko-KR">
+              <a:solidFill>
+                <a:schemeClr val="accent6">
+                  <a:lumMod val="75000"/>
+                </a:schemeClr>
+              </a:solidFill>
+              <a:effectLst>
+                <a:outerShdw blurRad="38100" dist="38100" dir="2700000" algn="tl">
+                  <a:srgbClr val="000000">
+                    <a:alpha val="43137"/>
+                  </a:srgbClr>
+                </a:outerShdw>
+              </a:effectLst>
+            </a:endParaRPr>
+          </a:p>
+          <a:p>
+            <a:r>
+              <a:rPr lang="en-US" altLang="ko-KR">
+                <a:effectLst>
+                  <a:outerShdw blurRad="38100" dist="38100" dir="2700000" algn="tl">
+                    <a:srgbClr val="000000">
+                      <a:alpha val="43137"/>
+                    </a:srgbClr>
+                  </a:outerShdw>
+                </a:effectLst>
+              </a:rPr>
+              <a:t>	</a:t>
+            </a:r>
+          </a:p>
+          <a:p>
+            <a:r>
+              <a:rPr lang="en-US" altLang="ko-KR">
+                <a:effectLst>
+                  <a:outerShdw blurRad="38100" dist="38100" dir="2700000" algn="tl">
+                    <a:srgbClr val="000000">
+                      <a:alpha val="43137"/>
+                    </a:srgbClr>
+                  </a:outerShdw>
+                </a:effectLst>
+              </a:rPr>
+              <a:t>	return 0;</a:t>
+            </a:r>
+          </a:p>
+          <a:p>
+            <a:r>
+              <a:rPr lang="en-US" altLang="ko-KR">
+                <a:effectLst>
+                  <a:outerShdw blurRad="38100" dist="38100" dir="2700000" algn="tl">
+                    <a:srgbClr val="000000">
+                      <a:alpha val="43137"/>
+                    </a:srgbClr>
+                  </a:outerShdw>
+                </a:effectLst>
+              </a:rPr>
+              <a:t>}</a:t>
+            </a:r>
+          </a:p>
+        </p:txBody>
+      </p:sp>
+      <p:sp>
+        <p:nvSpPr>
+          <p:cNvPr id="9" name="TextBox 8">
+            <a:extLst>
+              <a:ext uri="{FF2B5EF4-FFF2-40B4-BE49-F238E27FC236}">
+                <a16:creationId xmlns:a16="http://schemas.microsoft.com/office/drawing/2014/main" id="{0D9F02F6-35F7-46F5-8FFE-FBAD20732CDC}"/>
+              </a:ext>
+            </a:extLst>
+          </p:cNvPr>
+          <p:cNvSpPr txBox="1"/>
+          <p:nvPr/>
+        </p:nvSpPr>
+        <p:spPr>
+          <a:xfrm>
+            <a:off x="301812" y="1347761"/>
+            <a:ext cx="7700955" cy="461665"/>
+          </a:xfrm>
+          <a:prstGeom prst="rect">
+            <a:avLst/>
+          </a:prstGeom>
+          <a:noFill/>
+        </p:spPr>
+        <p:txBody>
+          <a:bodyPr wrap="square" rtlCol="0">
+            <a:spAutoFit/>
+          </a:bodyPr>
+          <a:lstStyle/>
+          <a:p>
+            <a:pPr marL="457200" indent="-457200">
+              <a:buFont typeface="Arial" panose="020B0604020202020204" pitchFamily="34" charset="0"/>
+              <a:buChar char="•"/>
+            </a:pPr>
+            <a:r>
+              <a:rPr lang="ko-KR" altLang="en-US" sz="2400" b="1">
+                <a:effectLst>
+                  <a:outerShdw blurRad="38100" dist="38100" dir="2700000" algn="tl">
+                    <a:srgbClr val="000000">
+                      <a:alpha val="43137"/>
+                    </a:srgbClr>
+                  </a:outerShdw>
+                </a:effectLst>
+              </a:rPr>
+              <a:t>포인터의 이해하기</a:t>
+            </a:r>
+            <a:endParaRPr lang="en-US" altLang="ko-KR" sz="2400" b="1">
+              <a:effectLst>
+                <a:outerShdw blurRad="38100" dist="38100" dir="2700000" algn="tl">
+                  <a:srgbClr val="000000">
+                    <a:alpha val="43137"/>
+                  </a:srgbClr>
+                </a:outerShdw>
+              </a:effectLst>
+            </a:endParaRPr>
+          </a:p>
+        </p:txBody>
+      </p:sp>
+      <p:sp>
+        <p:nvSpPr>
+          <p:cNvPr id="10" name="TextBox 9">
+            <a:extLst>
+              <a:ext uri="{FF2B5EF4-FFF2-40B4-BE49-F238E27FC236}">
+                <a16:creationId xmlns:a16="http://schemas.microsoft.com/office/drawing/2014/main" id="{A29EA04F-7B1B-49BC-ACB8-3B4FF42C8C33}"/>
+              </a:ext>
+            </a:extLst>
+          </p:cNvPr>
+          <p:cNvSpPr txBox="1"/>
+          <p:nvPr/>
+        </p:nvSpPr>
+        <p:spPr>
+          <a:xfrm>
+            <a:off x="730922" y="1941546"/>
+            <a:ext cx="9300584" cy="461665"/>
+          </a:xfrm>
+          <a:prstGeom prst="rect">
+            <a:avLst/>
+          </a:prstGeom>
+          <a:noFill/>
+        </p:spPr>
+        <p:txBody>
+          <a:bodyPr wrap="square" rtlCol="0">
+            <a:spAutoFit/>
+          </a:bodyPr>
+          <a:lstStyle/>
+          <a:p>
+            <a:r>
+              <a:rPr lang="en-US" altLang="ko-KR" sz="2400">
+                <a:effectLst>
+                  <a:outerShdw blurRad="38100" dist="38100" dir="2700000" algn="tl">
+                    <a:srgbClr val="000000">
+                      <a:alpha val="43137"/>
+                    </a:srgbClr>
+                  </a:outerShdw>
+                </a:effectLst>
+              </a:rPr>
+              <a:t>*</a:t>
+            </a:r>
+            <a:r>
+              <a:rPr lang="ko-KR" altLang="en-US" sz="2400">
+                <a:effectLst>
+                  <a:outerShdw blurRad="38100" dist="38100" dir="2700000" algn="tl">
+                    <a:srgbClr val="000000">
+                      <a:alpha val="43137"/>
+                    </a:srgbClr>
+                  </a:outerShdw>
+                </a:effectLst>
+              </a:rPr>
+              <a:t>를 붙이고 안붙이고 출력값이 어떻게 다를까</a:t>
+            </a:r>
+            <a:r>
+              <a:rPr lang="en-US" altLang="ko-KR" sz="2400">
+                <a:effectLst>
+                  <a:outerShdw blurRad="38100" dist="38100" dir="2700000" algn="tl">
+                    <a:srgbClr val="000000">
+                      <a:alpha val="43137"/>
+                    </a:srgbClr>
+                  </a:outerShdw>
+                </a:effectLst>
+              </a:rPr>
+              <a:t>?</a:t>
+            </a:r>
+          </a:p>
         </p:txBody>
       </p:sp>
     </p:spTree>
     <p:extLst>
       <p:ext uri="{BB962C8B-B14F-4D97-AF65-F5344CB8AC3E}">
-        <p14:creationId xmlns:p14="http://schemas.microsoft.com/office/powerpoint/2010/main" val="750529664"/>
+        <p14:creationId xmlns:p14="http://schemas.microsoft.com/office/powerpoint/2010/main" val="1810590426"/>
       </p:ext>
     </p:extLst>
   </p:cSld>
@@ -4736,10 +7178,10 @@
       </p:grpSpPr>
       <p:pic>
         <p:nvPicPr>
-          <p:cNvPr id="10" name="그림 9" descr="화살이(가) 표시된 사진&#10;&#10;자동 생성된 설명">
-            <a:extLst>
-              <a:ext uri="{FF2B5EF4-FFF2-40B4-BE49-F238E27FC236}">
-                <a16:creationId xmlns:a16="http://schemas.microsoft.com/office/drawing/2014/main" id="{44CFF3E1-8AF5-49B1-BCC4-92C7C5FC2EAB}"/>
+          <p:cNvPr id="6" name="그림 5" descr="화살이(가) 표시된 사진&#10;&#10;자동 생성된 설명">
+            <a:extLst>
+              <a:ext uri="{FF2B5EF4-FFF2-40B4-BE49-F238E27FC236}">
+                <a16:creationId xmlns:a16="http://schemas.microsoft.com/office/drawing/2014/main" id="{A56C6D43-05A3-4988-A7D7-3D59E2F65C17}"/>
               </a:ext>
             </a:extLst>
           </p:cNvPr>
@@ -4810,7 +7252,7 @@
                   </a:outerShdw>
                 </a:effectLst>
               </a:rPr>
-              <a:t>파일입출력</a:t>
+              <a:t>포인터</a:t>
             </a:r>
           </a:p>
         </p:txBody>
@@ -4917,7 +7359,7 @@
           <p:cNvPr id="8" name="TextBox 7">
             <a:extLst>
               <a:ext uri="{FF2B5EF4-FFF2-40B4-BE49-F238E27FC236}">
-                <a16:creationId xmlns:a16="http://schemas.microsoft.com/office/drawing/2014/main" id="{E559F940-BBB4-49CB-AF02-E6210FA77220}"/>
+                <a16:creationId xmlns:a16="http://schemas.microsoft.com/office/drawing/2014/main" id="{401ED521-CFE1-44B7-9BB3-E355239399D3}"/>
               </a:ext>
             </a:extLst>
           </p:cNvPr>
@@ -4926,8 +7368,8 @@
         </p:nvSpPr>
         <p:spPr>
           <a:xfrm>
-            <a:off x="1158240" y="1720553"/>
-            <a:ext cx="8554720" cy="461665"/>
+            <a:off x="730922" y="2661425"/>
+            <a:ext cx="8554720" cy="3416320"/>
           </a:xfrm>
           <a:prstGeom prst="rect">
             <a:avLst/>
@@ -4941,18 +7383,20 @@
           <a:lstStyle/>
           <a:p>
             <a:r>
-              <a:rPr lang="ko-KR" altLang="en-US" sz="2400">
-                <a:effectLst>
-                  <a:outerShdw blurRad="38100" dist="38100" dir="2700000" algn="tl">
-                    <a:srgbClr val="000000">
-                      <a:alpha val="43137"/>
-                    </a:srgbClr>
-                  </a:outerShdw>
-                </a:effectLst>
-              </a:rPr>
-              <a:t>ㅇㅇ</a:t>
-            </a:r>
-            <a:endParaRPr lang="en-US" altLang="ko-KR" sz="2400">
+              <a:rPr lang="en-US" altLang="ko-KR">
+                <a:effectLst>
+                  <a:outerShdw blurRad="38100" dist="38100" dir="2700000" algn="tl">
+                    <a:srgbClr val="000000">
+                      <a:alpha val="43137"/>
+                    </a:srgbClr>
+                  </a:outerShdw>
+                </a:effectLst>
+              </a:rPr>
+              <a:t>#include &lt;stdio.h&gt;</a:t>
+            </a:r>
+          </a:p>
+          <a:p>
+            <a:endParaRPr lang="en-US" altLang="ko-KR">
               <a:effectLst>
                 <a:outerShdw blurRad="38100" dist="38100" dir="2700000" algn="tl">
                   <a:srgbClr val="000000">
@@ -4962,12 +7406,323 @@
               </a:effectLst>
             </a:endParaRPr>
           </a:p>
+          <a:p>
+            <a:r>
+              <a:rPr lang="en-US" altLang="ko-KR">
+                <a:effectLst>
+                  <a:outerShdw blurRad="38100" dist="38100" dir="2700000" algn="tl">
+                    <a:srgbClr val="000000">
+                      <a:alpha val="43137"/>
+                    </a:srgbClr>
+                  </a:outerShdw>
+                </a:effectLst>
+              </a:rPr>
+              <a:t>int main() {</a:t>
+            </a:r>
+          </a:p>
+          <a:p>
+            <a:r>
+              <a:rPr lang="en-US" altLang="ko-KR">
+                <a:effectLst>
+                  <a:outerShdw blurRad="38100" dist="38100" dir="2700000" algn="tl">
+                    <a:srgbClr val="000000">
+                      <a:alpha val="43137"/>
+                    </a:srgbClr>
+                  </a:outerShdw>
+                </a:effectLst>
+              </a:rPr>
+              <a:t>	int a = 10;</a:t>
+            </a:r>
+          </a:p>
+          <a:p>
+            <a:r>
+              <a:rPr lang="en-US" altLang="ko-KR">
+                <a:effectLst>
+                  <a:outerShdw blurRad="38100" dist="38100" dir="2700000" algn="tl">
+                    <a:srgbClr val="000000">
+                      <a:alpha val="43137"/>
+                    </a:srgbClr>
+                  </a:outerShdw>
+                </a:effectLst>
+              </a:rPr>
+              <a:t>	int* p;</a:t>
+            </a:r>
+          </a:p>
+          <a:p>
+            <a:r>
+              <a:rPr lang="en-US" altLang="ko-KR">
+                <a:effectLst>
+                  <a:outerShdw blurRad="38100" dist="38100" dir="2700000" algn="tl">
+                    <a:srgbClr val="000000">
+                      <a:alpha val="43137"/>
+                    </a:srgbClr>
+                  </a:outerShdw>
+                </a:effectLst>
+              </a:rPr>
+              <a:t>	p = &amp;a;</a:t>
+            </a:r>
+          </a:p>
+          <a:p>
+            <a:r>
+              <a:rPr lang="en-US" altLang="ko-KR">
+                <a:effectLst>
+                  <a:outerShdw blurRad="38100" dist="38100" dir="2700000" algn="tl">
+                    <a:srgbClr val="000000">
+                      <a:alpha val="43137"/>
+                    </a:srgbClr>
+                  </a:outerShdw>
+                </a:effectLst>
+              </a:rPr>
+              <a:t>	printf(“%d %d\n”, a, *p);</a:t>
+            </a:r>
+          </a:p>
+          <a:p>
+            <a:r>
+              <a:rPr lang="en-US" altLang="ko-KR">
+                <a:effectLst>
+                  <a:outerShdw blurRad="38100" dist="38100" dir="2700000" algn="tl">
+                    <a:srgbClr val="000000">
+                      <a:alpha val="43137"/>
+                    </a:srgbClr>
+                  </a:outerShdw>
+                </a:effectLst>
+              </a:rPr>
+              <a:t>	a = 20;</a:t>
+            </a:r>
+          </a:p>
+          <a:p>
+            <a:r>
+              <a:rPr lang="en-US" altLang="ko-KR">
+                <a:effectLst>
+                  <a:outerShdw blurRad="38100" dist="38100" dir="2700000" algn="tl">
+                    <a:srgbClr val="000000">
+                      <a:alpha val="43137"/>
+                    </a:srgbClr>
+                  </a:outerShdw>
+                </a:effectLst>
+              </a:rPr>
+              <a:t>	printf(“%d %d\n”, a, *p);</a:t>
+            </a:r>
+          </a:p>
+          <a:p>
+            <a:r>
+              <a:rPr lang="en-US" altLang="ko-KR">
+                <a:effectLst>
+                  <a:outerShdw blurRad="38100" dist="38100" dir="2700000" algn="tl">
+                    <a:srgbClr val="000000">
+                      <a:alpha val="43137"/>
+                    </a:srgbClr>
+                  </a:outerShdw>
+                </a:effectLst>
+              </a:rPr>
+              <a:t>	</a:t>
+            </a:r>
+          </a:p>
+          <a:p>
+            <a:r>
+              <a:rPr lang="en-US" altLang="ko-KR">
+                <a:effectLst>
+                  <a:outerShdw blurRad="38100" dist="38100" dir="2700000" algn="tl">
+                    <a:srgbClr val="000000">
+                      <a:alpha val="43137"/>
+                    </a:srgbClr>
+                  </a:outerShdw>
+                </a:effectLst>
+              </a:rPr>
+              <a:t>	return 0;</a:t>
+            </a:r>
+          </a:p>
+          <a:p>
+            <a:r>
+              <a:rPr lang="en-US" altLang="ko-KR">
+                <a:effectLst>
+                  <a:outerShdw blurRad="38100" dist="38100" dir="2700000" algn="tl">
+                    <a:srgbClr val="000000">
+                      <a:alpha val="43137"/>
+                    </a:srgbClr>
+                  </a:outerShdw>
+                </a:effectLst>
+              </a:rPr>
+              <a:t>}</a:t>
+            </a:r>
+          </a:p>
+        </p:txBody>
+      </p:sp>
+      <p:sp>
+        <p:nvSpPr>
+          <p:cNvPr id="9" name="TextBox 8">
+            <a:extLst>
+              <a:ext uri="{FF2B5EF4-FFF2-40B4-BE49-F238E27FC236}">
+                <a16:creationId xmlns:a16="http://schemas.microsoft.com/office/drawing/2014/main" id="{0D9F02F6-35F7-46F5-8FFE-FBAD20732CDC}"/>
+              </a:ext>
+            </a:extLst>
+          </p:cNvPr>
+          <p:cNvSpPr txBox="1"/>
+          <p:nvPr/>
+        </p:nvSpPr>
+        <p:spPr>
+          <a:xfrm>
+            <a:off x="301812" y="1347761"/>
+            <a:ext cx="7700955" cy="461665"/>
+          </a:xfrm>
+          <a:prstGeom prst="rect">
+            <a:avLst/>
+          </a:prstGeom>
+          <a:noFill/>
+        </p:spPr>
+        <p:txBody>
+          <a:bodyPr wrap="square" rtlCol="0">
+            <a:spAutoFit/>
+          </a:bodyPr>
+          <a:lstStyle/>
+          <a:p>
+            <a:pPr marL="457200" indent="-457200">
+              <a:buFont typeface="Arial" panose="020B0604020202020204" pitchFamily="34" charset="0"/>
+              <a:buChar char="•"/>
+            </a:pPr>
+            <a:r>
+              <a:rPr lang="ko-KR" altLang="en-US" sz="2400" b="1">
+                <a:effectLst>
+                  <a:outerShdw blurRad="38100" dist="38100" dir="2700000" algn="tl">
+                    <a:srgbClr val="000000">
+                      <a:alpha val="43137"/>
+                    </a:srgbClr>
+                  </a:outerShdw>
+                </a:effectLst>
+              </a:rPr>
+              <a:t>포인터의 예시</a:t>
+            </a:r>
+            <a:endParaRPr lang="en-US" altLang="ko-KR" sz="2400" b="1">
+              <a:effectLst>
+                <a:outerShdw blurRad="38100" dist="38100" dir="2700000" algn="tl">
+                  <a:srgbClr val="000000">
+                    <a:alpha val="43137"/>
+                  </a:srgbClr>
+                </a:outerShdw>
+              </a:effectLst>
+            </a:endParaRPr>
+          </a:p>
+        </p:txBody>
+      </p:sp>
+      <p:sp>
+        <p:nvSpPr>
+          <p:cNvPr id="10" name="TextBox 9">
+            <a:extLst>
+              <a:ext uri="{FF2B5EF4-FFF2-40B4-BE49-F238E27FC236}">
+                <a16:creationId xmlns:a16="http://schemas.microsoft.com/office/drawing/2014/main" id="{A29EA04F-7B1B-49BC-ACB8-3B4FF42C8C33}"/>
+              </a:ext>
+            </a:extLst>
+          </p:cNvPr>
+          <p:cNvSpPr txBox="1"/>
+          <p:nvPr/>
+        </p:nvSpPr>
+        <p:spPr>
+          <a:xfrm>
+            <a:off x="730922" y="1941546"/>
+            <a:ext cx="9300584" cy="461665"/>
+          </a:xfrm>
+          <a:prstGeom prst="rect">
+            <a:avLst/>
+          </a:prstGeom>
+          <a:noFill/>
+        </p:spPr>
+        <p:txBody>
+          <a:bodyPr wrap="square" rtlCol="0">
+            <a:spAutoFit/>
+          </a:bodyPr>
+          <a:lstStyle/>
+          <a:p>
+            <a:r>
+              <a:rPr lang="en-US" altLang="ko-KR" sz="2400">
+                <a:effectLst>
+                  <a:outerShdw blurRad="38100" dist="38100" dir="2700000" algn="tl">
+                    <a:srgbClr val="000000">
+                      <a:alpha val="43137"/>
+                    </a:srgbClr>
+                  </a:outerShdw>
+                </a:effectLst>
+              </a:rPr>
+              <a:t>int </a:t>
+            </a:r>
+            <a:r>
+              <a:rPr lang="ko-KR" altLang="en-US" sz="2400">
+                <a:effectLst>
+                  <a:outerShdw blurRad="38100" dist="38100" dir="2700000" algn="tl">
+                    <a:srgbClr val="000000">
+                      <a:alpha val="43137"/>
+                    </a:srgbClr>
+                  </a:outerShdw>
+                </a:effectLst>
+              </a:rPr>
+              <a:t>변수 </a:t>
+            </a:r>
+            <a:r>
+              <a:rPr lang="en-US" altLang="ko-KR" sz="2400">
+                <a:effectLst>
+                  <a:outerShdw blurRad="38100" dist="38100" dir="2700000" algn="tl">
+                    <a:srgbClr val="000000">
+                      <a:alpha val="43137"/>
+                    </a:srgbClr>
+                  </a:outerShdw>
+                </a:effectLst>
+              </a:rPr>
+              <a:t>a</a:t>
+            </a:r>
+            <a:r>
+              <a:rPr lang="ko-KR" altLang="en-US" sz="2400">
+                <a:effectLst>
+                  <a:outerShdw blurRad="38100" dist="38100" dir="2700000" algn="tl">
+                    <a:srgbClr val="000000">
+                      <a:alpha val="43137"/>
+                    </a:srgbClr>
+                  </a:outerShdw>
+                </a:effectLst>
+              </a:rPr>
+              <a:t>를 가리키는 </a:t>
+            </a:r>
+            <a:r>
+              <a:rPr lang="en-US" altLang="ko-KR" sz="2400">
+                <a:effectLst>
+                  <a:outerShdw blurRad="38100" dist="38100" dir="2700000" algn="tl">
+                    <a:srgbClr val="000000">
+                      <a:alpha val="43137"/>
+                    </a:srgbClr>
+                  </a:outerShdw>
+                </a:effectLst>
+              </a:rPr>
+              <a:t>int </a:t>
+            </a:r>
+            <a:r>
+              <a:rPr lang="ko-KR" altLang="en-US" sz="2400">
+                <a:effectLst>
+                  <a:outerShdw blurRad="38100" dist="38100" dir="2700000" algn="tl">
+                    <a:srgbClr val="000000">
+                      <a:alpha val="43137"/>
+                    </a:srgbClr>
+                  </a:outerShdw>
+                </a:effectLst>
+              </a:rPr>
+              <a:t>포인터 </a:t>
+            </a:r>
+            <a:r>
+              <a:rPr lang="en-US" altLang="ko-KR" sz="2400">
+                <a:effectLst>
+                  <a:outerShdw blurRad="38100" dist="38100" dir="2700000" algn="tl">
+                    <a:srgbClr val="000000">
+                      <a:alpha val="43137"/>
+                    </a:srgbClr>
+                  </a:outerShdw>
+                </a:effectLst>
+              </a:rPr>
+              <a:t>p</a:t>
+            </a:r>
+          </a:p>
         </p:txBody>
       </p:sp>
     </p:spTree>
     <p:extLst>
       <p:ext uri="{BB962C8B-B14F-4D97-AF65-F5344CB8AC3E}">
-        <p14:creationId xmlns:p14="http://schemas.microsoft.com/office/powerpoint/2010/main" val="647075201"/>
+        <p14:creationId xmlns:p14="http://schemas.microsoft.com/office/powerpoint/2010/main" val="4081226057"/>
       </p:ext>
     </p:extLst>
   </p:cSld>
@@ -4999,7 +7754,7 @@
           <p:cNvPr id="6" name="그림 5" descr="화살이(가) 표시된 사진&#10;&#10;자동 생성된 설명">
             <a:extLst>
               <a:ext uri="{FF2B5EF4-FFF2-40B4-BE49-F238E27FC236}">
-                <a16:creationId xmlns:a16="http://schemas.microsoft.com/office/drawing/2014/main" id="{E9BC1B0A-33C6-4B7F-B5CD-576333AF00BE}"/>
+                <a16:creationId xmlns:a16="http://schemas.microsoft.com/office/drawing/2014/main" id="{A56C6D43-05A3-4988-A7D7-3D59E2F65C17}"/>
               </a:ext>
             </a:extLst>
           </p:cNvPr>
@@ -5049,101 +7804,28 @@
         </p:nvSpPr>
         <p:spPr>
           <a:xfrm>
-            <a:off x="251012" y="2927524"/>
-            <a:ext cx="11689976" cy="1002951"/>
+            <a:off x="301812" y="210670"/>
+            <a:ext cx="11689976" cy="851648"/>
           </a:xfrm>
         </p:spPr>
         <p:txBody>
           <a:bodyPr>
-            <a:normAutofit/>
+            <a:normAutofit fontScale="90000"/>
           </a:bodyPr>
           <a:lstStyle/>
           <a:p>
-            <a:r>
-              <a:rPr lang="en-US" altLang="ko-KR" b="1">
-                <a:effectLst>
-                  <a:outerShdw blurRad="38100" dist="38100" dir="2700000" algn="tl">
-                    <a:srgbClr val="000000">
-                      <a:alpha val="43137"/>
-                    </a:srgbClr>
-                  </a:outerShdw>
-                </a:effectLst>
-              </a:rPr>
-              <a:t>- EC)Basic End -</a:t>
-            </a:r>
-            <a:endParaRPr lang="ko-KR" altLang="en-US" b="1">
-              <a:effectLst>
-                <a:outerShdw blurRad="38100" dist="38100" dir="2700000" algn="tl">
-                  <a:srgbClr val="000000">
-                    <a:alpha val="43137"/>
-                  </a:srgbClr>
-                </a:outerShdw>
-              </a:effectLst>
-            </a:endParaRPr>
-          </a:p>
-        </p:txBody>
-      </p:sp>
-      <p:sp>
-        <p:nvSpPr>
-          <p:cNvPr id="3" name="부제목 2">
-            <a:extLst>
-              <a:ext uri="{FF2B5EF4-FFF2-40B4-BE49-F238E27FC236}">
-                <a16:creationId xmlns:a16="http://schemas.microsoft.com/office/drawing/2014/main" id="{7D38A29F-4DAA-495A-9E08-8105E1716EA9}"/>
-              </a:ext>
-            </a:extLst>
-          </p:cNvPr>
-          <p:cNvSpPr>
-            <a:spLocks noGrp="1"/>
-          </p:cNvSpPr>
-          <p:nvPr>
-            <p:ph type="subTitle" idx="1"/>
-          </p:nvPr>
-        </p:nvSpPr>
-        <p:spPr>
-          <a:xfrm>
-            <a:off x="3644153" y="5463987"/>
-            <a:ext cx="4903694" cy="542365"/>
-          </a:xfrm>
-        </p:spPr>
-        <p:txBody>
-          <a:bodyPr/>
-          <a:lstStyle/>
-          <a:p>
-            <a:r>
-              <a:rPr lang="ko-KR" altLang="en-US">
-                <a:effectLst>
-                  <a:outerShdw blurRad="38100" dist="38100" dir="2700000" algn="tl">
-                    <a:srgbClr val="000000">
-                      <a:alpha val="43137"/>
-                    </a:srgbClr>
-                  </a:outerShdw>
-                </a:effectLst>
-              </a:rPr>
-              <a:t>수고했어요</a:t>
-            </a:r>
-            <a:r>
-              <a:rPr lang="en-US" altLang="ko-KR">
-                <a:effectLst>
-                  <a:outerShdw blurRad="38100" dist="38100" dir="2700000" algn="tl">
-                    <a:srgbClr val="000000">
-                      <a:alpha val="43137"/>
-                    </a:srgbClr>
-                  </a:outerShdw>
-                </a:effectLst>
-              </a:rPr>
-              <a:t>~ </a:t>
-            </a:r>
-            <a:r>
-              <a:rPr lang="ko-KR" altLang="en-US">
-                <a:effectLst>
-                  <a:outerShdw blurRad="38100" dist="38100" dir="2700000" algn="tl">
-                    <a:srgbClr val="000000">
-                      <a:alpha val="43137"/>
-                    </a:srgbClr>
-                  </a:outerShdw>
-                </a:effectLst>
-              </a:rPr>
-              <a:t>짝짝쓰</a:t>
+            <a:pPr algn="l"/>
+            <a:r>
+              <a:rPr lang="ko-KR" altLang="en-US" b="1">
+                <a:effectLst>
+                  <a:outerShdw blurRad="38100" dist="38100" dir="2700000" algn="tl">
+                    <a:srgbClr val="000000">
+                      <a:alpha val="43137"/>
+                    </a:srgbClr>
+                  </a:outerShdw>
+                </a:effectLst>
+              </a:rPr>
+              <a:t>포인터</a:t>
             </a:r>
           </a:p>
         </p:txBody>
@@ -5204,10 +7886,1531 @@
           </a:p>
         </p:txBody>
       </p:sp>
+      <p:cxnSp>
+        <p:nvCxnSpPr>
+          <p:cNvPr id="7" name="직선 연결선 6">
+            <a:extLst>
+              <a:ext uri="{FF2B5EF4-FFF2-40B4-BE49-F238E27FC236}">
+                <a16:creationId xmlns:a16="http://schemas.microsoft.com/office/drawing/2014/main" id="{2585E046-0EB0-4A38-9487-0FDCAD563659}"/>
+              </a:ext>
+            </a:extLst>
+          </p:cNvPr>
+          <p:cNvCxnSpPr/>
+          <p:nvPr/>
+        </p:nvCxnSpPr>
+        <p:spPr>
+          <a:xfrm>
+            <a:off x="30480" y="1143598"/>
+            <a:ext cx="2357120" cy="0"/>
+          </a:xfrm>
+          <a:prstGeom prst="line">
+            <a:avLst/>
+          </a:prstGeom>
+          <a:ln w="63500">
+            <a:solidFill>
+              <a:schemeClr val="tx1"/>
+            </a:solidFill>
+          </a:ln>
+        </p:spPr>
+        <p:style>
+          <a:lnRef idx="1">
+            <a:schemeClr val="accent1"/>
+          </a:lnRef>
+          <a:fillRef idx="0">
+            <a:schemeClr val="accent1"/>
+          </a:fillRef>
+          <a:effectRef idx="0">
+            <a:schemeClr val="accent1"/>
+          </a:effectRef>
+          <a:fontRef idx="minor">
+            <a:schemeClr val="tx1"/>
+          </a:fontRef>
+        </p:style>
+      </p:cxnSp>
+      <p:sp>
+        <p:nvSpPr>
+          <p:cNvPr id="9" name="TextBox 8">
+            <a:extLst>
+              <a:ext uri="{FF2B5EF4-FFF2-40B4-BE49-F238E27FC236}">
+                <a16:creationId xmlns:a16="http://schemas.microsoft.com/office/drawing/2014/main" id="{0D9F02F6-35F7-46F5-8FFE-FBAD20732CDC}"/>
+              </a:ext>
+            </a:extLst>
+          </p:cNvPr>
+          <p:cNvSpPr txBox="1"/>
+          <p:nvPr/>
+        </p:nvSpPr>
+        <p:spPr>
+          <a:xfrm>
+            <a:off x="301812" y="1347761"/>
+            <a:ext cx="7700955" cy="461665"/>
+          </a:xfrm>
+          <a:prstGeom prst="rect">
+            <a:avLst/>
+          </a:prstGeom>
+          <a:noFill/>
+        </p:spPr>
+        <p:txBody>
+          <a:bodyPr wrap="square" rtlCol="0">
+            <a:spAutoFit/>
+          </a:bodyPr>
+          <a:lstStyle/>
+          <a:p>
+            <a:pPr marL="457200" indent="-457200">
+              <a:buFont typeface="Arial" panose="020B0604020202020204" pitchFamily="34" charset="0"/>
+              <a:buChar char="•"/>
+            </a:pPr>
+            <a:r>
+              <a:rPr lang="ko-KR" altLang="en-US" sz="2400" b="1">
+                <a:effectLst>
+                  <a:outerShdw blurRad="38100" dist="38100" dir="2700000" algn="tl">
+                    <a:srgbClr val="000000">
+                      <a:alpha val="43137"/>
+                    </a:srgbClr>
+                  </a:outerShdw>
+                </a:effectLst>
+              </a:rPr>
+              <a:t>포인터의 예시</a:t>
+            </a:r>
+            <a:endParaRPr lang="en-US" altLang="ko-KR" sz="2400" b="1">
+              <a:effectLst>
+                <a:outerShdw blurRad="38100" dist="38100" dir="2700000" algn="tl">
+                  <a:srgbClr val="000000">
+                    <a:alpha val="43137"/>
+                  </a:srgbClr>
+                </a:outerShdw>
+              </a:effectLst>
+            </a:endParaRPr>
+          </a:p>
+        </p:txBody>
+      </p:sp>
+      <p:sp>
+        <p:nvSpPr>
+          <p:cNvPr id="10" name="TextBox 9">
+            <a:extLst>
+              <a:ext uri="{FF2B5EF4-FFF2-40B4-BE49-F238E27FC236}">
+                <a16:creationId xmlns:a16="http://schemas.microsoft.com/office/drawing/2014/main" id="{A29EA04F-7B1B-49BC-ACB8-3B4FF42C8C33}"/>
+              </a:ext>
+            </a:extLst>
+          </p:cNvPr>
+          <p:cNvSpPr txBox="1"/>
+          <p:nvPr/>
+        </p:nvSpPr>
+        <p:spPr>
+          <a:xfrm>
+            <a:off x="730922" y="1941546"/>
+            <a:ext cx="9300584" cy="461665"/>
+          </a:xfrm>
+          <a:prstGeom prst="rect">
+            <a:avLst/>
+          </a:prstGeom>
+          <a:noFill/>
+        </p:spPr>
+        <p:txBody>
+          <a:bodyPr wrap="square" rtlCol="0">
+            <a:spAutoFit/>
+          </a:bodyPr>
+          <a:lstStyle/>
+          <a:p>
+            <a:r>
+              <a:rPr lang="ko-KR" altLang="en-US" sz="2400">
+                <a:effectLst>
+                  <a:outerShdw blurRad="38100" dist="38100" dir="2700000" algn="tl">
+                    <a:srgbClr val="000000">
+                      <a:alpha val="43137"/>
+                    </a:srgbClr>
+                  </a:outerShdw>
+                </a:effectLst>
+              </a:rPr>
+              <a:t>신입생 </a:t>
+            </a:r>
+            <a:r>
+              <a:rPr lang="en-US" altLang="ko-KR" sz="2400">
+                <a:effectLst>
+                  <a:outerShdw blurRad="38100" dist="38100" dir="2700000" algn="tl">
+                    <a:srgbClr val="000000">
+                      <a:alpha val="43137"/>
+                    </a:srgbClr>
+                  </a:outerShdw>
+                </a:effectLst>
+              </a:rPr>
+              <a:t>C</a:t>
+            </a:r>
+            <a:r>
+              <a:rPr lang="ko-KR" altLang="en-US" sz="2400">
+                <a:effectLst>
+                  <a:outerShdw blurRad="38100" dist="38100" dir="2700000" algn="tl">
+                    <a:srgbClr val="000000">
+                      <a:alpha val="43137"/>
+                    </a:srgbClr>
+                  </a:outerShdw>
+                </a:effectLst>
+              </a:rPr>
+              <a:t>언어 테스트 </a:t>
+            </a:r>
+            <a:r>
+              <a:rPr lang="en-US" altLang="ko-KR" sz="2400">
+                <a:effectLst>
+                  <a:outerShdw blurRad="38100" dist="38100" dir="2700000" algn="tl">
+                    <a:srgbClr val="000000">
+                      <a:alpha val="43137"/>
+                    </a:srgbClr>
+                  </a:outerShdw>
+                </a:effectLst>
+              </a:rPr>
+              <a:t>7</a:t>
+            </a:r>
+            <a:r>
+              <a:rPr lang="ko-KR" altLang="en-US" sz="2400">
+                <a:effectLst>
+                  <a:outerShdw blurRad="38100" dist="38100" dir="2700000" algn="tl">
+                    <a:srgbClr val="000000">
+                      <a:alpha val="43137"/>
+                    </a:srgbClr>
+                  </a:outerShdw>
+                </a:effectLst>
+              </a:rPr>
+              <a:t>번 문제 풀이</a:t>
+            </a:r>
+            <a:endParaRPr lang="en-US" altLang="ko-KR" sz="2400">
+              <a:effectLst>
+                <a:outerShdw blurRad="38100" dist="38100" dir="2700000" algn="tl">
+                  <a:srgbClr val="000000">
+                    <a:alpha val="43137"/>
+                  </a:srgbClr>
+                </a:outerShdw>
+              </a:effectLst>
+            </a:endParaRPr>
+          </a:p>
+        </p:txBody>
+      </p:sp>
     </p:spTree>
     <p:extLst>
       <p:ext uri="{BB962C8B-B14F-4D97-AF65-F5344CB8AC3E}">
-        <p14:creationId xmlns:p14="http://schemas.microsoft.com/office/powerpoint/2010/main" val="2353439779"/>
+        <p14:creationId xmlns:p14="http://schemas.microsoft.com/office/powerpoint/2010/main" val="2671780194"/>
+      </p:ext>
+    </p:extLst>
+  </p:cSld>
+  <p:clrMapOvr>
+    <a:masterClrMapping/>
+  </p:clrMapOvr>
+</p:sld>
+</file>
+
+<file path=ppt/slides/slide8.xml><?xml version="1.0" encoding="utf-8"?>
+<p:sld xmlns:a="http://schemas.openxmlformats.org/drawingml/2006/main" xmlns:r="http://schemas.openxmlformats.org/officeDocument/2006/relationships" xmlns:p="http://schemas.openxmlformats.org/presentationml/2006/main">
+  <p:cSld>
+    <p:spTree>
+      <p:nvGrpSpPr>
+        <p:cNvPr id="1" name=""/>
+        <p:cNvGrpSpPr/>
+        <p:nvPr/>
+      </p:nvGrpSpPr>
+      <p:grpSpPr>
+        <a:xfrm>
+          <a:off x="0" y="0"/>
+          <a:ext cx="0" cy="0"/>
+          <a:chOff x="0" y="0"/>
+          <a:chExt cx="0" cy="0"/>
+        </a:xfrm>
+      </p:grpSpPr>
+      <p:pic>
+        <p:nvPicPr>
+          <p:cNvPr id="6" name="그림 5" descr="화살이(가) 표시된 사진&#10;&#10;자동 생성된 설명">
+            <a:extLst>
+              <a:ext uri="{FF2B5EF4-FFF2-40B4-BE49-F238E27FC236}">
+                <a16:creationId xmlns:a16="http://schemas.microsoft.com/office/drawing/2014/main" id="{A56C6D43-05A3-4988-A7D7-3D59E2F65C17}"/>
+              </a:ext>
+            </a:extLst>
+          </p:cNvPr>
+          <p:cNvPicPr>
+            <a:picLocks noChangeAspect="1"/>
+          </p:cNvPicPr>
+          <p:nvPr/>
+        </p:nvPicPr>
+        <p:blipFill>
+          <a:blip r:embed="rId2">
+            <a:alphaModFix amt="5000"/>
+            <a:extLst>
+              <a:ext uri="{28A0092B-C50C-407E-A947-70E740481C1C}">
+                <a14:useLocalDpi xmlns:a14="http://schemas.microsoft.com/office/drawing/2010/main" val="0"/>
+              </a:ext>
+            </a:extLst>
+          </a:blip>
+          <a:stretch>
+            <a:fillRect/>
+          </a:stretch>
+        </p:blipFill>
+        <p:spPr>
+          <a:xfrm>
+            <a:off x="1209040" y="-1"/>
+            <a:ext cx="9875520" cy="6857429"/>
+          </a:xfrm>
+          <a:prstGeom prst="rect">
+            <a:avLst/>
+          </a:prstGeom>
+        </p:spPr>
+      </p:pic>
+      <p:sp>
+        <p:nvSpPr>
+          <p:cNvPr id="2" name="제목 1">
+            <a:extLst>
+              <a:ext uri="{FF2B5EF4-FFF2-40B4-BE49-F238E27FC236}">
+                <a16:creationId xmlns:a16="http://schemas.microsoft.com/office/drawing/2014/main" id="{B5F771FA-F15B-46C3-BA0D-4B28CB171312}"/>
+              </a:ext>
+            </a:extLst>
+          </p:cNvPr>
+          <p:cNvSpPr>
+            <a:spLocks noGrp="1"/>
+          </p:cNvSpPr>
+          <p:nvPr>
+            <p:ph type="ctrTitle"/>
+          </p:nvPr>
+        </p:nvSpPr>
+        <p:spPr>
+          <a:xfrm>
+            <a:off x="301812" y="210670"/>
+            <a:ext cx="11689976" cy="851648"/>
+          </a:xfrm>
+        </p:spPr>
+        <p:txBody>
+          <a:bodyPr>
+            <a:normAutofit fontScale="90000"/>
+          </a:bodyPr>
+          <a:lstStyle/>
+          <a:p>
+            <a:pPr algn="l"/>
+            <a:r>
+              <a:rPr lang="ko-KR" altLang="en-US" b="1">
+                <a:effectLst>
+                  <a:outerShdw blurRad="38100" dist="38100" dir="2700000" algn="tl">
+                    <a:srgbClr val="000000">
+                      <a:alpha val="43137"/>
+                    </a:srgbClr>
+                  </a:outerShdw>
+                </a:effectLst>
+              </a:rPr>
+              <a:t>구조체</a:t>
+            </a:r>
+          </a:p>
+        </p:txBody>
+      </p:sp>
+      <p:sp>
+        <p:nvSpPr>
+          <p:cNvPr id="4" name="이등변 삼각형 3">
+            <a:extLst>
+              <a:ext uri="{FF2B5EF4-FFF2-40B4-BE49-F238E27FC236}">
+                <a16:creationId xmlns:a16="http://schemas.microsoft.com/office/drawing/2014/main" id="{D82EB4D7-301B-4780-87C6-7D1E66BD5181}"/>
+              </a:ext>
+            </a:extLst>
+          </p:cNvPr>
+          <p:cNvSpPr/>
+          <p:nvPr/>
+        </p:nvSpPr>
+        <p:spPr>
+          <a:xfrm rot="10800000">
+            <a:off x="11204089" y="-1"/>
+            <a:ext cx="987911" cy="851647"/>
+          </a:xfrm>
+          <a:prstGeom prst="triangle">
+            <a:avLst>
+              <a:gd name="adj" fmla="val 0"/>
+            </a:avLst>
+          </a:prstGeom>
+          <a:solidFill>
+            <a:schemeClr val="tx1"/>
+          </a:solidFill>
+          <a:ln>
+            <a:solidFill>
+              <a:schemeClr val="tx1"/>
+            </a:solidFill>
+          </a:ln>
+        </p:spPr>
+        <p:style>
+          <a:lnRef idx="2">
+            <a:schemeClr val="accent1">
+              <a:shade val="50000"/>
+            </a:schemeClr>
+          </a:lnRef>
+          <a:fillRef idx="1">
+            <a:schemeClr val="accent1"/>
+          </a:fillRef>
+          <a:effectRef idx="0">
+            <a:schemeClr val="accent1"/>
+          </a:effectRef>
+          <a:fontRef idx="minor">
+            <a:schemeClr val="lt1"/>
+          </a:fontRef>
+        </p:style>
+        <p:txBody>
+          <a:bodyPr rtlCol="0" anchor="ctr"/>
+          <a:lstStyle/>
+          <a:p>
+            <a:pPr algn="ctr"/>
+            <a:endParaRPr lang="ko-KR" altLang="en-US"/>
+          </a:p>
+        </p:txBody>
+      </p:sp>
+      <p:cxnSp>
+        <p:nvCxnSpPr>
+          <p:cNvPr id="7" name="직선 연결선 6">
+            <a:extLst>
+              <a:ext uri="{FF2B5EF4-FFF2-40B4-BE49-F238E27FC236}">
+                <a16:creationId xmlns:a16="http://schemas.microsoft.com/office/drawing/2014/main" id="{2585E046-0EB0-4A38-9487-0FDCAD563659}"/>
+              </a:ext>
+            </a:extLst>
+          </p:cNvPr>
+          <p:cNvCxnSpPr/>
+          <p:nvPr/>
+        </p:nvCxnSpPr>
+        <p:spPr>
+          <a:xfrm>
+            <a:off x="30480" y="1143598"/>
+            <a:ext cx="2357120" cy="0"/>
+          </a:xfrm>
+          <a:prstGeom prst="line">
+            <a:avLst/>
+          </a:prstGeom>
+          <a:ln w="63500">
+            <a:solidFill>
+              <a:schemeClr val="tx1"/>
+            </a:solidFill>
+          </a:ln>
+        </p:spPr>
+        <p:style>
+          <a:lnRef idx="1">
+            <a:schemeClr val="accent1"/>
+          </a:lnRef>
+          <a:fillRef idx="0">
+            <a:schemeClr val="accent1"/>
+          </a:fillRef>
+          <a:effectRef idx="0">
+            <a:schemeClr val="accent1"/>
+          </a:effectRef>
+          <a:fontRef idx="minor">
+            <a:schemeClr val="tx1"/>
+          </a:fontRef>
+        </p:style>
+      </p:cxnSp>
+      <p:sp>
+        <p:nvSpPr>
+          <p:cNvPr id="8" name="TextBox 7">
+            <a:extLst>
+              <a:ext uri="{FF2B5EF4-FFF2-40B4-BE49-F238E27FC236}">
+                <a16:creationId xmlns:a16="http://schemas.microsoft.com/office/drawing/2014/main" id="{401ED521-CFE1-44B7-9BB3-E355239399D3}"/>
+              </a:ext>
+            </a:extLst>
+          </p:cNvPr>
+          <p:cNvSpPr txBox="1"/>
+          <p:nvPr/>
+        </p:nvSpPr>
+        <p:spPr>
+          <a:xfrm>
+            <a:off x="730922" y="2402136"/>
+            <a:ext cx="8554720" cy="1200329"/>
+          </a:xfrm>
+          <a:prstGeom prst="rect">
+            <a:avLst/>
+          </a:prstGeom>
+          <a:noFill/>
+        </p:spPr>
+        <p:txBody>
+          <a:bodyPr wrap="square" rtlCol="0">
+            <a:spAutoFit/>
+          </a:bodyPr>
+          <a:lstStyle/>
+          <a:p>
+            <a:r>
+              <a:rPr lang="en-US" altLang="ko-KR" sz="2400">
+                <a:effectLst>
+                  <a:outerShdw blurRad="38100" dist="38100" dir="2700000" algn="tl">
+                    <a:srgbClr val="000000">
+                      <a:alpha val="43137"/>
+                    </a:srgbClr>
+                  </a:outerShdw>
+                </a:effectLst>
+              </a:rPr>
+              <a:t>struct </a:t>
+            </a:r>
+            <a:r>
+              <a:rPr lang="ko-KR" altLang="en-US" sz="2400">
+                <a:effectLst>
+                  <a:outerShdw blurRad="38100" dist="38100" dir="2700000" algn="tl">
+                    <a:srgbClr val="000000">
+                      <a:alpha val="43137"/>
+                    </a:srgbClr>
+                  </a:outerShdw>
+                </a:effectLst>
+              </a:rPr>
+              <a:t>구조체이름 </a:t>
+            </a:r>
+            <a:r>
+              <a:rPr lang="en-US" altLang="ko-KR" sz="2400">
+                <a:effectLst>
+                  <a:outerShdw blurRad="38100" dist="38100" dir="2700000" algn="tl">
+                    <a:srgbClr val="000000">
+                      <a:alpha val="43137"/>
+                    </a:srgbClr>
+                  </a:outerShdw>
+                </a:effectLst>
+              </a:rPr>
+              <a:t>{</a:t>
+            </a:r>
+          </a:p>
+          <a:p>
+            <a:r>
+              <a:rPr lang="en-US" altLang="ko-KR" sz="2400">
+                <a:effectLst>
+                  <a:outerShdw blurRad="38100" dist="38100" dir="2700000" algn="tl">
+                    <a:srgbClr val="000000">
+                      <a:alpha val="43137"/>
+                    </a:srgbClr>
+                  </a:outerShdw>
+                </a:effectLst>
+              </a:rPr>
+              <a:t>	</a:t>
+            </a:r>
+            <a:r>
+              <a:rPr lang="ko-KR" altLang="en-US" sz="2400">
+                <a:effectLst>
+                  <a:outerShdw blurRad="38100" dist="38100" dir="2700000" algn="tl">
+                    <a:srgbClr val="000000">
+                      <a:alpha val="43137"/>
+                    </a:srgbClr>
+                  </a:outerShdw>
+                </a:effectLst>
+              </a:rPr>
+              <a:t>멤버변수자료형 멤버변수이름</a:t>
+            </a:r>
+            <a:endParaRPr lang="en-US" altLang="ko-KR" sz="2400">
+              <a:effectLst>
+                <a:outerShdw blurRad="38100" dist="38100" dir="2700000" algn="tl">
+                  <a:srgbClr val="000000">
+                    <a:alpha val="43137"/>
+                  </a:srgbClr>
+                </a:outerShdw>
+              </a:effectLst>
+            </a:endParaRPr>
+          </a:p>
+          <a:p>
+            <a:r>
+              <a:rPr lang="en-US" altLang="ko-KR" sz="2400">
+                <a:effectLst>
+                  <a:outerShdw blurRad="38100" dist="38100" dir="2700000" algn="tl">
+                    <a:srgbClr val="000000">
+                      <a:alpha val="43137"/>
+                    </a:srgbClr>
+                  </a:outerShdw>
+                </a:effectLst>
+              </a:rPr>
+              <a:t>};</a:t>
+            </a:r>
+          </a:p>
+        </p:txBody>
+      </p:sp>
+      <p:sp>
+        <p:nvSpPr>
+          <p:cNvPr id="9" name="TextBox 8">
+            <a:extLst>
+              <a:ext uri="{FF2B5EF4-FFF2-40B4-BE49-F238E27FC236}">
+                <a16:creationId xmlns:a16="http://schemas.microsoft.com/office/drawing/2014/main" id="{0D9F02F6-35F7-46F5-8FFE-FBAD20732CDC}"/>
+              </a:ext>
+            </a:extLst>
+          </p:cNvPr>
+          <p:cNvSpPr txBox="1"/>
+          <p:nvPr/>
+        </p:nvSpPr>
+        <p:spPr>
+          <a:xfrm>
+            <a:off x="301812" y="1347761"/>
+            <a:ext cx="7700955" cy="461665"/>
+          </a:xfrm>
+          <a:prstGeom prst="rect">
+            <a:avLst/>
+          </a:prstGeom>
+          <a:noFill/>
+        </p:spPr>
+        <p:txBody>
+          <a:bodyPr wrap="square" rtlCol="0">
+            <a:spAutoFit/>
+          </a:bodyPr>
+          <a:lstStyle/>
+          <a:p>
+            <a:pPr marL="457200" indent="-457200">
+              <a:buFont typeface="Arial" panose="020B0604020202020204" pitchFamily="34" charset="0"/>
+              <a:buChar char="•"/>
+            </a:pPr>
+            <a:r>
+              <a:rPr lang="ko-KR" altLang="en-US" sz="2400" b="1">
+                <a:effectLst>
+                  <a:outerShdw blurRad="38100" dist="38100" dir="2700000" algn="tl">
+                    <a:srgbClr val="000000">
+                      <a:alpha val="43137"/>
+                    </a:srgbClr>
+                  </a:outerShdw>
+                </a:effectLst>
+              </a:rPr>
+              <a:t>구조체의 정의</a:t>
+            </a:r>
+            <a:endParaRPr lang="en-US" altLang="ko-KR" sz="2400" b="1">
+              <a:effectLst>
+                <a:outerShdw blurRad="38100" dist="38100" dir="2700000" algn="tl">
+                  <a:srgbClr val="000000">
+                    <a:alpha val="43137"/>
+                  </a:srgbClr>
+                </a:outerShdw>
+              </a:effectLst>
+            </a:endParaRPr>
+          </a:p>
+        </p:txBody>
+      </p:sp>
+      <p:sp>
+        <p:nvSpPr>
+          <p:cNvPr id="12" name="TextBox 11">
+            <a:extLst>
+              <a:ext uri="{FF2B5EF4-FFF2-40B4-BE49-F238E27FC236}">
+                <a16:creationId xmlns:a16="http://schemas.microsoft.com/office/drawing/2014/main" id="{58B23639-8E26-4765-9ED6-11518F66D22D}"/>
+              </a:ext>
+            </a:extLst>
+          </p:cNvPr>
+          <p:cNvSpPr txBox="1"/>
+          <p:nvPr/>
+        </p:nvSpPr>
+        <p:spPr>
+          <a:xfrm>
+            <a:off x="730922" y="5901349"/>
+            <a:ext cx="7497483" cy="369332"/>
+          </a:xfrm>
+          <a:prstGeom prst="rect">
+            <a:avLst/>
+          </a:prstGeom>
+          <a:noFill/>
+        </p:spPr>
+        <p:txBody>
+          <a:bodyPr wrap="square" rtlCol="0">
+            <a:spAutoFit/>
+          </a:bodyPr>
+          <a:lstStyle/>
+          <a:p>
+            <a:r>
+              <a:rPr lang="ko-KR" altLang="en-US">
+                <a:solidFill>
+                  <a:srgbClr val="0000FF"/>
+                </a:solidFill>
+                <a:effectLst>
+                  <a:outerShdw blurRad="38100" dist="38100" dir="2700000" algn="tl">
+                    <a:srgbClr val="000000">
+                      <a:alpha val="43137"/>
+                    </a:srgbClr>
+                  </a:outerShdw>
+                </a:effectLst>
+              </a:rPr>
+              <a:t>구조체는 온점</a:t>
+            </a:r>
+            <a:r>
+              <a:rPr lang="en-US" altLang="ko-KR">
+                <a:solidFill>
+                  <a:srgbClr val="0000FF"/>
+                </a:solidFill>
+                <a:effectLst>
+                  <a:outerShdw blurRad="38100" dist="38100" dir="2700000" algn="tl">
+                    <a:srgbClr val="000000">
+                      <a:alpha val="43137"/>
+                    </a:srgbClr>
+                  </a:outerShdw>
+                </a:effectLst>
+              </a:rPr>
+              <a:t>(.)</a:t>
+            </a:r>
+            <a:r>
+              <a:rPr lang="ko-KR" altLang="en-US">
+                <a:solidFill>
+                  <a:srgbClr val="0000FF"/>
+                </a:solidFill>
+                <a:effectLst>
+                  <a:outerShdw blurRad="38100" dist="38100" dir="2700000" algn="tl">
+                    <a:srgbClr val="000000">
+                      <a:alpha val="43137"/>
+                    </a:srgbClr>
+                  </a:outerShdw>
+                </a:effectLst>
+              </a:rPr>
+              <a:t>을 이용해 멤버변수 호출</a:t>
+            </a:r>
+            <a:endParaRPr lang="en-US" altLang="ko-KR">
+              <a:solidFill>
+                <a:srgbClr val="0000FF"/>
+              </a:solidFill>
+              <a:effectLst>
+                <a:outerShdw blurRad="38100" dist="38100" dir="2700000" algn="tl">
+                  <a:srgbClr val="000000">
+                    <a:alpha val="43137"/>
+                  </a:srgbClr>
+                </a:outerShdw>
+              </a:effectLst>
+            </a:endParaRPr>
+          </a:p>
+        </p:txBody>
+      </p:sp>
+      <p:sp>
+        <p:nvSpPr>
+          <p:cNvPr id="10" name="TextBox 9">
+            <a:extLst>
+              <a:ext uri="{FF2B5EF4-FFF2-40B4-BE49-F238E27FC236}">
+                <a16:creationId xmlns:a16="http://schemas.microsoft.com/office/drawing/2014/main" id="{A29EA04F-7B1B-49BC-ACB8-3B4FF42C8C33}"/>
+              </a:ext>
+            </a:extLst>
+          </p:cNvPr>
+          <p:cNvSpPr txBox="1"/>
+          <p:nvPr/>
+        </p:nvSpPr>
+        <p:spPr>
+          <a:xfrm>
+            <a:off x="730922" y="1941546"/>
+            <a:ext cx="9300584" cy="461665"/>
+          </a:xfrm>
+          <a:prstGeom prst="rect">
+            <a:avLst/>
+          </a:prstGeom>
+          <a:noFill/>
+        </p:spPr>
+        <p:txBody>
+          <a:bodyPr wrap="square" rtlCol="0">
+            <a:spAutoFit/>
+          </a:bodyPr>
+          <a:lstStyle/>
+          <a:p>
+            <a:r>
+              <a:rPr lang="ko-KR" altLang="en-US" sz="2400">
+                <a:effectLst>
+                  <a:outerShdw blurRad="38100" dist="38100" dir="2700000" algn="tl">
+                    <a:srgbClr val="000000">
+                      <a:alpha val="43137"/>
+                    </a:srgbClr>
+                  </a:outerShdw>
+                </a:effectLst>
+              </a:rPr>
+              <a:t>데이터를 구조화하여 처리할 때 사용</a:t>
+            </a:r>
+            <a:endParaRPr lang="en-US" altLang="ko-KR" sz="2400">
+              <a:effectLst>
+                <a:outerShdw blurRad="38100" dist="38100" dir="2700000" algn="tl">
+                  <a:srgbClr val="000000">
+                    <a:alpha val="43137"/>
+                  </a:srgbClr>
+                </a:outerShdw>
+              </a:effectLst>
+            </a:endParaRPr>
+          </a:p>
+        </p:txBody>
+      </p:sp>
+      <p:sp>
+        <p:nvSpPr>
+          <p:cNvPr id="13" name="TextBox 12">
+            <a:extLst>
+              <a:ext uri="{FF2B5EF4-FFF2-40B4-BE49-F238E27FC236}">
+                <a16:creationId xmlns:a16="http://schemas.microsoft.com/office/drawing/2014/main" id="{04402C15-8A07-45E0-B642-1258FC8D6C13}"/>
+              </a:ext>
+            </a:extLst>
+          </p:cNvPr>
+          <p:cNvSpPr txBox="1"/>
+          <p:nvPr/>
+        </p:nvSpPr>
+        <p:spPr>
+          <a:xfrm>
+            <a:off x="730922" y="3737878"/>
+            <a:ext cx="8554720" cy="830997"/>
+          </a:xfrm>
+          <a:prstGeom prst="rect">
+            <a:avLst/>
+          </a:prstGeom>
+          <a:noFill/>
+        </p:spPr>
+        <p:txBody>
+          <a:bodyPr wrap="square" rtlCol="0">
+            <a:spAutoFit/>
+          </a:bodyPr>
+          <a:lstStyle/>
+          <a:p>
+            <a:r>
+              <a:rPr lang="ko-KR" altLang="en-US" sz="2400">
+                <a:effectLst>
+                  <a:outerShdw blurRad="38100" dist="38100" dir="2700000" algn="tl">
+                    <a:srgbClr val="000000">
+                      <a:alpha val="43137"/>
+                    </a:srgbClr>
+                  </a:outerShdw>
+                </a:effectLst>
+              </a:rPr>
+              <a:t>구조체의 선언</a:t>
+            </a:r>
+            <a:r>
+              <a:rPr lang="en-US" altLang="ko-KR" sz="2400">
+                <a:effectLst>
+                  <a:outerShdw blurRad="38100" dist="38100" dir="2700000" algn="tl">
+                    <a:srgbClr val="000000">
+                      <a:alpha val="43137"/>
+                    </a:srgbClr>
+                  </a:outerShdw>
+                </a:effectLst>
+              </a:rPr>
+              <a:t>)</a:t>
+            </a:r>
+          </a:p>
+          <a:p>
+            <a:r>
+              <a:rPr lang="ko-KR" altLang="en-US" sz="2400">
+                <a:effectLst>
+                  <a:outerShdw blurRad="38100" dist="38100" dir="2700000" algn="tl">
+                    <a:srgbClr val="000000">
+                      <a:alpha val="43137"/>
+                    </a:srgbClr>
+                  </a:outerShdw>
+                </a:effectLst>
+              </a:rPr>
+              <a:t>구조체이름 구조체변수이름</a:t>
+            </a:r>
+            <a:r>
+              <a:rPr lang="en-US" altLang="ko-KR" sz="2400">
+                <a:effectLst>
+                  <a:outerShdw blurRad="38100" dist="38100" dir="2700000" algn="tl">
+                    <a:srgbClr val="000000">
+                      <a:alpha val="43137"/>
+                    </a:srgbClr>
+                  </a:outerShdw>
+                </a:effectLst>
+              </a:rPr>
+              <a:t>;</a:t>
+            </a:r>
+          </a:p>
+        </p:txBody>
+      </p:sp>
+      <p:sp>
+        <p:nvSpPr>
+          <p:cNvPr id="18" name="TextBox 17">
+            <a:extLst>
+              <a:ext uri="{FF2B5EF4-FFF2-40B4-BE49-F238E27FC236}">
+                <a16:creationId xmlns:a16="http://schemas.microsoft.com/office/drawing/2014/main" id="{727189BF-5439-4245-88FE-AB193C84419D}"/>
+              </a:ext>
+            </a:extLst>
+          </p:cNvPr>
+          <p:cNvSpPr txBox="1"/>
+          <p:nvPr/>
+        </p:nvSpPr>
+        <p:spPr>
+          <a:xfrm>
+            <a:off x="730922" y="4568875"/>
+            <a:ext cx="8554720" cy="830997"/>
+          </a:xfrm>
+          <a:prstGeom prst="rect">
+            <a:avLst/>
+          </a:prstGeom>
+          <a:noFill/>
+        </p:spPr>
+        <p:txBody>
+          <a:bodyPr wrap="square" rtlCol="0">
+            <a:spAutoFit/>
+          </a:bodyPr>
+          <a:lstStyle/>
+          <a:p>
+            <a:r>
+              <a:rPr lang="ko-KR" altLang="en-US" sz="2400">
+                <a:effectLst>
+                  <a:outerShdw blurRad="38100" dist="38100" dir="2700000" algn="tl">
+                    <a:srgbClr val="000000">
+                      <a:alpha val="43137"/>
+                    </a:srgbClr>
+                  </a:outerShdw>
+                </a:effectLst>
+              </a:rPr>
+              <a:t>구조체의 멤버변수 호출</a:t>
+            </a:r>
+            <a:r>
+              <a:rPr lang="en-US" altLang="ko-KR" sz="2400">
+                <a:effectLst>
+                  <a:outerShdw blurRad="38100" dist="38100" dir="2700000" algn="tl">
+                    <a:srgbClr val="000000">
+                      <a:alpha val="43137"/>
+                    </a:srgbClr>
+                  </a:outerShdw>
+                </a:effectLst>
+              </a:rPr>
+              <a:t>)</a:t>
+            </a:r>
+          </a:p>
+          <a:p>
+            <a:r>
+              <a:rPr lang="ko-KR" altLang="en-US" sz="2400">
+                <a:effectLst>
+                  <a:outerShdw blurRad="38100" dist="38100" dir="2700000" algn="tl">
+                    <a:srgbClr val="000000">
+                      <a:alpha val="43137"/>
+                    </a:srgbClr>
+                  </a:outerShdw>
+                </a:effectLst>
+              </a:rPr>
+              <a:t>구조체변수이름</a:t>
+            </a:r>
+            <a:r>
+              <a:rPr lang="en-US" altLang="ko-KR" sz="2400">
+                <a:effectLst>
+                  <a:outerShdw blurRad="38100" dist="38100" dir="2700000" algn="tl">
+                    <a:srgbClr val="000000">
+                      <a:alpha val="43137"/>
+                    </a:srgbClr>
+                  </a:outerShdw>
+                </a:effectLst>
+              </a:rPr>
+              <a:t>.</a:t>
+            </a:r>
+            <a:r>
+              <a:rPr lang="ko-KR" altLang="en-US" sz="2400">
+                <a:effectLst>
+                  <a:outerShdw blurRad="38100" dist="38100" dir="2700000" algn="tl">
+                    <a:srgbClr val="000000">
+                      <a:alpha val="43137"/>
+                    </a:srgbClr>
+                  </a:outerShdw>
+                </a:effectLst>
+              </a:rPr>
+              <a:t>멤버변수이름</a:t>
+            </a:r>
+            <a:r>
+              <a:rPr lang="en-US" altLang="ko-KR" sz="2400">
+                <a:effectLst>
+                  <a:outerShdw blurRad="38100" dist="38100" dir="2700000" algn="tl">
+                    <a:srgbClr val="000000">
+                      <a:alpha val="43137"/>
+                    </a:srgbClr>
+                  </a:outerShdw>
+                </a:effectLst>
+              </a:rPr>
+              <a:t>;</a:t>
+            </a:r>
+          </a:p>
+        </p:txBody>
+      </p:sp>
+    </p:spTree>
+    <p:extLst>
+      <p:ext uri="{BB962C8B-B14F-4D97-AF65-F5344CB8AC3E}">
+        <p14:creationId xmlns:p14="http://schemas.microsoft.com/office/powerpoint/2010/main" val="806223786"/>
+      </p:ext>
+    </p:extLst>
+  </p:cSld>
+  <p:clrMapOvr>
+    <a:masterClrMapping/>
+  </p:clrMapOvr>
+</p:sld>
+</file>
+
+<file path=ppt/slides/slide9.xml><?xml version="1.0" encoding="utf-8"?>
+<p:sld xmlns:a="http://schemas.openxmlformats.org/drawingml/2006/main" xmlns:r="http://schemas.openxmlformats.org/officeDocument/2006/relationships" xmlns:p="http://schemas.openxmlformats.org/presentationml/2006/main">
+  <p:cSld>
+    <p:spTree>
+      <p:nvGrpSpPr>
+        <p:cNvPr id="1" name=""/>
+        <p:cNvGrpSpPr/>
+        <p:nvPr/>
+      </p:nvGrpSpPr>
+      <p:grpSpPr>
+        <a:xfrm>
+          <a:off x="0" y="0"/>
+          <a:ext cx="0" cy="0"/>
+          <a:chOff x="0" y="0"/>
+          <a:chExt cx="0" cy="0"/>
+        </a:xfrm>
+      </p:grpSpPr>
+      <p:pic>
+        <p:nvPicPr>
+          <p:cNvPr id="6" name="그림 5" descr="화살이(가) 표시된 사진&#10;&#10;자동 생성된 설명">
+            <a:extLst>
+              <a:ext uri="{FF2B5EF4-FFF2-40B4-BE49-F238E27FC236}">
+                <a16:creationId xmlns:a16="http://schemas.microsoft.com/office/drawing/2014/main" id="{A56C6D43-05A3-4988-A7D7-3D59E2F65C17}"/>
+              </a:ext>
+            </a:extLst>
+          </p:cNvPr>
+          <p:cNvPicPr>
+            <a:picLocks noChangeAspect="1"/>
+          </p:cNvPicPr>
+          <p:nvPr/>
+        </p:nvPicPr>
+        <p:blipFill>
+          <a:blip r:embed="rId2">
+            <a:alphaModFix amt="5000"/>
+            <a:extLst>
+              <a:ext uri="{28A0092B-C50C-407E-A947-70E740481C1C}">
+                <a14:useLocalDpi xmlns:a14="http://schemas.microsoft.com/office/drawing/2010/main" val="0"/>
+              </a:ext>
+            </a:extLst>
+          </a:blip>
+          <a:stretch>
+            <a:fillRect/>
+          </a:stretch>
+        </p:blipFill>
+        <p:spPr>
+          <a:xfrm>
+            <a:off x="1209040" y="-1"/>
+            <a:ext cx="9875520" cy="6857429"/>
+          </a:xfrm>
+          <a:prstGeom prst="rect">
+            <a:avLst/>
+          </a:prstGeom>
+        </p:spPr>
+      </p:pic>
+      <p:sp>
+        <p:nvSpPr>
+          <p:cNvPr id="2" name="제목 1">
+            <a:extLst>
+              <a:ext uri="{FF2B5EF4-FFF2-40B4-BE49-F238E27FC236}">
+                <a16:creationId xmlns:a16="http://schemas.microsoft.com/office/drawing/2014/main" id="{B5F771FA-F15B-46C3-BA0D-4B28CB171312}"/>
+              </a:ext>
+            </a:extLst>
+          </p:cNvPr>
+          <p:cNvSpPr>
+            <a:spLocks noGrp="1"/>
+          </p:cNvSpPr>
+          <p:nvPr>
+            <p:ph type="ctrTitle"/>
+          </p:nvPr>
+        </p:nvSpPr>
+        <p:spPr>
+          <a:xfrm>
+            <a:off x="301812" y="210670"/>
+            <a:ext cx="11689976" cy="851648"/>
+          </a:xfrm>
+        </p:spPr>
+        <p:txBody>
+          <a:bodyPr>
+            <a:normAutofit fontScale="90000"/>
+          </a:bodyPr>
+          <a:lstStyle/>
+          <a:p>
+            <a:pPr algn="l"/>
+            <a:r>
+              <a:rPr lang="ko-KR" altLang="en-US" b="1">
+                <a:effectLst>
+                  <a:outerShdw blurRad="38100" dist="38100" dir="2700000" algn="tl">
+                    <a:srgbClr val="000000">
+                      <a:alpha val="43137"/>
+                    </a:srgbClr>
+                  </a:outerShdw>
+                </a:effectLst>
+              </a:rPr>
+              <a:t>구조체</a:t>
+            </a:r>
+          </a:p>
+        </p:txBody>
+      </p:sp>
+      <p:sp>
+        <p:nvSpPr>
+          <p:cNvPr id="4" name="이등변 삼각형 3">
+            <a:extLst>
+              <a:ext uri="{FF2B5EF4-FFF2-40B4-BE49-F238E27FC236}">
+                <a16:creationId xmlns:a16="http://schemas.microsoft.com/office/drawing/2014/main" id="{D82EB4D7-301B-4780-87C6-7D1E66BD5181}"/>
+              </a:ext>
+            </a:extLst>
+          </p:cNvPr>
+          <p:cNvSpPr/>
+          <p:nvPr/>
+        </p:nvSpPr>
+        <p:spPr>
+          <a:xfrm rot="10800000">
+            <a:off x="11204089" y="-1"/>
+            <a:ext cx="987911" cy="851647"/>
+          </a:xfrm>
+          <a:prstGeom prst="triangle">
+            <a:avLst>
+              <a:gd name="adj" fmla="val 0"/>
+            </a:avLst>
+          </a:prstGeom>
+          <a:solidFill>
+            <a:schemeClr val="tx1"/>
+          </a:solidFill>
+          <a:ln>
+            <a:solidFill>
+              <a:schemeClr val="tx1"/>
+            </a:solidFill>
+          </a:ln>
+        </p:spPr>
+        <p:style>
+          <a:lnRef idx="2">
+            <a:schemeClr val="accent1">
+              <a:shade val="50000"/>
+            </a:schemeClr>
+          </a:lnRef>
+          <a:fillRef idx="1">
+            <a:schemeClr val="accent1"/>
+          </a:fillRef>
+          <a:effectRef idx="0">
+            <a:schemeClr val="accent1"/>
+          </a:effectRef>
+          <a:fontRef idx="minor">
+            <a:schemeClr val="lt1"/>
+          </a:fontRef>
+        </p:style>
+        <p:txBody>
+          <a:bodyPr rtlCol="0" anchor="ctr"/>
+          <a:lstStyle/>
+          <a:p>
+            <a:pPr algn="ctr"/>
+            <a:endParaRPr lang="ko-KR" altLang="en-US"/>
+          </a:p>
+        </p:txBody>
+      </p:sp>
+      <p:cxnSp>
+        <p:nvCxnSpPr>
+          <p:cNvPr id="7" name="직선 연결선 6">
+            <a:extLst>
+              <a:ext uri="{FF2B5EF4-FFF2-40B4-BE49-F238E27FC236}">
+                <a16:creationId xmlns:a16="http://schemas.microsoft.com/office/drawing/2014/main" id="{2585E046-0EB0-4A38-9487-0FDCAD563659}"/>
+              </a:ext>
+            </a:extLst>
+          </p:cNvPr>
+          <p:cNvCxnSpPr/>
+          <p:nvPr/>
+        </p:nvCxnSpPr>
+        <p:spPr>
+          <a:xfrm>
+            <a:off x="30480" y="1143598"/>
+            <a:ext cx="2357120" cy="0"/>
+          </a:xfrm>
+          <a:prstGeom prst="line">
+            <a:avLst/>
+          </a:prstGeom>
+          <a:ln w="63500">
+            <a:solidFill>
+              <a:schemeClr val="tx1"/>
+            </a:solidFill>
+          </a:ln>
+        </p:spPr>
+        <p:style>
+          <a:lnRef idx="1">
+            <a:schemeClr val="accent1"/>
+          </a:lnRef>
+          <a:fillRef idx="0">
+            <a:schemeClr val="accent1"/>
+          </a:fillRef>
+          <a:effectRef idx="0">
+            <a:schemeClr val="accent1"/>
+          </a:effectRef>
+          <a:fontRef idx="minor">
+            <a:schemeClr val="tx1"/>
+          </a:fontRef>
+        </p:style>
+      </p:cxnSp>
+      <p:sp>
+        <p:nvSpPr>
+          <p:cNvPr id="8" name="TextBox 7">
+            <a:extLst>
+              <a:ext uri="{FF2B5EF4-FFF2-40B4-BE49-F238E27FC236}">
+                <a16:creationId xmlns:a16="http://schemas.microsoft.com/office/drawing/2014/main" id="{401ED521-CFE1-44B7-9BB3-E355239399D3}"/>
+              </a:ext>
+            </a:extLst>
+          </p:cNvPr>
+          <p:cNvSpPr txBox="1"/>
+          <p:nvPr/>
+        </p:nvSpPr>
+        <p:spPr>
+          <a:xfrm>
+            <a:off x="730922" y="2402136"/>
+            <a:ext cx="8554720" cy="4524315"/>
+          </a:xfrm>
+          <a:prstGeom prst="rect">
+            <a:avLst/>
+          </a:prstGeom>
+          <a:noFill/>
+        </p:spPr>
+        <p:txBody>
+          <a:bodyPr wrap="square" rtlCol="0">
+            <a:spAutoFit/>
+          </a:bodyPr>
+          <a:lstStyle/>
+          <a:p>
+            <a:r>
+              <a:rPr lang="en-US" altLang="ko-KR" sz="1600">
+                <a:effectLst>
+                  <a:outerShdw blurRad="38100" dist="38100" dir="2700000" algn="tl">
+                    <a:srgbClr val="000000">
+                      <a:alpha val="43137"/>
+                    </a:srgbClr>
+                  </a:outerShdw>
+                </a:effectLst>
+              </a:rPr>
+              <a:t>#include &lt;stdio.h&gt;</a:t>
+            </a:r>
+          </a:p>
+          <a:p>
+            <a:endParaRPr lang="en-US" altLang="ko-KR" sz="1600">
+              <a:effectLst>
+                <a:outerShdw blurRad="38100" dist="38100" dir="2700000" algn="tl">
+                  <a:srgbClr val="000000">
+                    <a:alpha val="43137"/>
+                  </a:srgbClr>
+                </a:outerShdw>
+              </a:effectLst>
+            </a:endParaRPr>
+          </a:p>
+          <a:p>
+            <a:r>
+              <a:rPr lang="en-US" altLang="ko-KR" sz="1600">
+                <a:effectLst>
+                  <a:outerShdw blurRad="38100" dist="38100" dir="2700000" algn="tl">
+                    <a:srgbClr val="000000">
+                      <a:alpha val="43137"/>
+                    </a:srgbClr>
+                  </a:outerShdw>
+                </a:effectLst>
+              </a:rPr>
+              <a:t>int main() {</a:t>
+            </a:r>
+          </a:p>
+          <a:p>
+            <a:r>
+              <a:rPr lang="en-US" altLang="ko-KR" sz="1600">
+                <a:effectLst>
+                  <a:outerShdw blurRad="38100" dist="38100" dir="2700000" algn="tl">
+                    <a:srgbClr val="000000">
+                      <a:alpha val="43137"/>
+                    </a:srgbClr>
+                  </a:outerShdw>
+                </a:effectLst>
+              </a:rPr>
+              <a:t>	struct Human {</a:t>
+            </a:r>
+          </a:p>
+          <a:p>
+            <a:r>
+              <a:rPr lang="en-US" altLang="ko-KR" sz="1600">
+                <a:effectLst>
+                  <a:outerShdw blurRad="38100" dist="38100" dir="2700000" algn="tl">
+                    <a:srgbClr val="000000">
+                      <a:alpha val="43137"/>
+                    </a:srgbClr>
+                  </a:outerShdw>
+                </a:effectLst>
+              </a:rPr>
+              <a:t>		int age;</a:t>
+            </a:r>
+          </a:p>
+          <a:p>
+            <a:r>
+              <a:rPr lang="en-US" altLang="ko-KR" sz="1600">
+                <a:effectLst>
+                  <a:outerShdw blurRad="38100" dist="38100" dir="2700000" algn="tl">
+                    <a:srgbClr val="000000">
+                      <a:alpha val="43137"/>
+                    </a:srgbClr>
+                  </a:outerShdw>
+                </a:effectLst>
+              </a:rPr>
+              <a:t>		int height;</a:t>
+            </a:r>
+          </a:p>
+          <a:p>
+            <a:r>
+              <a:rPr lang="en-US" altLang="ko-KR" sz="1600">
+                <a:effectLst>
+                  <a:outerShdw blurRad="38100" dist="38100" dir="2700000" algn="tl">
+                    <a:srgbClr val="000000">
+                      <a:alpha val="43137"/>
+                    </a:srgbClr>
+                  </a:outerShdw>
+                </a:effectLst>
+              </a:rPr>
+              <a:t>		char[20] name;</a:t>
+            </a:r>
+          </a:p>
+          <a:p>
+            <a:r>
+              <a:rPr lang="en-US" altLang="ko-KR" sz="1600">
+                <a:effectLst>
+                  <a:outerShdw blurRad="38100" dist="38100" dir="2700000" algn="tl">
+                    <a:srgbClr val="000000">
+                      <a:alpha val="43137"/>
+                    </a:srgbClr>
+                  </a:outerShdw>
+                </a:effectLst>
+              </a:rPr>
+              <a:t>	};</a:t>
+            </a:r>
+          </a:p>
+          <a:p>
+            <a:r>
+              <a:rPr lang="en-US" altLang="ko-KR" sz="1600">
+                <a:effectLst>
+                  <a:outerShdw blurRad="38100" dist="38100" dir="2700000" algn="tl">
+                    <a:srgbClr val="000000">
+                      <a:alpha val="43137"/>
+                    </a:srgbClr>
+                  </a:outerShdw>
+                </a:effectLst>
+              </a:rPr>
+              <a:t>	struct Human seonhwi;</a:t>
+            </a:r>
+          </a:p>
+          <a:p>
+            <a:r>
+              <a:rPr lang="en-US" altLang="ko-KR" sz="1600">
+                <a:effectLst>
+                  <a:outerShdw blurRad="38100" dist="38100" dir="2700000" algn="tl">
+                    <a:srgbClr val="000000">
+                      <a:alpha val="43137"/>
+                    </a:srgbClr>
+                  </a:outerShdw>
+                </a:effectLst>
+              </a:rPr>
+              <a:t>	struct Human jaeyoung;</a:t>
+            </a:r>
+          </a:p>
+          <a:p>
+            <a:r>
+              <a:rPr lang="en-US" altLang="ko-KR" sz="1600">
+                <a:effectLst>
+                  <a:outerShdw blurRad="38100" dist="38100" dir="2700000" algn="tl">
+                    <a:srgbClr val="000000">
+                      <a:alpha val="43137"/>
+                    </a:srgbClr>
+                  </a:outerShdw>
+                </a:effectLst>
+              </a:rPr>
+              <a:t>	seonhwi.age = 24;</a:t>
+            </a:r>
+          </a:p>
+          <a:p>
+            <a:r>
+              <a:rPr lang="en-US" altLang="ko-KR" sz="1600">
+                <a:effectLst>
+                  <a:outerShdw blurRad="38100" dist="38100" dir="2700000" algn="tl">
+                    <a:srgbClr val="000000">
+                      <a:alpha val="43137"/>
+                    </a:srgbClr>
+                  </a:outerShdw>
+                </a:effectLst>
+              </a:rPr>
+              <a:t>	seonhwi.height = 178;</a:t>
+            </a:r>
+          </a:p>
+          <a:p>
+            <a:r>
+              <a:rPr lang="en-US" altLang="ko-KR" sz="1600">
+                <a:effectLst>
+                  <a:outerShdw blurRad="38100" dist="38100" dir="2700000" algn="tl">
+                    <a:srgbClr val="000000">
+                      <a:alpha val="43137"/>
+                    </a:srgbClr>
+                  </a:outerShdw>
+                </a:effectLst>
+              </a:rPr>
+              <a:t>	seonhwi.name = “KimSeonHwi”;</a:t>
+            </a:r>
+          </a:p>
+          <a:p>
+            <a:r>
+              <a:rPr lang="en-US" altLang="ko-KR" sz="1600">
+                <a:effectLst>
+                  <a:outerShdw blurRad="38100" dist="38100" dir="2700000" algn="tl">
+                    <a:srgbClr val="000000">
+                      <a:alpha val="43137"/>
+                    </a:srgbClr>
+                  </a:outerShdw>
+                </a:effectLst>
+              </a:rPr>
+              <a:t>	jaeyoung.age = 23;</a:t>
+            </a:r>
+          </a:p>
+          <a:p>
+            <a:r>
+              <a:rPr lang="en-US" altLang="ko-KR" sz="1600">
+                <a:effectLst>
+                  <a:outerShdw blurRad="38100" dist="38100" dir="2700000" algn="tl">
+                    <a:srgbClr val="000000">
+                      <a:alpha val="43137"/>
+                    </a:srgbClr>
+                  </a:outerShdw>
+                </a:effectLst>
+              </a:rPr>
+              <a:t>	jaeyoung.height = 175;</a:t>
+            </a:r>
+          </a:p>
+          <a:p>
+            <a:r>
+              <a:rPr lang="en-US" altLang="ko-KR" sz="1600">
+                <a:effectLst>
+                  <a:outerShdw blurRad="38100" dist="38100" dir="2700000" algn="tl">
+                    <a:srgbClr val="000000">
+                      <a:alpha val="43137"/>
+                    </a:srgbClr>
+                  </a:outerShdw>
+                </a:effectLst>
+              </a:rPr>
+              <a:t>	jaeyoung.name = “JoJaeYoung”;</a:t>
+            </a:r>
+          </a:p>
+          <a:p>
+            <a:r>
+              <a:rPr lang="en-US" altLang="ko-KR" sz="1600">
+                <a:effectLst>
+                  <a:outerShdw blurRad="38100" dist="38100" dir="2700000" algn="tl">
+                    <a:srgbClr val="000000">
+                      <a:alpha val="43137"/>
+                    </a:srgbClr>
+                  </a:outerShdw>
+                </a:effectLst>
+              </a:rPr>
+              <a:t>	return</a:t>
+            </a:r>
+            <a:r>
+              <a:rPr lang="ko-KR" altLang="en-US" sz="1600">
+                <a:effectLst>
+                  <a:outerShdw blurRad="38100" dist="38100" dir="2700000" algn="tl">
+                    <a:srgbClr val="000000">
+                      <a:alpha val="43137"/>
+                    </a:srgbClr>
+                  </a:outerShdw>
+                </a:effectLst>
+              </a:rPr>
+              <a:t> </a:t>
+            </a:r>
+            <a:r>
+              <a:rPr lang="en-US" altLang="ko-KR" sz="1600">
+                <a:effectLst>
+                  <a:outerShdw blurRad="38100" dist="38100" dir="2700000" algn="tl">
+                    <a:srgbClr val="000000">
+                      <a:alpha val="43137"/>
+                    </a:srgbClr>
+                  </a:outerShdw>
+                </a:effectLst>
+              </a:rPr>
+              <a:t>0;</a:t>
+            </a:r>
+          </a:p>
+          <a:p>
+            <a:r>
+              <a:rPr lang="en-US" altLang="ko-KR" sz="1600">
+                <a:effectLst>
+                  <a:outerShdw blurRad="38100" dist="38100" dir="2700000" algn="tl">
+                    <a:srgbClr val="000000">
+                      <a:alpha val="43137"/>
+                    </a:srgbClr>
+                  </a:outerShdw>
+                </a:effectLst>
+              </a:rPr>
+              <a:t>}</a:t>
+            </a:r>
+          </a:p>
+        </p:txBody>
+      </p:sp>
+      <p:sp>
+        <p:nvSpPr>
+          <p:cNvPr id="9" name="TextBox 8">
+            <a:extLst>
+              <a:ext uri="{FF2B5EF4-FFF2-40B4-BE49-F238E27FC236}">
+                <a16:creationId xmlns:a16="http://schemas.microsoft.com/office/drawing/2014/main" id="{0D9F02F6-35F7-46F5-8FFE-FBAD20732CDC}"/>
+              </a:ext>
+            </a:extLst>
+          </p:cNvPr>
+          <p:cNvSpPr txBox="1"/>
+          <p:nvPr/>
+        </p:nvSpPr>
+        <p:spPr>
+          <a:xfrm>
+            <a:off x="301812" y="1347761"/>
+            <a:ext cx="7700955" cy="461665"/>
+          </a:xfrm>
+          <a:prstGeom prst="rect">
+            <a:avLst/>
+          </a:prstGeom>
+          <a:noFill/>
+        </p:spPr>
+        <p:txBody>
+          <a:bodyPr wrap="square" rtlCol="0">
+            <a:spAutoFit/>
+          </a:bodyPr>
+          <a:lstStyle/>
+          <a:p>
+            <a:pPr marL="457200" indent="-457200">
+              <a:buFont typeface="Arial" panose="020B0604020202020204" pitchFamily="34" charset="0"/>
+              <a:buChar char="•"/>
+            </a:pPr>
+            <a:r>
+              <a:rPr lang="ko-KR" altLang="en-US" sz="2400" b="1">
+                <a:effectLst>
+                  <a:outerShdw blurRad="38100" dist="38100" dir="2700000" algn="tl">
+                    <a:srgbClr val="000000">
+                      <a:alpha val="43137"/>
+                    </a:srgbClr>
+                  </a:outerShdw>
+                </a:effectLst>
+              </a:rPr>
+              <a:t>구조체의 사용 예시</a:t>
+            </a:r>
+            <a:endParaRPr lang="en-US" altLang="ko-KR" sz="2400" b="1">
+              <a:effectLst>
+                <a:outerShdw blurRad="38100" dist="38100" dir="2700000" algn="tl">
+                  <a:srgbClr val="000000">
+                    <a:alpha val="43137"/>
+                  </a:srgbClr>
+                </a:outerShdw>
+              </a:effectLst>
+            </a:endParaRPr>
+          </a:p>
+        </p:txBody>
+      </p:sp>
+      <p:sp>
+        <p:nvSpPr>
+          <p:cNvPr id="10" name="TextBox 9">
+            <a:extLst>
+              <a:ext uri="{FF2B5EF4-FFF2-40B4-BE49-F238E27FC236}">
+                <a16:creationId xmlns:a16="http://schemas.microsoft.com/office/drawing/2014/main" id="{A29EA04F-7B1B-49BC-ACB8-3B4FF42C8C33}"/>
+              </a:ext>
+            </a:extLst>
+          </p:cNvPr>
+          <p:cNvSpPr txBox="1"/>
+          <p:nvPr/>
+        </p:nvSpPr>
+        <p:spPr>
+          <a:xfrm>
+            <a:off x="730922" y="1941546"/>
+            <a:ext cx="9300584" cy="461665"/>
+          </a:xfrm>
+          <a:prstGeom prst="rect">
+            <a:avLst/>
+          </a:prstGeom>
+          <a:noFill/>
+        </p:spPr>
+        <p:txBody>
+          <a:bodyPr wrap="square" rtlCol="0">
+            <a:spAutoFit/>
+          </a:bodyPr>
+          <a:lstStyle/>
+          <a:p>
+            <a:r>
+              <a:rPr lang="ko-KR" altLang="en-US" sz="2400">
+                <a:effectLst>
+                  <a:outerShdw blurRad="38100" dist="38100" dir="2700000" algn="tl">
+                    <a:srgbClr val="000000">
+                      <a:alpha val="43137"/>
+                    </a:srgbClr>
+                  </a:outerShdw>
+                </a:effectLst>
+              </a:rPr>
+              <a:t>사람의 데이터를 저장하는 구조체 만들기</a:t>
+            </a:r>
+            <a:endParaRPr lang="en-US" altLang="ko-KR" sz="2400">
+              <a:effectLst>
+                <a:outerShdw blurRad="38100" dist="38100" dir="2700000" algn="tl">
+                  <a:srgbClr val="000000">
+                    <a:alpha val="43137"/>
+                  </a:srgbClr>
+                </a:outerShdw>
+              </a:effectLst>
+            </a:endParaRPr>
+          </a:p>
+        </p:txBody>
+      </p:sp>
+    </p:spTree>
+    <p:extLst>
+      <p:ext uri="{BB962C8B-B14F-4D97-AF65-F5344CB8AC3E}">
+        <p14:creationId xmlns:p14="http://schemas.microsoft.com/office/powerpoint/2010/main" val="2506141942"/>
       </p:ext>
     </p:extLst>
   </p:cSld>

--- a/EC)Basic 4주차.pptx
+++ b/EC)Basic 4주차.pptx
@@ -11,13 +11,17 @@
     <p:sldId id="274" r:id="rId5"/>
     <p:sldId id="276" r:id="rId6"/>
     <p:sldId id="275" r:id="rId7"/>
-    <p:sldId id="277" r:id="rId8"/>
-    <p:sldId id="272" r:id="rId9"/>
-    <p:sldId id="273" r:id="rId10"/>
-    <p:sldId id="278" r:id="rId11"/>
-    <p:sldId id="270" r:id="rId12"/>
+    <p:sldId id="280" r:id="rId8"/>
+    <p:sldId id="277" r:id="rId9"/>
+    <p:sldId id="272" r:id="rId10"/>
+    <p:sldId id="273" r:id="rId11"/>
+    <p:sldId id="278" r:id="rId12"/>
     <p:sldId id="279" r:id="rId13"/>
-    <p:sldId id="271" r:id="rId14"/>
+    <p:sldId id="281" r:id="rId14"/>
+    <p:sldId id="282" r:id="rId15"/>
+    <p:sldId id="283" r:id="rId16"/>
+    <p:sldId id="284" r:id="rId17"/>
+    <p:sldId id="271" r:id="rId18"/>
   </p:sldIdLst>
   <p:sldSz cx="12192000" cy="6858000"/>
   <p:notesSz cx="6858000" cy="9144000"/>
@@ -271,7 +275,7 @@
           <a:p>
             <a:fld id="{99D9758D-D09E-4F4D-9D6D-5374D685559F}" type="datetimeFigureOut">
               <a:rPr lang="ko-KR" altLang="en-US" smtClean="0"/>
-              <a:t>2021-03-24</a:t>
+              <a:t>2021-03-29</a:t>
             </a:fld>
             <a:endParaRPr lang="ko-KR" altLang="en-US"/>
           </a:p>
@@ -469,7 +473,7 @@
           <a:p>
             <a:fld id="{99D9758D-D09E-4F4D-9D6D-5374D685559F}" type="datetimeFigureOut">
               <a:rPr lang="ko-KR" altLang="en-US" smtClean="0"/>
-              <a:t>2021-03-24</a:t>
+              <a:t>2021-03-29</a:t>
             </a:fld>
             <a:endParaRPr lang="ko-KR" altLang="en-US"/>
           </a:p>
@@ -677,7 +681,7 @@
           <a:p>
             <a:fld id="{99D9758D-D09E-4F4D-9D6D-5374D685559F}" type="datetimeFigureOut">
               <a:rPr lang="ko-KR" altLang="en-US" smtClean="0"/>
-              <a:t>2021-03-24</a:t>
+              <a:t>2021-03-29</a:t>
             </a:fld>
             <a:endParaRPr lang="ko-KR" altLang="en-US"/>
           </a:p>
@@ -875,7 +879,7 @@
           <a:p>
             <a:fld id="{99D9758D-D09E-4F4D-9D6D-5374D685559F}" type="datetimeFigureOut">
               <a:rPr lang="ko-KR" altLang="en-US" smtClean="0"/>
-              <a:t>2021-03-24</a:t>
+              <a:t>2021-03-29</a:t>
             </a:fld>
             <a:endParaRPr lang="ko-KR" altLang="en-US"/>
           </a:p>
@@ -1150,7 +1154,7 @@
           <a:p>
             <a:fld id="{99D9758D-D09E-4F4D-9D6D-5374D685559F}" type="datetimeFigureOut">
               <a:rPr lang="ko-KR" altLang="en-US" smtClean="0"/>
-              <a:t>2021-03-24</a:t>
+              <a:t>2021-03-29</a:t>
             </a:fld>
             <a:endParaRPr lang="ko-KR" altLang="en-US"/>
           </a:p>
@@ -1415,7 +1419,7 @@
           <a:p>
             <a:fld id="{99D9758D-D09E-4F4D-9D6D-5374D685559F}" type="datetimeFigureOut">
               <a:rPr lang="ko-KR" altLang="en-US" smtClean="0"/>
-              <a:t>2021-03-24</a:t>
+              <a:t>2021-03-29</a:t>
             </a:fld>
             <a:endParaRPr lang="ko-KR" altLang="en-US"/>
           </a:p>
@@ -1827,7 +1831,7 @@
           <a:p>
             <a:fld id="{99D9758D-D09E-4F4D-9D6D-5374D685559F}" type="datetimeFigureOut">
               <a:rPr lang="ko-KR" altLang="en-US" smtClean="0"/>
-              <a:t>2021-03-24</a:t>
+              <a:t>2021-03-29</a:t>
             </a:fld>
             <a:endParaRPr lang="ko-KR" altLang="en-US"/>
           </a:p>
@@ -1968,7 +1972,7 @@
           <a:p>
             <a:fld id="{99D9758D-D09E-4F4D-9D6D-5374D685559F}" type="datetimeFigureOut">
               <a:rPr lang="ko-KR" altLang="en-US" smtClean="0"/>
-              <a:t>2021-03-24</a:t>
+              <a:t>2021-03-29</a:t>
             </a:fld>
             <a:endParaRPr lang="ko-KR" altLang="en-US"/>
           </a:p>
@@ -2081,7 +2085,7 @@
           <a:p>
             <a:fld id="{99D9758D-D09E-4F4D-9D6D-5374D685559F}" type="datetimeFigureOut">
               <a:rPr lang="ko-KR" altLang="en-US" smtClean="0"/>
-              <a:t>2021-03-24</a:t>
+              <a:t>2021-03-29</a:t>
             </a:fld>
             <a:endParaRPr lang="ko-KR" altLang="en-US"/>
           </a:p>
@@ -2392,7 +2396,7 @@
           <a:p>
             <a:fld id="{99D9758D-D09E-4F4D-9D6D-5374D685559F}" type="datetimeFigureOut">
               <a:rPr lang="ko-KR" altLang="en-US" smtClean="0"/>
-              <a:t>2021-03-24</a:t>
+              <a:t>2021-03-29</a:t>
             </a:fld>
             <a:endParaRPr lang="ko-KR" altLang="en-US"/>
           </a:p>
@@ -2680,7 +2684,7 @@
           <a:p>
             <a:fld id="{99D9758D-D09E-4F4D-9D6D-5374D685559F}" type="datetimeFigureOut">
               <a:rPr lang="ko-KR" altLang="en-US" smtClean="0"/>
-              <a:t>2021-03-24</a:t>
+              <a:t>2021-03-29</a:t>
             </a:fld>
             <a:endParaRPr lang="ko-KR" altLang="en-US"/>
           </a:p>
@@ -2924,7 +2928,7 @@
           <a:p>
             <a:fld id="{99D9758D-D09E-4F4D-9D6D-5374D685559F}" type="datetimeFigureOut">
               <a:rPr lang="ko-KR" altLang="en-US" smtClean="0"/>
-              <a:t>2021-03-24</a:t>
+              <a:t>2021-03-29</a:t>
             </a:fld>
             <a:endParaRPr lang="ko-KR" altLang="en-US"/>
           </a:p>
@@ -3776,6 +3780,313 @@
       </p:cxnSp>
       <p:sp>
         <p:nvSpPr>
+          <p:cNvPr id="8" name="TextBox 7">
+            <a:extLst>
+              <a:ext uri="{FF2B5EF4-FFF2-40B4-BE49-F238E27FC236}">
+                <a16:creationId xmlns:a16="http://schemas.microsoft.com/office/drawing/2014/main" id="{401ED521-CFE1-44B7-9BB3-E355239399D3}"/>
+              </a:ext>
+            </a:extLst>
+          </p:cNvPr>
+          <p:cNvSpPr txBox="1"/>
+          <p:nvPr/>
+        </p:nvSpPr>
+        <p:spPr>
+          <a:xfrm>
+            <a:off x="730922" y="2402136"/>
+            <a:ext cx="8554720" cy="4524315"/>
+          </a:xfrm>
+          <a:prstGeom prst="rect">
+            <a:avLst/>
+          </a:prstGeom>
+          <a:noFill/>
+          <a:ln>
+            <a:solidFill>
+              <a:schemeClr val="tx1"/>
+            </a:solidFill>
+          </a:ln>
+        </p:spPr>
+        <p:txBody>
+          <a:bodyPr wrap="square" rtlCol="0">
+            <a:spAutoFit/>
+          </a:bodyPr>
+          <a:lstStyle/>
+          <a:p>
+            <a:r>
+              <a:rPr lang="en-US" altLang="ko-KR" sz="1600">
+                <a:effectLst>
+                  <a:outerShdw blurRad="38100" dist="38100" dir="2700000" algn="tl">
+                    <a:srgbClr val="000000">
+                      <a:alpha val="43137"/>
+                    </a:srgbClr>
+                  </a:outerShdw>
+                </a:effectLst>
+              </a:rPr>
+              <a:t>#include &lt;stdio.h&gt;</a:t>
+            </a:r>
+          </a:p>
+          <a:p>
+            <a:endParaRPr lang="en-US" altLang="ko-KR" sz="1600">
+              <a:effectLst>
+                <a:outerShdw blurRad="38100" dist="38100" dir="2700000" algn="tl">
+                  <a:srgbClr val="000000">
+                    <a:alpha val="43137"/>
+                  </a:srgbClr>
+                </a:outerShdw>
+              </a:effectLst>
+            </a:endParaRPr>
+          </a:p>
+          <a:p>
+            <a:r>
+              <a:rPr lang="en-US" altLang="ko-KR" sz="1600">
+                <a:effectLst>
+                  <a:outerShdw blurRad="38100" dist="38100" dir="2700000" algn="tl">
+                    <a:srgbClr val="000000">
+                      <a:alpha val="43137"/>
+                    </a:srgbClr>
+                  </a:outerShdw>
+                </a:effectLst>
+              </a:rPr>
+              <a:t>int main() {</a:t>
+            </a:r>
+          </a:p>
+          <a:p>
+            <a:r>
+              <a:rPr lang="en-US" altLang="ko-KR" sz="1600">
+                <a:effectLst>
+                  <a:outerShdw blurRad="38100" dist="38100" dir="2700000" algn="tl">
+                    <a:srgbClr val="000000">
+                      <a:alpha val="43137"/>
+                    </a:srgbClr>
+                  </a:outerShdw>
+                </a:effectLst>
+              </a:rPr>
+              <a:t>	struct Human {</a:t>
+            </a:r>
+          </a:p>
+          <a:p>
+            <a:r>
+              <a:rPr lang="en-US" altLang="ko-KR" sz="1600">
+                <a:effectLst>
+                  <a:outerShdw blurRad="38100" dist="38100" dir="2700000" algn="tl">
+                    <a:srgbClr val="000000">
+                      <a:alpha val="43137"/>
+                    </a:srgbClr>
+                  </a:outerShdw>
+                </a:effectLst>
+              </a:rPr>
+              <a:t>		int age;</a:t>
+            </a:r>
+          </a:p>
+          <a:p>
+            <a:r>
+              <a:rPr lang="en-US" altLang="ko-KR" sz="1600">
+                <a:effectLst>
+                  <a:outerShdw blurRad="38100" dist="38100" dir="2700000" algn="tl">
+                    <a:srgbClr val="000000">
+                      <a:alpha val="43137"/>
+                    </a:srgbClr>
+                  </a:outerShdw>
+                </a:effectLst>
+              </a:rPr>
+              <a:t>		int height;</a:t>
+            </a:r>
+          </a:p>
+          <a:p>
+            <a:r>
+              <a:rPr lang="en-US" altLang="ko-KR" sz="1600">
+                <a:effectLst>
+                  <a:outerShdw blurRad="38100" dist="38100" dir="2700000" algn="tl">
+                    <a:srgbClr val="000000">
+                      <a:alpha val="43137"/>
+                    </a:srgbClr>
+                  </a:outerShdw>
+                </a:effectLst>
+              </a:rPr>
+              <a:t>		char[20] name;</a:t>
+            </a:r>
+          </a:p>
+          <a:p>
+            <a:r>
+              <a:rPr lang="en-US" altLang="ko-KR" sz="1600">
+                <a:effectLst>
+                  <a:outerShdw blurRad="38100" dist="38100" dir="2700000" algn="tl">
+                    <a:srgbClr val="000000">
+                      <a:alpha val="43137"/>
+                    </a:srgbClr>
+                  </a:outerShdw>
+                </a:effectLst>
+              </a:rPr>
+              <a:t>	};</a:t>
+            </a:r>
+          </a:p>
+          <a:p>
+            <a:r>
+              <a:rPr lang="en-US" altLang="ko-KR" sz="1600">
+                <a:effectLst>
+                  <a:outerShdw blurRad="38100" dist="38100" dir="2700000" algn="tl">
+                    <a:srgbClr val="000000">
+                      <a:alpha val="43137"/>
+                    </a:srgbClr>
+                  </a:outerShdw>
+                </a:effectLst>
+              </a:rPr>
+              <a:t>	struct Human seonhwi;</a:t>
+            </a:r>
+          </a:p>
+          <a:p>
+            <a:r>
+              <a:rPr lang="en-US" altLang="ko-KR" sz="1600">
+                <a:effectLst>
+                  <a:outerShdw blurRad="38100" dist="38100" dir="2700000" algn="tl">
+                    <a:srgbClr val="000000">
+                      <a:alpha val="43137"/>
+                    </a:srgbClr>
+                  </a:outerShdw>
+                </a:effectLst>
+              </a:rPr>
+              <a:t>	struct Human jaeyoung;</a:t>
+            </a:r>
+          </a:p>
+          <a:p>
+            <a:r>
+              <a:rPr lang="en-US" altLang="ko-KR" sz="1600">
+                <a:effectLst>
+                  <a:outerShdw blurRad="38100" dist="38100" dir="2700000" algn="tl">
+                    <a:srgbClr val="000000">
+                      <a:alpha val="43137"/>
+                    </a:srgbClr>
+                  </a:outerShdw>
+                </a:effectLst>
+              </a:rPr>
+              <a:t>	seonhwi.age = 24;</a:t>
+            </a:r>
+          </a:p>
+          <a:p>
+            <a:r>
+              <a:rPr lang="en-US" altLang="ko-KR" sz="1600">
+                <a:effectLst>
+                  <a:outerShdw blurRad="38100" dist="38100" dir="2700000" algn="tl">
+                    <a:srgbClr val="000000">
+                      <a:alpha val="43137"/>
+                    </a:srgbClr>
+                  </a:outerShdw>
+                </a:effectLst>
+              </a:rPr>
+              <a:t>	seonhwi.height = 178;</a:t>
+            </a:r>
+          </a:p>
+          <a:p>
+            <a:r>
+              <a:rPr lang="en-US" altLang="ko-KR" sz="1600">
+                <a:effectLst>
+                  <a:outerShdw blurRad="38100" dist="38100" dir="2700000" algn="tl">
+                    <a:srgbClr val="000000">
+                      <a:alpha val="43137"/>
+                    </a:srgbClr>
+                  </a:outerShdw>
+                </a:effectLst>
+              </a:rPr>
+              <a:t>	seonhwi.name = “KimSeonHwi”;</a:t>
+            </a:r>
+          </a:p>
+          <a:p>
+            <a:r>
+              <a:rPr lang="en-US" altLang="ko-KR" sz="1600">
+                <a:effectLst>
+                  <a:outerShdw blurRad="38100" dist="38100" dir="2700000" algn="tl">
+                    <a:srgbClr val="000000">
+                      <a:alpha val="43137"/>
+                    </a:srgbClr>
+                  </a:outerShdw>
+                </a:effectLst>
+              </a:rPr>
+              <a:t>	jaeyoung.age = 23;</a:t>
+            </a:r>
+          </a:p>
+          <a:p>
+            <a:r>
+              <a:rPr lang="en-US" altLang="ko-KR" sz="1600">
+                <a:effectLst>
+                  <a:outerShdw blurRad="38100" dist="38100" dir="2700000" algn="tl">
+                    <a:srgbClr val="000000">
+                      <a:alpha val="43137"/>
+                    </a:srgbClr>
+                  </a:outerShdw>
+                </a:effectLst>
+              </a:rPr>
+              <a:t>	jaeyoung.height = 175;</a:t>
+            </a:r>
+          </a:p>
+          <a:p>
+            <a:r>
+              <a:rPr lang="en-US" altLang="ko-KR" sz="1600">
+                <a:effectLst>
+                  <a:outerShdw blurRad="38100" dist="38100" dir="2700000" algn="tl">
+                    <a:srgbClr val="000000">
+                      <a:alpha val="43137"/>
+                    </a:srgbClr>
+                  </a:outerShdw>
+                </a:effectLst>
+              </a:rPr>
+              <a:t>	jaeyoung.name = “JoJaeYoung”;</a:t>
+            </a:r>
+          </a:p>
+          <a:p>
+            <a:r>
+              <a:rPr lang="en-US" altLang="ko-KR" sz="1600">
+                <a:effectLst>
+                  <a:outerShdw blurRad="38100" dist="38100" dir="2700000" algn="tl">
+                    <a:srgbClr val="000000">
+                      <a:alpha val="43137"/>
+                    </a:srgbClr>
+                  </a:outerShdw>
+                </a:effectLst>
+              </a:rPr>
+              <a:t>	return</a:t>
+            </a:r>
+            <a:r>
+              <a:rPr lang="ko-KR" altLang="en-US" sz="1600">
+                <a:effectLst>
+                  <a:outerShdw blurRad="38100" dist="38100" dir="2700000" algn="tl">
+                    <a:srgbClr val="000000">
+                      <a:alpha val="43137"/>
+                    </a:srgbClr>
+                  </a:outerShdw>
+                </a:effectLst>
+              </a:rPr>
+              <a:t> </a:t>
+            </a:r>
+            <a:r>
+              <a:rPr lang="en-US" altLang="ko-KR" sz="1600">
+                <a:effectLst>
+                  <a:outerShdw blurRad="38100" dist="38100" dir="2700000" algn="tl">
+                    <a:srgbClr val="000000">
+                      <a:alpha val="43137"/>
+                    </a:srgbClr>
+                  </a:outerShdw>
+                </a:effectLst>
+              </a:rPr>
+              <a:t>0;</a:t>
+            </a:r>
+          </a:p>
+          <a:p>
+            <a:r>
+              <a:rPr lang="en-US" altLang="ko-KR" sz="1600">
+                <a:effectLst>
+                  <a:outerShdw blurRad="38100" dist="38100" dir="2700000" algn="tl">
+                    <a:srgbClr val="000000">
+                      <a:alpha val="43137"/>
+                    </a:srgbClr>
+                  </a:outerShdw>
+                </a:effectLst>
+              </a:rPr>
+              <a:t>}</a:t>
+            </a:r>
+          </a:p>
+        </p:txBody>
+      </p:sp>
+      <p:sp>
+        <p:nvSpPr>
           <p:cNvPr id="9" name="TextBox 8">
             <a:extLst>
               <a:ext uri="{FF2B5EF4-FFF2-40B4-BE49-F238E27FC236}">
@@ -3868,55 +4179,7 @@
                   </a:outerShdw>
                 </a:effectLst>
               </a:rPr>
-              <a:t>신입생 </a:t>
-            </a:r>
-            <a:r>
-              <a:rPr lang="en-US" altLang="ko-KR" sz="2400">
-                <a:effectLst>
-                  <a:outerShdw blurRad="38100" dist="38100" dir="2700000" algn="tl">
-                    <a:srgbClr val="000000">
-                      <a:alpha val="43137"/>
-                    </a:srgbClr>
-                  </a:outerShdw>
-                </a:effectLst>
-              </a:rPr>
-              <a:t>C</a:t>
-            </a:r>
-            <a:r>
-              <a:rPr lang="ko-KR" altLang="en-US" sz="2400">
-                <a:effectLst>
-                  <a:outerShdw blurRad="38100" dist="38100" dir="2700000" algn="tl">
-                    <a:srgbClr val="000000">
-                      <a:alpha val="43137"/>
-                    </a:srgbClr>
-                  </a:outerShdw>
-                </a:effectLst>
-              </a:rPr>
-              <a:t>언어 테스터 </a:t>
-            </a:r>
-            <a:r>
-              <a:rPr lang="en-US" altLang="ko-KR" sz="2400">
-                <a:effectLst>
-                  <a:outerShdw blurRad="38100" dist="38100" dir="2700000" algn="tl">
-                    <a:srgbClr val="000000">
-                      <a:alpha val="43137"/>
-                    </a:srgbClr>
-                  </a:outerShdw>
-                </a:effectLst>
-              </a:rPr>
-              <a:t>8</a:t>
-            </a:r>
-            <a:r>
-              <a:rPr lang="ko-KR" altLang="en-US" sz="2400">
-                <a:effectLst>
-                  <a:outerShdw blurRad="38100" dist="38100" dir="2700000" algn="tl">
-                    <a:srgbClr val="000000">
-                      <a:alpha val="43137"/>
-                    </a:srgbClr>
-                  </a:outerShdw>
-                </a:effectLst>
-              </a:rPr>
-              <a:t>번 문제 풀이</a:t>
+              <a:t>사람의 데이터를 저장하는 구조체 만들기</a:t>
             </a:r>
             <a:endParaRPr lang="en-US" altLang="ko-KR" sz="2400">
               <a:effectLst>
@@ -3933,7 +4196,7 @@
     </p:spTree>
     <p:extLst>
       <p:ext uri="{BB962C8B-B14F-4D97-AF65-F5344CB8AC3E}">
-        <p14:creationId xmlns:p14="http://schemas.microsoft.com/office/powerpoint/2010/main" val="1515440641"/>
+        <p14:creationId xmlns:p14="http://schemas.microsoft.com/office/powerpoint/2010/main" val="2506141942"/>
       </p:ext>
     </p:extLst>
   </p:cSld>
@@ -3962,10 +4225,10 @@
       </p:grpSpPr>
       <p:pic>
         <p:nvPicPr>
-          <p:cNvPr id="10" name="그림 9" descr="화살이(가) 표시된 사진&#10;&#10;자동 생성된 설명">
-            <a:extLst>
-              <a:ext uri="{FF2B5EF4-FFF2-40B4-BE49-F238E27FC236}">
-                <a16:creationId xmlns:a16="http://schemas.microsoft.com/office/drawing/2014/main" id="{44CFF3E1-8AF5-49B1-BCC4-92C7C5FC2EAB}"/>
+          <p:cNvPr id="6" name="그림 5" descr="화살이(가) 표시된 사진&#10;&#10;자동 생성된 설명">
+            <a:extLst>
+              <a:ext uri="{FF2B5EF4-FFF2-40B4-BE49-F238E27FC236}">
+                <a16:creationId xmlns:a16="http://schemas.microsoft.com/office/drawing/2014/main" id="{A56C6D43-05A3-4988-A7D7-3D59E2F65C17}"/>
               </a:ext>
             </a:extLst>
           </p:cNvPr>
@@ -4036,7 +4299,7 @@
                   </a:outerShdw>
                 </a:effectLst>
               </a:rPr>
-              <a:t>파일입출력</a:t>
+              <a:t>구조체</a:t>
             </a:r>
           </a:p>
         </p:txBody>
@@ -4140,10 +4403,10 @@
       </p:cxnSp>
       <p:sp>
         <p:nvSpPr>
-          <p:cNvPr id="8" name="TextBox 7">
-            <a:extLst>
-              <a:ext uri="{FF2B5EF4-FFF2-40B4-BE49-F238E27FC236}">
-                <a16:creationId xmlns:a16="http://schemas.microsoft.com/office/drawing/2014/main" id="{E559F940-BBB4-49CB-AF02-E6210FA77220}"/>
+          <p:cNvPr id="9" name="TextBox 8">
+            <a:extLst>
+              <a:ext uri="{FF2B5EF4-FFF2-40B4-BE49-F238E27FC236}">
+                <a16:creationId xmlns:a16="http://schemas.microsoft.com/office/drawing/2014/main" id="{0D9F02F6-35F7-46F5-8FFE-FBAD20732CDC}"/>
               </a:ext>
             </a:extLst>
           </p:cNvPr>
@@ -4152,8 +4415,8 @@
         </p:nvSpPr>
         <p:spPr>
           <a:xfrm>
-            <a:off x="1158240" y="1720553"/>
-            <a:ext cx="8554720" cy="461665"/>
+            <a:off x="301812" y="1347761"/>
+            <a:ext cx="7700955" cy="461665"/>
           </a:xfrm>
           <a:prstGeom prst="rect">
             <a:avLst/>
@@ -4166,6 +4429,62 @@
           </a:bodyPr>
           <a:lstStyle/>
           <a:p>
+            <a:pPr marL="457200" indent="-457200">
+              <a:buFont typeface="Arial" panose="020B0604020202020204" pitchFamily="34" charset="0"/>
+              <a:buChar char="•"/>
+            </a:pPr>
+            <a:r>
+              <a:rPr lang="ko-KR" altLang="en-US" sz="2400" b="1">
+                <a:effectLst>
+                  <a:outerShdw blurRad="38100" dist="38100" dir="2700000" algn="tl">
+                    <a:srgbClr val="000000">
+                      <a:alpha val="43137"/>
+                    </a:srgbClr>
+                  </a:outerShdw>
+                </a:effectLst>
+              </a:rPr>
+              <a:t>구조체의 사용 예시</a:t>
+            </a:r>
+            <a:endParaRPr lang="en-US" altLang="ko-KR" sz="2400" b="1">
+              <a:effectLst>
+                <a:outerShdw blurRad="38100" dist="38100" dir="2700000" algn="tl">
+                  <a:srgbClr val="000000">
+                    <a:alpha val="43137"/>
+                  </a:srgbClr>
+                </a:outerShdw>
+              </a:effectLst>
+            </a:endParaRPr>
+          </a:p>
+        </p:txBody>
+      </p:sp>
+      <p:sp>
+        <p:nvSpPr>
+          <p:cNvPr id="10" name="TextBox 9">
+            <a:extLst>
+              <a:ext uri="{FF2B5EF4-FFF2-40B4-BE49-F238E27FC236}">
+                <a16:creationId xmlns:a16="http://schemas.microsoft.com/office/drawing/2014/main" id="{A29EA04F-7B1B-49BC-ACB8-3B4FF42C8C33}"/>
+              </a:ext>
+            </a:extLst>
+          </p:cNvPr>
+          <p:cNvSpPr txBox="1"/>
+          <p:nvPr/>
+        </p:nvSpPr>
+        <p:spPr>
+          <a:xfrm>
+            <a:off x="730922" y="1941546"/>
+            <a:ext cx="9300584" cy="461665"/>
+          </a:xfrm>
+          <a:prstGeom prst="rect">
+            <a:avLst/>
+          </a:prstGeom>
+          <a:noFill/>
+        </p:spPr>
+        <p:txBody>
+          <a:bodyPr wrap="square" rtlCol="0">
+            <a:spAutoFit/>
+          </a:bodyPr>
+          <a:lstStyle/>
+          <a:p>
             <a:r>
               <a:rPr lang="ko-KR" altLang="en-US" sz="2400">
                 <a:effectLst>
@@ -4176,7 +4495,55 @@
                   </a:outerShdw>
                 </a:effectLst>
               </a:rPr>
-              <a:t>ㅇㅇ</a:t>
+              <a:t>신입생 </a:t>
+            </a:r>
+            <a:r>
+              <a:rPr lang="en-US" altLang="ko-KR" sz="2400">
+                <a:effectLst>
+                  <a:outerShdw blurRad="38100" dist="38100" dir="2700000" algn="tl">
+                    <a:srgbClr val="000000">
+                      <a:alpha val="43137"/>
+                    </a:srgbClr>
+                  </a:outerShdw>
+                </a:effectLst>
+              </a:rPr>
+              <a:t>C</a:t>
+            </a:r>
+            <a:r>
+              <a:rPr lang="ko-KR" altLang="en-US" sz="2400">
+                <a:effectLst>
+                  <a:outerShdw blurRad="38100" dist="38100" dir="2700000" algn="tl">
+                    <a:srgbClr val="000000">
+                      <a:alpha val="43137"/>
+                    </a:srgbClr>
+                  </a:outerShdw>
+                </a:effectLst>
+              </a:rPr>
+              <a:t>언어 테스터 </a:t>
+            </a:r>
+            <a:r>
+              <a:rPr lang="en-US" altLang="ko-KR" sz="2400">
+                <a:effectLst>
+                  <a:outerShdw blurRad="38100" dist="38100" dir="2700000" algn="tl">
+                    <a:srgbClr val="000000">
+                      <a:alpha val="43137"/>
+                    </a:srgbClr>
+                  </a:outerShdw>
+                </a:effectLst>
+              </a:rPr>
+              <a:t>8</a:t>
+            </a:r>
+            <a:r>
+              <a:rPr lang="ko-KR" altLang="en-US" sz="2400">
+                <a:effectLst>
+                  <a:outerShdw blurRad="38100" dist="38100" dir="2700000" algn="tl">
+                    <a:srgbClr val="000000">
+                      <a:alpha val="43137"/>
+                    </a:srgbClr>
+                  </a:outerShdw>
+                </a:effectLst>
+              </a:rPr>
+              <a:t>번 문제 풀이</a:t>
             </a:r>
             <a:endParaRPr lang="en-US" altLang="ko-KR" sz="2400">
               <a:effectLst>
@@ -4193,7 +4560,7 @@
     </p:spTree>
     <p:extLst>
       <p:ext uri="{BB962C8B-B14F-4D97-AF65-F5344CB8AC3E}">
-        <p14:creationId xmlns:p14="http://schemas.microsoft.com/office/powerpoint/2010/main" val="647075201"/>
+        <p14:creationId xmlns:p14="http://schemas.microsoft.com/office/powerpoint/2010/main" val="1515440641"/>
       </p:ext>
     </p:extLst>
   </p:cSld>
@@ -4829,6 +5196,2093 @@
           <p:cNvPr id="6" name="그림 5" descr="화살이(가) 표시된 사진&#10;&#10;자동 생성된 설명">
             <a:extLst>
               <a:ext uri="{FF2B5EF4-FFF2-40B4-BE49-F238E27FC236}">
+                <a16:creationId xmlns:a16="http://schemas.microsoft.com/office/drawing/2014/main" id="{A56C6D43-05A3-4988-A7D7-3D59E2F65C17}"/>
+              </a:ext>
+            </a:extLst>
+          </p:cNvPr>
+          <p:cNvPicPr>
+            <a:picLocks noChangeAspect="1"/>
+          </p:cNvPicPr>
+          <p:nvPr/>
+        </p:nvPicPr>
+        <p:blipFill>
+          <a:blip r:embed="rId2">
+            <a:alphaModFix amt="5000"/>
+            <a:extLst>
+              <a:ext uri="{28A0092B-C50C-407E-A947-70E740481C1C}">
+                <a14:useLocalDpi xmlns:a14="http://schemas.microsoft.com/office/drawing/2010/main" val="0"/>
+              </a:ext>
+            </a:extLst>
+          </a:blip>
+          <a:stretch>
+            <a:fillRect/>
+          </a:stretch>
+        </p:blipFill>
+        <p:spPr>
+          <a:xfrm>
+            <a:off x="1209040" y="-1"/>
+            <a:ext cx="9875520" cy="6857429"/>
+          </a:xfrm>
+          <a:prstGeom prst="rect">
+            <a:avLst/>
+          </a:prstGeom>
+        </p:spPr>
+      </p:pic>
+      <p:sp>
+        <p:nvSpPr>
+          <p:cNvPr id="2" name="제목 1">
+            <a:extLst>
+              <a:ext uri="{FF2B5EF4-FFF2-40B4-BE49-F238E27FC236}">
+                <a16:creationId xmlns:a16="http://schemas.microsoft.com/office/drawing/2014/main" id="{B5F771FA-F15B-46C3-BA0D-4B28CB171312}"/>
+              </a:ext>
+            </a:extLst>
+          </p:cNvPr>
+          <p:cNvSpPr>
+            <a:spLocks noGrp="1"/>
+          </p:cNvSpPr>
+          <p:nvPr>
+            <p:ph type="ctrTitle"/>
+          </p:nvPr>
+        </p:nvSpPr>
+        <p:spPr>
+          <a:xfrm>
+            <a:off x="301812" y="210670"/>
+            <a:ext cx="11689976" cy="851648"/>
+          </a:xfrm>
+        </p:spPr>
+        <p:txBody>
+          <a:bodyPr>
+            <a:normAutofit fontScale="90000"/>
+          </a:bodyPr>
+          <a:lstStyle/>
+          <a:p>
+            <a:pPr algn="l"/>
+            <a:r>
+              <a:rPr lang="ko-KR" altLang="en-US" b="1">
+                <a:effectLst>
+                  <a:outerShdw blurRad="38100" dist="38100" dir="2700000" algn="tl">
+                    <a:srgbClr val="000000">
+                      <a:alpha val="43137"/>
+                    </a:srgbClr>
+                  </a:outerShdw>
+                </a:effectLst>
+              </a:rPr>
+              <a:t>파일입출력</a:t>
+            </a:r>
+          </a:p>
+        </p:txBody>
+      </p:sp>
+      <p:sp>
+        <p:nvSpPr>
+          <p:cNvPr id="4" name="이등변 삼각형 3">
+            <a:extLst>
+              <a:ext uri="{FF2B5EF4-FFF2-40B4-BE49-F238E27FC236}">
+                <a16:creationId xmlns:a16="http://schemas.microsoft.com/office/drawing/2014/main" id="{D82EB4D7-301B-4780-87C6-7D1E66BD5181}"/>
+              </a:ext>
+            </a:extLst>
+          </p:cNvPr>
+          <p:cNvSpPr/>
+          <p:nvPr/>
+        </p:nvSpPr>
+        <p:spPr>
+          <a:xfrm rot="10800000">
+            <a:off x="11204089" y="-1"/>
+            <a:ext cx="987911" cy="851647"/>
+          </a:xfrm>
+          <a:prstGeom prst="triangle">
+            <a:avLst>
+              <a:gd name="adj" fmla="val 0"/>
+            </a:avLst>
+          </a:prstGeom>
+          <a:solidFill>
+            <a:schemeClr val="tx1"/>
+          </a:solidFill>
+          <a:ln>
+            <a:solidFill>
+              <a:schemeClr val="tx1"/>
+            </a:solidFill>
+          </a:ln>
+        </p:spPr>
+        <p:style>
+          <a:lnRef idx="2">
+            <a:schemeClr val="accent1">
+              <a:shade val="50000"/>
+            </a:schemeClr>
+          </a:lnRef>
+          <a:fillRef idx="1">
+            <a:schemeClr val="accent1"/>
+          </a:fillRef>
+          <a:effectRef idx="0">
+            <a:schemeClr val="accent1"/>
+          </a:effectRef>
+          <a:fontRef idx="minor">
+            <a:schemeClr val="lt1"/>
+          </a:fontRef>
+        </p:style>
+        <p:txBody>
+          <a:bodyPr rtlCol="0" anchor="ctr"/>
+          <a:lstStyle/>
+          <a:p>
+            <a:pPr algn="ctr"/>
+            <a:endParaRPr lang="ko-KR" altLang="en-US"/>
+          </a:p>
+        </p:txBody>
+      </p:sp>
+      <p:cxnSp>
+        <p:nvCxnSpPr>
+          <p:cNvPr id="7" name="직선 연결선 6">
+            <a:extLst>
+              <a:ext uri="{FF2B5EF4-FFF2-40B4-BE49-F238E27FC236}">
+                <a16:creationId xmlns:a16="http://schemas.microsoft.com/office/drawing/2014/main" id="{2585E046-0EB0-4A38-9487-0FDCAD563659}"/>
+              </a:ext>
+            </a:extLst>
+          </p:cNvPr>
+          <p:cNvCxnSpPr/>
+          <p:nvPr/>
+        </p:nvCxnSpPr>
+        <p:spPr>
+          <a:xfrm>
+            <a:off x="30480" y="1143598"/>
+            <a:ext cx="2357120" cy="0"/>
+          </a:xfrm>
+          <a:prstGeom prst="line">
+            <a:avLst/>
+          </a:prstGeom>
+          <a:ln w="63500">
+            <a:solidFill>
+              <a:schemeClr val="tx1"/>
+            </a:solidFill>
+          </a:ln>
+        </p:spPr>
+        <p:style>
+          <a:lnRef idx="1">
+            <a:schemeClr val="accent1"/>
+          </a:lnRef>
+          <a:fillRef idx="0">
+            <a:schemeClr val="accent1"/>
+          </a:fillRef>
+          <a:effectRef idx="0">
+            <a:schemeClr val="accent1"/>
+          </a:effectRef>
+          <a:fontRef idx="minor">
+            <a:schemeClr val="tx1"/>
+          </a:fontRef>
+        </p:style>
+      </p:cxnSp>
+      <p:sp>
+        <p:nvSpPr>
+          <p:cNvPr id="9" name="TextBox 8">
+            <a:extLst>
+              <a:ext uri="{FF2B5EF4-FFF2-40B4-BE49-F238E27FC236}">
+                <a16:creationId xmlns:a16="http://schemas.microsoft.com/office/drawing/2014/main" id="{0D9F02F6-35F7-46F5-8FFE-FBAD20732CDC}"/>
+              </a:ext>
+            </a:extLst>
+          </p:cNvPr>
+          <p:cNvSpPr txBox="1"/>
+          <p:nvPr/>
+        </p:nvSpPr>
+        <p:spPr>
+          <a:xfrm>
+            <a:off x="301812" y="1347761"/>
+            <a:ext cx="7700955" cy="461665"/>
+          </a:xfrm>
+          <a:prstGeom prst="rect">
+            <a:avLst/>
+          </a:prstGeom>
+          <a:noFill/>
+        </p:spPr>
+        <p:txBody>
+          <a:bodyPr wrap="square" rtlCol="0">
+            <a:spAutoFit/>
+          </a:bodyPr>
+          <a:lstStyle/>
+          <a:p>
+            <a:pPr marL="457200" indent="-457200">
+              <a:buFont typeface="Arial" panose="020B0604020202020204" pitchFamily="34" charset="0"/>
+              <a:buChar char="•"/>
+            </a:pPr>
+            <a:r>
+              <a:rPr lang="ko-KR" altLang="en-US" sz="2400" b="1">
+                <a:effectLst>
+                  <a:outerShdw blurRad="38100" dist="38100" dir="2700000" algn="tl">
+                    <a:srgbClr val="000000">
+                      <a:alpha val="43137"/>
+                    </a:srgbClr>
+                  </a:outerShdw>
+                </a:effectLst>
+              </a:rPr>
+              <a:t>파일출력</a:t>
+            </a:r>
+            <a:endParaRPr lang="en-US" altLang="ko-KR" sz="2400" b="1">
+              <a:effectLst>
+                <a:outerShdw blurRad="38100" dist="38100" dir="2700000" algn="tl">
+                  <a:srgbClr val="000000">
+                    <a:alpha val="43137"/>
+                  </a:srgbClr>
+                </a:outerShdw>
+              </a:effectLst>
+            </a:endParaRPr>
+          </a:p>
+        </p:txBody>
+      </p:sp>
+      <p:sp>
+        <p:nvSpPr>
+          <p:cNvPr id="10" name="TextBox 9">
+            <a:extLst>
+              <a:ext uri="{FF2B5EF4-FFF2-40B4-BE49-F238E27FC236}">
+                <a16:creationId xmlns:a16="http://schemas.microsoft.com/office/drawing/2014/main" id="{A29EA04F-7B1B-49BC-ACB8-3B4FF42C8C33}"/>
+              </a:ext>
+            </a:extLst>
+          </p:cNvPr>
+          <p:cNvSpPr txBox="1"/>
+          <p:nvPr/>
+        </p:nvSpPr>
+        <p:spPr>
+          <a:xfrm>
+            <a:off x="730922" y="1940471"/>
+            <a:ext cx="9300584" cy="461665"/>
+          </a:xfrm>
+          <a:prstGeom prst="rect">
+            <a:avLst/>
+          </a:prstGeom>
+          <a:noFill/>
+        </p:spPr>
+        <p:txBody>
+          <a:bodyPr wrap="square" rtlCol="0">
+            <a:spAutoFit/>
+          </a:bodyPr>
+          <a:lstStyle/>
+          <a:p>
+            <a:r>
+              <a:rPr lang="en-US" altLang="ko-KR" sz="2400">
+                <a:effectLst>
+                  <a:outerShdw blurRad="38100" dist="38100" dir="2700000" algn="tl">
+                    <a:srgbClr val="000000">
+                      <a:alpha val="43137"/>
+                    </a:srgbClr>
+                  </a:outerShdw>
+                </a:effectLst>
+              </a:rPr>
+              <a:t>hello.txt </a:t>
+            </a:r>
+            <a:r>
+              <a:rPr lang="ko-KR" altLang="en-US" sz="2400">
+                <a:effectLst>
+                  <a:outerShdw blurRad="38100" dist="38100" dir="2700000" algn="tl">
+                    <a:srgbClr val="000000">
+                      <a:alpha val="43137"/>
+                    </a:srgbClr>
+                  </a:outerShdw>
+                </a:effectLst>
+              </a:rPr>
+              <a:t>파일을 만들어서 </a:t>
+            </a:r>
+            <a:r>
+              <a:rPr lang="en-US" altLang="ko-KR" sz="2400">
+                <a:effectLst>
+                  <a:outerShdw blurRad="38100" dist="38100" dir="2700000" algn="tl">
+                    <a:srgbClr val="000000">
+                      <a:alpha val="43137"/>
+                    </a:srgbClr>
+                  </a:outerShdw>
+                </a:effectLst>
+              </a:rPr>
+              <a:t>hello world! </a:t>
+            </a:r>
+            <a:r>
+              <a:rPr lang="ko-KR" altLang="en-US" sz="2400">
+                <a:effectLst>
+                  <a:outerShdw blurRad="38100" dist="38100" dir="2700000" algn="tl">
+                    <a:srgbClr val="000000">
+                      <a:alpha val="43137"/>
+                    </a:srgbClr>
+                  </a:outerShdw>
+                </a:effectLst>
+              </a:rPr>
+              <a:t>출력하기</a:t>
+            </a:r>
+            <a:endParaRPr lang="en-US" altLang="ko-KR" sz="2400">
+              <a:effectLst>
+                <a:outerShdw blurRad="38100" dist="38100" dir="2700000" algn="tl">
+                  <a:srgbClr val="000000">
+                    <a:alpha val="43137"/>
+                  </a:srgbClr>
+                </a:outerShdw>
+              </a:effectLst>
+            </a:endParaRPr>
+          </a:p>
+        </p:txBody>
+      </p:sp>
+      <p:sp>
+        <p:nvSpPr>
+          <p:cNvPr id="18" name="TextBox 17">
+            <a:extLst>
+              <a:ext uri="{FF2B5EF4-FFF2-40B4-BE49-F238E27FC236}">
+                <a16:creationId xmlns:a16="http://schemas.microsoft.com/office/drawing/2014/main" id="{727189BF-5439-4245-88FE-AB193C84419D}"/>
+              </a:ext>
+            </a:extLst>
+          </p:cNvPr>
+          <p:cNvSpPr txBox="1"/>
+          <p:nvPr/>
+        </p:nvSpPr>
+        <p:spPr>
+          <a:xfrm>
+            <a:off x="730922" y="2505134"/>
+            <a:ext cx="8554720" cy="4154984"/>
+          </a:xfrm>
+          <a:prstGeom prst="rect">
+            <a:avLst/>
+          </a:prstGeom>
+          <a:noFill/>
+          <a:ln>
+            <a:solidFill>
+              <a:schemeClr val="tx1"/>
+            </a:solidFill>
+          </a:ln>
+        </p:spPr>
+        <p:txBody>
+          <a:bodyPr wrap="square" rtlCol="0">
+            <a:spAutoFit/>
+          </a:bodyPr>
+          <a:lstStyle/>
+          <a:p>
+            <a:r>
+              <a:rPr lang="en-US" altLang="ko-KR" sz="2400">
+                <a:effectLst>
+                  <a:outerShdw blurRad="38100" dist="38100" dir="2700000" algn="tl">
+                    <a:srgbClr val="000000">
+                      <a:alpha val="43137"/>
+                    </a:srgbClr>
+                  </a:outerShdw>
+                </a:effectLst>
+              </a:rPr>
+              <a:t>#include &lt;stdio.h&gt;</a:t>
+            </a:r>
+          </a:p>
+          <a:p>
+            <a:endParaRPr lang="en-US" altLang="ko-KR" sz="2400">
+              <a:effectLst>
+                <a:outerShdw blurRad="38100" dist="38100" dir="2700000" algn="tl">
+                  <a:srgbClr val="000000">
+                    <a:alpha val="43137"/>
+                  </a:srgbClr>
+                </a:outerShdw>
+              </a:effectLst>
+            </a:endParaRPr>
+          </a:p>
+          <a:p>
+            <a:r>
+              <a:rPr lang="en-US" altLang="ko-KR" sz="2400">
+                <a:effectLst>
+                  <a:outerShdw blurRad="38100" dist="38100" dir="2700000" algn="tl">
+                    <a:srgbClr val="000000">
+                      <a:alpha val="43137"/>
+                    </a:srgbClr>
+                  </a:outerShdw>
+                </a:effectLst>
+              </a:rPr>
+              <a:t>int main() {</a:t>
+            </a:r>
+          </a:p>
+          <a:p>
+            <a:r>
+              <a:rPr lang="en-US" altLang="ko-KR" sz="2400">
+                <a:effectLst>
+                  <a:outerShdw blurRad="38100" dist="38100" dir="2700000" algn="tl">
+                    <a:srgbClr val="000000">
+                      <a:alpha val="43137"/>
+                    </a:srgbClr>
+                  </a:outerShdw>
+                </a:effectLst>
+              </a:rPr>
+              <a:t>	FILE* fp;</a:t>
+            </a:r>
+          </a:p>
+          <a:p>
+            <a:r>
+              <a:rPr lang="en-US" altLang="ko-KR" sz="2400">
+                <a:effectLst>
+                  <a:outerShdw blurRad="38100" dist="38100" dir="2700000" algn="tl">
+                    <a:srgbClr val="000000">
+                      <a:alpha val="43137"/>
+                    </a:srgbClr>
+                  </a:outerShdw>
+                </a:effectLst>
+              </a:rPr>
+              <a:t>	fp = fopen("hello.txt", "w");</a:t>
+            </a:r>
+          </a:p>
+          <a:p>
+            <a:r>
+              <a:rPr lang="en-US" altLang="ko-KR" sz="2400">
+                <a:effectLst>
+                  <a:outerShdw blurRad="38100" dist="38100" dir="2700000" algn="tl">
+                    <a:srgbClr val="000000">
+                      <a:alpha val="43137"/>
+                    </a:srgbClr>
+                  </a:outerShdw>
+                </a:effectLst>
+              </a:rPr>
+              <a:t>	fprintf(fp, "hello world!\n");</a:t>
+            </a:r>
+          </a:p>
+          <a:p>
+            <a:r>
+              <a:rPr lang="en-US" altLang="ko-KR" sz="2400">
+                <a:effectLst>
+                  <a:outerShdw blurRad="38100" dist="38100" dir="2700000" algn="tl">
+                    <a:srgbClr val="000000">
+                      <a:alpha val="43137"/>
+                    </a:srgbClr>
+                  </a:outerShdw>
+                </a:effectLst>
+              </a:rPr>
+              <a:t>	printf("</a:t>
+            </a:r>
+            <a:r>
+              <a:rPr lang="ko-KR" altLang="en-US" sz="2400">
+                <a:effectLst>
+                  <a:outerShdw blurRad="38100" dist="38100" dir="2700000" algn="tl">
+                    <a:srgbClr val="000000">
+                      <a:alpha val="43137"/>
+                    </a:srgbClr>
+                  </a:outerShdw>
+                </a:effectLst>
+              </a:rPr>
+              <a:t>파일 입력 완료</a:t>
+            </a:r>
+            <a:r>
+              <a:rPr lang="en-US" altLang="ko-KR" sz="2400">
+                <a:effectLst>
+                  <a:outerShdw blurRad="38100" dist="38100" dir="2700000" algn="tl">
+                    <a:srgbClr val="000000">
+                      <a:alpha val="43137"/>
+                    </a:srgbClr>
+                  </a:outerShdw>
+                </a:effectLst>
+              </a:rPr>
+              <a:t>");</a:t>
+            </a:r>
+          </a:p>
+          <a:p>
+            <a:r>
+              <a:rPr lang="en-US" altLang="ko-KR" sz="2400">
+                <a:effectLst>
+                  <a:outerShdw blurRad="38100" dist="38100" dir="2700000" algn="tl">
+                    <a:srgbClr val="000000">
+                      <a:alpha val="43137"/>
+                    </a:srgbClr>
+                  </a:outerShdw>
+                </a:effectLst>
+              </a:rPr>
+              <a:t>	fclose(fp);</a:t>
+            </a:r>
+          </a:p>
+          <a:p>
+            <a:endParaRPr lang="en-US" altLang="ko-KR" sz="2400">
+              <a:effectLst>
+                <a:outerShdw blurRad="38100" dist="38100" dir="2700000" algn="tl">
+                  <a:srgbClr val="000000">
+                    <a:alpha val="43137"/>
+                  </a:srgbClr>
+                </a:outerShdw>
+              </a:effectLst>
+            </a:endParaRPr>
+          </a:p>
+          <a:p>
+            <a:r>
+              <a:rPr lang="en-US" altLang="ko-KR" sz="2400">
+                <a:effectLst>
+                  <a:outerShdw blurRad="38100" dist="38100" dir="2700000" algn="tl">
+                    <a:srgbClr val="000000">
+                      <a:alpha val="43137"/>
+                    </a:srgbClr>
+                  </a:outerShdw>
+                </a:effectLst>
+              </a:rPr>
+              <a:t>	return 0;</a:t>
+            </a:r>
+          </a:p>
+          <a:p>
+            <a:r>
+              <a:rPr lang="en-US" altLang="ko-KR" sz="2400">
+                <a:effectLst>
+                  <a:outerShdw blurRad="38100" dist="38100" dir="2700000" algn="tl">
+                    <a:srgbClr val="000000">
+                      <a:alpha val="43137"/>
+                    </a:srgbClr>
+                  </a:outerShdw>
+                </a:effectLst>
+              </a:rPr>
+              <a:t>}</a:t>
+            </a:r>
+          </a:p>
+        </p:txBody>
+      </p:sp>
+      <p:sp>
+        <p:nvSpPr>
+          <p:cNvPr id="12" name="TextBox 11">
+            <a:extLst>
+              <a:ext uri="{FF2B5EF4-FFF2-40B4-BE49-F238E27FC236}">
+                <a16:creationId xmlns:a16="http://schemas.microsoft.com/office/drawing/2014/main" id="{AC4FBB97-A98E-47D4-A80F-0D0D18566FAC}"/>
+              </a:ext>
+            </a:extLst>
+          </p:cNvPr>
+          <p:cNvSpPr txBox="1"/>
+          <p:nvPr/>
+        </p:nvSpPr>
+        <p:spPr>
+          <a:xfrm>
+            <a:off x="2966719" y="3590541"/>
+            <a:ext cx="7497483" cy="369332"/>
+          </a:xfrm>
+          <a:prstGeom prst="rect">
+            <a:avLst/>
+          </a:prstGeom>
+          <a:noFill/>
+        </p:spPr>
+        <p:txBody>
+          <a:bodyPr wrap="square" rtlCol="0">
+            <a:spAutoFit/>
+          </a:bodyPr>
+          <a:lstStyle/>
+          <a:p>
+            <a:r>
+              <a:rPr lang="ko-KR" altLang="en-US">
+                <a:solidFill>
+                  <a:srgbClr val="0000FF"/>
+                </a:solidFill>
+                <a:effectLst>
+                  <a:outerShdw blurRad="38100" dist="38100" dir="2700000" algn="tl">
+                    <a:srgbClr val="000000">
+                      <a:alpha val="43137"/>
+                    </a:srgbClr>
+                  </a:outerShdw>
+                </a:effectLst>
+              </a:rPr>
+              <a:t>파일포인터 생성</a:t>
+            </a:r>
+            <a:endParaRPr lang="en-US" altLang="ko-KR">
+              <a:solidFill>
+                <a:srgbClr val="0000FF"/>
+              </a:solidFill>
+              <a:effectLst>
+                <a:outerShdw blurRad="38100" dist="38100" dir="2700000" algn="tl">
+                  <a:srgbClr val="000000">
+                    <a:alpha val="43137"/>
+                  </a:srgbClr>
+                </a:outerShdw>
+              </a:effectLst>
+            </a:endParaRPr>
+          </a:p>
+        </p:txBody>
+      </p:sp>
+    </p:spTree>
+    <p:extLst>
+      <p:ext uri="{BB962C8B-B14F-4D97-AF65-F5344CB8AC3E}">
+        <p14:creationId xmlns:p14="http://schemas.microsoft.com/office/powerpoint/2010/main" val="1282187710"/>
+      </p:ext>
+    </p:extLst>
+  </p:cSld>
+  <p:clrMapOvr>
+    <a:masterClrMapping/>
+  </p:clrMapOvr>
+</p:sld>
+</file>
+
+<file path=ppt/slides/slide14.xml><?xml version="1.0" encoding="utf-8"?>
+<p:sld xmlns:a="http://schemas.openxmlformats.org/drawingml/2006/main" xmlns:r="http://schemas.openxmlformats.org/officeDocument/2006/relationships" xmlns:p="http://schemas.openxmlformats.org/presentationml/2006/main">
+  <p:cSld>
+    <p:spTree>
+      <p:nvGrpSpPr>
+        <p:cNvPr id="1" name=""/>
+        <p:cNvGrpSpPr/>
+        <p:nvPr/>
+      </p:nvGrpSpPr>
+      <p:grpSpPr>
+        <a:xfrm>
+          <a:off x="0" y="0"/>
+          <a:ext cx="0" cy="0"/>
+          <a:chOff x="0" y="0"/>
+          <a:chExt cx="0" cy="0"/>
+        </a:xfrm>
+      </p:grpSpPr>
+      <p:pic>
+        <p:nvPicPr>
+          <p:cNvPr id="6" name="그림 5" descr="화살이(가) 표시된 사진&#10;&#10;자동 생성된 설명">
+            <a:extLst>
+              <a:ext uri="{FF2B5EF4-FFF2-40B4-BE49-F238E27FC236}">
+                <a16:creationId xmlns:a16="http://schemas.microsoft.com/office/drawing/2014/main" id="{A56C6D43-05A3-4988-A7D7-3D59E2F65C17}"/>
+              </a:ext>
+            </a:extLst>
+          </p:cNvPr>
+          <p:cNvPicPr>
+            <a:picLocks noChangeAspect="1"/>
+          </p:cNvPicPr>
+          <p:nvPr/>
+        </p:nvPicPr>
+        <p:blipFill>
+          <a:blip r:embed="rId2">
+            <a:alphaModFix amt="5000"/>
+            <a:extLst>
+              <a:ext uri="{28A0092B-C50C-407E-A947-70E740481C1C}">
+                <a14:useLocalDpi xmlns:a14="http://schemas.microsoft.com/office/drawing/2010/main" val="0"/>
+              </a:ext>
+            </a:extLst>
+          </a:blip>
+          <a:stretch>
+            <a:fillRect/>
+          </a:stretch>
+        </p:blipFill>
+        <p:spPr>
+          <a:xfrm>
+            <a:off x="1209040" y="-1"/>
+            <a:ext cx="9875520" cy="6857429"/>
+          </a:xfrm>
+          <a:prstGeom prst="rect">
+            <a:avLst/>
+          </a:prstGeom>
+        </p:spPr>
+      </p:pic>
+      <p:sp>
+        <p:nvSpPr>
+          <p:cNvPr id="2" name="제목 1">
+            <a:extLst>
+              <a:ext uri="{FF2B5EF4-FFF2-40B4-BE49-F238E27FC236}">
+                <a16:creationId xmlns:a16="http://schemas.microsoft.com/office/drawing/2014/main" id="{B5F771FA-F15B-46C3-BA0D-4B28CB171312}"/>
+              </a:ext>
+            </a:extLst>
+          </p:cNvPr>
+          <p:cNvSpPr>
+            <a:spLocks noGrp="1"/>
+          </p:cNvSpPr>
+          <p:nvPr>
+            <p:ph type="ctrTitle"/>
+          </p:nvPr>
+        </p:nvSpPr>
+        <p:spPr>
+          <a:xfrm>
+            <a:off x="301812" y="210670"/>
+            <a:ext cx="11689976" cy="851648"/>
+          </a:xfrm>
+        </p:spPr>
+        <p:txBody>
+          <a:bodyPr>
+            <a:normAutofit fontScale="90000"/>
+          </a:bodyPr>
+          <a:lstStyle/>
+          <a:p>
+            <a:pPr algn="l"/>
+            <a:r>
+              <a:rPr lang="ko-KR" altLang="en-US" b="1">
+                <a:effectLst>
+                  <a:outerShdw blurRad="38100" dist="38100" dir="2700000" algn="tl">
+                    <a:srgbClr val="000000">
+                      <a:alpha val="43137"/>
+                    </a:srgbClr>
+                  </a:outerShdw>
+                </a:effectLst>
+              </a:rPr>
+              <a:t>파일입출력</a:t>
+            </a:r>
+          </a:p>
+        </p:txBody>
+      </p:sp>
+      <p:sp>
+        <p:nvSpPr>
+          <p:cNvPr id="4" name="이등변 삼각형 3">
+            <a:extLst>
+              <a:ext uri="{FF2B5EF4-FFF2-40B4-BE49-F238E27FC236}">
+                <a16:creationId xmlns:a16="http://schemas.microsoft.com/office/drawing/2014/main" id="{D82EB4D7-301B-4780-87C6-7D1E66BD5181}"/>
+              </a:ext>
+            </a:extLst>
+          </p:cNvPr>
+          <p:cNvSpPr/>
+          <p:nvPr/>
+        </p:nvSpPr>
+        <p:spPr>
+          <a:xfrm rot="10800000">
+            <a:off x="11204089" y="-1"/>
+            <a:ext cx="987911" cy="851647"/>
+          </a:xfrm>
+          <a:prstGeom prst="triangle">
+            <a:avLst>
+              <a:gd name="adj" fmla="val 0"/>
+            </a:avLst>
+          </a:prstGeom>
+          <a:solidFill>
+            <a:schemeClr val="tx1"/>
+          </a:solidFill>
+          <a:ln>
+            <a:solidFill>
+              <a:schemeClr val="tx1"/>
+            </a:solidFill>
+          </a:ln>
+        </p:spPr>
+        <p:style>
+          <a:lnRef idx="2">
+            <a:schemeClr val="accent1">
+              <a:shade val="50000"/>
+            </a:schemeClr>
+          </a:lnRef>
+          <a:fillRef idx="1">
+            <a:schemeClr val="accent1"/>
+          </a:fillRef>
+          <a:effectRef idx="0">
+            <a:schemeClr val="accent1"/>
+          </a:effectRef>
+          <a:fontRef idx="minor">
+            <a:schemeClr val="lt1"/>
+          </a:fontRef>
+        </p:style>
+        <p:txBody>
+          <a:bodyPr rtlCol="0" anchor="ctr"/>
+          <a:lstStyle/>
+          <a:p>
+            <a:pPr algn="ctr"/>
+            <a:endParaRPr lang="ko-KR" altLang="en-US"/>
+          </a:p>
+        </p:txBody>
+      </p:sp>
+      <p:cxnSp>
+        <p:nvCxnSpPr>
+          <p:cNvPr id="7" name="직선 연결선 6">
+            <a:extLst>
+              <a:ext uri="{FF2B5EF4-FFF2-40B4-BE49-F238E27FC236}">
+                <a16:creationId xmlns:a16="http://schemas.microsoft.com/office/drawing/2014/main" id="{2585E046-0EB0-4A38-9487-0FDCAD563659}"/>
+              </a:ext>
+            </a:extLst>
+          </p:cNvPr>
+          <p:cNvCxnSpPr/>
+          <p:nvPr/>
+        </p:nvCxnSpPr>
+        <p:spPr>
+          <a:xfrm>
+            <a:off x="30480" y="1143598"/>
+            <a:ext cx="2357120" cy="0"/>
+          </a:xfrm>
+          <a:prstGeom prst="line">
+            <a:avLst/>
+          </a:prstGeom>
+          <a:ln w="63500">
+            <a:solidFill>
+              <a:schemeClr val="tx1"/>
+            </a:solidFill>
+          </a:ln>
+        </p:spPr>
+        <p:style>
+          <a:lnRef idx="1">
+            <a:schemeClr val="accent1"/>
+          </a:lnRef>
+          <a:fillRef idx="0">
+            <a:schemeClr val="accent1"/>
+          </a:fillRef>
+          <a:effectRef idx="0">
+            <a:schemeClr val="accent1"/>
+          </a:effectRef>
+          <a:fontRef idx="minor">
+            <a:schemeClr val="tx1"/>
+          </a:fontRef>
+        </p:style>
+      </p:cxnSp>
+      <p:sp>
+        <p:nvSpPr>
+          <p:cNvPr id="9" name="TextBox 8">
+            <a:extLst>
+              <a:ext uri="{FF2B5EF4-FFF2-40B4-BE49-F238E27FC236}">
+                <a16:creationId xmlns:a16="http://schemas.microsoft.com/office/drawing/2014/main" id="{0D9F02F6-35F7-46F5-8FFE-FBAD20732CDC}"/>
+              </a:ext>
+            </a:extLst>
+          </p:cNvPr>
+          <p:cNvSpPr txBox="1"/>
+          <p:nvPr/>
+        </p:nvSpPr>
+        <p:spPr>
+          <a:xfrm>
+            <a:off x="301812" y="1347761"/>
+            <a:ext cx="7700955" cy="461665"/>
+          </a:xfrm>
+          <a:prstGeom prst="rect">
+            <a:avLst/>
+          </a:prstGeom>
+          <a:noFill/>
+        </p:spPr>
+        <p:txBody>
+          <a:bodyPr wrap="square" rtlCol="0">
+            <a:spAutoFit/>
+          </a:bodyPr>
+          <a:lstStyle/>
+          <a:p>
+            <a:pPr marL="457200" indent="-457200">
+              <a:buFont typeface="Arial" panose="020B0604020202020204" pitchFamily="34" charset="0"/>
+              <a:buChar char="•"/>
+            </a:pPr>
+            <a:r>
+              <a:rPr lang="ko-KR" altLang="en-US" sz="2400" b="1">
+                <a:effectLst>
+                  <a:outerShdw blurRad="38100" dist="38100" dir="2700000" algn="tl">
+                    <a:srgbClr val="000000">
+                      <a:alpha val="43137"/>
+                    </a:srgbClr>
+                  </a:outerShdw>
+                </a:effectLst>
+              </a:rPr>
+              <a:t>파일출력</a:t>
+            </a:r>
+            <a:endParaRPr lang="en-US" altLang="ko-KR" sz="2400" b="1">
+              <a:effectLst>
+                <a:outerShdw blurRad="38100" dist="38100" dir="2700000" algn="tl">
+                  <a:srgbClr val="000000">
+                    <a:alpha val="43137"/>
+                  </a:srgbClr>
+                </a:outerShdw>
+              </a:effectLst>
+            </a:endParaRPr>
+          </a:p>
+        </p:txBody>
+      </p:sp>
+      <p:pic>
+        <p:nvPicPr>
+          <p:cNvPr id="3" name="그림 2">
+            <a:extLst>
+              <a:ext uri="{FF2B5EF4-FFF2-40B4-BE49-F238E27FC236}">
+                <a16:creationId xmlns:a16="http://schemas.microsoft.com/office/drawing/2014/main" id="{321F9CEF-0E80-49E8-A3F4-025A54491890}"/>
+              </a:ext>
+            </a:extLst>
+          </p:cNvPr>
+          <p:cNvPicPr>
+            <a:picLocks noChangeAspect="1"/>
+          </p:cNvPicPr>
+          <p:nvPr/>
+        </p:nvPicPr>
+        <p:blipFill>
+          <a:blip r:embed="rId3"/>
+          <a:stretch>
+            <a:fillRect/>
+          </a:stretch>
+        </p:blipFill>
+        <p:spPr>
+          <a:xfrm>
+            <a:off x="846884" y="1846730"/>
+            <a:ext cx="7934325" cy="4800600"/>
+          </a:xfrm>
+          <a:prstGeom prst="rect">
+            <a:avLst/>
+          </a:prstGeom>
+        </p:spPr>
+      </p:pic>
+      <p:sp>
+        <p:nvSpPr>
+          <p:cNvPr id="11" name="TextBox 10">
+            <a:extLst>
+              <a:ext uri="{FF2B5EF4-FFF2-40B4-BE49-F238E27FC236}">
+                <a16:creationId xmlns:a16="http://schemas.microsoft.com/office/drawing/2014/main" id="{1C420667-0FA1-4D58-80A5-BC0FB6A2236F}"/>
+              </a:ext>
+            </a:extLst>
+          </p:cNvPr>
+          <p:cNvSpPr txBox="1"/>
+          <p:nvPr/>
+        </p:nvSpPr>
+        <p:spPr>
+          <a:xfrm>
+            <a:off x="7260784" y="3775207"/>
+            <a:ext cx="4855305" cy="369332"/>
+          </a:xfrm>
+          <a:prstGeom prst="rect">
+            <a:avLst/>
+          </a:prstGeom>
+          <a:noFill/>
+        </p:spPr>
+        <p:txBody>
+          <a:bodyPr wrap="square" rtlCol="0">
+            <a:spAutoFit/>
+          </a:bodyPr>
+          <a:lstStyle/>
+          <a:p>
+            <a:r>
+              <a:rPr lang="en-US" altLang="ko-KR">
+                <a:solidFill>
+                  <a:srgbClr val="0000FF"/>
+                </a:solidFill>
+                <a:effectLst>
+                  <a:outerShdw blurRad="38100" dist="38100" dir="2700000" algn="tl">
+                    <a:srgbClr val="000000">
+                      <a:alpha val="43137"/>
+                    </a:srgbClr>
+                  </a:outerShdw>
+                </a:effectLst>
+              </a:rPr>
+              <a:t>hello.txt </a:t>
+            </a:r>
+            <a:r>
+              <a:rPr lang="ko-KR" altLang="en-US">
+                <a:solidFill>
+                  <a:srgbClr val="0000FF"/>
+                </a:solidFill>
+                <a:effectLst>
+                  <a:outerShdw blurRad="38100" dist="38100" dir="2700000" algn="tl">
+                    <a:srgbClr val="000000">
+                      <a:alpha val="43137"/>
+                    </a:srgbClr>
+                  </a:outerShdw>
+                </a:effectLst>
+              </a:rPr>
+              <a:t>파일이 프로젝트 폴더에 생성됨</a:t>
+            </a:r>
+            <a:endParaRPr lang="en-US" altLang="ko-KR">
+              <a:solidFill>
+                <a:srgbClr val="0000FF"/>
+              </a:solidFill>
+              <a:effectLst>
+                <a:outerShdw blurRad="38100" dist="38100" dir="2700000" algn="tl">
+                  <a:srgbClr val="000000">
+                    <a:alpha val="43137"/>
+                  </a:srgbClr>
+                </a:outerShdw>
+              </a:effectLst>
+            </a:endParaRPr>
+          </a:p>
+        </p:txBody>
+      </p:sp>
+      <p:sp>
+        <p:nvSpPr>
+          <p:cNvPr id="5" name="직사각형 4">
+            <a:extLst>
+              <a:ext uri="{FF2B5EF4-FFF2-40B4-BE49-F238E27FC236}">
+                <a16:creationId xmlns:a16="http://schemas.microsoft.com/office/drawing/2014/main" id="{E2B50BF1-1064-471C-83AE-3B0EEEFD92BB}"/>
+              </a:ext>
+            </a:extLst>
+          </p:cNvPr>
+          <p:cNvSpPr/>
+          <p:nvPr/>
+        </p:nvSpPr>
+        <p:spPr>
+          <a:xfrm>
+            <a:off x="1026177" y="3182470"/>
+            <a:ext cx="7185493" cy="318247"/>
+          </a:xfrm>
+          <a:prstGeom prst="rect">
+            <a:avLst/>
+          </a:prstGeom>
+          <a:noFill/>
+          <a:ln>
+            <a:solidFill>
+              <a:srgbClr val="FF0000"/>
+            </a:solidFill>
+          </a:ln>
+        </p:spPr>
+        <p:style>
+          <a:lnRef idx="2">
+            <a:schemeClr val="accent1">
+              <a:shade val="50000"/>
+            </a:schemeClr>
+          </a:lnRef>
+          <a:fillRef idx="1">
+            <a:schemeClr val="accent1"/>
+          </a:fillRef>
+          <a:effectRef idx="0">
+            <a:schemeClr val="accent1"/>
+          </a:effectRef>
+          <a:fontRef idx="minor">
+            <a:schemeClr val="lt1"/>
+          </a:fontRef>
+        </p:style>
+        <p:txBody>
+          <a:bodyPr rtlCol="0" anchor="ctr"/>
+          <a:lstStyle/>
+          <a:p>
+            <a:pPr algn="ctr"/>
+            <a:endParaRPr lang="ko-KR" altLang="en-US"/>
+          </a:p>
+        </p:txBody>
+      </p:sp>
+    </p:spTree>
+    <p:extLst>
+      <p:ext uri="{BB962C8B-B14F-4D97-AF65-F5344CB8AC3E}">
+        <p14:creationId xmlns:p14="http://schemas.microsoft.com/office/powerpoint/2010/main" val="790936824"/>
+      </p:ext>
+    </p:extLst>
+  </p:cSld>
+  <p:clrMapOvr>
+    <a:masterClrMapping/>
+  </p:clrMapOvr>
+</p:sld>
+</file>
+
+<file path=ppt/slides/slide15.xml><?xml version="1.0" encoding="utf-8"?>
+<p:sld xmlns:a="http://schemas.openxmlformats.org/drawingml/2006/main" xmlns:r="http://schemas.openxmlformats.org/officeDocument/2006/relationships" xmlns:p="http://schemas.openxmlformats.org/presentationml/2006/main">
+  <p:cSld>
+    <p:spTree>
+      <p:nvGrpSpPr>
+        <p:cNvPr id="1" name=""/>
+        <p:cNvGrpSpPr/>
+        <p:nvPr/>
+      </p:nvGrpSpPr>
+      <p:grpSpPr>
+        <a:xfrm>
+          <a:off x="0" y="0"/>
+          <a:ext cx="0" cy="0"/>
+          <a:chOff x="0" y="0"/>
+          <a:chExt cx="0" cy="0"/>
+        </a:xfrm>
+      </p:grpSpPr>
+      <p:pic>
+        <p:nvPicPr>
+          <p:cNvPr id="6" name="그림 5" descr="화살이(가) 표시된 사진&#10;&#10;자동 생성된 설명">
+            <a:extLst>
+              <a:ext uri="{FF2B5EF4-FFF2-40B4-BE49-F238E27FC236}">
+                <a16:creationId xmlns:a16="http://schemas.microsoft.com/office/drawing/2014/main" id="{A56C6D43-05A3-4988-A7D7-3D59E2F65C17}"/>
+              </a:ext>
+            </a:extLst>
+          </p:cNvPr>
+          <p:cNvPicPr>
+            <a:picLocks noChangeAspect="1"/>
+          </p:cNvPicPr>
+          <p:nvPr/>
+        </p:nvPicPr>
+        <p:blipFill>
+          <a:blip r:embed="rId2">
+            <a:alphaModFix amt="5000"/>
+            <a:extLst>
+              <a:ext uri="{28A0092B-C50C-407E-A947-70E740481C1C}">
+                <a14:useLocalDpi xmlns:a14="http://schemas.microsoft.com/office/drawing/2010/main" val="0"/>
+              </a:ext>
+            </a:extLst>
+          </a:blip>
+          <a:stretch>
+            <a:fillRect/>
+          </a:stretch>
+        </p:blipFill>
+        <p:spPr>
+          <a:xfrm>
+            <a:off x="1209040" y="-1"/>
+            <a:ext cx="9875520" cy="6857429"/>
+          </a:xfrm>
+          <a:prstGeom prst="rect">
+            <a:avLst/>
+          </a:prstGeom>
+        </p:spPr>
+      </p:pic>
+      <p:sp>
+        <p:nvSpPr>
+          <p:cNvPr id="2" name="제목 1">
+            <a:extLst>
+              <a:ext uri="{FF2B5EF4-FFF2-40B4-BE49-F238E27FC236}">
+                <a16:creationId xmlns:a16="http://schemas.microsoft.com/office/drawing/2014/main" id="{B5F771FA-F15B-46C3-BA0D-4B28CB171312}"/>
+              </a:ext>
+            </a:extLst>
+          </p:cNvPr>
+          <p:cNvSpPr>
+            <a:spLocks noGrp="1"/>
+          </p:cNvSpPr>
+          <p:nvPr>
+            <p:ph type="ctrTitle"/>
+          </p:nvPr>
+        </p:nvSpPr>
+        <p:spPr>
+          <a:xfrm>
+            <a:off x="301812" y="210670"/>
+            <a:ext cx="11689976" cy="851648"/>
+          </a:xfrm>
+        </p:spPr>
+        <p:txBody>
+          <a:bodyPr>
+            <a:normAutofit fontScale="90000"/>
+          </a:bodyPr>
+          <a:lstStyle/>
+          <a:p>
+            <a:pPr algn="l"/>
+            <a:r>
+              <a:rPr lang="ko-KR" altLang="en-US" b="1">
+                <a:effectLst>
+                  <a:outerShdw blurRad="38100" dist="38100" dir="2700000" algn="tl">
+                    <a:srgbClr val="000000">
+                      <a:alpha val="43137"/>
+                    </a:srgbClr>
+                  </a:outerShdw>
+                </a:effectLst>
+              </a:rPr>
+              <a:t>파일입출력</a:t>
+            </a:r>
+          </a:p>
+        </p:txBody>
+      </p:sp>
+      <p:sp>
+        <p:nvSpPr>
+          <p:cNvPr id="4" name="이등변 삼각형 3">
+            <a:extLst>
+              <a:ext uri="{FF2B5EF4-FFF2-40B4-BE49-F238E27FC236}">
+                <a16:creationId xmlns:a16="http://schemas.microsoft.com/office/drawing/2014/main" id="{D82EB4D7-301B-4780-87C6-7D1E66BD5181}"/>
+              </a:ext>
+            </a:extLst>
+          </p:cNvPr>
+          <p:cNvSpPr/>
+          <p:nvPr/>
+        </p:nvSpPr>
+        <p:spPr>
+          <a:xfrm rot="10800000">
+            <a:off x="11204089" y="-1"/>
+            <a:ext cx="987911" cy="851647"/>
+          </a:xfrm>
+          <a:prstGeom prst="triangle">
+            <a:avLst>
+              <a:gd name="adj" fmla="val 0"/>
+            </a:avLst>
+          </a:prstGeom>
+          <a:solidFill>
+            <a:schemeClr val="tx1"/>
+          </a:solidFill>
+          <a:ln>
+            <a:solidFill>
+              <a:schemeClr val="tx1"/>
+            </a:solidFill>
+          </a:ln>
+        </p:spPr>
+        <p:style>
+          <a:lnRef idx="2">
+            <a:schemeClr val="accent1">
+              <a:shade val="50000"/>
+            </a:schemeClr>
+          </a:lnRef>
+          <a:fillRef idx="1">
+            <a:schemeClr val="accent1"/>
+          </a:fillRef>
+          <a:effectRef idx="0">
+            <a:schemeClr val="accent1"/>
+          </a:effectRef>
+          <a:fontRef idx="minor">
+            <a:schemeClr val="lt1"/>
+          </a:fontRef>
+        </p:style>
+        <p:txBody>
+          <a:bodyPr rtlCol="0" anchor="ctr"/>
+          <a:lstStyle/>
+          <a:p>
+            <a:pPr algn="ctr"/>
+            <a:endParaRPr lang="ko-KR" altLang="en-US"/>
+          </a:p>
+        </p:txBody>
+      </p:sp>
+      <p:cxnSp>
+        <p:nvCxnSpPr>
+          <p:cNvPr id="7" name="직선 연결선 6">
+            <a:extLst>
+              <a:ext uri="{FF2B5EF4-FFF2-40B4-BE49-F238E27FC236}">
+                <a16:creationId xmlns:a16="http://schemas.microsoft.com/office/drawing/2014/main" id="{2585E046-0EB0-4A38-9487-0FDCAD563659}"/>
+              </a:ext>
+            </a:extLst>
+          </p:cNvPr>
+          <p:cNvCxnSpPr/>
+          <p:nvPr/>
+        </p:nvCxnSpPr>
+        <p:spPr>
+          <a:xfrm>
+            <a:off x="30480" y="1143598"/>
+            <a:ext cx="2357120" cy="0"/>
+          </a:xfrm>
+          <a:prstGeom prst="line">
+            <a:avLst/>
+          </a:prstGeom>
+          <a:ln w="63500">
+            <a:solidFill>
+              <a:schemeClr val="tx1"/>
+            </a:solidFill>
+          </a:ln>
+        </p:spPr>
+        <p:style>
+          <a:lnRef idx="1">
+            <a:schemeClr val="accent1"/>
+          </a:lnRef>
+          <a:fillRef idx="0">
+            <a:schemeClr val="accent1"/>
+          </a:fillRef>
+          <a:effectRef idx="0">
+            <a:schemeClr val="accent1"/>
+          </a:effectRef>
+          <a:fontRef idx="minor">
+            <a:schemeClr val="tx1"/>
+          </a:fontRef>
+        </p:style>
+      </p:cxnSp>
+      <p:sp>
+        <p:nvSpPr>
+          <p:cNvPr id="9" name="TextBox 8">
+            <a:extLst>
+              <a:ext uri="{FF2B5EF4-FFF2-40B4-BE49-F238E27FC236}">
+                <a16:creationId xmlns:a16="http://schemas.microsoft.com/office/drawing/2014/main" id="{0D9F02F6-35F7-46F5-8FFE-FBAD20732CDC}"/>
+              </a:ext>
+            </a:extLst>
+          </p:cNvPr>
+          <p:cNvSpPr txBox="1"/>
+          <p:nvPr/>
+        </p:nvSpPr>
+        <p:spPr>
+          <a:xfrm>
+            <a:off x="301812" y="1347761"/>
+            <a:ext cx="7700955" cy="461665"/>
+          </a:xfrm>
+          <a:prstGeom prst="rect">
+            <a:avLst/>
+          </a:prstGeom>
+          <a:noFill/>
+        </p:spPr>
+        <p:txBody>
+          <a:bodyPr wrap="square" rtlCol="0">
+            <a:spAutoFit/>
+          </a:bodyPr>
+          <a:lstStyle/>
+          <a:p>
+            <a:pPr marL="457200" indent="-457200">
+              <a:buFont typeface="Arial" panose="020B0604020202020204" pitchFamily="34" charset="0"/>
+              <a:buChar char="•"/>
+            </a:pPr>
+            <a:r>
+              <a:rPr lang="ko-KR" altLang="en-US" sz="2400" b="1">
+                <a:effectLst>
+                  <a:outerShdw blurRad="38100" dist="38100" dir="2700000" algn="tl">
+                    <a:srgbClr val="000000">
+                      <a:alpha val="43137"/>
+                    </a:srgbClr>
+                  </a:outerShdw>
+                </a:effectLst>
+              </a:rPr>
+              <a:t>파일입력</a:t>
+            </a:r>
+            <a:endParaRPr lang="en-US" altLang="ko-KR" sz="2400" b="1">
+              <a:effectLst>
+                <a:outerShdw blurRad="38100" dist="38100" dir="2700000" algn="tl">
+                  <a:srgbClr val="000000">
+                    <a:alpha val="43137"/>
+                  </a:srgbClr>
+                </a:outerShdw>
+              </a:effectLst>
+            </a:endParaRPr>
+          </a:p>
+        </p:txBody>
+      </p:sp>
+      <p:sp>
+        <p:nvSpPr>
+          <p:cNvPr id="10" name="TextBox 9">
+            <a:extLst>
+              <a:ext uri="{FF2B5EF4-FFF2-40B4-BE49-F238E27FC236}">
+                <a16:creationId xmlns:a16="http://schemas.microsoft.com/office/drawing/2014/main" id="{A29EA04F-7B1B-49BC-ACB8-3B4FF42C8C33}"/>
+              </a:ext>
+            </a:extLst>
+          </p:cNvPr>
+          <p:cNvSpPr txBox="1"/>
+          <p:nvPr/>
+        </p:nvSpPr>
+        <p:spPr>
+          <a:xfrm>
+            <a:off x="730922" y="1940471"/>
+            <a:ext cx="9300584" cy="461665"/>
+          </a:xfrm>
+          <a:prstGeom prst="rect">
+            <a:avLst/>
+          </a:prstGeom>
+          <a:noFill/>
+        </p:spPr>
+        <p:txBody>
+          <a:bodyPr wrap="square" rtlCol="0">
+            <a:spAutoFit/>
+          </a:bodyPr>
+          <a:lstStyle/>
+          <a:p>
+            <a:r>
+              <a:rPr lang="en-US" altLang="ko-KR" sz="2400">
+                <a:effectLst>
+                  <a:outerShdw blurRad="38100" dist="38100" dir="2700000" algn="tl">
+                    <a:srgbClr val="000000">
+                      <a:alpha val="43137"/>
+                    </a:srgbClr>
+                  </a:outerShdw>
+                </a:effectLst>
+              </a:rPr>
+              <a:t>world.txt </a:t>
+            </a:r>
+            <a:r>
+              <a:rPr lang="ko-KR" altLang="en-US" sz="2400">
+                <a:effectLst>
+                  <a:outerShdw blurRad="38100" dist="38100" dir="2700000" algn="tl">
+                    <a:srgbClr val="000000">
+                      <a:alpha val="43137"/>
+                    </a:srgbClr>
+                  </a:outerShdw>
+                </a:effectLst>
+              </a:rPr>
+              <a:t>파일을 만든 후 내용을 입력받아서 표준출력하기</a:t>
+            </a:r>
+            <a:endParaRPr lang="en-US" altLang="ko-KR" sz="2400">
+              <a:effectLst>
+                <a:outerShdw blurRad="38100" dist="38100" dir="2700000" algn="tl">
+                  <a:srgbClr val="000000">
+                    <a:alpha val="43137"/>
+                  </a:srgbClr>
+                </a:outerShdw>
+              </a:effectLst>
+            </a:endParaRPr>
+          </a:p>
+        </p:txBody>
+      </p:sp>
+      <p:sp>
+        <p:nvSpPr>
+          <p:cNvPr id="18" name="TextBox 17">
+            <a:extLst>
+              <a:ext uri="{FF2B5EF4-FFF2-40B4-BE49-F238E27FC236}">
+                <a16:creationId xmlns:a16="http://schemas.microsoft.com/office/drawing/2014/main" id="{727189BF-5439-4245-88FE-AB193C84419D}"/>
+              </a:ext>
+            </a:extLst>
+          </p:cNvPr>
+          <p:cNvSpPr txBox="1"/>
+          <p:nvPr/>
+        </p:nvSpPr>
+        <p:spPr>
+          <a:xfrm>
+            <a:off x="730922" y="2388589"/>
+            <a:ext cx="8554720" cy="4278094"/>
+          </a:xfrm>
+          <a:prstGeom prst="rect">
+            <a:avLst/>
+          </a:prstGeom>
+          <a:noFill/>
+          <a:ln>
+            <a:solidFill>
+              <a:schemeClr val="tx1"/>
+            </a:solidFill>
+          </a:ln>
+        </p:spPr>
+        <p:txBody>
+          <a:bodyPr wrap="square" rtlCol="0">
+            <a:spAutoFit/>
+          </a:bodyPr>
+          <a:lstStyle/>
+          <a:p>
+            <a:r>
+              <a:rPr lang="en-US" altLang="ko-KR" sz="1600">
+                <a:effectLst>
+                  <a:outerShdw blurRad="38100" dist="38100" dir="2700000" algn="tl">
+                    <a:srgbClr val="000000">
+                      <a:alpha val="43137"/>
+                    </a:srgbClr>
+                  </a:outerShdw>
+                </a:effectLst>
+              </a:rPr>
+              <a:t>#include &lt;stdio.h&gt;</a:t>
+            </a:r>
+          </a:p>
+          <a:p>
+            <a:endParaRPr lang="en-US" altLang="ko-KR" sz="1600">
+              <a:effectLst>
+                <a:outerShdw blurRad="38100" dist="38100" dir="2700000" algn="tl">
+                  <a:srgbClr val="000000">
+                    <a:alpha val="43137"/>
+                  </a:srgbClr>
+                </a:outerShdw>
+              </a:effectLst>
+            </a:endParaRPr>
+          </a:p>
+          <a:p>
+            <a:r>
+              <a:rPr lang="en-US" altLang="ko-KR" sz="1600">
+                <a:effectLst>
+                  <a:outerShdw blurRad="38100" dist="38100" dir="2700000" algn="tl">
+                    <a:srgbClr val="000000">
+                      <a:alpha val="43137"/>
+                    </a:srgbClr>
+                  </a:outerShdw>
+                </a:effectLst>
+              </a:rPr>
+              <a:t>int main() {</a:t>
+            </a:r>
+          </a:p>
+          <a:p>
+            <a:r>
+              <a:rPr lang="en-US" altLang="ko-KR" sz="1600">
+                <a:effectLst>
+                  <a:outerShdw blurRad="38100" dist="38100" dir="2700000" algn="tl">
+                    <a:srgbClr val="000000">
+                      <a:alpha val="43137"/>
+                    </a:srgbClr>
+                  </a:outerShdw>
+                </a:effectLst>
+              </a:rPr>
+              <a:t>	FILE* fp;</a:t>
+            </a:r>
+          </a:p>
+          <a:p>
+            <a:r>
+              <a:rPr lang="en-US" altLang="ko-KR" sz="1600">
+                <a:effectLst>
+                  <a:outerShdw blurRad="38100" dist="38100" dir="2700000" algn="tl">
+                    <a:srgbClr val="000000">
+                      <a:alpha val="43137"/>
+                    </a:srgbClr>
+                  </a:outerShdw>
+                </a:effectLst>
+              </a:rPr>
+              <a:t>	char buffer[80];</a:t>
+            </a:r>
+          </a:p>
+          <a:p>
+            <a:r>
+              <a:rPr lang="en-US" altLang="ko-KR" sz="1600">
+                <a:effectLst>
+                  <a:outerShdw blurRad="38100" dist="38100" dir="2700000" algn="tl">
+                    <a:srgbClr val="000000">
+                      <a:alpha val="43137"/>
+                    </a:srgbClr>
+                  </a:outerShdw>
+                </a:effectLst>
+              </a:rPr>
+              <a:t>	fp = fopen("world.txt", "w");</a:t>
+            </a:r>
+          </a:p>
+          <a:p>
+            <a:r>
+              <a:rPr lang="en-US" altLang="ko-KR" sz="1600">
+                <a:effectLst>
+                  <a:outerShdw blurRad="38100" dist="38100" dir="2700000" algn="tl">
+                    <a:srgbClr val="000000">
+                      <a:alpha val="43137"/>
+                    </a:srgbClr>
+                  </a:outerShdw>
+                </a:effectLst>
+              </a:rPr>
+              <a:t>	fprintf(fp, "IAmSeonhwi\n");</a:t>
+            </a:r>
+          </a:p>
+          <a:p>
+            <a:r>
+              <a:rPr lang="en-US" altLang="ko-KR" sz="1600">
+                <a:effectLst>
+                  <a:outerShdw blurRad="38100" dist="38100" dir="2700000" algn="tl">
+                    <a:srgbClr val="000000">
+                      <a:alpha val="43137"/>
+                    </a:srgbClr>
+                  </a:outerShdw>
+                </a:effectLst>
+              </a:rPr>
+              <a:t>	printf("</a:t>
+            </a:r>
+            <a:r>
+              <a:rPr lang="ko-KR" altLang="en-US" sz="1600">
+                <a:effectLst>
+                  <a:outerShdw blurRad="38100" dist="38100" dir="2700000" algn="tl">
+                    <a:srgbClr val="000000">
+                      <a:alpha val="43137"/>
+                    </a:srgbClr>
+                  </a:outerShdw>
+                </a:effectLst>
+              </a:rPr>
+              <a:t>파일 입력 완료</a:t>
+            </a:r>
+            <a:r>
+              <a:rPr lang="en-US" altLang="ko-KR" sz="1600">
+                <a:effectLst>
+                  <a:outerShdw blurRad="38100" dist="38100" dir="2700000" algn="tl">
+                    <a:srgbClr val="000000">
+                      <a:alpha val="43137"/>
+                    </a:srgbClr>
+                  </a:outerShdw>
+                </a:effectLst>
+              </a:rPr>
+              <a:t>\n");</a:t>
+            </a:r>
+          </a:p>
+          <a:p>
+            <a:r>
+              <a:rPr lang="en-US" altLang="ko-KR" sz="1600">
+                <a:effectLst>
+                  <a:outerShdw blurRad="38100" dist="38100" dir="2700000" algn="tl">
+                    <a:srgbClr val="000000">
+                      <a:alpha val="43137"/>
+                    </a:srgbClr>
+                  </a:outerShdw>
+                </a:effectLst>
+              </a:rPr>
+              <a:t>	fclose(fp);</a:t>
+            </a:r>
+          </a:p>
+          <a:p>
+            <a:endParaRPr lang="en-US" altLang="ko-KR" sz="1600">
+              <a:effectLst>
+                <a:outerShdw blurRad="38100" dist="38100" dir="2700000" algn="tl">
+                  <a:srgbClr val="000000">
+                    <a:alpha val="43137"/>
+                  </a:srgbClr>
+                </a:outerShdw>
+              </a:effectLst>
+            </a:endParaRPr>
+          </a:p>
+          <a:p>
+            <a:r>
+              <a:rPr lang="en-US" altLang="ko-KR" sz="1600">
+                <a:effectLst>
+                  <a:outerShdw blurRad="38100" dist="38100" dir="2700000" algn="tl">
+                    <a:srgbClr val="000000">
+                      <a:alpha val="43137"/>
+                    </a:srgbClr>
+                  </a:outerShdw>
+                </a:effectLst>
+              </a:rPr>
+              <a:t>	fp = fopen("world.txt", "r");</a:t>
+            </a:r>
+          </a:p>
+          <a:p>
+            <a:r>
+              <a:rPr lang="en-US" altLang="ko-KR" sz="1600">
+                <a:effectLst>
+                  <a:outerShdw blurRad="38100" dist="38100" dir="2700000" algn="tl">
+                    <a:srgbClr val="000000">
+                      <a:alpha val="43137"/>
+                    </a:srgbClr>
+                  </a:outerShdw>
+                </a:effectLst>
+              </a:rPr>
+              <a:t>	fscanf(fp, "%s", buffer);</a:t>
+            </a:r>
+          </a:p>
+          <a:p>
+            <a:r>
+              <a:rPr lang="en-US" altLang="ko-KR" sz="1600">
+                <a:effectLst>
+                  <a:outerShdw blurRad="38100" dist="38100" dir="2700000" algn="tl">
+                    <a:srgbClr val="000000">
+                      <a:alpha val="43137"/>
+                    </a:srgbClr>
+                  </a:outerShdw>
+                </a:effectLst>
+              </a:rPr>
+              <a:t>	printf("%s", buffer);</a:t>
+            </a:r>
+          </a:p>
+          <a:p>
+            <a:r>
+              <a:rPr lang="en-US" altLang="ko-KR" sz="1600">
+                <a:effectLst>
+                  <a:outerShdw blurRad="38100" dist="38100" dir="2700000" algn="tl">
+                    <a:srgbClr val="000000">
+                      <a:alpha val="43137"/>
+                    </a:srgbClr>
+                  </a:outerShdw>
+                </a:effectLst>
+              </a:rPr>
+              <a:t>	fclose(fp);</a:t>
+            </a:r>
+          </a:p>
+          <a:p>
+            <a:endParaRPr lang="en-US" altLang="ko-KR" sz="1600">
+              <a:effectLst>
+                <a:outerShdw blurRad="38100" dist="38100" dir="2700000" algn="tl">
+                  <a:srgbClr val="000000">
+                    <a:alpha val="43137"/>
+                  </a:srgbClr>
+                </a:outerShdw>
+              </a:effectLst>
+            </a:endParaRPr>
+          </a:p>
+          <a:p>
+            <a:r>
+              <a:rPr lang="en-US" altLang="ko-KR" sz="1600">
+                <a:effectLst>
+                  <a:outerShdw blurRad="38100" dist="38100" dir="2700000" algn="tl">
+                    <a:srgbClr val="000000">
+                      <a:alpha val="43137"/>
+                    </a:srgbClr>
+                  </a:outerShdw>
+                </a:effectLst>
+              </a:rPr>
+              <a:t>	return 0;</a:t>
+            </a:r>
+          </a:p>
+          <a:p>
+            <a:r>
+              <a:rPr lang="en-US" altLang="ko-KR" sz="1600">
+                <a:effectLst>
+                  <a:outerShdw blurRad="38100" dist="38100" dir="2700000" algn="tl">
+                    <a:srgbClr val="000000">
+                      <a:alpha val="43137"/>
+                    </a:srgbClr>
+                  </a:outerShdw>
+                </a:effectLst>
+              </a:rPr>
+              <a:t>}</a:t>
+            </a:r>
+          </a:p>
+        </p:txBody>
+      </p:sp>
+      <p:sp>
+        <p:nvSpPr>
+          <p:cNvPr id="11" name="TextBox 10">
+            <a:extLst>
+              <a:ext uri="{FF2B5EF4-FFF2-40B4-BE49-F238E27FC236}">
+                <a16:creationId xmlns:a16="http://schemas.microsoft.com/office/drawing/2014/main" id="{73845E5C-F9C4-464E-BD67-009DA26A1723}"/>
+              </a:ext>
+            </a:extLst>
+          </p:cNvPr>
+          <p:cNvSpPr txBox="1"/>
+          <p:nvPr/>
+        </p:nvSpPr>
+        <p:spPr>
+          <a:xfrm>
+            <a:off x="4490101" y="3667740"/>
+            <a:ext cx="4855305" cy="646331"/>
+          </a:xfrm>
+          <a:prstGeom prst="rect">
+            <a:avLst/>
+          </a:prstGeom>
+          <a:noFill/>
+        </p:spPr>
+        <p:txBody>
+          <a:bodyPr wrap="square" rtlCol="0">
+            <a:spAutoFit/>
+          </a:bodyPr>
+          <a:lstStyle/>
+          <a:p>
+            <a:r>
+              <a:rPr lang="en-US" altLang="ko-KR">
+                <a:solidFill>
+                  <a:srgbClr val="0000FF"/>
+                </a:solidFill>
+                <a:effectLst>
+                  <a:outerShdw blurRad="38100" dist="38100" dir="2700000" algn="tl">
+                    <a:srgbClr val="000000">
+                      <a:alpha val="43137"/>
+                    </a:srgbClr>
+                  </a:outerShdw>
+                </a:effectLst>
+              </a:rPr>
+              <a:t>%s</a:t>
+            </a:r>
+            <a:r>
+              <a:rPr lang="ko-KR" altLang="en-US">
+                <a:solidFill>
+                  <a:srgbClr val="0000FF"/>
+                </a:solidFill>
+                <a:effectLst>
+                  <a:outerShdw blurRad="38100" dist="38100" dir="2700000" algn="tl">
+                    <a:srgbClr val="000000">
+                      <a:alpha val="43137"/>
+                    </a:srgbClr>
+                  </a:outerShdw>
+                </a:effectLst>
+              </a:rPr>
+              <a:t>로 파일입력을 받아야하므로 띄어쓰기가 있으면 안됨</a:t>
+            </a:r>
+            <a:endParaRPr lang="en-US" altLang="ko-KR">
+              <a:solidFill>
+                <a:srgbClr val="0000FF"/>
+              </a:solidFill>
+              <a:effectLst>
+                <a:outerShdw blurRad="38100" dist="38100" dir="2700000" algn="tl">
+                  <a:srgbClr val="000000">
+                    <a:alpha val="43137"/>
+                  </a:srgbClr>
+                </a:outerShdw>
+              </a:effectLst>
+            </a:endParaRPr>
+          </a:p>
+        </p:txBody>
+      </p:sp>
+    </p:spTree>
+    <p:extLst>
+      <p:ext uri="{BB962C8B-B14F-4D97-AF65-F5344CB8AC3E}">
+        <p14:creationId xmlns:p14="http://schemas.microsoft.com/office/powerpoint/2010/main" val="2168796242"/>
+      </p:ext>
+    </p:extLst>
+  </p:cSld>
+  <p:clrMapOvr>
+    <a:masterClrMapping/>
+  </p:clrMapOvr>
+</p:sld>
+</file>
+
+<file path=ppt/slides/slide16.xml><?xml version="1.0" encoding="utf-8"?>
+<p:sld xmlns:a="http://schemas.openxmlformats.org/drawingml/2006/main" xmlns:r="http://schemas.openxmlformats.org/officeDocument/2006/relationships" xmlns:p="http://schemas.openxmlformats.org/presentationml/2006/main">
+  <p:cSld>
+    <p:spTree>
+      <p:nvGrpSpPr>
+        <p:cNvPr id="1" name=""/>
+        <p:cNvGrpSpPr/>
+        <p:nvPr/>
+      </p:nvGrpSpPr>
+      <p:grpSpPr>
+        <a:xfrm>
+          <a:off x="0" y="0"/>
+          <a:ext cx="0" cy="0"/>
+          <a:chOff x="0" y="0"/>
+          <a:chExt cx="0" cy="0"/>
+        </a:xfrm>
+      </p:grpSpPr>
+      <p:pic>
+        <p:nvPicPr>
+          <p:cNvPr id="6" name="그림 5" descr="화살이(가) 표시된 사진&#10;&#10;자동 생성된 설명">
+            <a:extLst>
+              <a:ext uri="{FF2B5EF4-FFF2-40B4-BE49-F238E27FC236}">
+                <a16:creationId xmlns:a16="http://schemas.microsoft.com/office/drawing/2014/main" id="{A56C6D43-05A3-4988-A7D7-3D59E2F65C17}"/>
+              </a:ext>
+            </a:extLst>
+          </p:cNvPr>
+          <p:cNvPicPr>
+            <a:picLocks noChangeAspect="1"/>
+          </p:cNvPicPr>
+          <p:nvPr/>
+        </p:nvPicPr>
+        <p:blipFill>
+          <a:blip r:embed="rId2">
+            <a:alphaModFix amt="5000"/>
+            <a:extLst>
+              <a:ext uri="{28A0092B-C50C-407E-A947-70E740481C1C}">
+                <a14:useLocalDpi xmlns:a14="http://schemas.microsoft.com/office/drawing/2010/main" val="0"/>
+              </a:ext>
+            </a:extLst>
+          </a:blip>
+          <a:stretch>
+            <a:fillRect/>
+          </a:stretch>
+        </p:blipFill>
+        <p:spPr>
+          <a:xfrm>
+            <a:off x="1209040" y="-1"/>
+            <a:ext cx="9875520" cy="6857429"/>
+          </a:xfrm>
+          <a:prstGeom prst="rect">
+            <a:avLst/>
+          </a:prstGeom>
+        </p:spPr>
+      </p:pic>
+      <p:sp>
+        <p:nvSpPr>
+          <p:cNvPr id="2" name="제목 1">
+            <a:extLst>
+              <a:ext uri="{FF2B5EF4-FFF2-40B4-BE49-F238E27FC236}">
+                <a16:creationId xmlns:a16="http://schemas.microsoft.com/office/drawing/2014/main" id="{B5F771FA-F15B-46C3-BA0D-4B28CB171312}"/>
+              </a:ext>
+            </a:extLst>
+          </p:cNvPr>
+          <p:cNvSpPr>
+            <a:spLocks noGrp="1"/>
+          </p:cNvSpPr>
+          <p:nvPr>
+            <p:ph type="ctrTitle"/>
+          </p:nvPr>
+        </p:nvSpPr>
+        <p:spPr>
+          <a:xfrm>
+            <a:off x="301812" y="210670"/>
+            <a:ext cx="11689976" cy="851648"/>
+          </a:xfrm>
+        </p:spPr>
+        <p:txBody>
+          <a:bodyPr>
+            <a:normAutofit fontScale="90000"/>
+          </a:bodyPr>
+          <a:lstStyle/>
+          <a:p>
+            <a:pPr algn="l"/>
+            <a:r>
+              <a:rPr lang="ko-KR" altLang="en-US" b="1">
+                <a:effectLst>
+                  <a:outerShdw blurRad="38100" dist="38100" dir="2700000" algn="tl">
+                    <a:srgbClr val="000000">
+                      <a:alpha val="43137"/>
+                    </a:srgbClr>
+                  </a:outerShdw>
+                </a:effectLst>
+              </a:rPr>
+              <a:t>포인터</a:t>
+            </a:r>
+          </a:p>
+        </p:txBody>
+      </p:sp>
+      <p:sp>
+        <p:nvSpPr>
+          <p:cNvPr id="4" name="이등변 삼각형 3">
+            <a:extLst>
+              <a:ext uri="{FF2B5EF4-FFF2-40B4-BE49-F238E27FC236}">
+                <a16:creationId xmlns:a16="http://schemas.microsoft.com/office/drawing/2014/main" id="{D82EB4D7-301B-4780-87C6-7D1E66BD5181}"/>
+              </a:ext>
+            </a:extLst>
+          </p:cNvPr>
+          <p:cNvSpPr/>
+          <p:nvPr/>
+        </p:nvSpPr>
+        <p:spPr>
+          <a:xfrm rot="10800000">
+            <a:off x="11204089" y="-1"/>
+            <a:ext cx="987911" cy="851647"/>
+          </a:xfrm>
+          <a:prstGeom prst="triangle">
+            <a:avLst>
+              <a:gd name="adj" fmla="val 0"/>
+            </a:avLst>
+          </a:prstGeom>
+          <a:solidFill>
+            <a:schemeClr val="tx1"/>
+          </a:solidFill>
+          <a:ln>
+            <a:solidFill>
+              <a:schemeClr val="tx1"/>
+            </a:solidFill>
+          </a:ln>
+        </p:spPr>
+        <p:style>
+          <a:lnRef idx="2">
+            <a:schemeClr val="accent1">
+              <a:shade val="50000"/>
+            </a:schemeClr>
+          </a:lnRef>
+          <a:fillRef idx="1">
+            <a:schemeClr val="accent1"/>
+          </a:fillRef>
+          <a:effectRef idx="0">
+            <a:schemeClr val="accent1"/>
+          </a:effectRef>
+          <a:fontRef idx="minor">
+            <a:schemeClr val="lt1"/>
+          </a:fontRef>
+        </p:style>
+        <p:txBody>
+          <a:bodyPr rtlCol="0" anchor="ctr"/>
+          <a:lstStyle/>
+          <a:p>
+            <a:pPr algn="ctr"/>
+            <a:endParaRPr lang="ko-KR" altLang="en-US"/>
+          </a:p>
+        </p:txBody>
+      </p:sp>
+      <p:cxnSp>
+        <p:nvCxnSpPr>
+          <p:cNvPr id="7" name="직선 연결선 6">
+            <a:extLst>
+              <a:ext uri="{FF2B5EF4-FFF2-40B4-BE49-F238E27FC236}">
+                <a16:creationId xmlns:a16="http://schemas.microsoft.com/office/drawing/2014/main" id="{2585E046-0EB0-4A38-9487-0FDCAD563659}"/>
+              </a:ext>
+            </a:extLst>
+          </p:cNvPr>
+          <p:cNvCxnSpPr/>
+          <p:nvPr/>
+        </p:nvCxnSpPr>
+        <p:spPr>
+          <a:xfrm>
+            <a:off x="30480" y="1143598"/>
+            <a:ext cx="2357120" cy="0"/>
+          </a:xfrm>
+          <a:prstGeom prst="line">
+            <a:avLst/>
+          </a:prstGeom>
+          <a:ln w="63500">
+            <a:solidFill>
+              <a:schemeClr val="tx1"/>
+            </a:solidFill>
+          </a:ln>
+        </p:spPr>
+        <p:style>
+          <a:lnRef idx="1">
+            <a:schemeClr val="accent1"/>
+          </a:lnRef>
+          <a:fillRef idx="0">
+            <a:schemeClr val="accent1"/>
+          </a:fillRef>
+          <a:effectRef idx="0">
+            <a:schemeClr val="accent1"/>
+          </a:effectRef>
+          <a:fontRef idx="minor">
+            <a:schemeClr val="tx1"/>
+          </a:fontRef>
+        </p:style>
+      </p:cxnSp>
+      <p:sp>
+        <p:nvSpPr>
+          <p:cNvPr id="9" name="TextBox 8">
+            <a:extLst>
+              <a:ext uri="{FF2B5EF4-FFF2-40B4-BE49-F238E27FC236}">
+                <a16:creationId xmlns:a16="http://schemas.microsoft.com/office/drawing/2014/main" id="{0D9F02F6-35F7-46F5-8FFE-FBAD20732CDC}"/>
+              </a:ext>
+            </a:extLst>
+          </p:cNvPr>
+          <p:cNvSpPr txBox="1"/>
+          <p:nvPr/>
+        </p:nvSpPr>
+        <p:spPr>
+          <a:xfrm>
+            <a:off x="301812" y="1347761"/>
+            <a:ext cx="7700955" cy="461665"/>
+          </a:xfrm>
+          <a:prstGeom prst="rect">
+            <a:avLst/>
+          </a:prstGeom>
+          <a:noFill/>
+        </p:spPr>
+        <p:txBody>
+          <a:bodyPr wrap="square" rtlCol="0">
+            <a:spAutoFit/>
+          </a:bodyPr>
+          <a:lstStyle/>
+          <a:p>
+            <a:pPr marL="457200" indent="-457200">
+              <a:buFont typeface="Arial" panose="020B0604020202020204" pitchFamily="34" charset="0"/>
+              <a:buChar char="•"/>
+            </a:pPr>
+            <a:r>
+              <a:rPr lang="ko-KR" altLang="en-US" sz="2400" b="1">
+                <a:effectLst>
+                  <a:outerShdw blurRad="38100" dist="38100" dir="2700000" algn="tl">
+                    <a:srgbClr val="000000">
+                      <a:alpha val="43137"/>
+                    </a:srgbClr>
+                  </a:outerShdw>
+                </a:effectLst>
+              </a:rPr>
+              <a:t>파일입출력의 예시</a:t>
+            </a:r>
+            <a:endParaRPr lang="en-US" altLang="ko-KR" sz="2400" b="1">
+              <a:effectLst>
+                <a:outerShdw blurRad="38100" dist="38100" dir="2700000" algn="tl">
+                  <a:srgbClr val="000000">
+                    <a:alpha val="43137"/>
+                  </a:srgbClr>
+                </a:outerShdw>
+              </a:effectLst>
+            </a:endParaRPr>
+          </a:p>
+        </p:txBody>
+      </p:sp>
+      <p:sp>
+        <p:nvSpPr>
+          <p:cNvPr id="10" name="TextBox 9">
+            <a:extLst>
+              <a:ext uri="{FF2B5EF4-FFF2-40B4-BE49-F238E27FC236}">
+                <a16:creationId xmlns:a16="http://schemas.microsoft.com/office/drawing/2014/main" id="{A29EA04F-7B1B-49BC-ACB8-3B4FF42C8C33}"/>
+              </a:ext>
+            </a:extLst>
+          </p:cNvPr>
+          <p:cNvSpPr txBox="1"/>
+          <p:nvPr/>
+        </p:nvSpPr>
+        <p:spPr>
+          <a:xfrm>
+            <a:off x="730922" y="1941546"/>
+            <a:ext cx="9300584" cy="461665"/>
+          </a:xfrm>
+          <a:prstGeom prst="rect">
+            <a:avLst/>
+          </a:prstGeom>
+          <a:noFill/>
+        </p:spPr>
+        <p:txBody>
+          <a:bodyPr wrap="square" rtlCol="0">
+            <a:spAutoFit/>
+          </a:bodyPr>
+          <a:lstStyle/>
+          <a:p>
+            <a:r>
+              <a:rPr lang="ko-KR" altLang="en-US" sz="2400">
+                <a:effectLst>
+                  <a:outerShdw blurRad="38100" dist="38100" dir="2700000" algn="tl">
+                    <a:srgbClr val="000000">
+                      <a:alpha val="43137"/>
+                    </a:srgbClr>
+                  </a:outerShdw>
+                </a:effectLst>
+              </a:rPr>
+              <a:t>신입생 </a:t>
+            </a:r>
+            <a:r>
+              <a:rPr lang="en-US" altLang="ko-KR" sz="2400">
+                <a:effectLst>
+                  <a:outerShdw blurRad="38100" dist="38100" dir="2700000" algn="tl">
+                    <a:srgbClr val="000000">
+                      <a:alpha val="43137"/>
+                    </a:srgbClr>
+                  </a:outerShdw>
+                </a:effectLst>
+              </a:rPr>
+              <a:t>C</a:t>
+            </a:r>
+            <a:r>
+              <a:rPr lang="ko-KR" altLang="en-US" sz="2400">
+                <a:effectLst>
+                  <a:outerShdw blurRad="38100" dist="38100" dir="2700000" algn="tl">
+                    <a:srgbClr val="000000">
+                      <a:alpha val="43137"/>
+                    </a:srgbClr>
+                  </a:outerShdw>
+                </a:effectLst>
+              </a:rPr>
+              <a:t>언어 테스트 </a:t>
+            </a:r>
+            <a:r>
+              <a:rPr lang="en-US" altLang="ko-KR" sz="2400">
+                <a:effectLst>
+                  <a:outerShdw blurRad="38100" dist="38100" dir="2700000" algn="tl">
+                    <a:srgbClr val="000000">
+                      <a:alpha val="43137"/>
+                    </a:srgbClr>
+                  </a:outerShdw>
+                </a:effectLst>
+              </a:rPr>
+              <a:t>9</a:t>
+            </a:r>
+            <a:r>
+              <a:rPr lang="ko-KR" altLang="en-US" sz="2400">
+                <a:effectLst>
+                  <a:outerShdw blurRad="38100" dist="38100" dir="2700000" algn="tl">
+                    <a:srgbClr val="000000">
+                      <a:alpha val="43137"/>
+                    </a:srgbClr>
+                  </a:outerShdw>
+                </a:effectLst>
+              </a:rPr>
+              <a:t>번 문제 풀이</a:t>
+            </a:r>
+            <a:endParaRPr lang="en-US" altLang="ko-KR" sz="2400">
+              <a:effectLst>
+                <a:outerShdw blurRad="38100" dist="38100" dir="2700000" algn="tl">
+                  <a:srgbClr val="000000">
+                    <a:alpha val="43137"/>
+                  </a:srgbClr>
+                </a:outerShdw>
+              </a:effectLst>
+            </a:endParaRPr>
+          </a:p>
+        </p:txBody>
+      </p:sp>
+    </p:spTree>
+    <p:extLst>
+      <p:ext uri="{BB962C8B-B14F-4D97-AF65-F5344CB8AC3E}">
+        <p14:creationId xmlns:p14="http://schemas.microsoft.com/office/powerpoint/2010/main" val="169913458"/>
+      </p:ext>
+    </p:extLst>
+  </p:cSld>
+  <p:clrMapOvr>
+    <a:masterClrMapping/>
+  </p:clrMapOvr>
+</p:sld>
+</file>
+
+<file path=ppt/slides/slide17.xml><?xml version="1.0" encoding="utf-8"?>
+<p:sld xmlns:a="http://schemas.openxmlformats.org/drawingml/2006/main" xmlns:r="http://schemas.openxmlformats.org/officeDocument/2006/relationships" xmlns:p="http://schemas.openxmlformats.org/presentationml/2006/main">
+  <p:cSld>
+    <p:spTree>
+      <p:nvGrpSpPr>
+        <p:cNvPr id="1" name=""/>
+        <p:cNvGrpSpPr/>
+        <p:nvPr/>
+      </p:nvGrpSpPr>
+      <p:grpSpPr>
+        <a:xfrm>
+          <a:off x="0" y="0"/>
+          <a:ext cx="0" cy="0"/>
+          <a:chOff x="0" y="0"/>
+          <a:chExt cx="0" cy="0"/>
+        </a:xfrm>
+      </p:grpSpPr>
+      <p:pic>
+        <p:nvPicPr>
+          <p:cNvPr id="6" name="그림 5" descr="화살이(가) 표시된 사진&#10;&#10;자동 생성된 설명">
+            <a:extLst>
+              <a:ext uri="{FF2B5EF4-FFF2-40B4-BE49-F238E27FC236}">
                 <a16:creationId xmlns:a16="http://schemas.microsoft.com/office/drawing/2014/main" id="{E9BC1B0A-33C6-4B7F-B5CD-576333AF00BE}"/>
               </a:ext>
             </a:extLst>
@@ -6556,6 +9010,11 @@
             <a:avLst/>
           </a:prstGeom>
           <a:noFill/>
+          <a:ln>
+            <a:solidFill>
+              <a:schemeClr val="tx1"/>
+            </a:solidFill>
+          </a:ln>
         </p:spPr>
         <p:txBody>
           <a:bodyPr wrap="square" rtlCol="0">
@@ -7375,6 +9834,11 @@
             <a:avLst/>
           </a:prstGeom>
           <a:noFill/>
+          <a:ln>
+            <a:solidFill>
+              <a:schemeClr val="tx1"/>
+            </a:solidFill>
+          </a:ln>
         </p:spPr>
         <p:txBody>
           <a:bodyPr wrap="square" rtlCol="0">
@@ -7929,10 +10393,10 @@
       </p:cxnSp>
       <p:sp>
         <p:nvSpPr>
-          <p:cNvPr id="9" name="TextBox 8">
-            <a:extLst>
-              <a:ext uri="{FF2B5EF4-FFF2-40B4-BE49-F238E27FC236}">
-                <a16:creationId xmlns:a16="http://schemas.microsoft.com/office/drawing/2014/main" id="{0D9F02F6-35F7-46F5-8FFE-FBAD20732CDC}"/>
+          <p:cNvPr id="8" name="TextBox 7">
+            <a:extLst>
+              <a:ext uri="{FF2B5EF4-FFF2-40B4-BE49-F238E27FC236}">
+                <a16:creationId xmlns:a16="http://schemas.microsoft.com/office/drawing/2014/main" id="{401ED521-CFE1-44B7-9BB3-E355239399D3}"/>
               </a:ext>
             </a:extLst>
           </p:cNvPr>
@@ -7941,13 +10405,184 @@
         </p:nvSpPr>
         <p:spPr>
           <a:xfrm>
-            <a:off x="301812" y="1347761"/>
-            <a:ext cx="7700955" cy="461665"/>
+            <a:off x="730922" y="2661425"/>
+            <a:ext cx="5365078" cy="2862322"/>
           </a:xfrm>
           <a:prstGeom prst="rect">
             <a:avLst/>
           </a:prstGeom>
           <a:noFill/>
+          <a:ln>
+            <a:solidFill>
+              <a:schemeClr val="tx1"/>
+            </a:solidFill>
+          </a:ln>
+        </p:spPr>
+        <p:txBody>
+          <a:bodyPr wrap="square" rtlCol="0">
+            <a:spAutoFit/>
+          </a:bodyPr>
+          <a:lstStyle/>
+          <a:p>
+            <a:r>
+              <a:rPr lang="en-US" altLang="ko-KR">
+                <a:effectLst>
+                  <a:outerShdw blurRad="38100" dist="38100" dir="2700000" algn="tl">
+                    <a:srgbClr val="000000">
+                      <a:alpha val="43137"/>
+                    </a:srgbClr>
+                  </a:outerShdw>
+                </a:effectLst>
+              </a:rPr>
+              <a:t>#include &lt;stdio.h&gt;</a:t>
+            </a:r>
+          </a:p>
+          <a:p>
+            <a:endParaRPr lang="en-US" altLang="ko-KR">
+              <a:effectLst>
+                <a:outerShdw blurRad="38100" dist="38100" dir="2700000" algn="tl">
+                  <a:srgbClr val="000000">
+                    <a:alpha val="43137"/>
+                  </a:srgbClr>
+                </a:outerShdw>
+              </a:effectLst>
+            </a:endParaRPr>
+          </a:p>
+          <a:p>
+            <a:r>
+              <a:rPr lang="en-US" altLang="ko-KR">
+                <a:effectLst>
+                  <a:outerShdw blurRad="38100" dist="38100" dir="2700000" algn="tl">
+                    <a:srgbClr val="000000">
+                      <a:alpha val="43137"/>
+                    </a:srgbClr>
+                  </a:outerShdw>
+                </a:effectLst>
+              </a:rPr>
+              <a:t>int main(){</a:t>
+            </a:r>
+          </a:p>
+          <a:p>
+            <a:r>
+              <a:rPr lang="en-US" altLang="ko-KR">
+                <a:effectLst>
+                  <a:outerShdw blurRad="38100" dist="38100" dir="2700000" algn="tl">
+                    <a:srgbClr val="000000">
+                      <a:alpha val="43137"/>
+                    </a:srgbClr>
+                  </a:outerShdw>
+                </a:effectLst>
+              </a:rPr>
+              <a:t>	int a = 10;</a:t>
+            </a:r>
+          </a:p>
+          <a:p>
+            <a:r>
+              <a:rPr lang="en-US" altLang="ko-KR">
+                <a:effectLst>
+                  <a:outerShdw blurRad="38100" dist="38100" dir="2700000" algn="tl">
+                    <a:srgbClr val="000000">
+                      <a:alpha val="43137"/>
+                    </a:srgbClr>
+                  </a:outerShdw>
+                </a:effectLst>
+              </a:rPr>
+              <a:t>	int* p;</a:t>
+            </a:r>
+          </a:p>
+          <a:p>
+            <a:r>
+              <a:rPr lang="en-US" altLang="ko-KR">
+                <a:effectLst>
+                  <a:outerShdw blurRad="38100" dist="38100" dir="2700000" algn="tl">
+                    <a:srgbClr val="000000">
+                      <a:alpha val="43137"/>
+                    </a:srgbClr>
+                  </a:outerShdw>
+                </a:effectLst>
+              </a:rPr>
+              <a:t>	p = &amp;a;</a:t>
+            </a:r>
+          </a:p>
+          <a:p>
+            <a:r>
+              <a:rPr lang="en-US" altLang="ko-KR">
+                <a:effectLst>
+                  <a:outerShdw blurRad="38100" dist="38100" dir="2700000" algn="tl">
+                    <a:srgbClr val="000000">
+                      <a:alpha val="43137"/>
+                    </a:srgbClr>
+                  </a:outerShdw>
+                </a:effectLst>
+              </a:rPr>
+              <a:t>	printf(“%x\n%d\n%x\n”, p, *p, &amp;p);</a:t>
+            </a:r>
+          </a:p>
+          <a:p>
+            <a:r>
+              <a:rPr lang="en-US" altLang="ko-KR">
+                <a:effectLst>
+                  <a:outerShdw blurRad="38100" dist="38100" dir="2700000" algn="tl">
+                    <a:srgbClr val="000000">
+                      <a:alpha val="43137"/>
+                    </a:srgbClr>
+                  </a:outerShdw>
+                </a:effectLst>
+              </a:rPr>
+              <a:t>	</a:t>
+            </a:r>
+          </a:p>
+          <a:p>
+            <a:r>
+              <a:rPr lang="en-US" altLang="ko-KR">
+                <a:effectLst>
+                  <a:outerShdw blurRad="38100" dist="38100" dir="2700000" algn="tl">
+                    <a:srgbClr val="000000">
+                      <a:alpha val="43137"/>
+                    </a:srgbClr>
+                  </a:outerShdw>
+                </a:effectLst>
+              </a:rPr>
+              <a:t>	return 0;</a:t>
+            </a:r>
+          </a:p>
+          <a:p>
+            <a:r>
+              <a:rPr lang="en-US" altLang="ko-KR">
+                <a:effectLst>
+                  <a:outerShdw blurRad="38100" dist="38100" dir="2700000" algn="tl">
+                    <a:srgbClr val="000000">
+                      <a:alpha val="43137"/>
+                    </a:srgbClr>
+                  </a:outerShdw>
+                </a:effectLst>
+              </a:rPr>
+              <a:t>}</a:t>
+            </a:r>
+          </a:p>
+        </p:txBody>
+      </p:sp>
+      <p:sp>
+        <p:nvSpPr>
+          <p:cNvPr id="9" name="TextBox 8">
+            <a:extLst>
+              <a:ext uri="{FF2B5EF4-FFF2-40B4-BE49-F238E27FC236}">
+                <a16:creationId xmlns:a16="http://schemas.microsoft.com/office/drawing/2014/main" id="{0D9F02F6-35F7-46F5-8FFE-FBAD20732CDC}"/>
+              </a:ext>
+            </a:extLst>
+          </p:cNvPr>
+          <p:cNvSpPr txBox="1"/>
+          <p:nvPr/>
+        </p:nvSpPr>
+        <p:spPr>
+          <a:xfrm>
+            <a:off x="301812" y="1347761"/>
+            <a:ext cx="7700955" cy="461665"/>
+          </a:xfrm>
+          <a:prstGeom prst="rect">
+            <a:avLst/>
+          </a:prstGeom>
+          <a:noFill/>
         </p:spPr>
         <p:txBody>
           <a:bodyPr wrap="square" rtlCol="0">
@@ -7969,7 +10604,7 @@
                   </a:outerShdw>
                 </a:effectLst>
               </a:rPr>
-              <a:t>포인터의 예시</a:t>
+              <a:t>포인터의 이해하기</a:t>
             </a:r>
             <a:endParaRPr lang="en-US" altLang="ko-KR" sz="2400" b="1">
               <a:effectLst>
@@ -8012,6 +10647,18 @@
           <a:lstStyle/>
           <a:p>
             <a:r>
+              <a:rPr lang="en-US" altLang="ko-KR" sz="2400">
+                <a:effectLst>
+                  <a:outerShdw blurRad="38100" dist="38100" dir="2700000" algn="tl">
+                    <a:srgbClr val="000000">
+                      <a:alpha val="43137"/>
+                    </a:srgbClr>
+                  </a:outerShdw>
+                </a:effectLst>
+              </a:rPr>
+              <a:t>*</a:t>
+            </a:r>
+            <a:r>
               <a:rPr lang="ko-KR" altLang="en-US" sz="2400">
                 <a:effectLst>
                   <a:outerShdw blurRad="38100" dist="38100" dir="2700000" algn="tl">
@@ -8021,7 +10668,7 @@
                   </a:outerShdw>
                 </a:effectLst>
               </a:rPr>
-              <a:t>신입생 </a:t>
+              <a:t>를 붙이고 안붙이고 출력값이 어떻게 다를까</a:t>
             </a:r>
             <a:r>
               <a:rPr lang="en-US" altLang="ko-KR" sz="2400">
@@ -8033,60 +10680,51 @@
                   </a:outerShdw>
                 </a:effectLst>
               </a:rPr>
-              <a:t>C</a:t>
-            </a:r>
-            <a:r>
-              <a:rPr lang="ko-KR" altLang="en-US" sz="2400">
-                <a:effectLst>
-                  <a:outerShdw blurRad="38100" dist="38100" dir="2700000" algn="tl">
-                    <a:srgbClr val="000000">
-                      <a:alpha val="43137"/>
-                    </a:srgbClr>
-                  </a:outerShdw>
-                </a:effectLst>
-              </a:rPr>
-              <a:t>언어 테스트 </a:t>
-            </a:r>
-            <a:r>
-              <a:rPr lang="en-US" altLang="ko-KR" sz="2400">
-                <a:effectLst>
-                  <a:outerShdw blurRad="38100" dist="38100" dir="2700000" algn="tl">
-                    <a:srgbClr val="000000">
-                      <a:alpha val="43137"/>
-                    </a:srgbClr>
-                  </a:outerShdw>
-                </a:effectLst>
-              </a:rPr>
-              <a:t>7</a:t>
-            </a:r>
-            <a:r>
-              <a:rPr lang="ko-KR" altLang="en-US" sz="2400">
-                <a:effectLst>
-                  <a:outerShdw blurRad="38100" dist="38100" dir="2700000" algn="tl">
-                    <a:srgbClr val="000000">
-                      <a:alpha val="43137"/>
-                    </a:srgbClr>
-                  </a:outerShdw>
-                </a:effectLst>
-              </a:rPr>
-              <a:t>번 문제 풀이</a:t>
-            </a:r>
-            <a:endParaRPr lang="en-US" altLang="ko-KR" sz="2400">
-              <a:effectLst>
-                <a:outerShdw blurRad="38100" dist="38100" dir="2700000" algn="tl">
-                  <a:srgbClr val="000000">
-                    <a:alpha val="43137"/>
-                  </a:srgbClr>
-                </a:outerShdw>
-              </a:effectLst>
-            </a:endParaRPr>
-          </a:p>
-        </p:txBody>
-      </p:sp>
+              <a:t>?</a:t>
+            </a:r>
+          </a:p>
+        </p:txBody>
+      </p:sp>
+      <p:pic>
+        <p:nvPicPr>
+          <p:cNvPr id="5" name="그림 4">
+            <a:extLst>
+              <a:ext uri="{FF2B5EF4-FFF2-40B4-BE49-F238E27FC236}">
+                <a16:creationId xmlns:a16="http://schemas.microsoft.com/office/drawing/2014/main" id="{92B67257-979B-487B-A1DC-FDD9E6C14408}"/>
+              </a:ext>
+            </a:extLst>
+          </p:cNvPr>
+          <p:cNvPicPr>
+            <a:picLocks noChangeAspect="1"/>
+          </p:cNvPicPr>
+          <p:nvPr/>
+        </p:nvPicPr>
+        <p:blipFill>
+          <a:blip r:embed="rId3">
+            <a:extLst>
+              <a:ext uri="{28A0092B-C50C-407E-A947-70E740481C1C}">
+                <a14:useLocalDpi xmlns:a14="http://schemas.microsoft.com/office/drawing/2010/main" val="0"/>
+              </a:ext>
+            </a:extLst>
+          </a:blip>
+          <a:stretch>
+            <a:fillRect/>
+          </a:stretch>
+        </p:blipFill>
+        <p:spPr>
+          <a:xfrm>
+            <a:off x="7346420" y="1268506"/>
+            <a:ext cx="4234188" cy="5378824"/>
+          </a:xfrm>
+          <a:prstGeom prst="rect">
+            <a:avLst/>
+          </a:prstGeom>
+        </p:spPr>
+      </p:pic>
     </p:spTree>
     <p:extLst>
       <p:ext uri="{BB962C8B-B14F-4D97-AF65-F5344CB8AC3E}">
-        <p14:creationId xmlns:p14="http://schemas.microsoft.com/office/powerpoint/2010/main" val="2671780194"/>
+        <p14:creationId xmlns:p14="http://schemas.microsoft.com/office/powerpoint/2010/main" val="4291984631"/>
       </p:ext>
     </p:extLst>
   </p:cSld>
@@ -8189,7 +10827,7 @@
                   </a:outerShdw>
                 </a:effectLst>
               </a:rPr>
-              <a:t>구조체</a:t>
+              <a:t>포인터</a:t>
             </a:r>
           </a:p>
         </p:txBody>
@@ -8293,10 +10931,10 @@
       </p:cxnSp>
       <p:sp>
         <p:nvSpPr>
-          <p:cNvPr id="8" name="TextBox 7">
-            <a:extLst>
-              <a:ext uri="{FF2B5EF4-FFF2-40B4-BE49-F238E27FC236}">
-                <a16:creationId xmlns:a16="http://schemas.microsoft.com/office/drawing/2014/main" id="{401ED521-CFE1-44B7-9BB3-E355239399D3}"/>
+          <p:cNvPr id="9" name="TextBox 8">
+            <a:extLst>
+              <a:ext uri="{FF2B5EF4-FFF2-40B4-BE49-F238E27FC236}">
+                <a16:creationId xmlns:a16="http://schemas.microsoft.com/office/drawing/2014/main" id="{0D9F02F6-35F7-46F5-8FFE-FBAD20732CDC}"/>
               </a:ext>
             </a:extLst>
           </p:cNvPr>
@@ -8305,8 +10943,8 @@
         </p:nvSpPr>
         <p:spPr>
           <a:xfrm>
-            <a:off x="730922" y="2402136"/>
-            <a:ext cx="8554720" cy="1200329"/>
+            <a:off x="301812" y="1347761"/>
+            <a:ext cx="7700955" cy="461665"/>
           </a:xfrm>
           <a:prstGeom prst="rect">
             <a:avLst/>
@@ -8319,6 +10957,74 @@
           </a:bodyPr>
           <a:lstStyle/>
           <a:p>
+            <a:pPr marL="457200" indent="-457200">
+              <a:buFont typeface="Arial" panose="020B0604020202020204" pitchFamily="34" charset="0"/>
+              <a:buChar char="•"/>
+            </a:pPr>
+            <a:r>
+              <a:rPr lang="ko-KR" altLang="en-US" sz="2400" b="1">
+                <a:effectLst>
+                  <a:outerShdw blurRad="38100" dist="38100" dir="2700000" algn="tl">
+                    <a:srgbClr val="000000">
+                      <a:alpha val="43137"/>
+                    </a:srgbClr>
+                  </a:outerShdw>
+                </a:effectLst>
+              </a:rPr>
+              <a:t>포인터의 예시</a:t>
+            </a:r>
+            <a:endParaRPr lang="en-US" altLang="ko-KR" sz="2400" b="1">
+              <a:effectLst>
+                <a:outerShdw blurRad="38100" dist="38100" dir="2700000" algn="tl">
+                  <a:srgbClr val="000000">
+                    <a:alpha val="43137"/>
+                  </a:srgbClr>
+                </a:outerShdw>
+              </a:effectLst>
+            </a:endParaRPr>
+          </a:p>
+        </p:txBody>
+      </p:sp>
+      <p:sp>
+        <p:nvSpPr>
+          <p:cNvPr id="10" name="TextBox 9">
+            <a:extLst>
+              <a:ext uri="{FF2B5EF4-FFF2-40B4-BE49-F238E27FC236}">
+                <a16:creationId xmlns:a16="http://schemas.microsoft.com/office/drawing/2014/main" id="{A29EA04F-7B1B-49BC-ACB8-3B4FF42C8C33}"/>
+              </a:ext>
+            </a:extLst>
+          </p:cNvPr>
+          <p:cNvSpPr txBox="1"/>
+          <p:nvPr/>
+        </p:nvSpPr>
+        <p:spPr>
+          <a:xfrm>
+            <a:off x="730922" y="1941546"/>
+            <a:ext cx="9300584" cy="461665"/>
+          </a:xfrm>
+          <a:prstGeom prst="rect">
+            <a:avLst/>
+          </a:prstGeom>
+          <a:noFill/>
+        </p:spPr>
+        <p:txBody>
+          <a:bodyPr wrap="square" rtlCol="0">
+            <a:spAutoFit/>
+          </a:bodyPr>
+          <a:lstStyle/>
+          <a:p>
+            <a:r>
+              <a:rPr lang="ko-KR" altLang="en-US" sz="2400">
+                <a:effectLst>
+                  <a:outerShdw blurRad="38100" dist="38100" dir="2700000" algn="tl">
+                    <a:srgbClr val="000000">
+                      <a:alpha val="43137"/>
+                    </a:srgbClr>
+                  </a:outerShdw>
+                </a:effectLst>
+              </a:rPr>
+              <a:t>신입생 </a:t>
+            </a:r>
             <a:r>
               <a:rPr lang="en-US" altLang="ko-KR" sz="2400">
                 <a:effectLst>
@@ -8329,7 +11035,7 @@
                   </a:outerShdw>
                 </a:effectLst>
               </a:rPr>
-              <a:t>struct </a:t>
+              <a:t>C</a:t>
             </a:r>
             <a:r>
               <a:rPr lang="ko-KR" altLang="en-US" sz="2400">
@@ -8341,7 +11047,7 @@
                   </a:outerShdw>
                 </a:effectLst>
               </a:rPr>
-              <a:t>구조체이름 </a:t>
+              <a:t>언어 테스트 </a:t>
             </a:r>
             <a:r>
               <a:rPr lang="en-US" altLang="ko-KR" sz="2400">
@@ -8353,21 +11059,7 @@
                   </a:outerShdw>
                 </a:effectLst>
               </a:rPr>
-              <a:t>{</a:t>
-            </a:r>
-          </a:p>
-          <a:p>
-            <a:r>
-              <a:rPr lang="en-US" altLang="ko-KR" sz="2400">
-                <a:effectLst>
-                  <a:outerShdw blurRad="38100" dist="38100" dir="2700000" algn="tl">
-                    <a:srgbClr val="000000">
-                      <a:alpha val="43137"/>
-                    </a:srgbClr>
-                  </a:outerShdw>
-                </a:effectLst>
-              </a:rPr>
-              <a:t>	</a:t>
+              <a:t>7</a:t>
             </a:r>
             <a:r>
               <a:rPr lang="ko-KR" altLang="en-US" sz="2400">
@@ -8379,7 +11071,7 @@
                   </a:outerShdw>
                 </a:effectLst>
               </a:rPr>
-              <a:t>멤버변수자료형 멤버변수이름</a:t>
+              <a:t>번 문제 풀이</a:t>
             </a:r>
             <a:endParaRPr lang="en-US" altLang="ko-KR" sz="2400">
               <a:effectLst>
@@ -8391,408 +11083,12 @@
               </a:effectLst>
             </a:endParaRPr>
           </a:p>
-          <a:p>
-            <a:r>
-              <a:rPr lang="en-US" altLang="ko-KR" sz="2400">
-                <a:effectLst>
-                  <a:outerShdw blurRad="38100" dist="38100" dir="2700000" algn="tl">
-                    <a:srgbClr val="000000">
-                      <a:alpha val="43137"/>
-                    </a:srgbClr>
-                  </a:outerShdw>
-                </a:effectLst>
-              </a:rPr>
-              <a:t>};</a:t>
-            </a:r>
-          </a:p>
-        </p:txBody>
-      </p:sp>
-      <p:sp>
-        <p:nvSpPr>
-          <p:cNvPr id="9" name="TextBox 8">
-            <a:extLst>
-              <a:ext uri="{FF2B5EF4-FFF2-40B4-BE49-F238E27FC236}">
-                <a16:creationId xmlns:a16="http://schemas.microsoft.com/office/drawing/2014/main" id="{0D9F02F6-35F7-46F5-8FFE-FBAD20732CDC}"/>
-              </a:ext>
-            </a:extLst>
-          </p:cNvPr>
-          <p:cNvSpPr txBox="1"/>
-          <p:nvPr/>
-        </p:nvSpPr>
-        <p:spPr>
-          <a:xfrm>
-            <a:off x="301812" y="1347761"/>
-            <a:ext cx="7700955" cy="461665"/>
-          </a:xfrm>
-          <a:prstGeom prst="rect">
-            <a:avLst/>
-          </a:prstGeom>
-          <a:noFill/>
-        </p:spPr>
-        <p:txBody>
-          <a:bodyPr wrap="square" rtlCol="0">
-            <a:spAutoFit/>
-          </a:bodyPr>
-          <a:lstStyle/>
-          <a:p>
-            <a:pPr marL="457200" indent="-457200">
-              <a:buFont typeface="Arial" panose="020B0604020202020204" pitchFamily="34" charset="0"/>
-              <a:buChar char="•"/>
-            </a:pPr>
-            <a:r>
-              <a:rPr lang="ko-KR" altLang="en-US" sz="2400" b="1">
-                <a:effectLst>
-                  <a:outerShdw blurRad="38100" dist="38100" dir="2700000" algn="tl">
-                    <a:srgbClr val="000000">
-                      <a:alpha val="43137"/>
-                    </a:srgbClr>
-                  </a:outerShdw>
-                </a:effectLst>
-              </a:rPr>
-              <a:t>구조체의 정의</a:t>
-            </a:r>
-            <a:endParaRPr lang="en-US" altLang="ko-KR" sz="2400" b="1">
-              <a:effectLst>
-                <a:outerShdw blurRad="38100" dist="38100" dir="2700000" algn="tl">
-                  <a:srgbClr val="000000">
-                    <a:alpha val="43137"/>
-                  </a:srgbClr>
-                </a:outerShdw>
-              </a:effectLst>
-            </a:endParaRPr>
-          </a:p>
-        </p:txBody>
-      </p:sp>
-      <p:sp>
-        <p:nvSpPr>
-          <p:cNvPr id="12" name="TextBox 11">
-            <a:extLst>
-              <a:ext uri="{FF2B5EF4-FFF2-40B4-BE49-F238E27FC236}">
-                <a16:creationId xmlns:a16="http://schemas.microsoft.com/office/drawing/2014/main" id="{58B23639-8E26-4765-9ED6-11518F66D22D}"/>
-              </a:ext>
-            </a:extLst>
-          </p:cNvPr>
-          <p:cNvSpPr txBox="1"/>
-          <p:nvPr/>
-        </p:nvSpPr>
-        <p:spPr>
-          <a:xfrm>
-            <a:off x="730922" y="5901349"/>
-            <a:ext cx="7497483" cy="369332"/>
-          </a:xfrm>
-          <a:prstGeom prst="rect">
-            <a:avLst/>
-          </a:prstGeom>
-          <a:noFill/>
-        </p:spPr>
-        <p:txBody>
-          <a:bodyPr wrap="square" rtlCol="0">
-            <a:spAutoFit/>
-          </a:bodyPr>
-          <a:lstStyle/>
-          <a:p>
-            <a:r>
-              <a:rPr lang="ko-KR" altLang="en-US">
-                <a:solidFill>
-                  <a:srgbClr val="0000FF"/>
-                </a:solidFill>
-                <a:effectLst>
-                  <a:outerShdw blurRad="38100" dist="38100" dir="2700000" algn="tl">
-                    <a:srgbClr val="000000">
-                      <a:alpha val="43137"/>
-                    </a:srgbClr>
-                  </a:outerShdw>
-                </a:effectLst>
-              </a:rPr>
-              <a:t>구조체는 온점</a:t>
-            </a:r>
-            <a:r>
-              <a:rPr lang="en-US" altLang="ko-KR">
-                <a:solidFill>
-                  <a:srgbClr val="0000FF"/>
-                </a:solidFill>
-                <a:effectLst>
-                  <a:outerShdw blurRad="38100" dist="38100" dir="2700000" algn="tl">
-                    <a:srgbClr val="000000">
-                      <a:alpha val="43137"/>
-                    </a:srgbClr>
-                  </a:outerShdw>
-                </a:effectLst>
-              </a:rPr>
-              <a:t>(.)</a:t>
-            </a:r>
-            <a:r>
-              <a:rPr lang="ko-KR" altLang="en-US">
-                <a:solidFill>
-                  <a:srgbClr val="0000FF"/>
-                </a:solidFill>
-                <a:effectLst>
-                  <a:outerShdw blurRad="38100" dist="38100" dir="2700000" algn="tl">
-                    <a:srgbClr val="000000">
-                      <a:alpha val="43137"/>
-                    </a:srgbClr>
-                  </a:outerShdw>
-                </a:effectLst>
-              </a:rPr>
-              <a:t>을 이용해 멤버변수 호출</a:t>
-            </a:r>
-            <a:endParaRPr lang="en-US" altLang="ko-KR">
-              <a:solidFill>
-                <a:srgbClr val="0000FF"/>
-              </a:solidFill>
-              <a:effectLst>
-                <a:outerShdw blurRad="38100" dist="38100" dir="2700000" algn="tl">
-                  <a:srgbClr val="000000">
-                    <a:alpha val="43137"/>
-                  </a:srgbClr>
-                </a:outerShdw>
-              </a:effectLst>
-            </a:endParaRPr>
-          </a:p>
-        </p:txBody>
-      </p:sp>
-      <p:sp>
-        <p:nvSpPr>
-          <p:cNvPr id="10" name="TextBox 9">
-            <a:extLst>
-              <a:ext uri="{FF2B5EF4-FFF2-40B4-BE49-F238E27FC236}">
-                <a16:creationId xmlns:a16="http://schemas.microsoft.com/office/drawing/2014/main" id="{A29EA04F-7B1B-49BC-ACB8-3B4FF42C8C33}"/>
-              </a:ext>
-            </a:extLst>
-          </p:cNvPr>
-          <p:cNvSpPr txBox="1"/>
-          <p:nvPr/>
-        </p:nvSpPr>
-        <p:spPr>
-          <a:xfrm>
-            <a:off x="730922" y="1941546"/>
-            <a:ext cx="9300584" cy="461665"/>
-          </a:xfrm>
-          <a:prstGeom prst="rect">
-            <a:avLst/>
-          </a:prstGeom>
-          <a:noFill/>
-        </p:spPr>
-        <p:txBody>
-          <a:bodyPr wrap="square" rtlCol="0">
-            <a:spAutoFit/>
-          </a:bodyPr>
-          <a:lstStyle/>
-          <a:p>
-            <a:r>
-              <a:rPr lang="ko-KR" altLang="en-US" sz="2400">
-                <a:effectLst>
-                  <a:outerShdw blurRad="38100" dist="38100" dir="2700000" algn="tl">
-                    <a:srgbClr val="000000">
-                      <a:alpha val="43137"/>
-                    </a:srgbClr>
-                  </a:outerShdw>
-                </a:effectLst>
-              </a:rPr>
-              <a:t>데이터를 구조화하여 처리할 때 사용</a:t>
-            </a:r>
-            <a:endParaRPr lang="en-US" altLang="ko-KR" sz="2400">
-              <a:effectLst>
-                <a:outerShdw blurRad="38100" dist="38100" dir="2700000" algn="tl">
-                  <a:srgbClr val="000000">
-                    <a:alpha val="43137"/>
-                  </a:srgbClr>
-                </a:outerShdw>
-              </a:effectLst>
-            </a:endParaRPr>
-          </a:p>
-        </p:txBody>
-      </p:sp>
-      <p:sp>
-        <p:nvSpPr>
-          <p:cNvPr id="13" name="TextBox 12">
-            <a:extLst>
-              <a:ext uri="{FF2B5EF4-FFF2-40B4-BE49-F238E27FC236}">
-                <a16:creationId xmlns:a16="http://schemas.microsoft.com/office/drawing/2014/main" id="{04402C15-8A07-45E0-B642-1258FC8D6C13}"/>
-              </a:ext>
-            </a:extLst>
-          </p:cNvPr>
-          <p:cNvSpPr txBox="1"/>
-          <p:nvPr/>
-        </p:nvSpPr>
-        <p:spPr>
-          <a:xfrm>
-            <a:off x="730922" y="3737878"/>
-            <a:ext cx="8554720" cy="830997"/>
-          </a:xfrm>
-          <a:prstGeom prst="rect">
-            <a:avLst/>
-          </a:prstGeom>
-          <a:noFill/>
-        </p:spPr>
-        <p:txBody>
-          <a:bodyPr wrap="square" rtlCol="0">
-            <a:spAutoFit/>
-          </a:bodyPr>
-          <a:lstStyle/>
-          <a:p>
-            <a:r>
-              <a:rPr lang="ko-KR" altLang="en-US" sz="2400">
-                <a:effectLst>
-                  <a:outerShdw blurRad="38100" dist="38100" dir="2700000" algn="tl">
-                    <a:srgbClr val="000000">
-                      <a:alpha val="43137"/>
-                    </a:srgbClr>
-                  </a:outerShdw>
-                </a:effectLst>
-              </a:rPr>
-              <a:t>구조체의 선언</a:t>
-            </a:r>
-            <a:r>
-              <a:rPr lang="en-US" altLang="ko-KR" sz="2400">
-                <a:effectLst>
-                  <a:outerShdw blurRad="38100" dist="38100" dir="2700000" algn="tl">
-                    <a:srgbClr val="000000">
-                      <a:alpha val="43137"/>
-                    </a:srgbClr>
-                  </a:outerShdw>
-                </a:effectLst>
-              </a:rPr>
-              <a:t>)</a:t>
-            </a:r>
-          </a:p>
-          <a:p>
-            <a:r>
-              <a:rPr lang="ko-KR" altLang="en-US" sz="2400">
-                <a:effectLst>
-                  <a:outerShdw blurRad="38100" dist="38100" dir="2700000" algn="tl">
-                    <a:srgbClr val="000000">
-                      <a:alpha val="43137"/>
-                    </a:srgbClr>
-                  </a:outerShdw>
-                </a:effectLst>
-              </a:rPr>
-              <a:t>구조체이름 구조체변수이름</a:t>
-            </a:r>
-            <a:r>
-              <a:rPr lang="en-US" altLang="ko-KR" sz="2400">
-                <a:effectLst>
-                  <a:outerShdw blurRad="38100" dist="38100" dir="2700000" algn="tl">
-                    <a:srgbClr val="000000">
-                      <a:alpha val="43137"/>
-                    </a:srgbClr>
-                  </a:outerShdw>
-                </a:effectLst>
-              </a:rPr>
-              <a:t>;</a:t>
-            </a:r>
-          </a:p>
-        </p:txBody>
-      </p:sp>
-      <p:sp>
-        <p:nvSpPr>
-          <p:cNvPr id="18" name="TextBox 17">
-            <a:extLst>
-              <a:ext uri="{FF2B5EF4-FFF2-40B4-BE49-F238E27FC236}">
-                <a16:creationId xmlns:a16="http://schemas.microsoft.com/office/drawing/2014/main" id="{727189BF-5439-4245-88FE-AB193C84419D}"/>
-              </a:ext>
-            </a:extLst>
-          </p:cNvPr>
-          <p:cNvSpPr txBox="1"/>
-          <p:nvPr/>
-        </p:nvSpPr>
-        <p:spPr>
-          <a:xfrm>
-            <a:off x="730922" y="4568875"/>
-            <a:ext cx="8554720" cy="830997"/>
-          </a:xfrm>
-          <a:prstGeom prst="rect">
-            <a:avLst/>
-          </a:prstGeom>
-          <a:noFill/>
-        </p:spPr>
-        <p:txBody>
-          <a:bodyPr wrap="square" rtlCol="0">
-            <a:spAutoFit/>
-          </a:bodyPr>
-          <a:lstStyle/>
-          <a:p>
-            <a:r>
-              <a:rPr lang="ko-KR" altLang="en-US" sz="2400">
-                <a:effectLst>
-                  <a:outerShdw blurRad="38100" dist="38100" dir="2700000" algn="tl">
-                    <a:srgbClr val="000000">
-                      <a:alpha val="43137"/>
-                    </a:srgbClr>
-                  </a:outerShdw>
-                </a:effectLst>
-              </a:rPr>
-              <a:t>구조체의 멤버변수 호출</a:t>
-            </a:r>
-            <a:r>
-              <a:rPr lang="en-US" altLang="ko-KR" sz="2400">
-                <a:effectLst>
-                  <a:outerShdw blurRad="38100" dist="38100" dir="2700000" algn="tl">
-                    <a:srgbClr val="000000">
-                      <a:alpha val="43137"/>
-                    </a:srgbClr>
-                  </a:outerShdw>
-                </a:effectLst>
-              </a:rPr>
-              <a:t>)</a:t>
-            </a:r>
-          </a:p>
-          <a:p>
-            <a:r>
-              <a:rPr lang="ko-KR" altLang="en-US" sz="2400">
-                <a:effectLst>
-                  <a:outerShdw blurRad="38100" dist="38100" dir="2700000" algn="tl">
-                    <a:srgbClr val="000000">
-                      <a:alpha val="43137"/>
-                    </a:srgbClr>
-                  </a:outerShdw>
-                </a:effectLst>
-              </a:rPr>
-              <a:t>구조체변수이름</a:t>
-            </a:r>
-            <a:r>
-              <a:rPr lang="en-US" altLang="ko-KR" sz="2400">
-                <a:effectLst>
-                  <a:outerShdw blurRad="38100" dist="38100" dir="2700000" algn="tl">
-                    <a:srgbClr val="000000">
-                      <a:alpha val="43137"/>
-                    </a:srgbClr>
-                  </a:outerShdw>
-                </a:effectLst>
-              </a:rPr>
-              <a:t>.</a:t>
-            </a:r>
-            <a:r>
-              <a:rPr lang="ko-KR" altLang="en-US" sz="2400">
-                <a:effectLst>
-                  <a:outerShdw blurRad="38100" dist="38100" dir="2700000" algn="tl">
-                    <a:srgbClr val="000000">
-                      <a:alpha val="43137"/>
-                    </a:srgbClr>
-                  </a:outerShdw>
-                </a:effectLst>
-              </a:rPr>
-              <a:t>멤버변수이름</a:t>
-            </a:r>
-            <a:r>
-              <a:rPr lang="en-US" altLang="ko-KR" sz="2400">
-                <a:effectLst>
-                  <a:outerShdw blurRad="38100" dist="38100" dir="2700000" algn="tl">
-                    <a:srgbClr val="000000">
-                      <a:alpha val="43137"/>
-                    </a:srgbClr>
-                  </a:outerShdw>
-                </a:effectLst>
-              </a:rPr>
-              <a:t>;</a:t>
-            </a:r>
-          </a:p>
         </p:txBody>
       </p:sp>
     </p:spTree>
     <p:extLst>
       <p:ext uri="{BB962C8B-B14F-4D97-AF65-F5344CB8AC3E}">
-        <p14:creationId xmlns:p14="http://schemas.microsoft.com/office/powerpoint/2010/main" val="806223786"/>
+        <p14:creationId xmlns:p14="http://schemas.microsoft.com/office/powerpoint/2010/main" val="2671780194"/>
       </p:ext>
     </p:extLst>
   </p:cSld>
@@ -9012,7 +11308,7 @@
         <p:spPr>
           <a:xfrm>
             <a:off x="730922" y="2402136"/>
-            <a:ext cx="8554720" cy="4524315"/>
+            <a:ext cx="8554720" cy="1200329"/>
           </a:xfrm>
           <a:prstGeom prst="rect">
             <a:avLst/>
@@ -9026,20 +11322,68 @@
           <a:lstStyle/>
           <a:p>
             <a:r>
-              <a:rPr lang="en-US" altLang="ko-KR" sz="1600">
-                <a:effectLst>
-                  <a:outerShdw blurRad="38100" dist="38100" dir="2700000" algn="tl">
-                    <a:srgbClr val="000000">
-                      <a:alpha val="43137"/>
-                    </a:srgbClr>
-                  </a:outerShdw>
-                </a:effectLst>
-              </a:rPr>
-              <a:t>#include &lt;stdio.h&gt;</a:t>
-            </a:r>
-          </a:p>
-          <a:p>
-            <a:endParaRPr lang="en-US" altLang="ko-KR" sz="1600">
+              <a:rPr lang="en-US" altLang="ko-KR" sz="2400">
+                <a:effectLst>
+                  <a:outerShdw blurRad="38100" dist="38100" dir="2700000" algn="tl">
+                    <a:srgbClr val="000000">
+                      <a:alpha val="43137"/>
+                    </a:srgbClr>
+                  </a:outerShdw>
+                </a:effectLst>
+              </a:rPr>
+              <a:t>struct </a:t>
+            </a:r>
+            <a:r>
+              <a:rPr lang="ko-KR" altLang="en-US" sz="2400">
+                <a:effectLst>
+                  <a:outerShdw blurRad="38100" dist="38100" dir="2700000" algn="tl">
+                    <a:srgbClr val="000000">
+                      <a:alpha val="43137"/>
+                    </a:srgbClr>
+                  </a:outerShdw>
+                </a:effectLst>
+              </a:rPr>
+              <a:t>구조체이름 </a:t>
+            </a:r>
+            <a:r>
+              <a:rPr lang="en-US" altLang="ko-KR" sz="2400">
+                <a:effectLst>
+                  <a:outerShdw blurRad="38100" dist="38100" dir="2700000" algn="tl">
+                    <a:srgbClr val="000000">
+                      <a:alpha val="43137"/>
+                    </a:srgbClr>
+                  </a:outerShdw>
+                </a:effectLst>
+              </a:rPr>
+              <a:t>{</a:t>
+            </a:r>
+          </a:p>
+          <a:p>
+            <a:r>
+              <a:rPr lang="en-US" altLang="ko-KR" sz="2400">
+                <a:effectLst>
+                  <a:outerShdw blurRad="38100" dist="38100" dir="2700000" algn="tl">
+                    <a:srgbClr val="000000">
+                      <a:alpha val="43137"/>
+                    </a:srgbClr>
+                  </a:outerShdw>
+                </a:effectLst>
+              </a:rPr>
+              <a:t>	</a:t>
+            </a:r>
+            <a:r>
+              <a:rPr lang="ko-KR" altLang="en-US" sz="2400">
+                <a:effectLst>
+                  <a:outerShdw blurRad="38100" dist="38100" dir="2700000" algn="tl">
+                    <a:srgbClr val="000000">
+                      <a:alpha val="43137"/>
+                    </a:srgbClr>
+                  </a:outerShdw>
+                </a:effectLst>
+              </a:rPr>
+              <a:t>멤버변수자료형 멤버변수이름</a:t>
+            </a:r>
+            <a:endParaRPr lang="en-US" altLang="ko-KR" sz="2400">
               <a:effectLst>
                 <a:outerShdw blurRad="38100" dist="38100" dir="2700000" algn="tl">
                   <a:srgbClr val="000000">
@@ -9051,250 +11395,16 @@
           </a:p>
           <a:p>
             <a:r>
-              <a:rPr lang="en-US" altLang="ko-KR" sz="1600">
-                <a:effectLst>
-                  <a:outerShdw blurRad="38100" dist="38100" dir="2700000" algn="tl">
-                    <a:srgbClr val="000000">
-                      <a:alpha val="43137"/>
-                    </a:srgbClr>
-                  </a:outerShdw>
-                </a:effectLst>
-              </a:rPr>
-              <a:t>int main() {</a:t>
-            </a:r>
-          </a:p>
-          <a:p>
-            <a:r>
-              <a:rPr lang="en-US" altLang="ko-KR" sz="1600">
-                <a:effectLst>
-                  <a:outerShdw blurRad="38100" dist="38100" dir="2700000" algn="tl">
-                    <a:srgbClr val="000000">
-                      <a:alpha val="43137"/>
-                    </a:srgbClr>
-                  </a:outerShdw>
-                </a:effectLst>
-              </a:rPr>
-              <a:t>	struct Human {</a:t>
-            </a:r>
-          </a:p>
-          <a:p>
-            <a:r>
-              <a:rPr lang="en-US" altLang="ko-KR" sz="1600">
-                <a:effectLst>
-                  <a:outerShdw blurRad="38100" dist="38100" dir="2700000" algn="tl">
-                    <a:srgbClr val="000000">
-                      <a:alpha val="43137"/>
-                    </a:srgbClr>
-                  </a:outerShdw>
-                </a:effectLst>
-              </a:rPr>
-              <a:t>		int age;</a:t>
-            </a:r>
-          </a:p>
-          <a:p>
-            <a:r>
-              <a:rPr lang="en-US" altLang="ko-KR" sz="1600">
-                <a:effectLst>
-                  <a:outerShdw blurRad="38100" dist="38100" dir="2700000" algn="tl">
-                    <a:srgbClr val="000000">
-                      <a:alpha val="43137"/>
-                    </a:srgbClr>
-                  </a:outerShdw>
-                </a:effectLst>
-              </a:rPr>
-              <a:t>		int height;</a:t>
-            </a:r>
-          </a:p>
-          <a:p>
-            <a:r>
-              <a:rPr lang="en-US" altLang="ko-KR" sz="1600">
-                <a:effectLst>
-                  <a:outerShdw blurRad="38100" dist="38100" dir="2700000" algn="tl">
-                    <a:srgbClr val="000000">
-                      <a:alpha val="43137"/>
-                    </a:srgbClr>
-                  </a:outerShdw>
-                </a:effectLst>
-              </a:rPr>
-              <a:t>		char[20] name;</a:t>
-            </a:r>
-          </a:p>
-          <a:p>
-            <a:r>
-              <a:rPr lang="en-US" altLang="ko-KR" sz="1600">
-                <a:effectLst>
-                  <a:outerShdw blurRad="38100" dist="38100" dir="2700000" algn="tl">
-                    <a:srgbClr val="000000">
-                      <a:alpha val="43137"/>
-                    </a:srgbClr>
-                  </a:outerShdw>
-                </a:effectLst>
-              </a:rPr>
-              <a:t>	};</a:t>
-            </a:r>
-          </a:p>
-          <a:p>
-            <a:r>
-              <a:rPr lang="en-US" altLang="ko-KR" sz="1600">
-                <a:effectLst>
-                  <a:outerShdw blurRad="38100" dist="38100" dir="2700000" algn="tl">
-                    <a:srgbClr val="000000">
-                      <a:alpha val="43137"/>
-                    </a:srgbClr>
-                  </a:outerShdw>
-                </a:effectLst>
-              </a:rPr>
-              <a:t>	struct Human seonhwi;</a:t>
-            </a:r>
-          </a:p>
-          <a:p>
-            <a:r>
-              <a:rPr lang="en-US" altLang="ko-KR" sz="1600">
-                <a:effectLst>
-                  <a:outerShdw blurRad="38100" dist="38100" dir="2700000" algn="tl">
-                    <a:srgbClr val="000000">
-                      <a:alpha val="43137"/>
-                    </a:srgbClr>
-                  </a:outerShdw>
-                </a:effectLst>
-              </a:rPr>
-              <a:t>	struct Human jaeyoung;</a:t>
-            </a:r>
-          </a:p>
-          <a:p>
-            <a:r>
-              <a:rPr lang="en-US" altLang="ko-KR" sz="1600">
-                <a:effectLst>
-                  <a:outerShdw blurRad="38100" dist="38100" dir="2700000" algn="tl">
-                    <a:srgbClr val="000000">
-                      <a:alpha val="43137"/>
-                    </a:srgbClr>
-                  </a:outerShdw>
-                </a:effectLst>
-              </a:rPr>
-              <a:t>	seonhwi.age = 24;</a:t>
-            </a:r>
-          </a:p>
-          <a:p>
-            <a:r>
-              <a:rPr lang="en-US" altLang="ko-KR" sz="1600">
-                <a:effectLst>
-                  <a:outerShdw blurRad="38100" dist="38100" dir="2700000" algn="tl">
-                    <a:srgbClr val="000000">
-                      <a:alpha val="43137"/>
-                    </a:srgbClr>
-                  </a:outerShdw>
-                </a:effectLst>
-              </a:rPr>
-              <a:t>	seonhwi.height = 178;</a:t>
-            </a:r>
-          </a:p>
-          <a:p>
-            <a:r>
-              <a:rPr lang="en-US" altLang="ko-KR" sz="1600">
-                <a:effectLst>
-                  <a:outerShdw blurRad="38100" dist="38100" dir="2700000" algn="tl">
-                    <a:srgbClr val="000000">
-                      <a:alpha val="43137"/>
-                    </a:srgbClr>
-                  </a:outerShdw>
-                </a:effectLst>
-              </a:rPr>
-              <a:t>	seonhwi.name = “KimSeonHwi”;</a:t>
-            </a:r>
-          </a:p>
-          <a:p>
-            <a:r>
-              <a:rPr lang="en-US" altLang="ko-KR" sz="1600">
-                <a:effectLst>
-                  <a:outerShdw blurRad="38100" dist="38100" dir="2700000" algn="tl">
-                    <a:srgbClr val="000000">
-                      <a:alpha val="43137"/>
-                    </a:srgbClr>
-                  </a:outerShdw>
-                </a:effectLst>
-              </a:rPr>
-              <a:t>	jaeyoung.age = 23;</a:t>
-            </a:r>
-          </a:p>
-          <a:p>
-            <a:r>
-              <a:rPr lang="en-US" altLang="ko-KR" sz="1600">
-                <a:effectLst>
-                  <a:outerShdw blurRad="38100" dist="38100" dir="2700000" algn="tl">
-                    <a:srgbClr val="000000">
-                      <a:alpha val="43137"/>
-                    </a:srgbClr>
-                  </a:outerShdw>
-                </a:effectLst>
-              </a:rPr>
-              <a:t>	jaeyoung.height = 175;</a:t>
-            </a:r>
-          </a:p>
-          <a:p>
-            <a:r>
-              <a:rPr lang="en-US" altLang="ko-KR" sz="1600">
-                <a:effectLst>
-                  <a:outerShdw blurRad="38100" dist="38100" dir="2700000" algn="tl">
-                    <a:srgbClr val="000000">
-                      <a:alpha val="43137"/>
-                    </a:srgbClr>
-                  </a:outerShdw>
-                </a:effectLst>
-              </a:rPr>
-              <a:t>	jaeyoung.name = “JoJaeYoung”;</a:t>
-            </a:r>
-          </a:p>
-          <a:p>
-            <a:r>
-              <a:rPr lang="en-US" altLang="ko-KR" sz="1600">
-                <a:effectLst>
-                  <a:outerShdw blurRad="38100" dist="38100" dir="2700000" algn="tl">
-                    <a:srgbClr val="000000">
-                      <a:alpha val="43137"/>
-                    </a:srgbClr>
-                  </a:outerShdw>
-                </a:effectLst>
-              </a:rPr>
-              <a:t>	return</a:t>
-            </a:r>
-            <a:r>
-              <a:rPr lang="ko-KR" altLang="en-US" sz="1600">
-                <a:effectLst>
-                  <a:outerShdw blurRad="38100" dist="38100" dir="2700000" algn="tl">
-                    <a:srgbClr val="000000">
-                      <a:alpha val="43137"/>
-                    </a:srgbClr>
-                  </a:outerShdw>
-                </a:effectLst>
-              </a:rPr>
-              <a:t> </a:t>
-            </a:r>
-            <a:r>
-              <a:rPr lang="en-US" altLang="ko-KR" sz="1600">
-                <a:effectLst>
-                  <a:outerShdw blurRad="38100" dist="38100" dir="2700000" algn="tl">
-                    <a:srgbClr val="000000">
-                      <a:alpha val="43137"/>
-                    </a:srgbClr>
-                  </a:outerShdw>
-                </a:effectLst>
-              </a:rPr>
-              <a:t>0;</a:t>
-            </a:r>
-          </a:p>
-          <a:p>
-            <a:r>
-              <a:rPr lang="en-US" altLang="ko-KR" sz="1600">
-                <a:effectLst>
-                  <a:outerShdw blurRad="38100" dist="38100" dir="2700000" algn="tl">
-                    <a:srgbClr val="000000">
-                      <a:alpha val="43137"/>
-                    </a:srgbClr>
-                  </a:outerShdw>
-                </a:effectLst>
-              </a:rPr>
-              <a:t>}</a:t>
+              <a:rPr lang="en-US" altLang="ko-KR" sz="2400">
+                <a:effectLst>
+                  <a:outerShdw blurRad="38100" dist="38100" dir="2700000" algn="tl">
+                    <a:srgbClr val="000000">
+                      <a:alpha val="43137"/>
+                    </a:srgbClr>
+                  </a:outerShdw>
+                </a:effectLst>
+              </a:rPr>
+              <a:t>};</a:t>
             </a:r>
           </a:p>
         </p:txBody>
@@ -9341,7 +11451,7 @@
                   </a:outerShdw>
                 </a:effectLst>
               </a:rPr>
-              <a:t>구조체의 사용 예시</a:t>
+              <a:t>구조체의 정의</a:t>
             </a:r>
             <a:endParaRPr lang="en-US" altLang="ko-KR" sz="2400" b="1">
               <a:effectLst>
@@ -9357,10 +11467,10 @@
       </p:sp>
       <p:sp>
         <p:nvSpPr>
-          <p:cNvPr id="10" name="TextBox 9">
-            <a:extLst>
-              <a:ext uri="{FF2B5EF4-FFF2-40B4-BE49-F238E27FC236}">
-                <a16:creationId xmlns:a16="http://schemas.microsoft.com/office/drawing/2014/main" id="{A29EA04F-7B1B-49BC-ACB8-3B4FF42C8C33}"/>
+          <p:cNvPr id="12" name="TextBox 11">
+            <a:extLst>
+              <a:ext uri="{FF2B5EF4-FFF2-40B4-BE49-F238E27FC236}">
+                <a16:creationId xmlns:a16="http://schemas.microsoft.com/office/drawing/2014/main" id="{58B23639-8E26-4765-9ED6-11518F66D22D}"/>
               </a:ext>
             </a:extLst>
           </p:cNvPr>
@@ -9369,8 +11479,8 @@
         </p:nvSpPr>
         <p:spPr>
           <a:xfrm>
-            <a:off x="730922" y="1941546"/>
-            <a:ext cx="9300584" cy="461665"/>
+            <a:off x="730922" y="5901349"/>
+            <a:ext cx="7497483" cy="369332"/>
           </a:xfrm>
           <a:prstGeom prst="rect">
             <a:avLst/>
@@ -9384,6 +11494,94 @@
           <a:lstStyle/>
           <a:p>
             <a:r>
+              <a:rPr lang="ko-KR" altLang="en-US">
+                <a:solidFill>
+                  <a:srgbClr val="0000FF"/>
+                </a:solidFill>
+                <a:effectLst>
+                  <a:outerShdw blurRad="38100" dist="38100" dir="2700000" algn="tl">
+                    <a:srgbClr val="000000">
+                      <a:alpha val="43137"/>
+                    </a:srgbClr>
+                  </a:outerShdw>
+                </a:effectLst>
+              </a:rPr>
+              <a:t>구조체는 온점</a:t>
+            </a:r>
+            <a:r>
+              <a:rPr lang="en-US" altLang="ko-KR">
+                <a:solidFill>
+                  <a:srgbClr val="0000FF"/>
+                </a:solidFill>
+                <a:effectLst>
+                  <a:outerShdw blurRad="38100" dist="38100" dir="2700000" algn="tl">
+                    <a:srgbClr val="000000">
+                      <a:alpha val="43137"/>
+                    </a:srgbClr>
+                  </a:outerShdw>
+                </a:effectLst>
+              </a:rPr>
+              <a:t>(.)</a:t>
+            </a:r>
+            <a:r>
+              <a:rPr lang="ko-KR" altLang="en-US">
+                <a:solidFill>
+                  <a:srgbClr val="0000FF"/>
+                </a:solidFill>
+                <a:effectLst>
+                  <a:outerShdw blurRad="38100" dist="38100" dir="2700000" algn="tl">
+                    <a:srgbClr val="000000">
+                      <a:alpha val="43137"/>
+                    </a:srgbClr>
+                  </a:outerShdw>
+                </a:effectLst>
+              </a:rPr>
+              <a:t>을 이용해 멤버변수 호출</a:t>
+            </a:r>
+            <a:endParaRPr lang="en-US" altLang="ko-KR">
+              <a:solidFill>
+                <a:srgbClr val="0000FF"/>
+              </a:solidFill>
+              <a:effectLst>
+                <a:outerShdw blurRad="38100" dist="38100" dir="2700000" algn="tl">
+                  <a:srgbClr val="000000">
+                    <a:alpha val="43137"/>
+                  </a:srgbClr>
+                </a:outerShdw>
+              </a:effectLst>
+            </a:endParaRPr>
+          </a:p>
+        </p:txBody>
+      </p:sp>
+      <p:sp>
+        <p:nvSpPr>
+          <p:cNvPr id="10" name="TextBox 9">
+            <a:extLst>
+              <a:ext uri="{FF2B5EF4-FFF2-40B4-BE49-F238E27FC236}">
+                <a16:creationId xmlns:a16="http://schemas.microsoft.com/office/drawing/2014/main" id="{A29EA04F-7B1B-49BC-ACB8-3B4FF42C8C33}"/>
+              </a:ext>
+            </a:extLst>
+          </p:cNvPr>
+          <p:cNvSpPr txBox="1"/>
+          <p:nvPr/>
+        </p:nvSpPr>
+        <p:spPr>
+          <a:xfrm>
+            <a:off x="730922" y="1941546"/>
+            <a:ext cx="9300584" cy="461665"/>
+          </a:xfrm>
+          <a:prstGeom prst="rect">
+            <a:avLst/>
+          </a:prstGeom>
+          <a:noFill/>
+        </p:spPr>
+        <p:txBody>
+          <a:bodyPr wrap="square" rtlCol="0">
+            <a:spAutoFit/>
+          </a:bodyPr>
+          <a:lstStyle/>
+          <a:p>
+            <a:r>
               <a:rPr lang="ko-KR" altLang="en-US" sz="2400">
                 <a:effectLst>
                   <a:outerShdw blurRad="38100" dist="38100" dir="2700000" algn="tl">
@@ -9393,7 +11591,7 @@
                   </a:outerShdw>
                 </a:effectLst>
               </a:rPr>
-              <a:t>사람의 데이터를 저장하는 구조체 만들기</a:t>
+              <a:t>데이터를 구조화하여 처리할 때 사용</a:t>
             </a:r>
             <a:endParaRPr lang="en-US" altLang="ko-KR" sz="2400">
               <a:effectLst>
@@ -9407,10 +11605,196 @@
           </a:p>
         </p:txBody>
       </p:sp>
+      <p:sp>
+        <p:nvSpPr>
+          <p:cNvPr id="13" name="TextBox 12">
+            <a:extLst>
+              <a:ext uri="{FF2B5EF4-FFF2-40B4-BE49-F238E27FC236}">
+                <a16:creationId xmlns:a16="http://schemas.microsoft.com/office/drawing/2014/main" id="{04402C15-8A07-45E0-B642-1258FC8D6C13}"/>
+              </a:ext>
+            </a:extLst>
+          </p:cNvPr>
+          <p:cNvSpPr txBox="1"/>
+          <p:nvPr/>
+        </p:nvSpPr>
+        <p:spPr>
+          <a:xfrm>
+            <a:off x="730922" y="3737878"/>
+            <a:ext cx="8554720" cy="830997"/>
+          </a:xfrm>
+          <a:prstGeom prst="rect">
+            <a:avLst/>
+          </a:prstGeom>
+          <a:noFill/>
+        </p:spPr>
+        <p:txBody>
+          <a:bodyPr wrap="square" rtlCol="0">
+            <a:spAutoFit/>
+          </a:bodyPr>
+          <a:lstStyle/>
+          <a:p>
+            <a:r>
+              <a:rPr lang="ko-KR" altLang="en-US" sz="2400">
+                <a:effectLst>
+                  <a:outerShdw blurRad="38100" dist="38100" dir="2700000" algn="tl">
+                    <a:srgbClr val="000000">
+                      <a:alpha val="43137"/>
+                    </a:srgbClr>
+                  </a:outerShdw>
+                </a:effectLst>
+              </a:rPr>
+              <a:t>구조체의 선언</a:t>
+            </a:r>
+            <a:r>
+              <a:rPr lang="en-US" altLang="ko-KR" sz="2400">
+                <a:effectLst>
+                  <a:outerShdw blurRad="38100" dist="38100" dir="2700000" algn="tl">
+                    <a:srgbClr val="000000">
+                      <a:alpha val="43137"/>
+                    </a:srgbClr>
+                  </a:outerShdw>
+                </a:effectLst>
+              </a:rPr>
+              <a:t>)</a:t>
+            </a:r>
+          </a:p>
+          <a:p>
+            <a:r>
+              <a:rPr lang="ko-KR" altLang="en-US" sz="2400">
+                <a:effectLst>
+                  <a:outerShdw blurRad="38100" dist="38100" dir="2700000" algn="tl">
+                    <a:srgbClr val="000000">
+                      <a:alpha val="43137"/>
+                    </a:srgbClr>
+                  </a:outerShdw>
+                </a:effectLst>
+              </a:rPr>
+              <a:t>구조체이름 구조체변수이름</a:t>
+            </a:r>
+            <a:r>
+              <a:rPr lang="en-US" altLang="ko-KR" sz="2400">
+                <a:effectLst>
+                  <a:outerShdw blurRad="38100" dist="38100" dir="2700000" algn="tl">
+                    <a:srgbClr val="000000">
+                      <a:alpha val="43137"/>
+                    </a:srgbClr>
+                  </a:outerShdw>
+                </a:effectLst>
+              </a:rPr>
+              <a:t>;</a:t>
+            </a:r>
+          </a:p>
+        </p:txBody>
+      </p:sp>
+      <p:sp>
+        <p:nvSpPr>
+          <p:cNvPr id="18" name="TextBox 17">
+            <a:extLst>
+              <a:ext uri="{FF2B5EF4-FFF2-40B4-BE49-F238E27FC236}">
+                <a16:creationId xmlns:a16="http://schemas.microsoft.com/office/drawing/2014/main" id="{727189BF-5439-4245-88FE-AB193C84419D}"/>
+              </a:ext>
+            </a:extLst>
+          </p:cNvPr>
+          <p:cNvSpPr txBox="1"/>
+          <p:nvPr/>
+        </p:nvSpPr>
+        <p:spPr>
+          <a:xfrm>
+            <a:off x="730922" y="4568875"/>
+            <a:ext cx="8554720" cy="830997"/>
+          </a:xfrm>
+          <a:prstGeom prst="rect">
+            <a:avLst/>
+          </a:prstGeom>
+          <a:noFill/>
+        </p:spPr>
+        <p:txBody>
+          <a:bodyPr wrap="square" rtlCol="0">
+            <a:spAutoFit/>
+          </a:bodyPr>
+          <a:lstStyle/>
+          <a:p>
+            <a:r>
+              <a:rPr lang="ko-KR" altLang="en-US" sz="2400">
+                <a:effectLst>
+                  <a:outerShdw blurRad="38100" dist="38100" dir="2700000" algn="tl">
+                    <a:srgbClr val="000000">
+                      <a:alpha val="43137"/>
+                    </a:srgbClr>
+                  </a:outerShdw>
+                </a:effectLst>
+              </a:rPr>
+              <a:t>구조체의 멤버변수 호출</a:t>
+            </a:r>
+            <a:r>
+              <a:rPr lang="en-US" altLang="ko-KR" sz="2400">
+                <a:effectLst>
+                  <a:outerShdw blurRad="38100" dist="38100" dir="2700000" algn="tl">
+                    <a:srgbClr val="000000">
+                      <a:alpha val="43137"/>
+                    </a:srgbClr>
+                  </a:outerShdw>
+                </a:effectLst>
+              </a:rPr>
+              <a:t>)</a:t>
+            </a:r>
+          </a:p>
+          <a:p>
+            <a:r>
+              <a:rPr lang="ko-KR" altLang="en-US" sz="2400">
+                <a:effectLst>
+                  <a:outerShdw blurRad="38100" dist="38100" dir="2700000" algn="tl">
+                    <a:srgbClr val="000000">
+                      <a:alpha val="43137"/>
+                    </a:srgbClr>
+                  </a:outerShdw>
+                </a:effectLst>
+              </a:rPr>
+              <a:t>구조체변수이름</a:t>
+            </a:r>
+            <a:r>
+              <a:rPr lang="en-US" altLang="ko-KR" sz="2400">
+                <a:effectLst>
+                  <a:outerShdw blurRad="38100" dist="38100" dir="2700000" algn="tl">
+                    <a:srgbClr val="000000">
+                      <a:alpha val="43137"/>
+                    </a:srgbClr>
+                  </a:outerShdw>
+                </a:effectLst>
+              </a:rPr>
+              <a:t>.</a:t>
+            </a:r>
+            <a:r>
+              <a:rPr lang="ko-KR" altLang="en-US" sz="2400">
+                <a:effectLst>
+                  <a:outerShdw blurRad="38100" dist="38100" dir="2700000" algn="tl">
+                    <a:srgbClr val="000000">
+                      <a:alpha val="43137"/>
+                    </a:srgbClr>
+                  </a:outerShdw>
+                </a:effectLst>
+              </a:rPr>
+              <a:t>멤버변수이름</a:t>
+            </a:r>
+            <a:r>
+              <a:rPr lang="en-US" altLang="ko-KR" sz="2400">
+                <a:effectLst>
+                  <a:outerShdw blurRad="38100" dist="38100" dir="2700000" algn="tl">
+                    <a:srgbClr val="000000">
+                      <a:alpha val="43137"/>
+                    </a:srgbClr>
+                  </a:outerShdw>
+                </a:effectLst>
+              </a:rPr>
+              <a:t>;</a:t>
+            </a:r>
+          </a:p>
+        </p:txBody>
+      </p:sp>
     </p:spTree>
     <p:extLst>
       <p:ext uri="{BB962C8B-B14F-4D97-AF65-F5344CB8AC3E}">
-        <p14:creationId xmlns:p14="http://schemas.microsoft.com/office/powerpoint/2010/main" val="2506141942"/>
+        <p14:creationId xmlns:p14="http://schemas.microsoft.com/office/powerpoint/2010/main" val="806223786"/>
       </p:ext>
     </p:extLst>
   </p:cSld>

--- a/EC)Basic 4주차.pptx
+++ b/EC)Basic 4주차.pptx
@@ -128,6 +128,65 @@
 </p:presentation>
 </file>
 
+<file path=ppt/ink/ink1.xml><?xml version="1.0" encoding="utf-8"?>
+<inkml:ink xmlns:inkml="http://www.w3.org/2003/InkML">
+  <inkml:definitions>
+    <inkml:context xml:id="ctx0">
+      <inkml:inkSource xml:id="inkSrc0">
+        <inkml:traceFormat>
+          <inkml:channel name="X" type="integer" max="3840" units="cm"/>
+          <inkml:channel name="Y" type="integer" max="1086" units="cm"/>
+          <inkml:channel name="T" type="integer" max="2.14748E9" units="dev"/>
+        </inkml:traceFormat>
+        <inkml:channelProperties>
+          <inkml:channelProperty channel="X" name="resolution" value="72.86527" units="1/cm"/>
+          <inkml:channelProperty channel="Y" name="resolution" value="36.68919" units="1/cm"/>
+          <inkml:channelProperty channel="T" name="resolution" value="1" units="1/dev"/>
+        </inkml:channelProperties>
+      </inkml:inkSource>
+      <inkml:timestamp xml:id="ts0" timeString="2021-04-25T13:25:57.029"/>
+    </inkml:context>
+    <inkml:brush xml:id="br0">
+      <inkml:brushProperty name="width" value="0.05292" units="cm"/>
+      <inkml:brushProperty name="height" value="0.05292" units="cm"/>
+      <inkml:brushProperty name="color" value="#FF0000"/>
+    </inkml:brush>
+  </inkml:definitions>
+  <inkml:trace contextRef="#ctx0" brushRef="#br0">5521 5292 0,'18'0'16,"-1"0"0,1 0-16,35 17 15,70 1 16,18-18-15,18 18 0,-141-18-16,158 17 15,53 19 1,36-19 0,-18 18-1,-35-17 1,-71-18-1,-35 0 1,-36 0 0,1 0-1,-36 18 1,18-18 0,-18 17-1,18-17 16,53 0-15,88 18 0,53 17-1,88 18 1,-335-35-16,282 17 16,36 0-1,-1-17 1,-17-18-1,-53 0 1,-53 0 0,-53 0-1,-70 0 1,-36 0 0,36 0-1,34 0 1,37-18 15,-19 1-15,1-1-1,-19 18 1,36-18 0,-35 18-1,-18-17 1,1-1-1,-36 1 1,0 17 0,-1-18-1,37 0 1,16 1 0,-16-1-1,16 0 16,-52 18-15,0-17 0,-35 17-1,0 0 48,-1 0-48,1 0 1</inkml:trace>
+  <inkml:trace contextRef="#ctx0" brushRef="#br0" timeOffset="9577.28">5398 6544 0,'0'18'15,"17"-18"-15,-17 17 16,53 1 0,53-18-1,-88 0-15,105 18 16,-105-18-16,140 17 15,19 1 1,34-18 0,-69 18-1,210-18 17,89 0-1,-317 0-16,70-18 1,-177 18-16,107 0 16,-18-18-1,17 1 1,-35-1 0,1-17-1,-1-1 1,18 1-1,-18 0 1,-35 0 0,-18 17-1,-17 0 1,17 1 0,0-1-1,1 0 16,-1 1-15,18-19 0,-36 1-1,19-35 1,-1-54 0,0 18-1,-17-17 1,-18 35-1,0 17 1,0 53-16,-35-34 16,-18-1-1,0 17 1,-18 1 0,1 0-1,-36-36 16,-35 1-15,-106-1 0,0 18-1,0 36 1,0-1 0,53 18-1,176 0-15,-176 0 16,0 0-1,35 18 1,54-1 0,-1 36-1,-35-18 1,17 1 0,18-19-1,18 36 16,-88 35-15,-54 36 0,1-1-1,35-70 1,124-35 0,70 0-1,0 17 16,0-18-31,0 36 16,0 18 0,-36 17-1,19 36 1,17-1 0,-18-35-1,0-35 16,18-18-15,18 1 15,53-1-15,-1 0 0,-52-35-16,52 36 15,-34-19 1,-19-17 46,1 0-46,17 0 0,18 0-1,-18 0 1</inkml:trace>
+  <inkml:trace contextRef="#ctx0" brushRef="#br0" timeOffset="11043.92">5997 6315 0,'0'0'0,"-88"17"31,53 1-31,-124 53 16,159-54-16,-194 89 15,176-106-15,-176 106 31,-17 0-15,17 35 0,53-18-1,105-17 1,36-35 0,0-1-1,0 1 1,0 17-1,53 18 1,18-36 0,17 1-1,18-18 1,0 17 0,35-17-1,53 18 16,88-36-15,88 0 0,-35-35-1,-317 0-15,300 0 16,17 0 0,-106 0-1,-70 18 1,-71 0-1,-53-18 1,18 0 0,141 0-1,141-36 1,-17-34 0,-1-18 15,-123 17-16,-105 18 1,-36 0 0,-53 0-1,0 0 1,0 1 0,-18-1-1,-17-36 1,17 89-16,-35-88 15,-18-35 1,-70 17 0,-70-18-1,-36 19 1,229 105-16,-211-71 16,35 18-1,70 18 16,-70 17-15,-123 18 0,-71 36-1,370-36-15,-317 0 16,88-18 0,71-17-1,87 17 1,1 18-1,0 35 1,70-35-16,-105 53 16,17 18-1,18-1 1</inkml:trace>
+  <inkml:trace contextRef="#ctx0" brushRef="#br0" timeOffset="13227.34">6332 7973 0,'0'0'0,"-17"0"0,-54 0 16,54-18-16,-89 18 15,35 0 1,36 0 0,0 0-1,-54 35 16,-69 18-15,-36 0 0,0 35-1,0 18 1,-18-18 0,71 1-1,0-19 1,70 18-1,18 1 1,18-1 0,0 35-1,-18 18 1,35-17 0,18-18-1,18-18 16,52 0-15,18-17 0,18-1-1,53 1 1,-141-71-16,176 70 16,159 19-1,87-19 1,-16 18-1,-1-17 1,-35-1 0,-88-34-1,-71-1 1,18-35 0,-17-35 15,-19-18-16,-193 35-15,176-17 16,-18 17 0,-70 1-1,-88 17-15,88 0 16,52 0 0,36 0-1,71 17 1,70 1-1,-300-18-15,301 17 16,69-17 0,36-52-1,-35-19 1,-106-17 0,-89 0-1,-158 35 16,0 0-15,-17-18 0,16-17-1,19 0 1,0-36 0,-18 1-1,-18 17 1,0-17-1,-17 34 1,-18 1 0,0 0-1,0 17 1,-18 71-16,-17-70 16,17-1 15,-35 18-16,-35 0 1,-88-35 0,-71-18-1,-71 1 1,-17 16 0,-18 19-1,-17-1 1,17 36-1,335 35-15,-246-18 16,17 18 0,53 0-1,18 0 1,-36 18 0,-17-18 15,-36 0-16,0 0 1,1 0 0,-1 0-1,54 0 1,34 0 0,54 0-1,34 0 1,19 0-1,35 0 1</inkml:trace>
+</inkml:ink>
+</file>
+
+<file path=ppt/ink/ink2.xml><?xml version="1.0" encoding="utf-8"?>
+<inkml:ink xmlns:inkml="http://www.w3.org/2003/InkML">
+  <inkml:definitions>
+    <inkml:context xml:id="ctx0">
+      <inkml:inkSource xml:id="inkSrc0">
+        <inkml:traceFormat>
+          <inkml:channel name="X" type="integer" max="3840" units="cm"/>
+          <inkml:channel name="Y" type="integer" max="1086" units="cm"/>
+          <inkml:channel name="T" type="integer" max="2.14748E9" units="dev"/>
+        </inkml:traceFormat>
+        <inkml:channelProperties>
+          <inkml:channelProperty channel="X" name="resolution" value="72.86527" units="1/cm"/>
+          <inkml:channelProperty channel="Y" name="resolution" value="36.68919" units="1/cm"/>
+          <inkml:channelProperty channel="T" name="resolution" value="1" units="1/dev"/>
+        </inkml:channelProperties>
+      </inkml:inkSource>
+      <inkml:timestamp xml:id="ts0" timeString="2021-04-25T13:26:17.756"/>
+    </inkml:context>
+    <inkml:brush xml:id="br0">
+      <inkml:brushProperty name="width" value="0.05292" units="cm"/>
+      <inkml:brushProperty name="height" value="0.05292" units="cm"/>
+      <inkml:brushProperty name="color" value="#FF0000"/>
+    </inkml:brush>
+  </inkml:definitions>
+  <inkml:trace contextRef="#ctx0" brushRef="#br0">4692 6262 0,'18'0'47,"-1"0"-47,1 17 0,105 1 15,107 0 1,122 17 0,-334-35-16,441 35 15,-424-35-15,494 0 16,71 0 0,-106-17-1,-141-19 16,-54 1-15,-52 17 0,-17 1-1,-19-1 1,-34 18 0,-160 0-16,195 0 15,88-17 1,17 17-1,-17-18 1,-176 18 0,-89 0-1,-17 0 79,-1 0-31,1 0-63,0 0 0,-1 0 15,1 0 1,17 0-1,-17 0 1,-1 0 0,1 0-1,0 0 1,-1 0 125</inkml:trace>
+</inkml:ink>
+</file>
+
 <file path=ppt/slideLayouts/slideLayout1.xml><?xml version="1.0" encoding="utf-8"?>
 <p:sldLayout xmlns:a="http://schemas.openxmlformats.org/drawingml/2006/main" xmlns:r="http://schemas.openxmlformats.org/officeDocument/2006/relationships" xmlns:p="http://schemas.openxmlformats.org/presentationml/2006/main" type="title" preserve="1">
   <p:cSld name="제목 슬라이드">
@@ -275,7 +334,7 @@
           <a:p>
             <a:fld id="{99D9758D-D09E-4F4D-9D6D-5374D685559F}" type="datetimeFigureOut">
               <a:rPr lang="ko-KR" altLang="en-US" smtClean="0"/>
-              <a:t>2021-03-29</a:t>
+              <a:t>2021-04-25</a:t>
             </a:fld>
             <a:endParaRPr lang="ko-KR" altLang="en-US"/>
           </a:p>
@@ -473,7 +532,7 @@
           <a:p>
             <a:fld id="{99D9758D-D09E-4F4D-9D6D-5374D685559F}" type="datetimeFigureOut">
               <a:rPr lang="ko-KR" altLang="en-US" smtClean="0"/>
-              <a:t>2021-03-29</a:t>
+              <a:t>2021-04-25</a:t>
             </a:fld>
             <a:endParaRPr lang="ko-KR" altLang="en-US"/>
           </a:p>
@@ -681,7 +740,7 @@
           <a:p>
             <a:fld id="{99D9758D-D09E-4F4D-9D6D-5374D685559F}" type="datetimeFigureOut">
               <a:rPr lang="ko-KR" altLang="en-US" smtClean="0"/>
-              <a:t>2021-03-29</a:t>
+              <a:t>2021-04-25</a:t>
             </a:fld>
             <a:endParaRPr lang="ko-KR" altLang="en-US"/>
           </a:p>
@@ -879,7 +938,7 @@
           <a:p>
             <a:fld id="{99D9758D-D09E-4F4D-9D6D-5374D685559F}" type="datetimeFigureOut">
               <a:rPr lang="ko-KR" altLang="en-US" smtClean="0"/>
-              <a:t>2021-03-29</a:t>
+              <a:t>2021-04-25</a:t>
             </a:fld>
             <a:endParaRPr lang="ko-KR" altLang="en-US"/>
           </a:p>
@@ -1154,7 +1213,7 @@
           <a:p>
             <a:fld id="{99D9758D-D09E-4F4D-9D6D-5374D685559F}" type="datetimeFigureOut">
               <a:rPr lang="ko-KR" altLang="en-US" smtClean="0"/>
-              <a:t>2021-03-29</a:t>
+              <a:t>2021-04-25</a:t>
             </a:fld>
             <a:endParaRPr lang="ko-KR" altLang="en-US"/>
           </a:p>
@@ -1419,7 +1478,7 @@
           <a:p>
             <a:fld id="{99D9758D-D09E-4F4D-9D6D-5374D685559F}" type="datetimeFigureOut">
               <a:rPr lang="ko-KR" altLang="en-US" smtClean="0"/>
-              <a:t>2021-03-29</a:t>
+              <a:t>2021-04-25</a:t>
             </a:fld>
             <a:endParaRPr lang="ko-KR" altLang="en-US"/>
           </a:p>
@@ -1831,7 +1890,7 @@
           <a:p>
             <a:fld id="{99D9758D-D09E-4F4D-9D6D-5374D685559F}" type="datetimeFigureOut">
               <a:rPr lang="ko-KR" altLang="en-US" smtClean="0"/>
-              <a:t>2021-03-29</a:t>
+              <a:t>2021-04-25</a:t>
             </a:fld>
             <a:endParaRPr lang="ko-KR" altLang="en-US"/>
           </a:p>
@@ -1972,7 +2031,7 @@
           <a:p>
             <a:fld id="{99D9758D-D09E-4F4D-9D6D-5374D685559F}" type="datetimeFigureOut">
               <a:rPr lang="ko-KR" altLang="en-US" smtClean="0"/>
-              <a:t>2021-03-29</a:t>
+              <a:t>2021-04-25</a:t>
             </a:fld>
             <a:endParaRPr lang="ko-KR" altLang="en-US"/>
           </a:p>
@@ -2085,7 +2144,7 @@
           <a:p>
             <a:fld id="{99D9758D-D09E-4F4D-9D6D-5374D685559F}" type="datetimeFigureOut">
               <a:rPr lang="ko-KR" altLang="en-US" smtClean="0"/>
-              <a:t>2021-03-29</a:t>
+              <a:t>2021-04-25</a:t>
             </a:fld>
             <a:endParaRPr lang="ko-KR" altLang="en-US"/>
           </a:p>
@@ -2396,7 +2455,7 @@
           <a:p>
             <a:fld id="{99D9758D-D09E-4F4D-9D6D-5374D685559F}" type="datetimeFigureOut">
               <a:rPr lang="ko-KR" altLang="en-US" smtClean="0"/>
-              <a:t>2021-03-29</a:t>
+              <a:t>2021-04-25</a:t>
             </a:fld>
             <a:endParaRPr lang="ko-KR" altLang="en-US"/>
           </a:p>
@@ -2684,7 +2743,7 @@
           <a:p>
             <a:fld id="{99D9758D-D09E-4F4D-9D6D-5374D685559F}" type="datetimeFigureOut">
               <a:rPr lang="ko-KR" altLang="en-US" smtClean="0"/>
-              <a:t>2021-03-29</a:t>
+              <a:t>2021-04-25</a:t>
             </a:fld>
             <a:endParaRPr lang="ko-KR" altLang="en-US"/>
           </a:p>
@@ -2928,7 +2987,7 @@
           <a:p>
             <a:fld id="{99D9758D-D09E-4F4D-9D6D-5374D685559F}" type="datetimeFigureOut">
               <a:rPr lang="ko-KR" altLang="en-US" smtClean="0"/>
-              <a:t>2021-03-29</a:t>
+              <a:t>2021-04-25</a:t>
             </a:fld>
             <a:endParaRPr lang="ko-KR" altLang="en-US"/>
           </a:p>
@@ -5547,20 +5606,44 @@
           <a:lstStyle/>
           <a:p>
             <a:r>
-              <a:rPr lang="en-US" altLang="ko-KR" sz="2400">
-                <a:effectLst>
-                  <a:outerShdw blurRad="38100" dist="38100" dir="2700000" algn="tl">
-                    <a:srgbClr val="000000">
-                      <a:alpha val="43137"/>
-                    </a:srgbClr>
-                  </a:outerShdw>
-                </a:effectLst>
-              </a:rPr>
-              <a:t>#include &lt;stdio.h&gt;</a:t>
-            </a:r>
-          </a:p>
-          <a:p>
-            <a:endParaRPr lang="en-US" altLang="ko-KR" sz="2400">
+              <a:rPr lang="en-US" altLang="ko-KR" sz="2400" dirty="0">
+                <a:effectLst>
+                  <a:outerShdw blurRad="38100" dist="38100" dir="2700000" algn="tl">
+                    <a:srgbClr val="000000">
+                      <a:alpha val="43137"/>
+                    </a:srgbClr>
+                  </a:outerShdw>
+                </a:effectLst>
+              </a:rPr>
+              <a:t>#include &lt;</a:t>
+            </a:r>
+            <a:r>
+              <a:rPr lang="en-US" altLang="ko-KR" sz="2400" dirty="0" err="1">
+                <a:effectLst>
+                  <a:outerShdw blurRad="38100" dist="38100" dir="2700000" algn="tl">
+                    <a:srgbClr val="000000">
+                      <a:alpha val="43137"/>
+                    </a:srgbClr>
+                  </a:outerShdw>
+                </a:effectLst>
+              </a:rPr>
+              <a:t>stdio.h</a:t>
+            </a:r>
+            <a:r>
+              <a:rPr lang="en-US" altLang="ko-KR" sz="2400" dirty="0">
+                <a:effectLst>
+                  <a:outerShdw blurRad="38100" dist="38100" dir="2700000" algn="tl">
+                    <a:srgbClr val="000000">
+                      <a:alpha val="43137"/>
+                    </a:srgbClr>
+                  </a:outerShdw>
+                </a:effectLst>
+              </a:rPr>
+              <a:t>&gt;</a:t>
+            </a:r>
+          </a:p>
+          <a:p>
+            <a:endParaRPr lang="en-US" altLang="ko-KR" sz="2400" dirty="0">
               <a:effectLst>
                 <a:outerShdw blurRad="38100" dist="38100" dir="2700000" algn="tl">
                   <a:srgbClr val="000000">
@@ -5572,7 +5655,7 @@
           </a:p>
           <a:p>
             <a:r>
-              <a:rPr lang="en-US" altLang="ko-KR" sz="2400">
+              <a:rPr lang="en-US" altLang="ko-KR" sz="2400" dirty="0">
                 <a:effectLst>
                   <a:outerShdw blurRad="38100" dist="38100" dir="2700000" algn="tl">
                     <a:srgbClr val="000000">
@@ -5586,73 +5669,241 @@
           </a:p>
           <a:p>
             <a:r>
-              <a:rPr lang="en-US" altLang="ko-KR" sz="2400">
-                <a:effectLst>
-                  <a:outerShdw blurRad="38100" dist="38100" dir="2700000" algn="tl">
-                    <a:srgbClr val="000000">
-                      <a:alpha val="43137"/>
-                    </a:srgbClr>
-                  </a:outerShdw>
-                </a:effectLst>
-              </a:rPr>
-              <a:t>	FILE* fp;</a:t>
-            </a:r>
-          </a:p>
-          <a:p>
-            <a:r>
-              <a:rPr lang="en-US" altLang="ko-KR" sz="2400">
-                <a:effectLst>
-                  <a:outerShdw blurRad="38100" dist="38100" dir="2700000" algn="tl">
-                    <a:srgbClr val="000000">
-                      <a:alpha val="43137"/>
-                    </a:srgbClr>
-                  </a:outerShdw>
-                </a:effectLst>
-              </a:rPr>
-              <a:t>	fp = fopen("hello.txt", "w");</a:t>
-            </a:r>
-          </a:p>
-          <a:p>
-            <a:r>
-              <a:rPr lang="en-US" altLang="ko-KR" sz="2400">
-                <a:effectLst>
-                  <a:outerShdw blurRad="38100" dist="38100" dir="2700000" algn="tl">
-                    <a:srgbClr val="000000">
-                      <a:alpha val="43137"/>
-                    </a:srgbClr>
-                  </a:outerShdw>
-                </a:effectLst>
-              </a:rPr>
-              <a:t>	fprintf(fp, "hello world!\n");</a:t>
-            </a:r>
-          </a:p>
-          <a:p>
-            <a:r>
-              <a:rPr lang="en-US" altLang="ko-KR" sz="2400">
-                <a:effectLst>
-                  <a:outerShdw blurRad="38100" dist="38100" dir="2700000" algn="tl">
-                    <a:srgbClr val="000000">
-                      <a:alpha val="43137"/>
-                    </a:srgbClr>
-                  </a:outerShdw>
-                </a:effectLst>
-              </a:rPr>
-              <a:t>	printf("</a:t>
-            </a:r>
-            <a:r>
-              <a:rPr lang="ko-KR" altLang="en-US" sz="2400">
-                <a:effectLst>
-                  <a:outerShdw blurRad="38100" dist="38100" dir="2700000" algn="tl">
-                    <a:srgbClr val="000000">
-                      <a:alpha val="43137"/>
-                    </a:srgbClr>
-                  </a:outerShdw>
-                </a:effectLst>
-              </a:rPr>
-              <a:t>파일 입력 완료</a:t>
-            </a:r>
-            <a:r>
-              <a:rPr lang="en-US" altLang="ko-KR" sz="2400">
+              <a:rPr lang="en-US" altLang="ko-KR" sz="2400" dirty="0">
+                <a:effectLst>
+                  <a:outerShdw blurRad="38100" dist="38100" dir="2700000" algn="tl">
+                    <a:srgbClr val="000000">
+                      <a:alpha val="43137"/>
+                    </a:srgbClr>
+                  </a:outerShdw>
+                </a:effectLst>
+              </a:rPr>
+              <a:t>	FILE* </a:t>
+            </a:r>
+            <a:r>
+              <a:rPr lang="en-US" altLang="ko-KR" sz="2400" dirty="0" err="1">
+                <a:effectLst>
+                  <a:outerShdw blurRad="38100" dist="38100" dir="2700000" algn="tl">
+                    <a:srgbClr val="000000">
+                      <a:alpha val="43137"/>
+                    </a:srgbClr>
+                  </a:outerShdw>
+                </a:effectLst>
+              </a:rPr>
+              <a:t>fp</a:t>
+            </a:r>
+            <a:r>
+              <a:rPr lang="en-US" altLang="ko-KR" sz="2400" dirty="0">
+                <a:effectLst>
+                  <a:outerShdw blurRad="38100" dist="38100" dir="2700000" algn="tl">
+                    <a:srgbClr val="000000">
+                      <a:alpha val="43137"/>
+                    </a:srgbClr>
+                  </a:outerShdw>
+                </a:effectLst>
+              </a:rPr>
+              <a:t>;</a:t>
+            </a:r>
+          </a:p>
+          <a:p>
+            <a:r>
+              <a:rPr lang="en-US" altLang="ko-KR" sz="2400" dirty="0">
+                <a:effectLst>
+                  <a:outerShdw blurRad="38100" dist="38100" dir="2700000" algn="tl">
+                    <a:srgbClr val="000000">
+                      <a:alpha val="43137"/>
+                    </a:srgbClr>
+                  </a:outerShdw>
+                </a:effectLst>
+              </a:rPr>
+              <a:t>	</a:t>
+            </a:r>
+            <a:r>
+              <a:rPr lang="en-US" altLang="ko-KR" sz="2400" dirty="0" err="1">
+                <a:effectLst>
+                  <a:outerShdw blurRad="38100" dist="38100" dir="2700000" algn="tl">
+                    <a:srgbClr val="000000">
+                      <a:alpha val="43137"/>
+                    </a:srgbClr>
+                  </a:outerShdw>
+                </a:effectLst>
+              </a:rPr>
+              <a:t>fp</a:t>
+            </a:r>
+            <a:r>
+              <a:rPr lang="en-US" altLang="ko-KR" sz="2400" dirty="0">
+                <a:effectLst>
+                  <a:outerShdw blurRad="38100" dist="38100" dir="2700000" algn="tl">
+                    <a:srgbClr val="000000">
+                      <a:alpha val="43137"/>
+                    </a:srgbClr>
+                  </a:outerShdw>
+                </a:effectLst>
+              </a:rPr>
+              <a:t> = </a:t>
+            </a:r>
+            <a:r>
+              <a:rPr lang="en-US" altLang="ko-KR" sz="2400" dirty="0" err="1">
+                <a:effectLst>
+                  <a:outerShdw blurRad="38100" dist="38100" dir="2700000" algn="tl">
+                    <a:srgbClr val="000000">
+                      <a:alpha val="43137"/>
+                    </a:srgbClr>
+                  </a:outerShdw>
+                </a:effectLst>
+              </a:rPr>
+              <a:t>fopen</a:t>
+            </a:r>
+            <a:r>
+              <a:rPr lang="en-US" altLang="ko-KR" sz="2400" dirty="0">
+                <a:effectLst>
+                  <a:outerShdw blurRad="38100" dist="38100" dir="2700000" algn="tl">
+                    <a:srgbClr val="000000">
+                      <a:alpha val="43137"/>
+                    </a:srgbClr>
+                  </a:outerShdw>
+                </a:effectLst>
+              </a:rPr>
+              <a:t>("</a:t>
+            </a:r>
+            <a:r>
+              <a:rPr lang="en-US" altLang="ko-KR" sz="2400" dirty="0" err="1">
+                <a:effectLst>
+                  <a:outerShdw blurRad="38100" dist="38100" dir="2700000" algn="tl">
+                    <a:srgbClr val="000000">
+                      <a:alpha val="43137"/>
+                    </a:srgbClr>
+                  </a:outerShdw>
+                </a:effectLst>
+              </a:rPr>
+              <a:t>hello.txt</a:t>
+            </a:r>
+            <a:r>
+              <a:rPr lang="en-US" altLang="ko-KR" sz="2400" dirty="0">
+                <a:effectLst>
+                  <a:outerShdw blurRad="38100" dist="38100" dir="2700000" algn="tl">
+                    <a:srgbClr val="000000">
+                      <a:alpha val="43137"/>
+                    </a:srgbClr>
+                  </a:outerShdw>
+                </a:effectLst>
+              </a:rPr>
+              <a:t>", "w");</a:t>
+            </a:r>
+          </a:p>
+          <a:p>
+            <a:r>
+              <a:rPr lang="en-US" altLang="ko-KR" sz="2400" dirty="0">
+                <a:effectLst>
+                  <a:outerShdw blurRad="38100" dist="38100" dir="2700000" algn="tl">
+                    <a:srgbClr val="000000">
+                      <a:alpha val="43137"/>
+                    </a:srgbClr>
+                  </a:outerShdw>
+                </a:effectLst>
+              </a:rPr>
+              <a:t>	</a:t>
+            </a:r>
+            <a:r>
+              <a:rPr lang="en-US" altLang="ko-KR" sz="2400" dirty="0" err="1">
+                <a:effectLst>
+                  <a:outerShdw blurRad="38100" dist="38100" dir="2700000" algn="tl">
+                    <a:srgbClr val="000000">
+                      <a:alpha val="43137"/>
+                    </a:srgbClr>
+                  </a:outerShdw>
+                </a:effectLst>
+              </a:rPr>
+              <a:t>fprintf</a:t>
+            </a:r>
+            <a:r>
+              <a:rPr lang="en-US" altLang="ko-KR" sz="2400" dirty="0">
+                <a:effectLst>
+                  <a:outerShdw blurRad="38100" dist="38100" dir="2700000" algn="tl">
+                    <a:srgbClr val="000000">
+                      <a:alpha val="43137"/>
+                    </a:srgbClr>
+                  </a:outerShdw>
+                </a:effectLst>
+              </a:rPr>
+              <a:t>(</a:t>
+            </a:r>
+            <a:r>
+              <a:rPr lang="en-US" altLang="ko-KR" sz="2400" dirty="0" err="1">
+                <a:effectLst>
+                  <a:outerShdw blurRad="38100" dist="38100" dir="2700000" algn="tl">
+                    <a:srgbClr val="000000">
+                      <a:alpha val="43137"/>
+                    </a:srgbClr>
+                  </a:outerShdw>
+                </a:effectLst>
+              </a:rPr>
+              <a:t>fp</a:t>
+            </a:r>
+            <a:r>
+              <a:rPr lang="en-US" altLang="ko-KR" sz="2400" dirty="0">
+                <a:effectLst>
+                  <a:outerShdw blurRad="38100" dist="38100" dir="2700000" algn="tl">
+                    <a:srgbClr val="000000">
+                      <a:alpha val="43137"/>
+                    </a:srgbClr>
+                  </a:outerShdw>
+                </a:effectLst>
+              </a:rPr>
+              <a:t>, "hello world!\n");</a:t>
+            </a:r>
+          </a:p>
+          <a:p>
+            <a:r>
+              <a:rPr lang="en-US" altLang="ko-KR" sz="2400" dirty="0">
+                <a:effectLst>
+                  <a:outerShdw blurRad="38100" dist="38100" dir="2700000" algn="tl">
+                    <a:srgbClr val="000000">
+                      <a:alpha val="43137"/>
+                    </a:srgbClr>
+                  </a:outerShdw>
+                </a:effectLst>
+              </a:rPr>
+              <a:t>	</a:t>
+            </a:r>
+            <a:r>
+              <a:rPr lang="en-US" altLang="ko-KR" sz="2400" dirty="0" err="1">
+                <a:effectLst>
+                  <a:outerShdw blurRad="38100" dist="38100" dir="2700000" algn="tl">
+                    <a:srgbClr val="000000">
+                      <a:alpha val="43137"/>
+                    </a:srgbClr>
+                  </a:outerShdw>
+                </a:effectLst>
+              </a:rPr>
+              <a:t>printf</a:t>
+            </a:r>
+            <a:r>
+              <a:rPr lang="en-US" altLang="ko-KR" sz="2400" dirty="0">
+                <a:effectLst>
+                  <a:outerShdw blurRad="38100" dist="38100" dir="2700000" algn="tl">
+                    <a:srgbClr val="000000">
+                      <a:alpha val="43137"/>
+                    </a:srgbClr>
+                  </a:outerShdw>
+                </a:effectLst>
+              </a:rPr>
+              <a:t>("</a:t>
+            </a:r>
+            <a:r>
+              <a:rPr lang="ko-KR" altLang="en-US" sz="2400" dirty="0">
+                <a:effectLst>
+                  <a:outerShdw blurRad="38100" dist="38100" dir="2700000" algn="tl">
+                    <a:srgbClr val="000000">
+                      <a:alpha val="43137"/>
+                    </a:srgbClr>
+                  </a:outerShdw>
+                </a:effectLst>
+              </a:rPr>
+              <a:t>파일 출력 완료</a:t>
+            </a:r>
+            <a:r>
+              <a:rPr lang="en-US" altLang="ko-KR" sz="2400" dirty="0">
                 <a:effectLst>
                   <a:outerShdw blurRad="38100" dist="38100" dir="2700000" algn="tl">
                     <a:srgbClr val="000000">
@@ -5666,20 +5917,68 @@
           </a:p>
           <a:p>
             <a:r>
-              <a:rPr lang="en-US" altLang="ko-KR" sz="2400">
-                <a:effectLst>
-                  <a:outerShdw blurRad="38100" dist="38100" dir="2700000" algn="tl">
-                    <a:srgbClr val="000000">
-                      <a:alpha val="43137"/>
-                    </a:srgbClr>
-                  </a:outerShdw>
-                </a:effectLst>
-              </a:rPr>
-              <a:t>	fclose(fp);</a:t>
-            </a:r>
-          </a:p>
-          <a:p>
-            <a:endParaRPr lang="en-US" altLang="ko-KR" sz="2400">
+              <a:rPr lang="en-US" altLang="ko-KR" sz="2400" dirty="0">
+                <a:effectLst>
+                  <a:outerShdw blurRad="38100" dist="38100" dir="2700000" algn="tl">
+                    <a:srgbClr val="000000">
+                      <a:alpha val="43137"/>
+                    </a:srgbClr>
+                  </a:outerShdw>
+                </a:effectLst>
+              </a:rPr>
+              <a:t>	</a:t>
+            </a:r>
+            <a:r>
+              <a:rPr lang="en-US" altLang="ko-KR" sz="2400" dirty="0" err="1">
+                <a:effectLst>
+                  <a:outerShdw blurRad="38100" dist="38100" dir="2700000" algn="tl">
+                    <a:srgbClr val="000000">
+                      <a:alpha val="43137"/>
+                    </a:srgbClr>
+                  </a:outerShdw>
+                </a:effectLst>
+              </a:rPr>
+              <a:t>fclose</a:t>
+            </a:r>
+            <a:r>
+              <a:rPr lang="en-US" altLang="ko-KR" sz="2400" dirty="0">
+                <a:effectLst>
+                  <a:outerShdw blurRad="38100" dist="38100" dir="2700000" algn="tl">
+                    <a:srgbClr val="000000">
+                      <a:alpha val="43137"/>
+                    </a:srgbClr>
+                  </a:outerShdw>
+                </a:effectLst>
+              </a:rPr>
+              <a:t>(</a:t>
+            </a:r>
+            <a:r>
+              <a:rPr lang="en-US" altLang="ko-KR" sz="2400" dirty="0" err="1">
+                <a:effectLst>
+                  <a:outerShdw blurRad="38100" dist="38100" dir="2700000" algn="tl">
+                    <a:srgbClr val="000000">
+                      <a:alpha val="43137"/>
+                    </a:srgbClr>
+                  </a:outerShdw>
+                </a:effectLst>
+              </a:rPr>
+              <a:t>fp</a:t>
+            </a:r>
+            <a:r>
+              <a:rPr lang="en-US" altLang="ko-KR" sz="2400" dirty="0">
+                <a:effectLst>
+                  <a:outerShdw blurRad="38100" dist="38100" dir="2700000" algn="tl">
+                    <a:srgbClr val="000000">
+                      <a:alpha val="43137"/>
+                    </a:srgbClr>
+                  </a:outerShdw>
+                </a:effectLst>
+              </a:rPr>
+              <a:t>);</a:t>
+            </a:r>
+          </a:p>
+          <a:p>
+            <a:endParaRPr lang="en-US" altLang="ko-KR" sz="2400" dirty="0">
               <a:effectLst>
                 <a:outerShdw blurRad="38100" dist="38100" dir="2700000" algn="tl">
                   <a:srgbClr val="000000">
@@ -5691,7 +5990,7 @@
           </a:p>
           <a:p>
             <a:r>
-              <a:rPr lang="en-US" altLang="ko-KR" sz="2400">
+              <a:rPr lang="en-US" altLang="ko-KR" sz="2400" dirty="0">
                 <a:effectLst>
                   <a:outerShdw blurRad="38100" dist="38100" dir="2700000" algn="tl">
                     <a:srgbClr val="000000">
@@ -5705,7 +6004,7 @@
           </a:p>
           <a:p>
             <a:r>
-              <a:rPr lang="en-US" altLang="ko-KR" sz="2400">
+              <a:rPr lang="en-US" altLang="ko-KR" sz="2400" dirty="0">
                 <a:effectLst>
                   <a:outerShdw blurRad="38100" dist="38100" dir="2700000" algn="tl">
                     <a:srgbClr val="000000">
@@ -6558,20 +6857,44 @@
           <a:lstStyle/>
           <a:p>
             <a:r>
-              <a:rPr lang="en-US" altLang="ko-KR" sz="1600">
-                <a:effectLst>
-                  <a:outerShdw blurRad="38100" dist="38100" dir="2700000" algn="tl">
-                    <a:srgbClr val="000000">
-                      <a:alpha val="43137"/>
-                    </a:srgbClr>
-                  </a:outerShdw>
-                </a:effectLst>
-              </a:rPr>
-              <a:t>#include &lt;stdio.h&gt;</a:t>
-            </a:r>
-          </a:p>
-          <a:p>
-            <a:endParaRPr lang="en-US" altLang="ko-KR" sz="1600">
+              <a:rPr lang="en-US" altLang="ko-KR" sz="1600" dirty="0">
+                <a:effectLst>
+                  <a:outerShdw blurRad="38100" dist="38100" dir="2700000" algn="tl">
+                    <a:srgbClr val="000000">
+                      <a:alpha val="43137"/>
+                    </a:srgbClr>
+                  </a:outerShdw>
+                </a:effectLst>
+              </a:rPr>
+              <a:t>#include &lt;</a:t>
+            </a:r>
+            <a:r>
+              <a:rPr lang="en-US" altLang="ko-KR" sz="1600" dirty="0" err="1">
+                <a:effectLst>
+                  <a:outerShdw blurRad="38100" dist="38100" dir="2700000" algn="tl">
+                    <a:srgbClr val="000000">
+                      <a:alpha val="43137"/>
+                    </a:srgbClr>
+                  </a:outerShdw>
+                </a:effectLst>
+              </a:rPr>
+              <a:t>stdio.h</a:t>
+            </a:r>
+            <a:r>
+              <a:rPr lang="en-US" altLang="ko-KR" sz="1600" dirty="0">
+                <a:effectLst>
+                  <a:outerShdw blurRad="38100" dist="38100" dir="2700000" algn="tl">
+                    <a:srgbClr val="000000">
+                      <a:alpha val="43137"/>
+                    </a:srgbClr>
+                  </a:outerShdw>
+                </a:effectLst>
+              </a:rPr>
+              <a:t>&gt;</a:t>
+            </a:r>
+          </a:p>
+          <a:p>
+            <a:endParaRPr lang="en-US" altLang="ko-KR" sz="1600" dirty="0">
               <a:effectLst>
                 <a:outerShdw blurRad="38100" dist="38100" dir="2700000" algn="tl">
                   <a:srgbClr val="000000">
@@ -6583,7 +6906,7 @@
           </a:p>
           <a:p>
             <a:r>
-              <a:rPr lang="en-US" altLang="ko-KR" sz="1600">
+              <a:rPr lang="en-US" altLang="ko-KR" sz="1600" dirty="0">
                 <a:effectLst>
                   <a:outerShdw blurRad="38100" dist="38100" dir="2700000" algn="tl">
                     <a:srgbClr val="000000">
@@ -6597,21 +6920,45 @@
           </a:p>
           <a:p>
             <a:r>
-              <a:rPr lang="en-US" altLang="ko-KR" sz="1600">
-                <a:effectLst>
-                  <a:outerShdw blurRad="38100" dist="38100" dir="2700000" algn="tl">
-                    <a:srgbClr val="000000">
-                      <a:alpha val="43137"/>
-                    </a:srgbClr>
-                  </a:outerShdw>
-                </a:effectLst>
-              </a:rPr>
-              <a:t>	FILE* fp;</a:t>
-            </a:r>
-          </a:p>
-          <a:p>
-            <a:r>
-              <a:rPr lang="en-US" altLang="ko-KR" sz="1600">
+              <a:rPr lang="en-US" altLang="ko-KR" sz="1600" dirty="0">
+                <a:effectLst>
+                  <a:outerShdw blurRad="38100" dist="38100" dir="2700000" algn="tl">
+                    <a:srgbClr val="000000">
+                      <a:alpha val="43137"/>
+                    </a:srgbClr>
+                  </a:outerShdw>
+                </a:effectLst>
+              </a:rPr>
+              <a:t>	FILE* </a:t>
+            </a:r>
+            <a:r>
+              <a:rPr lang="en-US" altLang="ko-KR" sz="1600" dirty="0" err="1">
+                <a:effectLst>
+                  <a:outerShdw blurRad="38100" dist="38100" dir="2700000" algn="tl">
+                    <a:srgbClr val="000000">
+                      <a:alpha val="43137"/>
+                    </a:srgbClr>
+                  </a:outerShdw>
+                </a:effectLst>
+              </a:rPr>
+              <a:t>fp</a:t>
+            </a:r>
+            <a:r>
+              <a:rPr lang="en-US" altLang="ko-KR" sz="1600" dirty="0">
+                <a:effectLst>
+                  <a:outerShdw blurRad="38100" dist="38100" dir="2700000" algn="tl">
+                    <a:srgbClr val="000000">
+                      <a:alpha val="43137"/>
+                    </a:srgbClr>
+                  </a:outerShdw>
+                </a:effectLst>
+              </a:rPr>
+              <a:t>;</a:t>
+            </a:r>
+          </a:p>
+          <a:p>
+            <a:r>
+              <a:rPr lang="en-US" altLang="ko-KR" sz="1600" dirty="0">
                 <a:effectLst>
                   <a:outerShdw blurRad="38100" dist="38100" dir="2700000" algn="tl">
                     <a:srgbClr val="000000">
@@ -6625,59 +6972,165 @@
           </a:p>
           <a:p>
             <a:r>
-              <a:rPr lang="en-US" altLang="ko-KR" sz="1600">
-                <a:effectLst>
-                  <a:outerShdw blurRad="38100" dist="38100" dir="2700000" algn="tl">
-                    <a:srgbClr val="000000">
-                      <a:alpha val="43137"/>
-                    </a:srgbClr>
-                  </a:outerShdw>
-                </a:effectLst>
-              </a:rPr>
-              <a:t>	fp = fopen("world.txt", "w");</a:t>
-            </a:r>
-          </a:p>
-          <a:p>
-            <a:r>
-              <a:rPr lang="en-US" altLang="ko-KR" sz="1600">
-                <a:effectLst>
-                  <a:outerShdw blurRad="38100" dist="38100" dir="2700000" algn="tl">
-                    <a:srgbClr val="000000">
-                      <a:alpha val="43137"/>
-                    </a:srgbClr>
-                  </a:outerShdw>
-                </a:effectLst>
-              </a:rPr>
-              <a:t>	fprintf(fp, "IAmSeonhwi\n");</a:t>
-            </a:r>
-          </a:p>
-          <a:p>
-            <a:r>
-              <a:rPr lang="en-US" altLang="ko-KR" sz="1600">
-                <a:effectLst>
-                  <a:outerShdw blurRad="38100" dist="38100" dir="2700000" algn="tl">
-                    <a:srgbClr val="000000">
-                      <a:alpha val="43137"/>
-                    </a:srgbClr>
-                  </a:outerShdw>
-                </a:effectLst>
-              </a:rPr>
-              <a:t>	printf("</a:t>
-            </a:r>
-            <a:r>
-              <a:rPr lang="ko-KR" altLang="en-US" sz="1600">
-                <a:effectLst>
-                  <a:outerShdw blurRad="38100" dist="38100" dir="2700000" algn="tl">
-                    <a:srgbClr val="000000">
-                      <a:alpha val="43137"/>
-                    </a:srgbClr>
-                  </a:outerShdw>
-                </a:effectLst>
-              </a:rPr>
-              <a:t>파일 입력 완료</a:t>
-            </a:r>
-            <a:r>
-              <a:rPr lang="en-US" altLang="ko-KR" sz="1600">
+              <a:rPr lang="en-US" altLang="ko-KR" sz="1600" dirty="0">
+                <a:effectLst>
+                  <a:outerShdw blurRad="38100" dist="38100" dir="2700000" algn="tl">
+                    <a:srgbClr val="000000">
+                      <a:alpha val="43137"/>
+                    </a:srgbClr>
+                  </a:outerShdw>
+                </a:effectLst>
+              </a:rPr>
+              <a:t>	</a:t>
+            </a:r>
+            <a:r>
+              <a:rPr lang="en-US" altLang="ko-KR" sz="1600" dirty="0" err="1">
+                <a:effectLst>
+                  <a:outerShdw blurRad="38100" dist="38100" dir="2700000" algn="tl">
+                    <a:srgbClr val="000000">
+                      <a:alpha val="43137"/>
+                    </a:srgbClr>
+                  </a:outerShdw>
+                </a:effectLst>
+              </a:rPr>
+              <a:t>fp</a:t>
+            </a:r>
+            <a:r>
+              <a:rPr lang="en-US" altLang="ko-KR" sz="1600" dirty="0">
+                <a:effectLst>
+                  <a:outerShdw blurRad="38100" dist="38100" dir="2700000" algn="tl">
+                    <a:srgbClr val="000000">
+                      <a:alpha val="43137"/>
+                    </a:srgbClr>
+                  </a:outerShdw>
+                </a:effectLst>
+              </a:rPr>
+              <a:t> = </a:t>
+            </a:r>
+            <a:r>
+              <a:rPr lang="en-US" altLang="ko-KR" sz="1600" dirty="0" err="1">
+                <a:effectLst>
+                  <a:outerShdw blurRad="38100" dist="38100" dir="2700000" algn="tl">
+                    <a:srgbClr val="000000">
+                      <a:alpha val="43137"/>
+                    </a:srgbClr>
+                  </a:outerShdw>
+                </a:effectLst>
+              </a:rPr>
+              <a:t>fopen</a:t>
+            </a:r>
+            <a:r>
+              <a:rPr lang="en-US" altLang="ko-KR" sz="1600" dirty="0">
+                <a:effectLst>
+                  <a:outerShdw blurRad="38100" dist="38100" dir="2700000" algn="tl">
+                    <a:srgbClr val="000000">
+                      <a:alpha val="43137"/>
+                    </a:srgbClr>
+                  </a:outerShdw>
+                </a:effectLst>
+              </a:rPr>
+              <a:t>("</a:t>
+            </a:r>
+            <a:r>
+              <a:rPr lang="en-US" altLang="ko-KR" sz="1600" dirty="0" err="1">
+                <a:effectLst>
+                  <a:outerShdw blurRad="38100" dist="38100" dir="2700000" algn="tl">
+                    <a:srgbClr val="000000">
+                      <a:alpha val="43137"/>
+                    </a:srgbClr>
+                  </a:outerShdw>
+                </a:effectLst>
+              </a:rPr>
+              <a:t>world.txt</a:t>
+            </a:r>
+            <a:r>
+              <a:rPr lang="en-US" altLang="ko-KR" sz="1600" dirty="0">
+                <a:effectLst>
+                  <a:outerShdw blurRad="38100" dist="38100" dir="2700000" algn="tl">
+                    <a:srgbClr val="000000">
+                      <a:alpha val="43137"/>
+                    </a:srgbClr>
+                  </a:outerShdw>
+                </a:effectLst>
+              </a:rPr>
+              <a:t>", "w");</a:t>
+            </a:r>
+          </a:p>
+          <a:p>
+            <a:r>
+              <a:rPr lang="en-US" altLang="ko-KR" sz="1600" dirty="0">
+                <a:effectLst>
+                  <a:outerShdw blurRad="38100" dist="38100" dir="2700000" algn="tl">
+                    <a:srgbClr val="000000">
+                      <a:alpha val="43137"/>
+                    </a:srgbClr>
+                  </a:outerShdw>
+                </a:effectLst>
+              </a:rPr>
+              <a:t>	</a:t>
+            </a:r>
+            <a:r>
+              <a:rPr lang="en-US" altLang="ko-KR" sz="1600" dirty="0" err="1">
+                <a:effectLst>
+                  <a:outerShdw blurRad="38100" dist="38100" dir="2700000" algn="tl">
+                    <a:srgbClr val="000000">
+                      <a:alpha val="43137"/>
+                    </a:srgbClr>
+                  </a:outerShdw>
+                </a:effectLst>
+              </a:rPr>
+              <a:t>fprintf</a:t>
+            </a:r>
+            <a:r>
+              <a:rPr lang="en-US" altLang="ko-KR" sz="1600" dirty="0">
+                <a:effectLst>
+                  <a:outerShdw blurRad="38100" dist="38100" dir="2700000" algn="tl">
+                    <a:srgbClr val="000000">
+                      <a:alpha val="43137"/>
+                    </a:srgbClr>
+                  </a:outerShdw>
+                </a:effectLst>
+              </a:rPr>
+              <a:t>(</a:t>
+            </a:r>
+            <a:r>
+              <a:rPr lang="en-US" altLang="ko-KR" sz="1600" dirty="0" err="1">
+                <a:effectLst>
+                  <a:outerShdw blurRad="38100" dist="38100" dir="2700000" algn="tl">
+                    <a:srgbClr val="000000">
+                      <a:alpha val="43137"/>
+                    </a:srgbClr>
+                  </a:outerShdw>
+                </a:effectLst>
+              </a:rPr>
+              <a:t>fp</a:t>
+            </a:r>
+            <a:r>
+              <a:rPr lang="en-US" altLang="ko-KR" sz="1600" dirty="0">
+                <a:effectLst>
+                  <a:outerShdw blurRad="38100" dist="38100" dir="2700000" algn="tl">
+                    <a:srgbClr val="000000">
+                      <a:alpha val="43137"/>
+                    </a:srgbClr>
+                  </a:outerShdw>
+                </a:effectLst>
+              </a:rPr>
+              <a:t>, "</a:t>
+            </a:r>
+            <a:r>
+              <a:rPr lang="en-US" altLang="ko-KR" sz="1600" dirty="0" err="1">
+                <a:effectLst>
+                  <a:outerShdw blurRad="38100" dist="38100" dir="2700000" algn="tl">
+                    <a:srgbClr val="000000">
+                      <a:alpha val="43137"/>
+                    </a:srgbClr>
+                  </a:outerShdw>
+                </a:effectLst>
+              </a:rPr>
+              <a:t>IAmSeonhwi</a:t>
+            </a:r>
+            <a:r>
+              <a:rPr lang="en-US" altLang="ko-KR" sz="1600" dirty="0">
                 <a:effectLst>
                   <a:outerShdw blurRad="38100" dist="38100" dir="2700000" algn="tl">
                     <a:srgbClr val="000000">
@@ -6691,20 +7144,130 @@
           </a:p>
           <a:p>
             <a:r>
-              <a:rPr lang="en-US" altLang="ko-KR" sz="1600">
-                <a:effectLst>
-                  <a:outerShdw blurRad="38100" dist="38100" dir="2700000" algn="tl">
-                    <a:srgbClr val="000000">
-                      <a:alpha val="43137"/>
-                    </a:srgbClr>
-                  </a:outerShdw>
-                </a:effectLst>
-              </a:rPr>
-              <a:t>	fclose(fp);</a:t>
-            </a:r>
-          </a:p>
-          <a:p>
-            <a:endParaRPr lang="en-US" altLang="ko-KR" sz="1600">
+              <a:rPr lang="en-US" altLang="ko-KR" sz="1600" dirty="0">
+                <a:effectLst>
+                  <a:outerShdw blurRad="38100" dist="38100" dir="2700000" algn="tl">
+                    <a:srgbClr val="000000">
+                      <a:alpha val="43137"/>
+                    </a:srgbClr>
+                  </a:outerShdw>
+                </a:effectLst>
+              </a:rPr>
+              <a:t>	</a:t>
+            </a:r>
+            <a:r>
+              <a:rPr lang="en-US" altLang="ko-KR" sz="1600" dirty="0" err="1">
+                <a:effectLst>
+                  <a:outerShdw blurRad="38100" dist="38100" dir="2700000" algn="tl">
+                    <a:srgbClr val="000000">
+                      <a:alpha val="43137"/>
+                    </a:srgbClr>
+                  </a:outerShdw>
+                </a:effectLst>
+              </a:rPr>
+              <a:t>printf</a:t>
+            </a:r>
+            <a:r>
+              <a:rPr lang="en-US" altLang="ko-KR" sz="1600" dirty="0">
+                <a:effectLst>
+                  <a:outerShdw blurRad="38100" dist="38100" dir="2700000" algn="tl">
+                    <a:srgbClr val="000000">
+                      <a:alpha val="43137"/>
+                    </a:srgbClr>
+                  </a:outerShdw>
+                </a:effectLst>
+              </a:rPr>
+              <a:t>("</a:t>
+            </a:r>
+            <a:r>
+              <a:rPr lang="ko-KR" altLang="en-US" sz="1600" dirty="0">
+                <a:effectLst>
+                  <a:outerShdw blurRad="38100" dist="38100" dir="2700000" algn="tl">
+                    <a:srgbClr val="000000">
+                      <a:alpha val="43137"/>
+                    </a:srgbClr>
+                  </a:outerShdw>
+                </a:effectLst>
+              </a:rPr>
+              <a:t>파일 출력 완료</a:t>
+            </a:r>
+            <a:r>
+              <a:rPr lang="en-US" altLang="ko-KR" sz="1600" dirty="0">
+                <a:effectLst>
+                  <a:outerShdw blurRad="38100" dist="38100" dir="2700000" algn="tl">
+                    <a:srgbClr val="000000">
+                      <a:alpha val="43137"/>
+                    </a:srgbClr>
+                  </a:outerShdw>
+                </a:effectLst>
+              </a:rPr>
+              <a:t>\n");</a:t>
+            </a:r>
+          </a:p>
+          <a:p>
+            <a:r>
+              <a:rPr lang="en-US" altLang="ko-KR" sz="1600" dirty="0">
+                <a:effectLst>
+                  <a:outerShdw blurRad="38100" dist="38100" dir="2700000" algn="tl">
+                    <a:srgbClr val="000000">
+                      <a:alpha val="43137"/>
+                    </a:srgbClr>
+                  </a:outerShdw>
+                </a:effectLst>
+              </a:rPr>
+              <a:t>	</a:t>
+            </a:r>
+            <a:r>
+              <a:rPr lang="en-US" altLang="ko-KR" sz="1600" dirty="0" err="1">
+                <a:effectLst>
+                  <a:outerShdw blurRad="38100" dist="38100" dir="2700000" algn="tl">
+                    <a:srgbClr val="000000">
+                      <a:alpha val="43137"/>
+                    </a:srgbClr>
+                  </a:outerShdw>
+                </a:effectLst>
+              </a:rPr>
+              <a:t>fclose</a:t>
+            </a:r>
+            <a:r>
+              <a:rPr lang="en-US" altLang="ko-KR" sz="1600" dirty="0">
+                <a:effectLst>
+                  <a:outerShdw blurRad="38100" dist="38100" dir="2700000" algn="tl">
+                    <a:srgbClr val="000000">
+                      <a:alpha val="43137"/>
+                    </a:srgbClr>
+                  </a:outerShdw>
+                </a:effectLst>
+              </a:rPr>
+              <a:t>(</a:t>
+            </a:r>
+            <a:r>
+              <a:rPr lang="en-US" altLang="ko-KR" sz="1600" dirty="0" err="1">
+                <a:effectLst>
+                  <a:outerShdw blurRad="38100" dist="38100" dir="2700000" algn="tl">
+                    <a:srgbClr val="000000">
+                      <a:alpha val="43137"/>
+                    </a:srgbClr>
+                  </a:outerShdw>
+                </a:effectLst>
+              </a:rPr>
+              <a:t>fp</a:t>
+            </a:r>
+            <a:r>
+              <a:rPr lang="en-US" altLang="ko-KR" sz="1600" dirty="0">
+                <a:effectLst>
+                  <a:outerShdw blurRad="38100" dist="38100" dir="2700000" algn="tl">
+                    <a:srgbClr val="000000">
+                      <a:alpha val="43137"/>
+                    </a:srgbClr>
+                  </a:outerShdw>
+                </a:effectLst>
+              </a:rPr>
+              <a:t>);</a:t>
+            </a:r>
+          </a:p>
+          <a:p>
+            <a:endParaRPr lang="en-US" altLang="ko-KR" sz="1600" dirty="0">
               <a:effectLst>
                 <a:outerShdw blurRad="38100" dist="38100" dir="2700000" algn="tl">
                   <a:srgbClr val="000000">
@@ -6716,62 +7279,254 @@
           </a:p>
           <a:p>
             <a:r>
-              <a:rPr lang="en-US" altLang="ko-KR" sz="1600">
-                <a:effectLst>
-                  <a:outerShdw blurRad="38100" dist="38100" dir="2700000" algn="tl">
-                    <a:srgbClr val="000000">
-                      <a:alpha val="43137"/>
-                    </a:srgbClr>
-                  </a:outerShdw>
-                </a:effectLst>
-              </a:rPr>
-              <a:t>	fp = fopen("world.txt", "r");</a:t>
-            </a:r>
-          </a:p>
-          <a:p>
-            <a:r>
-              <a:rPr lang="en-US" altLang="ko-KR" sz="1600">
-                <a:effectLst>
-                  <a:outerShdw blurRad="38100" dist="38100" dir="2700000" algn="tl">
-                    <a:srgbClr val="000000">
-                      <a:alpha val="43137"/>
-                    </a:srgbClr>
-                  </a:outerShdw>
-                </a:effectLst>
-              </a:rPr>
-              <a:t>	fscanf(fp, "%s", buffer);</a:t>
-            </a:r>
-          </a:p>
-          <a:p>
-            <a:r>
-              <a:rPr lang="en-US" altLang="ko-KR" sz="1600">
-                <a:effectLst>
-                  <a:outerShdw blurRad="38100" dist="38100" dir="2700000" algn="tl">
-                    <a:srgbClr val="000000">
-                      <a:alpha val="43137"/>
-                    </a:srgbClr>
-                  </a:outerShdw>
-                </a:effectLst>
-              </a:rPr>
-              <a:t>	printf("%s", buffer);</a:t>
-            </a:r>
-          </a:p>
-          <a:p>
-            <a:r>
-              <a:rPr lang="en-US" altLang="ko-KR" sz="1600">
-                <a:effectLst>
-                  <a:outerShdw blurRad="38100" dist="38100" dir="2700000" algn="tl">
-                    <a:srgbClr val="000000">
-                      <a:alpha val="43137"/>
-                    </a:srgbClr>
-                  </a:outerShdw>
-                </a:effectLst>
-              </a:rPr>
-              <a:t>	fclose(fp);</a:t>
-            </a:r>
-          </a:p>
-          <a:p>
-            <a:endParaRPr lang="en-US" altLang="ko-KR" sz="1600">
+              <a:rPr lang="en-US" altLang="ko-KR" sz="1600" dirty="0">
+                <a:effectLst>
+                  <a:outerShdw blurRad="38100" dist="38100" dir="2700000" algn="tl">
+                    <a:srgbClr val="000000">
+                      <a:alpha val="43137"/>
+                    </a:srgbClr>
+                  </a:outerShdw>
+                </a:effectLst>
+              </a:rPr>
+              <a:t>	</a:t>
+            </a:r>
+            <a:r>
+              <a:rPr lang="en-US" altLang="ko-KR" sz="1600" dirty="0" err="1">
+                <a:effectLst>
+                  <a:outerShdw blurRad="38100" dist="38100" dir="2700000" algn="tl">
+                    <a:srgbClr val="000000">
+                      <a:alpha val="43137"/>
+                    </a:srgbClr>
+                  </a:outerShdw>
+                </a:effectLst>
+              </a:rPr>
+              <a:t>fp</a:t>
+            </a:r>
+            <a:r>
+              <a:rPr lang="en-US" altLang="ko-KR" sz="1600" dirty="0">
+                <a:effectLst>
+                  <a:outerShdw blurRad="38100" dist="38100" dir="2700000" algn="tl">
+                    <a:srgbClr val="000000">
+                      <a:alpha val="43137"/>
+                    </a:srgbClr>
+                  </a:outerShdw>
+                </a:effectLst>
+              </a:rPr>
+              <a:t> = </a:t>
+            </a:r>
+            <a:r>
+              <a:rPr lang="en-US" altLang="ko-KR" sz="1600" dirty="0" err="1">
+                <a:effectLst>
+                  <a:outerShdw blurRad="38100" dist="38100" dir="2700000" algn="tl">
+                    <a:srgbClr val="000000">
+                      <a:alpha val="43137"/>
+                    </a:srgbClr>
+                  </a:outerShdw>
+                </a:effectLst>
+              </a:rPr>
+              <a:t>fopen</a:t>
+            </a:r>
+            <a:r>
+              <a:rPr lang="en-US" altLang="ko-KR" sz="1600" dirty="0">
+                <a:effectLst>
+                  <a:outerShdw blurRad="38100" dist="38100" dir="2700000" algn="tl">
+                    <a:srgbClr val="000000">
+                      <a:alpha val="43137"/>
+                    </a:srgbClr>
+                  </a:outerShdw>
+                </a:effectLst>
+              </a:rPr>
+              <a:t>("</a:t>
+            </a:r>
+            <a:r>
+              <a:rPr lang="en-US" altLang="ko-KR" sz="1600" dirty="0" err="1">
+                <a:effectLst>
+                  <a:outerShdw blurRad="38100" dist="38100" dir="2700000" algn="tl">
+                    <a:srgbClr val="000000">
+                      <a:alpha val="43137"/>
+                    </a:srgbClr>
+                  </a:outerShdw>
+                </a:effectLst>
+              </a:rPr>
+              <a:t>world.txt</a:t>
+            </a:r>
+            <a:r>
+              <a:rPr lang="en-US" altLang="ko-KR" sz="1600" dirty="0">
+                <a:effectLst>
+                  <a:outerShdw blurRad="38100" dist="38100" dir="2700000" algn="tl">
+                    <a:srgbClr val="000000">
+                      <a:alpha val="43137"/>
+                    </a:srgbClr>
+                  </a:outerShdw>
+                </a:effectLst>
+              </a:rPr>
+              <a:t>", "r");</a:t>
+            </a:r>
+          </a:p>
+          <a:p>
+            <a:r>
+              <a:rPr lang="en-US" altLang="ko-KR" sz="1600" dirty="0">
+                <a:effectLst>
+                  <a:outerShdw blurRad="38100" dist="38100" dir="2700000" algn="tl">
+                    <a:srgbClr val="000000">
+                      <a:alpha val="43137"/>
+                    </a:srgbClr>
+                  </a:outerShdw>
+                </a:effectLst>
+              </a:rPr>
+              <a:t>	</a:t>
+            </a:r>
+            <a:r>
+              <a:rPr lang="en-US" altLang="ko-KR" sz="1600" dirty="0" err="1">
+                <a:effectLst>
+                  <a:outerShdw blurRad="38100" dist="38100" dir="2700000" algn="tl">
+                    <a:srgbClr val="000000">
+                      <a:alpha val="43137"/>
+                    </a:srgbClr>
+                  </a:outerShdw>
+                </a:effectLst>
+              </a:rPr>
+              <a:t>fscanf</a:t>
+            </a:r>
+            <a:r>
+              <a:rPr lang="en-US" altLang="ko-KR" sz="1600" dirty="0">
+                <a:effectLst>
+                  <a:outerShdw blurRad="38100" dist="38100" dir="2700000" algn="tl">
+                    <a:srgbClr val="000000">
+                      <a:alpha val="43137"/>
+                    </a:srgbClr>
+                  </a:outerShdw>
+                </a:effectLst>
+              </a:rPr>
+              <a:t>(</a:t>
+            </a:r>
+            <a:r>
+              <a:rPr lang="en-US" altLang="ko-KR" sz="1600" dirty="0" err="1">
+                <a:effectLst>
+                  <a:outerShdw blurRad="38100" dist="38100" dir="2700000" algn="tl">
+                    <a:srgbClr val="000000">
+                      <a:alpha val="43137"/>
+                    </a:srgbClr>
+                  </a:outerShdw>
+                </a:effectLst>
+              </a:rPr>
+              <a:t>fp</a:t>
+            </a:r>
+            <a:r>
+              <a:rPr lang="en-US" altLang="ko-KR" sz="1600" dirty="0">
+                <a:effectLst>
+                  <a:outerShdw blurRad="38100" dist="38100" dir="2700000" algn="tl">
+                    <a:srgbClr val="000000">
+                      <a:alpha val="43137"/>
+                    </a:srgbClr>
+                  </a:outerShdw>
+                </a:effectLst>
+              </a:rPr>
+              <a:t>, "%s", buffer);</a:t>
+            </a:r>
+          </a:p>
+          <a:p>
+            <a:r>
+              <a:rPr lang="en-US" altLang="ko-KR" sz="1600" dirty="0">
+                <a:effectLst>
+                  <a:outerShdw blurRad="38100" dist="38100" dir="2700000" algn="tl">
+                    <a:srgbClr val="000000">
+                      <a:alpha val="43137"/>
+                    </a:srgbClr>
+                  </a:outerShdw>
+                </a:effectLst>
+              </a:rPr>
+              <a:t>	</a:t>
+            </a:r>
+            <a:r>
+              <a:rPr lang="en-US" altLang="ko-KR" sz="1600" dirty="0" err="1">
+                <a:effectLst>
+                  <a:outerShdw blurRad="38100" dist="38100" dir="2700000" algn="tl">
+                    <a:srgbClr val="000000">
+                      <a:alpha val="43137"/>
+                    </a:srgbClr>
+                  </a:outerShdw>
+                </a:effectLst>
+              </a:rPr>
+              <a:t>printf</a:t>
+            </a:r>
+            <a:r>
+              <a:rPr lang="en-US" altLang="ko-KR" sz="1600" dirty="0">
+                <a:effectLst>
+                  <a:outerShdw blurRad="38100" dist="38100" dir="2700000" algn="tl">
+                    <a:srgbClr val="000000">
+                      <a:alpha val="43137"/>
+                    </a:srgbClr>
+                  </a:outerShdw>
+                </a:effectLst>
+              </a:rPr>
+              <a:t>("%s", buffer);</a:t>
+            </a:r>
+          </a:p>
+          <a:p>
+            <a:r>
+              <a:rPr lang="en-US" altLang="ko-KR" sz="1600" dirty="0">
+                <a:effectLst>
+                  <a:outerShdw blurRad="38100" dist="38100" dir="2700000" algn="tl">
+                    <a:srgbClr val="000000">
+                      <a:alpha val="43137"/>
+                    </a:srgbClr>
+                  </a:outerShdw>
+                </a:effectLst>
+              </a:rPr>
+              <a:t>	</a:t>
+            </a:r>
+            <a:r>
+              <a:rPr lang="en-US" altLang="ko-KR" sz="1600" dirty="0" err="1">
+                <a:effectLst>
+                  <a:outerShdw blurRad="38100" dist="38100" dir="2700000" algn="tl">
+                    <a:srgbClr val="000000">
+                      <a:alpha val="43137"/>
+                    </a:srgbClr>
+                  </a:outerShdw>
+                </a:effectLst>
+              </a:rPr>
+              <a:t>fclose</a:t>
+            </a:r>
+            <a:r>
+              <a:rPr lang="en-US" altLang="ko-KR" sz="1600" dirty="0">
+                <a:effectLst>
+                  <a:outerShdw blurRad="38100" dist="38100" dir="2700000" algn="tl">
+                    <a:srgbClr val="000000">
+                      <a:alpha val="43137"/>
+                    </a:srgbClr>
+                  </a:outerShdw>
+                </a:effectLst>
+              </a:rPr>
+              <a:t>(</a:t>
+            </a:r>
+            <a:r>
+              <a:rPr lang="en-US" altLang="ko-KR" sz="1600" dirty="0" err="1">
+                <a:effectLst>
+                  <a:outerShdw blurRad="38100" dist="38100" dir="2700000" algn="tl">
+                    <a:srgbClr val="000000">
+                      <a:alpha val="43137"/>
+                    </a:srgbClr>
+                  </a:outerShdw>
+                </a:effectLst>
+              </a:rPr>
+              <a:t>fp</a:t>
+            </a:r>
+            <a:r>
+              <a:rPr lang="en-US" altLang="ko-KR" sz="1600" dirty="0">
+                <a:effectLst>
+                  <a:outerShdw blurRad="38100" dist="38100" dir="2700000" algn="tl">
+                    <a:srgbClr val="000000">
+                      <a:alpha val="43137"/>
+                    </a:srgbClr>
+                  </a:outerShdw>
+                </a:effectLst>
+              </a:rPr>
+              <a:t>);</a:t>
+            </a:r>
+          </a:p>
+          <a:p>
+            <a:endParaRPr lang="en-US" altLang="ko-KR" sz="1600" dirty="0">
               <a:effectLst>
                 <a:outerShdw blurRad="38100" dist="38100" dir="2700000" algn="tl">
                   <a:srgbClr val="000000">
@@ -6783,7 +7538,7 @@
           </a:p>
           <a:p>
             <a:r>
-              <a:rPr lang="en-US" altLang="ko-KR" sz="1600">
+              <a:rPr lang="en-US" altLang="ko-KR" sz="1600" dirty="0">
                 <a:effectLst>
                   <a:outerShdw blurRad="38100" dist="38100" dir="2700000" algn="tl">
                     <a:srgbClr val="000000">
@@ -6797,7 +7552,7 @@
           </a:p>
           <a:p>
             <a:r>
-              <a:rPr lang="en-US" altLang="ko-KR" sz="1600">
+              <a:rPr lang="en-US" altLang="ko-KR" sz="1600" dirty="0">
                 <a:effectLst>
                   <a:outerShdw blurRad="38100" dist="38100" dir="2700000" algn="tl">
                     <a:srgbClr val="000000">
@@ -6981,17 +7736,26 @@
           <a:p>
             <a:pPr algn="l"/>
             <a:r>
-              <a:rPr lang="ko-KR" altLang="en-US" b="1">
-                <a:effectLst>
-                  <a:outerShdw blurRad="38100" dist="38100" dir="2700000" algn="tl">
-                    <a:srgbClr val="000000">
-                      <a:alpha val="43137"/>
-                    </a:srgbClr>
-                  </a:outerShdw>
-                </a:effectLst>
-              </a:rPr>
-              <a:t>포인터</a:t>
-            </a:r>
+              <a:rPr lang="ko-KR" altLang="en-US" b="1" dirty="0" err="1">
+                <a:effectLst>
+                  <a:outerShdw blurRad="38100" dist="38100" dir="2700000" algn="tl">
+                    <a:srgbClr val="000000">
+                      <a:alpha val="43137"/>
+                    </a:srgbClr>
+                  </a:outerShdw>
+                </a:effectLst>
+              </a:rPr>
+              <a:t>파일입출력</a:t>
+            </a:r>
+            <a:endParaRPr lang="ko-KR" altLang="en-US" b="1" dirty="0">
+              <a:effectLst>
+                <a:outerShdw blurRad="38100" dist="38100" dir="2700000" algn="tl">
+                  <a:srgbClr val="000000">
+                    <a:alpha val="43137"/>
+                  </a:srgbClr>
+                </a:outerShdw>
+              </a:effectLst>
+            </a:endParaRPr>
           </a:p>
         </p:txBody>
       </p:sp>
@@ -7824,6 +8588,57 @@
           </a:p>
         </p:txBody>
       </p:sp>
+      <mc:AlternateContent xmlns:mc="http://schemas.openxmlformats.org/markup-compatibility/2006">
+        <mc:Choice xmlns:p14="http://schemas.microsoft.com/office/powerpoint/2010/main" Requires="p14">
+          <p:contentPart p14:bwMode="auto" r:id="rId3">
+            <p14:nvContentPartPr>
+              <p14:cNvPr id="3" name="잉크 2">
+                <a:extLst>
+                  <a:ext uri="{FF2B5EF4-FFF2-40B4-BE49-F238E27FC236}">
+                    <a16:creationId xmlns:a16="http://schemas.microsoft.com/office/drawing/2014/main" id="{82C008D3-C358-446A-9C28-B0F526E2213C}"/>
+                  </a:ext>
+                </a:extLst>
+              </p14:cNvPr>
+              <p14:cNvContentPartPr/>
+              <p14:nvPr/>
+            </p14:nvContentPartPr>
+            <p14:xfrm>
+              <a:off x="1581120" y="1847880"/>
+              <a:ext cx="2908800" cy="1829160"/>
+            </p14:xfrm>
+          </p:contentPart>
+        </mc:Choice>
+        <mc:Fallback>
+          <p:pic>
+            <p:nvPicPr>
+              <p:cNvPr id="3" name="잉크 2">
+                <a:extLst>
+                  <a:ext uri="{FF2B5EF4-FFF2-40B4-BE49-F238E27FC236}">
+                    <a16:creationId xmlns:a16="http://schemas.microsoft.com/office/drawing/2014/main" id="{82C008D3-C358-446A-9C28-B0F526E2213C}"/>
+                  </a:ext>
+                </a:extLst>
+              </p:cNvPr>
+              <p:cNvPicPr/>
+              <p:nvPr/>
+            </p:nvPicPr>
+            <p:blipFill>
+              <a:blip r:embed="rId4"/>
+              <a:stretch>
+                <a:fillRect/>
+              </a:stretch>
+            </p:blipFill>
+            <p:spPr>
+              <a:xfrm>
+                <a:off x="1571760" y="1838520"/>
+                <a:ext cx="2927520" cy="1847880"/>
+              </a:xfrm>
+              <a:prstGeom prst="rect">
+                <a:avLst/>
+              </a:prstGeom>
+            </p:spPr>
+          </p:pic>
+        </mc:Fallback>
+      </mc:AlternateContent>
     </p:spTree>
     <p:extLst>
       <p:ext uri="{BB962C8B-B14F-4D97-AF65-F5344CB8AC3E}">
@@ -8065,16 +8880,28 @@
               <a:buChar char="•"/>
             </a:pPr>
             <a:r>
-              <a:rPr lang="en-US" altLang="ko-KR" sz="3200">
-                <a:effectLst>
-                  <a:outerShdw blurRad="38100" dist="38100" dir="2700000" algn="tl">
-                    <a:srgbClr val="000000">
-                      <a:alpha val="43137"/>
-                    </a:srgbClr>
-                  </a:outerShdw>
-                </a:effectLst>
-              </a:rPr>
-              <a:t>boj.kr/2592</a:t>
+              <a:rPr lang="en-US" altLang="ko-KR" sz="3200" dirty="0" err="1">
+                <a:effectLst>
+                  <a:outerShdw blurRad="38100" dist="38100" dir="2700000" algn="tl">
+                    <a:srgbClr val="000000">
+                      <a:alpha val="43137"/>
+                    </a:srgbClr>
+                  </a:outerShdw>
+                </a:effectLst>
+              </a:rPr>
+              <a:t>boj.kr</a:t>
+            </a:r>
+            <a:r>
+              <a:rPr lang="en-US" altLang="ko-KR" sz="3200" dirty="0">
+                <a:effectLst>
+                  <a:outerShdw blurRad="38100" dist="38100" dir="2700000" algn="tl">
+                    <a:srgbClr val="000000">
+                      <a:alpha val="43137"/>
+                    </a:srgbClr>
+                  </a:outerShdw>
+                </a:effectLst>
+              </a:rPr>
+              <a:t>/2562</a:t>
             </a:r>
           </a:p>
           <a:p>
@@ -8082,7 +8909,7 @@
               <a:buFont typeface="Arial" panose="020B0604020202020204" pitchFamily="34" charset="0"/>
               <a:buChar char="•"/>
             </a:pPr>
-            <a:endParaRPr lang="en-US" altLang="ko-KR" sz="3200">
+            <a:endParaRPr lang="en-US" altLang="ko-KR" sz="3200" dirty="0">
               <a:effectLst>
                 <a:outerShdw blurRad="38100" dist="38100" dir="2700000" algn="tl">
                   <a:srgbClr val="000000">
@@ -8098,20 +8925,83 @@
               <a:buChar char="•"/>
             </a:pPr>
             <a:r>
-              <a:rPr lang="en-US" altLang="ko-KR" sz="3200">
-                <a:effectLst>
-                  <a:outerShdw blurRad="38100" dist="38100" dir="2700000" algn="tl">
-                    <a:srgbClr val="000000">
-                      <a:alpha val="43137"/>
-                    </a:srgbClr>
-                  </a:outerShdw>
-                </a:effectLst>
-              </a:rPr>
-              <a:t>boj.kr/8958</a:t>
-            </a:r>
-          </a:p>
-        </p:txBody>
-      </p:sp>
+              <a:rPr lang="en-US" altLang="ko-KR" sz="3200" dirty="0" err="1">
+                <a:effectLst>
+                  <a:outerShdw blurRad="38100" dist="38100" dir="2700000" algn="tl">
+                    <a:srgbClr val="000000">
+                      <a:alpha val="43137"/>
+                    </a:srgbClr>
+                  </a:outerShdw>
+                </a:effectLst>
+              </a:rPr>
+              <a:t>boj.kr</a:t>
+            </a:r>
+            <a:r>
+              <a:rPr lang="en-US" altLang="ko-KR" sz="3200" dirty="0">
+                <a:effectLst>
+                  <a:outerShdw blurRad="38100" dist="38100" dir="2700000" algn="tl">
+                    <a:srgbClr val="000000">
+                      <a:alpha val="43137"/>
+                    </a:srgbClr>
+                  </a:outerShdw>
+                </a:effectLst>
+              </a:rPr>
+              <a:t>/8958</a:t>
+            </a:r>
+          </a:p>
+        </p:txBody>
+      </p:sp>
+      <mc:AlternateContent xmlns:mc="http://schemas.openxmlformats.org/markup-compatibility/2006">
+        <mc:Choice xmlns:p14="http://schemas.microsoft.com/office/powerpoint/2010/main" Requires="p14">
+          <p:contentPart p14:bwMode="auto" r:id="rId3">
+            <p14:nvContentPartPr>
+              <p14:cNvPr id="3" name="잉크 2">
+                <a:extLst>
+                  <a:ext uri="{FF2B5EF4-FFF2-40B4-BE49-F238E27FC236}">
+                    <a16:creationId xmlns:a16="http://schemas.microsoft.com/office/drawing/2014/main" id="{CB7F3C27-16AB-4B9B-A4C4-5C2FC315959F}"/>
+                  </a:ext>
+                </a:extLst>
+              </p14:cNvPr>
+              <p14:cNvContentPartPr/>
+              <p14:nvPr/>
+            </p14:nvContentPartPr>
+            <p14:xfrm>
+              <a:off x="1689120" y="2235240"/>
+              <a:ext cx="2140200" cy="63720"/>
+            </p14:xfrm>
+          </p:contentPart>
+        </mc:Choice>
+        <mc:Fallback>
+          <p:pic>
+            <p:nvPicPr>
+              <p:cNvPr id="3" name="잉크 2">
+                <a:extLst>
+                  <a:ext uri="{FF2B5EF4-FFF2-40B4-BE49-F238E27FC236}">
+                    <a16:creationId xmlns:a16="http://schemas.microsoft.com/office/drawing/2014/main" id="{CB7F3C27-16AB-4B9B-A4C4-5C2FC315959F}"/>
+                  </a:ext>
+                </a:extLst>
+              </p:cNvPr>
+              <p:cNvPicPr/>
+              <p:nvPr/>
+            </p:nvPicPr>
+            <p:blipFill>
+              <a:blip r:embed="rId4"/>
+              <a:stretch>
+                <a:fillRect/>
+              </a:stretch>
+            </p:blipFill>
+            <p:spPr>
+              <a:xfrm>
+                <a:off x="1679760" y="2225880"/>
+                <a:ext cx="2158920" cy="82440"/>
+              </a:xfrm>
+              <a:prstGeom prst="rect">
+                <a:avLst/>
+              </a:prstGeom>
+            </p:spPr>
+          </p:pic>
+        </mc:Fallback>
+      </mc:AlternateContent>
     </p:spTree>
     <p:extLst>
       <p:ext uri="{BB962C8B-B14F-4D97-AF65-F5344CB8AC3E}">
